--- a/contents/동물서바이벌/보스 컨셉_패턴용.pptx
+++ b/contents/동물서바이벌/보스 컨셉_패턴용.pptx
@@ -10,16 +10,16 @@
   <p:sldIdLst>
     <p:sldId id="266" r:id="rId2"/>
     <p:sldId id="277" r:id="rId3"/>
-    <p:sldId id="267" r:id="rId4"/>
-    <p:sldId id="268" r:id="rId5"/>
-    <p:sldId id="269" r:id="rId6"/>
-    <p:sldId id="270" r:id="rId7"/>
-    <p:sldId id="271" r:id="rId8"/>
-    <p:sldId id="272" r:id="rId9"/>
-    <p:sldId id="273" r:id="rId10"/>
-    <p:sldId id="274" r:id="rId11"/>
-    <p:sldId id="275" r:id="rId12"/>
-    <p:sldId id="276" r:id="rId13"/>
+    <p:sldId id="278" r:id="rId4"/>
+    <p:sldId id="279" r:id="rId5"/>
+    <p:sldId id="280" r:id="rId6"/>
+    <p:sldId id="281" r:id="rId7"/>
+    <p:sldId id="282" r:id="rId8"/>
+    <p:sldId id="283" r:id="rId9"/>
+    <p:sldId id="284" r:id="rId10"/>
+    <p:sldId id="285" r:id="rId11"/>
+    <p:sldId id="286" r:id="rId12"/>
+    <p:sldId id="287" r:id="rId13"/>
     <p:sldId id="257" r:id="rId14"/>
     <p:sldId id="258" r:id="rId15"/>
     <p:sldId id="259" r:id="rId16"/>
@@ -415,7 +415,7 @@
     </p:spTree>
     <p:extLst>
       <p:ext uri="{BB962C8B-B14F-4D97-AF65-F5344CB8AC3E}">
-        <p14:creationId xmlns:p14="http://schemas.microsoft.com/office/powerpoint/2010/main" val="929033110"/>
+        <p14:creationId xmlns:p14="http://schemas.microsoft.com/office/powerpoint/2010/main" val="4134585443"/>
       </p:ext>
     </p:extLst>
   </p:cSld>
@@ -499,7 +499,7 @@
     </p:spTree>
     <p:extLst>
       <p:ext uri="{BB962C8B-B14F-4D97-AF65-F5344CB8AC3E}">
-        <p14:creationId xmlns:p14="http://schemas.microsoft.com/office/powerpoint/2010/main" val="1343946029"/>
+        <p14:creationId xmlns:p14="http://schemas.microsoft.com/office/powerpoint/2010/main" val="3987021841"/>
       </p:ext>
     </p:extLst>
   </p:cSld>
@@ -583,7 +583,7 @@
     </p:spTree>
     <p:extLst>
       <p:ext uri="{BB962C8B-B14F-4D97-AF65-F5344CB8AC3E}">
-        <p14:creationId xmlns:p14="http://schemas.microsoft.com/office/powerpoint/2010/main" val="3733114116"/>
+        <p14:creationId xmlns:p14="http://schemas.microsoft.com/office/powerpoint/2010/main" val="4227328185"/>
       </p:ext>
     </p:extLst>
   </p:cSld>
@@ -1507,7 +1507,7 @@
     </p:spTree>
     <p:extLst>
       <p:ext uri="{BB962C8B-B14F-4D97-AF65-F5344CB8AC3E}">
-        <p14:creationId xmlns:p14="http://schemas.microsoft.com/office/powerpoint/2010/main" val="1456986595"/>
+        <p14:creationId xmlns:p14="http://schemas.microsoft.com/office/powerpoint/2010/main" val="3372390271"/>
       </p:ext>
     </p:extLst>
   </p:cSld>
@@ -1591,7 +1591,7 @@
     </p:spTree>
     <p:extLst>
       <p:ext uri="{BB962C8B-B14F-4D97-AF65-F5344CB8AC3E}">
-        <p14:creationId xmlns:p14="http://schemas.microsoft.com/office/powerpoint/2010/main" val="368246338"/>
+        <p14:creationId xmlns:p14="http://schemas.microsoft.com/office/powerpoint/2010/main" val="2991780365"/>
       </p:ext>
     </p:extLst>
   </p:cSld>
@@ -1675,7 +1675,7 @@
     </p:spTree>
     <p:extLst>
       <p:ext uri="{BB962C8B-B14F-4D97-AF65-F5344CB8AC3E}">
-        <p14:creationId xmlns:p14="http://schemas.microsoft.com/office/powerpoint/2010/main" val="2408745891"/>
+        <p14:creationId xmlns:p14="http://schemas.microsoft.com/office/powerpoint/2010/main" val="2249136102"/>
       </p:ext>
     </p:extLst>
   </p:cSld>
@@ -1759,7 +1759,7 @@
     </p:spTree>
     <p:extLst>
       <p:ext uri="{BB962C8B-B14F-4D97-AF65-F5344CB8AC3E}">
-        <p14:creationId xmlns:p14="http://schemas.microsoft.com/office/powerpoint/2010/main" val="3056366629"/>
+        <p14:creationId xmlns:p14="http://schemas.microsoft.com/office/powerpoint/2010/main" val="496819572"/>
       </p:ext>
     </p:extLst>
   </p:cSld>
@@ -1843,7 +1843,7 @@
     </p:spTree>
     <p:extLst>
       <p:ext uri="{BB962C8B-B14F-4D97-AF65-F5344CB8AC3E}">
-        <p14:creationId xmlns:p14="http://schemas.microsoft.com/office/powerpoint/2010/main" val="2819435593"/>
+        <p14:creationId xmlns:p14="http://schemas.microsoft.com/office/powerpoint/2010/main" val="1761565260"/>
       </p:ext>
     </p:extLst>
   </p:cSld>
@@ -1927,7 +1927,7 @@
     </p:spTree>
     <p:extLst>
       <p:ext uri="{BB962C8B-B14F-4D97-AF65-F5344CB8AC3E}">
-        <p14:creationId xmlns:p14="http://schemas.microsoft.com/office/powerpoint/2010/main" val="777937186"/>
+        <p14:creationId xmlns:p14="http://schemas.microsoft.com/office/powerpoint/2010/main" val="3106091973"/>
       </p:ext>
     </p:extLst>
   </p:cSld>
@@ -2011,7 +2011,7 @@
     </p:spTree>
     <p:extLst>
       <p:ext uri="{BB962C8B-B14F-4D97-AF65-F5344CB8AC3E}">
-        <p14:creationId xmlns:p14="http://schemas.microsoft.com/office/powerpoint/2010/main" val="1027301716"/>
+        <p14:creationId xmlns:p14="http://schemas.microsoft.com/office/powerpoint/2010/main" val="1080868476"/>
       </p:ext>
     </p:extLst>
   </p:cSld>
@@ -2433,7 +2433,7 @@
         </p:nvSpPr>
         <p:spPr>
           <a:xfrm>
-            <a:off x="1119187" y="3028337"/>
+            <a:off x="1057126" y="3691295"/>
             <a:ext cx="499943" cy="499943"/>
           </a:xfrm>
           <a:prstGeom prst="roundRect">
@@ -2462,7 +2462,7 @@
         </p:nvSpPr>
         <p:spPr>
           <a:xfrm>
-            <a:off x="1294804" y="3070009"/>
+            <a:off x="1232743" y="3732967"/>
             <a:ext cx="148709" cy="416481"/>
           </a:xfrm>
           <a:prstGeom prst="rect">
@@ -2504,7 +2504,7 @@
         </p:nvSpPr>
         <p:spPr>
           <a:xfrm>
-            <a:off x="1841301" y="3104656"/>
+            <a:off x="1779240" y="3767614"/>
             <a:ext cx="2777490" cy="347186"/>
           </a:xfrm>
           <a:prstGeom prst="rect">
@@ -2583,7 +2583,7 @@
         </p:nvSpPr>
         <p:spPr>
           <a:xfrm>
-            <a:off x="1119187" y="4451409"/>
+            <a:off x="1057126" y="5114367"/>
             <a:ext cx="499943" cy="499943"/>
           </a:xfrm>
           <a:prstGeom prst="roundRect">
@@ -2612,7 +2612,7 @@
         </p:nvSpPr>
         <p:spPr>
           <a:xfrm>
-            <a:off x="1266467" y="4493081"/>
+            <a:off x="1204406" y="5156039"/>
             <a:ext cx="205383" cy="416481"/>
           </a:xfrm>
           <a:prstGeom prst="rect">
@@ -2652,8 +2652,8 @@
         </p:nvSpPr>
         <p:spPr>
           <a:xfrm>
-            <a:off x="1841301" y="4527728"/>
-            <a:ext cx="2777490" cy="347186"/>
+            <a:off x="1779240" y="5190686"/>
+            <a:ext cx="9531490" cy="1578034"/>
           </a:xfrm>
           <a:prstGeom prst="rect">
             <a:avLst/>
@@ -2724,7 +2724,15 @@
             </a:r>
             <a:r>
               <a:rPr lang="ko-KR" altLang="en-US" sz="2187" dirty="0"/>
-              <a:t>공격 딜레이</a:t>
+              <a:t>공격 선 딜레이</a:t>
+            </a:r>
+            <a:r>
+              <a:rPr lang="en-US" altLang="ko-KR" sz="2187" dirty="0"/>
+              <a:t>,</a:t>
+            </a:r>
+            <a:r>
+              <a:rPr lang="ko-KR" altLang="en-US" sz="2187" dirty="0"/>
+              <a:t>공격 후 딜레이</a:t>
             </a:r>
             <a:br>
               <a:rPr lang="en-US" altLang="ko-KR" sz="2187" dirty="0"/>
@@ -2771,8 +2779,19 @@
             </a:r>
             <a:r>
               <a:rPr lang="ko-KR" altLang="en-US" sz="2187" dirty="0"/>
-              <a:t>공격 딜레이</a:t>
-            </a:r>
+              <a:t>공격 선 딜레이</a:t>
+            </a:r>
+            <a:r>
+              <a:rPr lang="en-US" altLang="ko-KR" sz="2187" dirty="0"/>
+              <a:t>,</a:t>
+            </a:r>
+            <a:r>
+              <a:rPr lang="ko-KR" altLang="en-US" sz="2187" dirty="0"/>
+              <a:t>공격 후 딜레이</a:t>
+            </a:r>
+            <a:br>
+              <a:rPr lang="en-US" altLang="ko-KR" sz="2187" dirty="0"/>
+            </a:br>
             <a:endParaRPr lang="en-US" altLang="ko-KR" sz="2187" dirty="0"/>
           </a:p>
           <a:p>
@@ -2801,7 +2820,7 @@
         <p:spPr>
           <a:xfrm>
             <a:off x="390495" y="1460880"/>
-            <a:ext cx="2777490" cy="347186"/>
+            <a:ext cx="11854514" cy="2037694"/>
           </a:xfrm>
           <a:prstGeom prst="rect">
             <a:avLst/>
@@ -2858,6 +2877,31 @@
               <a:rPr lang="en-US" altLang="ko-KR" sz="2187" dirty="0"/>
               <a:t>.</a:t>
             </a:r>
+          </a:p>
+          <a:p>
+            <a:pPr marL="0" indent="0">
+              <a:lnSpc>
+                <a:spcPct val="150000"/>
+              </a:lnSpc>
+              <a:buNone/>
+            </a:pPr>
+            <a:r>
+              <a:rPr lang="en-US" altLang="ko-KR" sz="2187" dirty="0"/>
+              <a:t>- </a:t>
+            </a:r>
+            <a:r>
+              <a:rPr lang="ko-KR" altLang="en-US" sz="2187" dirty="0"/>
+              <a:t>공격력은 기본 </a:t>
+            </a:r>
+            <a:r>
+              <a:rPr lang="en-US" altLang="ko-KR" sz="2187" dirty="0"/>
+              <a:t>10</a:t>
+            </a:r>
+            <a:r>
+              <a:rPr lang="ko-KR" altLang="en-US" sz="2187" dirty="0"/>
+              <a:t>으로 모두 통일한다</a:t>
+            </a:r>
+            <a:endParaRPr lang="en-US" altLang="ko-KR" sz="2187" dirty="0"/>
           </a:p>
           <a:p>
             <a:pPr marL="0" indent="0">
@@ -2928,7 +2972,7 @@
               <a:buNone/>
             </a:pPr>
             <a:r>
-              <a:rPr lang="en-US" sz="4374" dirty="0">
+              <a:rPr lang="en-US" altLang="ko-KR" sz="4374" dirty="0">
                 <a:solidFill>
                   <a:srgbClr val="5955EB"/>
                 </a:solidFill>
@@ -2936,7 +2980,29 @@
                 <a:ea typeface="경기천년제목 Light" panose="02020403020101020101" pitchFamily="18" charset="-127"/>
                 <a:cs typeface="Libre Baskerville" pitchFamily="34" charset="-120"/>
               </a:rPr>
-              <a:t>9단계 보스 몬스터 공격 패턴</a:t>
+              <a:t>9</a:t>
+            </a:r>
+            <a:r>
+              <a:rPr lang="ko-KR" altLang="en-US" sz="4374" dirty="0">
+                <a:solidFill>
+                  <a:srgbClr val="5955EB"/>
+                </a:solidFill>
+                <a:latin typeface="경기천년제목 Light" panose="02020403020101020101" pitchFamily="18" charset="-127"/>
+                <a:ea typeface="경기천년제목 Light" panose="02020403020101020101" pitchFamily="18" charset="-127"/>
+                <a:cs typeface="Libre Baskerville" pitchFamily="34" charset="-120"/>
+              </a:rPr>
+              <a:t>보스</a:t>
+            </a:r>
+            <a:r>
+              <a:rPr lang="en-US" altLang="ko-KR" sz="4374" dirty="0">
+                <a:solidFill>
+                  <a:srgbClr val="5955EB"/>
+                </a:solidFill>
+                <a:latin typeface="경기천년제목 Light" panose="02020403020101020101" pitchFamily="18" charset="-127"/>
+                <a:ea typeface="경기천년제목 Light" panose="02020403020101020101" pitchFamily="18" charset="-127"/>
+                <a:cs typeface="Libre Baskerville" pitchFamily="34" charset="-120"/>
+              </a:rPr>
+              <a:t>:</a:t>
             </a:r>
             <a:endParaRPr lang="en-US" sz="4374" dirty="0"/>
           </a:p>
@@ -3043,13 +3109,23 @@
             <a:r>
               <a:rPr lang="ko-KR" altLang="en-US" sz="2187" dirty="0">
                 <a:solidFill>
-                  <a:srgbClr val="5955EB"/>
+                  <a:schemeClr val="tx1">
+                    <a:lumMod val="95000"/>
+                    <a:lumOff val="5000"/>
+                  </a:schemeClr>
                 </a:solidFill>
                 <a:latin typeface="경기천년제목 Light" panose="02020403020101020101" pitchFamily="18" charset="-127"/>
               </a:rPr>
               <a:t>돌던지기</a:t>
             </a:r>
-            <a:endParaRPr lang="en-US" sz="2187" dirty="0"/>
+            <a:endParaRPr lang="en-US" sz="2187" dirty="0">
+              <a:solidFill>
+                <a:schemeClr val="tx1">
+                  <a:lumMod val="95000"/>
+                  <a:lumOff val="5000"/>
+                </a:schemeClr>
+              </a:solidFill>
+            </a:endParaRPr>
           </a:p>
         </p:txBody>
       </p:sp>
@@ -3089,7 +3165,7 @@
                 <a:ea typeface="Open Sans" pitchFamily="34" charset="-122"/>
                 <a:cs typeface="Open Sans" pitchFamily="34" charset="-120"/>
               </a:rPr>
-              <a:t>레이어를 향해 원거리 공격</a:t>
+              <a:t>플레이어를 향해 원거리 공격</a:t>
             </a:r>
             <a:r>
               <a:rPr lang="en-US" altLang="ko-KR" sz="1400" dirty="0">
@@ -3177,6 +3253,132 @@
               <a:t>.</a:t>
             </a:r>
           </a:p>
+        </p:txBody>
+      </p:sp>
+      <p:sp>
+        <p:nvSpPr>
+          <p:cNvPr id="13" name="Shape 11"/>
+          <p:cNvSpPr/>
+          <p:nvPr/>
+        </p:nvSpPr>
+        <p:spPr>
+          <a:xfrm>
+            <a:off x="6382604" y="1989695"/>
+            <a:ext cx="499943" cy="499943"/>
+          </a:xfrm>
+          <a:prstGeom prst="roundRect">
+            <a:avLst>
+              <a:gd name="adj" fmla="val 26667"/>
+            </a:avLst>
+          </a:prstGeom>
+          <a:solidFill>
+            <a:srgbClr val="DED6FF"/>
+          </a:solidFill>
+          <a:ln/>
+        </p:spPr>
+        <p:txBody>
+          <a:bodyPr/>
+          <a:lstStyle/>
+          <a:p>
+            <a:endParaRPr lang="ko-KR" altLang="en-US"/>
+          </a:p>
+        </p:txBody>
+      </p:sp>
+      <p:sp>
+        <p:nvSpPr>
+          <p:cNvPr id="14" name="Text 12"/>
+          <p:cNvSpPr/>
+          <p:nvPr/>
+        </p:nvSpPr>
+        <p:spPr>
+          <a:xfrm>
+            <a:off x="6529884" y="2031367"/>
+            <a:ext cx="205383" cy="416481"/>
+          </a:xfrm>
+          <a:prstGeom prst="rect">
+            <a:avLst/>
+          </a:prstGeom>
+          <a:noFill/>
+          <a:ln/>
+        </p:spPr>
+        <p:txBody>
+          <a:bodyPr wrap="none" rtlCol="0" anchor="t"/>
+          <a:lstStyle/>
+          <a:p>
+            <a:pPr marL="0" indent="0" algn="ctr">
+              <a:lnSpc>
+                <a:spcPts val="3281"/>
+              </a:lnSpc>
+              <a:buNone/>
+            </a:pPr>
+            <a:r>
+              <a:rPr lang="en-US" sz="2624" dirty="0">
+                <a:solidFill>
+                  <a:srgbClr val="5955EB"/>
+                </a:solidFill>
+                <a:latin typeface="경기천년제목 Light" panose="02020403020101020101" pitchFamily="18" charset="-127"/>
+              </a:rPr>
+              <a:t>2</a:t>
+            </a:r>
+            <a:endParaRPr lang="en-US" sz="2624" dirty="0"/>
+          </a:p>
+        </p:txBody>
+      </p:sp>
+      <p:sp>
+        <p:nvSpPr>
+          <p:cNvPr id="15" name="Text 13"/>
+          <p:cNvSpPr/>
+          <p:nvPr/>
+        </p:nvSpPr>
+        <p:spPr>
+          <a:xfrm>
+            <a:off x="7104718" y="2066014"/>
+            <a:ext cx="2777490" cy="347186"/>
+          </a:xfrm>
+          <a:prstGeom prst="rect">
+            <a:avLst/>
+          </a:prstGeom>
+          <a:noFill/>
+          <a:ln/>
+        </p:spPr>
+        <p:txBody>
+          <a:bodyPr wrap="none" rtlCol="0" anchor="t"/>
+          <a:lstStyle/>
+          <a:p>
+            <a:pPr marL="0" indent="0">
+              <a:lnSpc>
+                <a:spcPts val="2734"/>
+              </a:lnSpc>
+              <a:buNone/>
+            </a:pPr>
+            <a:r>
+              <a:rPr lang="ko-KR" altLang="en-US" sz="2187" dirty="0" err="1"/>
+              <a:t>침뱉기</a:t>
+            </a:r>
+            <a:endParaRPr lang="en-US" sz="2187" dirty="0"/>
+          </a:p>
+        </p:txBody>
+      </p:sp>
+      <p:sp>
+        <p:nvSpPr>
+          <p:cNvPr id="16" name="Text 14"/>
+          <p:cNvSpPr/>
+          <p:nvPr/>
+        </p:nvSpPr>
+        <p:spPr>
+          <a:xfrm>
+            <a:off x="7104718" y="2546432"/>
+            <a:ext cx="4444008" cy="710803"/>
+          </a:xfrm>
+          <a:prstGeom prst="rect">
+            <a:avLst/>
+          </a:prstGeom>
+          <a:noFill/>
+          <a:ln/>
+        </p:spPr>
+        <p:txBody>
+          <a:bodyPr wrap="square" rtlCol="0" anchor="t"/>
+          <a:lstStyle/>
           <a:p>
             <a:pPr marL="0" indent="0">
               <a:lnSpc>
@@ -3184,7 +3386,78 @@
               </a:lnSpc>
               <a:buNone/>
             </a:pPr>
-            <a:endParaRPr lang="en-US" altLang="ko-KR" sz="1400" dirty="0">
+            <a:r>
+              <a:rPr lang="ko-KR" altLang="en-US" sz="1750" dirty="0">
+                <a:solidFill>
+                  <a:srgbClr val="49495A"/>
+                </a:solidFill>
+                <a:latin typeface="Open Sans" pitchFamily="34" charset="0"/>
+                <a:ea typeface="Open Sans" pitchFamily="34" charset="-122"/>
+                <a:cs typeface="Open Sans" pitchFamily="34" charset="-120"/>
+              </a:rPr>
+              <a:t>플레이어를 향해 원거리 공격</a:t>
+            </a:r>
+            <a:r>
+              <a:rPr lang="en-US" altLang="ko-KR" sz="1750" dirty="0">
+                <a:solidFill>
+                  <a:srgbClr val="49495A"/>
+                </a:solidFill>
+                <a:latin typeface="Open Sans" pitchFamily="34" charset="0"/>
+                <a:ea typeface="Open Sans" pitchFamily="34" charset="-122"/>
+                <a:cs typeface="Open Sans" pitchFamily="34" charset="-120"/>
+              </a:rPr>
+              <a:t>, </a:t>
+            </a:r>
+          </a:p>
+          <a:p>
+            <a:pPr marL="0" indent="0">
+              <a:lnSpc>
+                <a:spcPts val="2799"/>
+              </a:lnSpc>
+              <a:buNone/>
+            </a:pPr>
+            <a:r>
+              <a:rPr lang="ko-KR" altLang="en-US" sz="1750" dirty="0">
+                <a:solidFill>
+                  <a:srgbClr val="49495A"/>
+                </a:solidFill>
+                <a:latin typeface="Open Sans" pitchFamily="34" charset="0"/>
+                <a:ea typeface="Open Sans" pitchFamily="34" charset="-122"/>
+                <a:cs typeface="Open Sans" pitchFamily="34" charset="-120"/>
+              </a:rPr>
+              <a:t>공격 발동 시 확인한 플레이어의 좌표에 연속해서 </a:t>
+            </a:r>
+            <a:r>
+              <a:rPr lang="en-US" altLang="ko-KR" sz="1750" dirty="0">
+                <a:solidFill>
+                  <a:srgbClr val="49495A"/>
+                </a:solidFill>
+                <a:latin typeface="Open Sans" pitchFamily="34" charset="0"/>
+                <a:ea typeface="Open Sans" pitchFamily="34" charset="-122"/>
+                <a:cs typeface="Open Sans" pitchFamily="34" charset="-120"/>
+              </a:rPr>
+              <a:t>3</a:t>
+            </a:r>
+            <a:r>
+              <a:rPr lang="ko-KR" altLang="en-US" sz="1750" dirty="0">
+                <a:solidFill>
+                  <a:srgbClr val="49495A"/>
+                </a:solidFill>
+                <a:latin typeface="Open Sans" pitchFamily="34" charset="0"/>
+                <a:ea typeface="Open Sans" pitchFamily="34" charset="-122"/>
+                <a:cs typeface="Open Sans" pitchFamily="34" charset="-120"/>
+              </a:rPr>
+              <a:t>번의 침을 발사 </a:t>
+            </a:r>
+          </a:p>
+          <a:p>
+            <a:pPr marL="0" indent="0">
+              <a:lnSpc>
+                <a:spcPts val="2799"/>
+              </a:lnSpc>
+              <a:buNone/>
+            </a:pPr>
+            <a:endParaRPr lang="ko-KR" altLang="en-US" sz="1750" dirty="0">
               <a:solidFill>
                 <a:srgbClr val="49495A"/>
               </a:solidFill>
@@ -3201,170 +3474,26 @@
               <a:buNone/>
             </a:pPr>
             <a:r>
-              <a:rPr lang="ko-KR" altLang="en-US" sz="1400" dirty="0">
-                <a:solidFill>
-                  <a:srgbClr val="49495A"/>
-                </a:solidFill>
-                <a:latin typeface="Open Sans" pitchFamily="34" charset="0"/>
-                <a:ea typeface="Open Sans" pitchFamily="34" charset="-122"/>
-                <a:cs typeface="Open Sans" pitchFamily="34" charset="-120"/>
-              </a:rPr>
-              <a:t>보스를 둘러싸고 있는 펜스에 닿으면 탄환은 삭제</a:t>
-            </a:r>
-            <a:endParaRPr lang="en-US" sz="1400" dirty="0"/>
-          </a:p>
-        </p:txBody>
-      </p:sp>
-      <p:sp>
-        <p:nvSpPr>
-          <p:cNvPr id="13" name="Shape 11"/>
-          <p:cNvSpPr/>
-          <p:nvPr/>
-        </p:nvSpPr>
-        <p:spPr>
-          <a:xfrm>
-            <a:off x="1016338" y="4972366"/>
-            <a:ext cx="499943" cy="499943"/>
-          </a:xfrm>
-          <a:prstGeom prst="roundRect">
-            <a:avLst>
-              <a:gd name="adj" fmla="val 26667"/>
-            </a:avLst>
-          </a:prstGeom>
-          <a:solidFill>
-            <a:srgbClr val="DED6FF"/>
-          </a:solidFill>
-          <a:ln/>
-        </p:spPr>
-        <p:txBody>
-          <a:bodyPr/>
-          <a:lstStyle/>
-          <a:p>
-            <a:endParaRPr lang="ko-KR" altLang="en-US"/>
-          </a:p>
-        </p:txBody>
-      </p:sp>
-      <p:sp>
-        <p:nvSpPr>
-          <p:cNvPr id="14" name="Text 12"/>
-          <p:cNvSpPr/>
-          <p:nvPr/>
-        </p:nvSpPr>
-        <p:spPr>
-          <a:xfrm>
-            <a:off x="1163618" y="5014038"/>
-            <a:ext cx="205383" cy="416481"/>
-          </a:xfrm>
-          <a:prstGeom prst="rect">
-            <a:avLst/>
-          </a:prstGeom>
-          <a:noFill/>
-          <a:ln/>
-        </p:spPr>
-        <p:txBody>
-          <a:bodyPr wrap="none" rtlCol="0" anchor="t"/>
-          <a:lstStyle/>
-          <a:p>
-            <a:pPr marL="0" indent="0" algn="ctr">
-              <a:lnSpc>
-                <a:spcPts val="3281"/>
-              </a:lnSpc>
-              <a:buNone/>
-            </a:pPr>
-            <a:r>
-              <a:rPr lang="en-US" sz="2624" dirty="0">
-                <a:solidFill>
-                  <a:srgbClr val="5955EB"/>
-                </a:solidFill>
-                <a:latin typeface="경기천년제목 Light" panose="02020403020101020101" pitchFamily="18" charset="-127"/>
-                <a:ea typeface="경기천년제목 Light" panose="02020403020101020101" pitchFamily="18" charset="-127"/>
-                <a:cs typeface="Libre Baskerville" pitchFamily="34" charset="-120"/>
-              </a:rPr>
-              <a:t>3</a:t>
-            </a:r>
-            <a:endParaRPr lang="en-US" sz="2624" dirty="0"/>
-          </a:p>
-        </p:txBody>
-      </p:sp>
-      <p:sp>
-        <p:nvSpPr>
-          <p:cNvPr id="15" name="Text 13"/>
-          <p:cNvSpPr/>
-          <p:nvPr/>
-        </p:nvSpPr>
-        <p:spPr>
-          <a:xfrm>
-            <a:off x="1738452" y="5048685"/>
-            <a:ext cx="2777490" cy="347186"/>
-          </a:xfrm>
-          <a:prstGeom prst="rect">
-            <a:avLst/>
-          </a:prstGeom>
-          <a:noFill/>
-          <a:ln/>
-        </p:spPr>
-        <p:txBody>
-          <a:bodyPr wrap="none" rtlCol="0" anchor="t"/>
-          <a:lstStyle/>
-          <a:p>
-            <a:pPr marL="0" indent="0">
-              <a:lnSpc>
-                <a:spcPts val="2734"/>
-              </a:lnSpc>
-              <a:buNone/>
-            </a:pPr>
-            <a:r>
-              <a:rPr lang="en-US" sz="2187" dirty="0">
-                <a:solidFill>
-                  <a:srgbClr val="5955EB"/>
-                </a:solidFill>
-                <a:latin typeface="경기천년제목 Light" panose="02020403020101020101" pitchFamily="18" charset="-127"/>
-                <a:ea typeface="경기천년제목 Light" panose="02020403020101020101" pitchFamily="18" charset="-127"/>
-                <a:cs typeface="Libre Baskerville" pitchFamily="34" charset="-120"/>
-              </a:rPr>
-              <a:t>미끄러짐 공격</a:t>
-            </a:r>
-            <a:endParaRPr lang="en-US" sz="2187" dirty="0"/>
-          </a:p>
-        </p:txBody>
-      </p:sp>
-      <p:sp>
-        <p:nvSpPr>
-          <p:cNvPr id="16" name="Text 14"/>
-          <p:cNvSpPr/>
-          <p:nvPr/>
-        </p:nvSpPr>
-        <p:spPr>
-          <a:xfrm>
-            <a:off x="1738452" y="5529103"/>
-            <a:ext cx="4444008" cy="710803"/>
-          </a:xfrm>
-          <a:prstGeom prst="rect">
-            <a:avLst/>
-          </a:prstGeom>
-          <a:noFill/>
-          <a:ln/>
-        </p:spPr>
-        <p:txBody>
-          <a:bodyPr wrap="square" rtlCol="0" anchor="t"/>
-          <a:lstStyle/>
-          <a:p>
-            <a:pPr marL="0" indent="0">
-              <a:lnSpc>
-                <a:spcPts val="2799"/>
-              </a:lnSpc>
-              <a:buNone/>
-            </a:pPr>
-            <a:r>
-              <a:rPr lang="en-US" sz="1750" dirty="0">
-                <a:solidFill>
-                  <a:srgbClr val="49495A"/>
-                </a:solidFill>
-                <a:latin typeface="Open Sans" pitchFamily="34" charset="0"/>
-                <a:ea typeface="Open Sans" pitchFamily="34" charset="-122"/>
-                <a:cs typeface="Open Sans" pitchFamily="34" charset="-120"/>
-              </a:rPr>
-              <a:t>바닥을 미끄러지듯이 이동하면서 플레이어를 공격하는 기술을 사용합니다.</a:t>
+              <a:rPr lang="ko-KR" altLang="en-US" sz="1750" dirty="0">
+                <a:solidFill>
+                  <a:srgbClr val="49495A"/>
+                </a:solidFill>
+                <a:latin typeface="Open Sans" pitchFamily="34" charset="0"/>
+                <a:ea typeface="Open Sans" pitchFamily="34" charset="-122"/>
+                <a:cs typeface="Open Sans" pitchFamily="34" charset="-120"/>
+              </a:rPr>
+              <a:t>각 침은 장판을 형성해 플레이어의 진로를 방해한다</a:t>
+            </a:r>
+            <a:r>
+              <a:rPr lang="en-US" altLang="ko-KR" sz="1750" dirty="0">
+                <a:solidFill>
+                  <a:srgbClr val="49495A"/>
+                </a:solidFill>
+                <a:latin typeface="Open Sans" pitchFamily="34" charset="0"/>
+                <a:ea typeface="Open Sans" pitchFamily="34" charset="-122"/>
+                <a:cs typeface="Open Sans" pitchFamily="34" charset="-120"/>
+              </a:rPr>
+              <a:t>.</a:t>
             </a:r>
             <a:endParaRPr lang="en-US" sz="1750" dirty="0"/>
           </a:p>
@@ -3384,7 +3513,7 @@
         </p:nvSpPr>
         <p:spPr>
           <a:xfrm>
-            <a:off x="11673840" y="320040"/>
+            <a:off x="11536680" y="5169932"/>
             <a:ext cx="2674620" cy="2705100"/>
           </a:xfrm>
           <a:prstGeom prst="roundRect">
@@ -3412,14 +3541,72 @@
           <a:lstStyle/>
           <a:p>
             <a:pPr algn="ctr"/>
-            <a:endParaRPr lang="ko-KR" altLang="en-US"/>
-          </a:p>
-        </p:txBody>
-      </p:sp>
+            <a:r>
+              <a:rPr lang="ko-KR" altLang="en-US" dirty="0"/>
+              <a:t> 몬 </a:t>
+            </a:r>
+            <a:r>
+              <a:rPr lang="ko-KR" altLang="en-US" dirty="0" err="1"/>
+              <a:t>스</a:t>
+            </a:r>
+            <a:r>
+              <a:rPr lang="ko-KR" altLang="en-US" dirty="0"/>
+              <a:t> 터 사 진</a:t>
+            </a:r>
+          </a:p>
+        </p:txBody>
+      </p:sp>
+      <p:pic>
+        <p:nvPicPr>
+          <p:cNvPr id="1026" name="Picture 2">
+            <a:extLst>
+              <a:ext uri="{FF2B5EF4-FFF2-40B4-BE49-F238E27FC236}">
+                <a16:creationId xmlns:a16="http://schemas.microsoft.com/office/drawing/2014/main" id="{C28BABEE-6308-2D7D-C942-955DDF5AAB38}"/>
+              </a:ext>
+            </a:extLst>
+          </p:cNvPr>
+          <p:cNvPicPr>
+            <a:picLocks noChangeAspect="1" noChangeArrowheads="1"/>
+          </p:cNvPicPr>
+          <p:nvPr/>
+        </p:nvPicPr>
+        <p:blipFill>
+          <a:blip r:embed="rId3">
+            <a:extLst>
+              <a:ext uri="{28A0092B-C50C-407E-A947-70E740481C1C}">
+                <a14:useLocalDpi xmlns:a14="http://schemas.microsoft.com/office/drawing/2010/main" val="0"/>
+              </a:ext>
+            </a:extLst>
+          </a:blip>
+          <a:srcRect/>
+          <a:stretch>
+            <a:fillRect/>
+          </a:stretch>
+        </p:blipFill>
+        <p:spPr bwMode="auto">
+          <a:xfrm>
+            <a:off x="1460322" y="5169932"/>
+            <a:ext cx="3172638" cy="2511109"/>
+          </a:xfrm>
+          <a:prstGeom prst="rect">
+            <a:avLst/>
+          </a:prstGeom>
+          <a:noFill/>
+          <a:extLst>
+            <a:ext uri="{909E8E84-426E-40DD-AFC4-6F175D3DCCD1}">
+              <a14:hiddenFill xmlns:a14="http://schemas.microsoft.com/office/drawing/2010/main">
+                <a:solidFill>
+                  <a:srgbClr val="FFFFFF"/>
+                </a:solidFill>
+              </a14:hiddenFill>
+            </a:ext>
+          </a:extLst>
+        </p:spPr>
+      </p:pic>
     </p:spTree>
     <p:extLst>
       <p:ext uri="{BB962C8B-B14F-4D97-AF65-F5344CB8AC3E}">
-        <p14:creationId xmlns:p14="http://schemas.microsoft.com/office/powerpoint/2010/main" val="2273670673"/>
+        <p14:creationId xmlns:p14="http://schemas.microsoft.com/office/powerpoint/2010/main" val="2388037051"/>
       </p:ext>
     </p:extLst>
   </p:cSld>
@@ -3474,7 +3661,7 @@
               <a:buNone/>
             </a:pPr>
             <a:r>
-              <a:rPr lang="en-US" sz="4374" dirty="0">
+              <a:rPr lang="en-US" altLang="ko-KR" sz="4374" dirty="0">
                 <a:solidFill>
                   <a:srgbClr val="5955EB"/>
                 </a:solidFill>
@@ -3482,7 +3669,29 @@
                 <a:ea typeface="경기천년제목 Light" panose="02020403020101020101" pitchFamily="18" charset="-127"/>
                 <a:cs typeface="Libre Baskerville" pitchFamily="34" charset="-120"/>
               </a:rPr>
-              <a:t>10단계 보스 몬스터 공격 패턴</a:t>
+              <a:t>10</a:t>
+            </a:r>
+            <a:r>
+              <a:rPr lang="ko-KR" altLang="en-US" sz="4374" dirty="0">
+                <a:solidFill>
+                  <a:srgbClr val="5955EB"/>
+                </a:solidFill>
+                <a:latin typeface="경기천년제목 Light" panose="02020403020101020101" pitchFamily="18" charset="-127"/>
+                <a:ea typeface="경기천년제목 Light" panose="02020403020101020101" pitchFamily="18" charset="-127"/>
+                <a:cs typeface="Libre Baskerville" pitchFamily="34" charset="-120"/>
+              </a:rPr>
+              <a:t>보스</a:t>
+            </a:r>
+            <a:r>
+              <a:rPr lang="en-US" altLang="ko-KR" sz="4374" dirty="0">
+                <a:solidFill>
+                  <a:srgbClr val="5955EB"/>
+                </a:solidFill>
+                <a:latin typeface="경기천년제목 Light" panose="02020403020101020101" pitchFamily="18" charset="-127"/>
+                <a:ea typeface="경기천년제목 Light" panose="02020403020101020101" pitchFamily="18" charset="-127"/>
+                <a:cs typeface="Libre Baskerville" pitchFamily="34" charset="-120"/>
+              </a:rPr>
+              <a:t>:</a:t>
             </a:r>
             <a:endParaRPr lang="en-US" sz="4374" dirty="0"/>
           </a:p>
@@ -3589,13 +3798,23 @@
             <a:r>
               <a:rPr lang="ko-KR" altLang="en-US" sz="2187" dirty="0">
                 <a:solidFill>
-                  <a:srgbClr val="5955EB"/>
+                  <a:schemeClr val="tx1">
+                    <a:lumMod val="95000"/>
+                    <a:lumOff val="5000"/>
+                  </a:schemeClr>
                 </a:solidFill>
                 <a:latin typeface="경기천년제목 Light" panose="02020403020101020101" pitchFamily="18" charset="-127"/>
               </a:rPr>
               <a:t>돌던지기</a:t>
             </a:r>
-            <a:endParaRPr lang="en-US" sz="2187" dirty="0"/>
+            <a:endParaRPr lang="en-US" sz="2187" dirty="0">
+              <a:solidFill>
+                <a:schemeClr val="tx1">
+                  <a:lumMod val="95000"/>
+                  <a:lumOff val="5000"/>
+                </a:schemeClr>
+              </a:solidFill>
+            </a:endParaRPr>
           </a:p>
         </p:txBody>
       </p:sp>
@@ -3635,7 +3854,7 @@
                 <a:ea typeface="Open Sans" pitchFamily="34" charset="-122"/>
                 <a:cs typeface="Open Sans" pitchFamily="34" charset="-120"/>
               </a:rPr>
-              <a:t>레이어를 향해 원거리 공격</a:t>
+              <a:t>플레이어를 향해 원거리 공격</a:t>
             </a:r>
             <a:r>
               <a:rPr lang="en-US" altLang="ko-KR" sz="1400" dirty="0">
@@ -3723,6 +3942,132 @@
               <a:t>.</a:t>
             </a:r>
           </a:p>
+        </p:txBody>
+      </p:sp>
+      <p:sp>
+        <p:nvSpPr>
+          <p:cNvPr id="13" name="Shape 11"/>
+          <p:cNvSpPr/>
+          <p:nvPr/>
+        </p:nvSpPr>
+        <p:spPr>
+          <a:xfrm>
+            <a:off x="6382604" y="1989695"/>
+            <a:ext cx="499943" cy="499943"/>
+          </a:xfrm>
+          <a:prstGeom prst="roundRect">
+            <a:avLst>
+              <a:gd name="adj" fmla="val 26667"/>
+            </a:avLst>
+          </a:prstGeom>
+          <a:solidFill>
+            <a:srgbClr val="DED6FF"/>
+          </a:solidFill>
+          <a:ln/>
+        </p:spPr>
+        <p:txBody>
+          <a:bodyPr/>
+          <a:lstStyle/>
+          <a:p>
+            <a:endParaRPr lang="ko-KR" altLang="en-US"/>
+          </a:p>
+        </p:txBody>
+      </p:sp>
+      <p:sp>
+        <p:nvSpPr>
+          <p:cNvPr id="14" name="Text 12"/>
+          <p:cNvSpPr/>
+          <p:nvPr/>
+        </p:nvSpPr>
+        <p:spPr>
+          <a:xfrm>
+            <a:off x="6529884" y="2031367"/>
+            <a:ext cx="205383" cy="416481"/>
+          </a:xfrm>
+          <a:prstGeom prst="rect">
+            <a:avLst/>
+          </a:prstGeom>
+          <a:noFill/>
+          <a:ln/>
+        </p:spPr>
+        <p:txBody>
+          <a:bodyPr wrap="none" rtlCol="0" anchor="t"/>
+          <a:lstStyle/>
+          <a:p>
+            <a:pPr marL="0" indent="0" algn="ctr">
+              <a:lnSpc>
+                <a:spcPts val="3281"/>
+              </a:lnSpc>
+              <a:buNone/>
+            </a:pPr>
+            <a:r>
+              <a:rPr lang="en-US" sz="2624" dirty="0">
+                <a:solidFill>
+                  <a:srgbClr val="5955EB"/>
+                </a:solidFill>
+                <a:latin typeface="경기천년제목 Light" panose="02020403020101020101" pitchFamily="18" charset="-127"/>
+              </a:rPr>
+              <a:t>2</a:t>
+            </a:r>
+            <a:endParaRPr lang="en-US" sz="2624" dirty="0"/>
+          </a:p>
+        </p:txBody>
+      </p:sp>
+      <p:sp>
+        <p:nvSpPr>
+          <p:cNvPr id="15" name="Text 13"/>
+          <p:cNvSpPr/>
+          <p:nvPr/>
+        </p:nvSpPr>
+        <p:spPr>
+          <a:xfrm>
+            <a:off x="7104718" y="2066014"/>
+            <a:ext cx="2777490" cy="347186"/>
+          </a:xfrm>
+          <a:prstGeom prst="rect">
+            <a:avLst/>
+          </a:prstGeom>
+          <a:noFill/>
+          <a:ln/>
+        </p:spPr>
+        <p:txBody>
+          <a:bodyPr wrap="none" rtlCol="0" anchor="t"/>
+          <a:lstStyle/>
+          <a:p>
+            <a:pPr marL="0" indent="0">
+              <a:lnSpc>
+                <a:spcPts val="2734"/>
+              </a:lnSpc>
+              <a:buNone/>
+            </a:pPr>
+            <a:r>
+              <a:rPr lang="ko-KR" altLang="en-US" sz="2187" dirty="0" err="1"/>
+              <a:t>침뱉기</a:t>
+            </a:r>
+            <a:endParaRPr lang="en-US" sz="2187" dirty="0"/>
+          </a:p>
+        </p:txBody>
+      </p:sp>
+      <p:sp>
+        <p:nvSpPr>
+          <p:cNvPr id="16" name="Text 14"/>
+          <p:cNvSpPr/>
+          <p:nvPr/>
+        </p:nvSpPr>
+        <p:spPr>
+          <a:xfrm>
+            <a:off x="7104718" y="2546432"/>
+            <a:ext cx="4444008" cy="710803"/>
+          </a:xfrm>
+          <a:prstGeom prst="rect">
+            <a:avLst/>
+          </a:prstGeom>
+          <a:noFill/>
+          <a:ln/>
+        </p:spPr>
+        <p:txBody>
+          <a:bodyPr wrap="square" rtlCol="0" anchor="t"/>
+          <a:lstStyle/>
           <a:p>
             <a:pPr marL="0" indent="0">
               <a:lnSpc>
@@ -3730,7 +4075,78 @@
               </a:lnSpc>
               <a:buNone/>
             </a:pPr>
-            <a:endParaRPr lang="en-US" altLang="ko-KR" sz="1400" dirty="0">
+            <a:r>
+              <a:rPr lang="ko-KR" altLang="en-US" sz="1750" dirty="0">
+                <a:solidFill>
+                  <a:srgbClr val="49495A"/>
+                </a:solidFill>
+                <a:latin typeface="Open Sans" pitchFamily="34" charset="0"/>
+                <a:ea typeface="Open Sans" pitchFamily="34" charset="-122"/>
+                <a:cs typeface="Open Sans" pitchFamily="34" charset="-120"/>
+              </a:rPr>
+              <a:t>플레이어를 향해 원거리 공격</a:t>
+            </a:r>
+            <a:r>
+              <a:rPr lang="en-US" altLang="ko-KR" sz="1750" dirty="0">
+                <a:solidFill>
+                  <a:srgbClr val="49495A"/>
+                </a:solidFill>
+                <a:latin typeface="Open Sans" pitchFamily="34" charset="0"/>
+                <a:ea typeface="Open Sans" pitchFamily="34" charset="-122"/>
+                <a:cs typeface="Open Sans" pitchFamily="34" charset="-120"/>
+              </a:rPr>
+              <a:t>, </a:t>
+            </a:r>
+          </a:p>
+          <a:p>
+            <a:pPr marL="0" indent="0">
+              <a:lnSpc>
+                <a:spcPts val="2799"/>
+              </a:lnSpc>
+              <a:buNone/>
+            </a:pPr>
+            <a:r>
+              <a:rPr lang="ko-KR" altLang="en-US" sz="1750" dirty="0">
+                <a:solidFill>
+                  <a:srgbClr val="49495A"/>
+                </a:solidFill>
+                <a:latin typeface="Open Sans" pitchFamily="34" charset="0"/>
+                <a:ea typeface="Open Sans" pitchFamily="34" charset="-122"/>
+                <a:cs typeface="Open Sans" pitchFamily="34" charset="-120"/>
+              </a:rPr>
+              <a:t>공격 발동 시 확인한 플레이어의 좌표에 연속해서 </a:t>
+            </a:r>
+            <a:r>
+              <a:rPr lang="en-US" altLang="ko-KR" sz="1750" dirty="0">
+                <a:solidFill>
+                  <a:srgbClr val="49495A"/>
+                </a:solidFill>
+                <a:latin typeface="Open Sans" pitchFamily="34" charset="0"/>
+                <a:ea typeface="Open Sans" pitchFamily="34" charset="-122"/>
+                <a:cs typeface="Open Sans" pitchFamily="34" charset="-120"/>
+              </a:rPr>
+              <a:t>3</a:t>
+            </a:r>
+            <a:r>
+              <a:rPr lang="ko-KR" altLang="en-US" sz="1750" dirty="0">
+                <a:solidFill>
+                  <a:srgbClr val="49495A"/>
+                </a:solidFill>
+                <a:latin typeface="Open Sans" pitchFamily="34" charset="0"/>
+                <a:ea typeface="Open Sans" pitchFamily="34" charset="-122"/>
+                <a:cs typeface="Open Sans" pitchFamily="34" charset="-120"/>
+              </a:rPr>
+              <a:t>번의 침을 발사 </a:t>
+            </a:r>
+          </a:p>
+          <a:p>
+            <a:pPr marL="0" indent="0">
+              <a:lnSpc>
+                <a:spcPts val="2799"/>
+              </a:lnSpc>
+              <a:buNone/>
+            </a:pPr>
+            <a:endParaRPr lang="ko-KR" altLang="en-US" sz="1750" dirty="0">
               <a:solidFill>
                 <a:srgbClr val="49495A"/>
               </a:solidFill>
@@ -3747,170 +4163,26 @@
               <a:buNone/>
             </a:pPr>
             <a:r>
-              <a:rPr lang="ko-KR" altLang="en-US" sz="1400" dirty="0">
-                <a:solidFill>
-                  <a:srgbClr val="49495A"/>
-                </a:solidFill>
-                <a:latin typeface="Open Sans" pitchFamily="34" charset="0"/>
-                <a:ea typeface="Open Sans" pitchFamily="34" charset="-122"/>
-                <a:cs typeface="Open Sans" pitchFamily="34" charset="-120"/>
-              </a:rPr>
-              <a:t>보스를 둘러싸고 있는 펜스에 닿으면 탄환은 삭제</a:t>
-            </a:r>
-            <a:endParaRPr lang="en-US" sz="1400" dirty="0"/>
-          </a:p>
-        </p:txBody>
-      </p:sp>
-      <p:sp>
-        <p:nvSpPr>
-          <p:cNvPr id="13" name="Shape 11"/>
-          <p:cNvSpPr/>
-          <p:nvPr/>
-        </p:nvSpPr>
-        <p:spPr>
-          <a:xfrm>
-            <a:off x="1016338" y="4972366"/>
-            <a:ext cx="499943" cy="499943"/>
-          </a:xfrm>
-          <a:prstGeom prst="roundRect">
-            <a:avLst>
-              <a:gd name="adj" fmla="val 26667"/>
-            </a:avLst>
-          </a:prstGeom>
-          <a:solidFill>
-            <a:srgbClr val="DED6FF"/>
-          </a:solidFill>
-          <a:ln/>
-        </p:spPr>
-        <p:txBody>
-          <a:bodyPr/>
-          <a:lstStyle/>
-          <a:p>
-            <a:endParaRPr lang="ko-KR" altLang="en-US"/>
-          </a:p>
-        </p:txBody>
-      </p:sp>
-      <p:sp>
-        <p:nvSpPr>
-          <p:cNvPr id="14" name="Text 12"/>
-          <p:cNvSpPr/>
-          <p:nvPr/>
-        </p:nvSpPr>
-        <p:spPr>
-          <a:xfrm>
-            <a:off x="1163618" y="5014038"/>
-            <a:ext cx="205383" cy="416481"/>
-          </a:xfrm>
-          <a:prstGeom prst="rect">
-            <a:avLst/>
-          </a:prstGeom>
-          <a:noFill/>
-          <a:ln/>
-        </p:spPr>
-        <p:txBody>
-          <a:bodyPr wrap="none" rtlCol="0" anchor="t"/>
-          <a:lstStyle/>
-          <a:p>
-            <a:pPr marL="0" indent="0" algn="ctr">
-              <a:lnSpc>
-                <a:spcPts val="3281"/>
-              </a:lnSpc>
-              <a:buNone/>
-            </a:pPr>
-            <a:r>
-              <a:rPr lang="en-US" sz="2624" dirty="0">
-                <a:solidFill>
-                  <a:srgbClr val="5955EB"/>
-                </a:solidFill>
-                <a:latin typeface="경기천년제목 Light" panose="02020403020101020101" pitchFamily="18" charset="-127"/>
-                <a:ea typeface="경기천년제목 Light" panose="02020403020101020101" pitchFamily="18" charset="-127"/>
-                <a:cs typeface="Libre Baskerville" pitchFamily="34" charset="-120"/>
-              </a:rPr>
-              <a:t>3</a:t>
-            </a:r>
-            <a:endParaRPr lang="en-US" sz="2624" dirty="0"/>
-          </a:p>
-        </p:txBody>
-      </p:sp>
-      <p:sp>
-        <p:nvSpPr>
-          <p:cNvPr id="15" name="Text 13"/>
-          <p:cNvSpPr/>
-          <p:nvPr/>
-        </p:nvSpPr>
-        <p:spPr>
-          <a:xfrm>
-            <a:off x="1738452" y="5048685"/>
-            <a:ext cx="2777490" cy="347186"/>
-          </a:xfrm>
-          <a:prstGeom prst="rect">
-            <a:avLst/>
-          </a:prstGeom>
-          <a:noFill/>
-          <a:ln/>
-        </p:spPr>
-        <p:txBody>
-          <a:bodyPr wrap="none" rtlCol="0" anchor="t"/>
-          <a:lstStyle/>
-          <a:p>
-            <a:pPr marL="0" indent="0">
-              <a:lnSpc>
-                <a:spcPts val="2734"/>
-              </a:lnSpc>
-              <a:buNone/>
-            </a:pPr>
-            <a:r>
-              <a:rPr lang="en-US" sz="2187" dirty="0">
-                <a:solidFill>
-                  <a:srgbClr val="5955EB"/>
-                </a:solidFill>
-                <a:latin typeface="경기천년제목 Light" panose="02020403020101020101" pitchFamily="18" charset="-127"/>
-                <a:ea typeface="경기천년제목 Light" panose="02020403020101020101" pitchFamily="18" charset="-127"/>
-                <a:cs typeface="Libre Baskerville" pitchFamily="34" charset="-120"/>
-              </a:rPr>
-              <a:t>미끄러짐 공격</a:t>
-            </a:r>
-            <a:endParaRPr lang="en-US" sz="2187" dirty="0"/>
-          </a:p>
-        </p:txBody>
-      </p:sp>
-      <p:sp>
-        <p:nvSpPr>
-          <p:cNvPr id="16" name="Text 14"/>
-          <p:cNvSpPr/>
-          <p:nvPr/>
-        </p:nvSpPr>
-        <p:spPr>
-          <a:xfrm>
-            <a:off x="1738452" y="5529103"/>
-            <a:ext cx="4444008" cy="710803"/>
-          </a:xfrm>
-          <a:prstGeom prst="rect">
-            <a:avLst/>
-          </a:prstGeom>
-          <a:noFill/>
-          <a:ln/>
-        </p:spPr>
-        <p:txBody>
-          <a:bodyPr wrap="square" rtlCol="0" anchor="t"/>
-          <a:lstStyle/>
-          <a:p>
-            <a:pPr marL="0" indent="0">
-              <a:lnSpc>
-                <a:spcPts val="2799"/>
-              </a:lnSpc>
-              <a:buNone/>
-            </a:pPr>
-            <a:r>
-              <a:rPr lang="en-US" sz="1750" dirty="0">
-                <a:solidFill>
-                  <a:srgbClr val="49495A"/>
-                </a:solidFill>
-                <a:latin typeface="Open Sans" pitchFamily="34" charset="0"/>
-                <a:ea typeface="Open Sans" pitchFamily="34" charset="-122"/>
-                <a:cs typeface="Open Sans" pitchFamily="34" charset="-120"/>
-              </a:rPr>
-              <a:t>바닥을 미끄러지듯이 이동하면서 플레이어를 공격하는 기술을 사용합니다.</a:t>
+              <a:rPr lang="ko-KR" altLang="en-US" sz="1750" dirty="0">
+                <a:solidFill>
+                  <a:srgbClr val="49495A"/>
+                </a:solidFill>
+                <a:latin typeface="Open Sans" pitchFamily="34" charset="0"/>
+                <a:ea typeface="Open Sans" pitchFamily="34" charset="-122"/>
+                <a:cs typeface="Open Sans" pitchFamily="34" charset="-120"/>
+              </a:rPr>
+              <a:t>각 침은 장판을 형성해 플레이어의 진로를 방해한다</a:t>
+            </a:r>
+            <a:r>
+              <a:rPr lang="en-US" altLang="ko-KR" sz="1750" dirty="0">
+                <a:solidFill>
+                  <a:srgbClr val="49495A"/>
+                </a:solidFill>
+                <a:latin typeface="Open Sans" pitchFamily="34" charset="0"/>
+                <a:ea typeface="Open Sans" pitchFamily="34" charset="-122"/>
+                <a:cs typeface="Open Sans" pitchFamily="34" charset="-120"/>
+              </a:rPr>
+              <a:t>.</a:t>
             </a:r>
             <a:endParaRPr lang="en-US" sz="1750" dirty="0"/>
           </a:p>
@@ -3930,7 +4202,7 @@
         </p:nvSpPr>
         <p:spPr>
           <a:xfrm>
-            <a:off x="11673840" y="320040"/>
+            <a:off x="11536680" y="5169932"/>
             <a:ext cx="2674620" cy="2705100"/>
           </a:xfrm>
           <a:prstGeom prst="roundRect">
@@ -3958,14 +4230,72 @@
           <a:lstStyle/>
           <a:p>
             <a:pPr algn="ctr"/>
-            <a:endParaRPr lang="ko-KR" altLang="en-US"/>
-          </a:p>
-        </p:txBody>
-      </p:sp>
+            <a:r>
+              <a:rPr lang="ko-KR" altLang="en-US" dirty="0"/>
+              <a:t> 몬 </a:t>
+            </a:r>
+            <a:r>
+              <a:rPr lang="ko-KR" altLang="en-US" dirty="0" err="1"/>
+              <a:t>스</a:t>
+            </a:r>
+            <a:r>
+              <a:rPr lang="ko-KR" altLang="en-US" dirty="0"/>
+              <a:t> 터 사 진</a:t>
+            </a:r>
+          </a:p>
+        </p:txBody>
+      </p:sp>
+      <p:pic>
+        <p:nvPicPr>
+          <p:cNvPr id="1026" name="Picture 2">
+            <a:extLst>
+              <a:ext uri="{FF2B5EF4-FFF2-40B4-BE49-F238E27FC236}">
+                <a16:creationId xmlns:a16="http://schemas.microsoft.com/office/drawing/2014/main" id="{C28BABEE-6308-2D7D-C942-955DDF5AAB38}"/>
+              </a:ext>
+            </a:extLst>
+          </p:cNvPr>
+          <p:cNvPicPr>
+            <a:picLocks noChangeAspect="1" noChangeArrowheads="1"/>
+          </p:cNvPicPr>
+          <p:nvPr/>
+        </p:nvPicPr>
+        <p:blipFill>
+          <a:blip r:embed="rId3">
+            <a:extLst>
+              <a:ext uri="{28A0092B-C50C-407E-A947-70E740481C1C}">
+                <a14:useLocalDpi xmlns:a14="http://schemas.microsoft.com/office/drawing/2010/main" val="0"/>
+              </a:ext>
+            </a:extLst>
+          </a:blip>
+          <a:srcRect/>
+          <a:stretch>
+            <a:fillRect/>
+          </a:stretch>
+        </p:blipFill>
+        <p:spPr bwMode="auto">
+          <a:xfrm>
+            <a:off x="1460322" y="5169932"/>
+            <a:ext cx="3172638" cy="2511109"/>
+          </a:xfrm>
+          <a:prstGeom prst="rect">
+            <a:avLst/>
+          </a:prstGeom>
+          <a:noFill/>
+          <a:extLst>
+            <a:ext uri="{909E8E84-426E-40DD-AFC4-6F175D3DCCD1}">
+              <a14:hiddenFill xmlns:a14="http://schemas.microsoft.com/office/drawing/2010/main">
+                <a:solidFill>
+                  <a:srgbClr val="FFFFFF"/>
+                </a:solidFill>
+              </a14:hiddenFill>
+            </a:ext>
+          </a:extLst>
+        </p:spPr>
+      </p:pic>
     </p:spTree>
     <p:extLst>
       <p:ext uri="{BB962C8B-B14F-4D97-AF65-F5344CB8AC3E}">
-        <p14:creationId xmlns:p14="http://schemas.microsoft.com/office/powerpoint/2010/main" val="280419919"/>
+        <p14:creationId xmlns:p14="http://schemas.microsoft.com/office/powerpoint/2010/main" val="2963591116"/>
       </p:ext>
     </p:extLst>
   </p:cSld>
@@ -4028,7 +4358,40 @@
                 <a:ea typeface="경기천년제목 Light" panose="02020403020101020101" pitchFamily="18" charset="-127"/>
                 <a:cs typeface="Libre Baskerville" pitchFamily="34" charset="-120"/>
               </a:rPr>
-              <a:t>1단계 보스 몬스터 공격 패턴</a:t>
+              <a:t>1</a:t>
+            </a:r>
+            <a:r>
+              <a:rPr lang="ko-KR" altLang="en-US" sz="4374" dirty="0">
+                <a:solidFill>
+                  <a:srgbClr val="5955EB"/>
+                </a:solidFill>
+                <a:latin typeface="경기천년제목 Light" panose="02020403020101020101" pitchFamily="18" charset="-127"/>
+                <a:ea typeface="경기천년제목 Light" panose="02020403020101020101" pitchFamily="18" charset="-127"/>
+                <a:cs typeface="Libre Baskerville" pitchFamily="34" charset="-120"/>
+              </a:rPr>
+              <a:t>보스</a:t>
+            </a:r>
+            <a:r>
+              <a:rPr lang="en-US" altLang="ko-KR" sz="4374" dirty="0">
+                <a:solidFill>
+                  <a:srgbClr val="5955EB"/>
+                </a:solidFill>
+                <a:latin typeface="경기천년제목 Light" panose="02020403020101020101" pitchFamily="18" charset="-127"/>
+                <a:ea typeface="경기천년제목 Light" panose="02020403020101020101" pitchFamily="18" charset="-127"/>
+                <a:cs typeface="Libre Baskerville" pitchFamily="34" charset="-120"/>
+              </a:rPr>
+              <a:t>: </a:t>
+            </a:r>
+            <a:r>
+              <a:rPr lang="ko-KR" altLang="en-US" sz="4374" dirty="0">
+                <a:solidFill>
+                  <a:srgbClr val="5955EB"/>
+                </a:solidFill>
+                <a:latin typeface="경기천년제목 Light" panose="02020403020101020101" pitchFamily="18" charset="-127"/>
+                <a:ea typeface="경기천년제목 Light" panose="02020403020101020101" pitchFamily="18" charset="-127"/>
+                <a:cs typeface="Libre Baskerville" pitchFamily="34" charset="-120"/>
+              </a:rPr>
+              <a:t>껄렁한 중학생</a:t>
             </a:r>
             <a:endParaRPr lang="en-US" sz="4374" dirty="0"/>
           </a:p>
@@ -4135,13 +4498,23 @@
             <a:r>
               <a:rPr lang="ko-KR" altLang="en-US" sz="2187" dirty="0">
                 <a:solidFill>
-                  <a:srgbClr val="5955EB"/>
+                  <a:schemeClr val="tx1">
+                    <a:lumMod val="95000"/>
+                    <a:lumOff val="5000"/>
+                  </a:schemeClr>
                 </a:solidFill>
                 <a:latin typeface="경기천년제목 Light" panose="02020403020101020101" pitchFamily="18" charset="-127"/>
               </a:rPr>
               <a:t>돌던지기</a:t>
             </a:r>
-            <a:endParaRPr lang="en-US" sz="2187" dirty="0"/>
+            <a:endParaRPr lang="en-US" sz="2187" dirty="0">
+              <a:solidFill>
+                <a:schemeClr val="tx1">
+                  <a:lumMod val="95000"/>
+                  <a:lumOff val="5000"/>
+                </a:schemeClr>
+              </a:solidFill>
+            </a:endParaRPr>
           </a:p>
         </p:txBody>
       </p:sp>
@@ -4181,7 +4554,7 @@
                 <a:ea typeface="Open Sans" pitchFamily="34" charset="-122"/>
                 <a:cs typeface="Open Sans" pitchFamily="34" charset="-120"/>
               </a:rPr>
-              <a:t>레이어를 향해 원거리 공격</a:t>
+              <a:t>플레이어를 향해 원거리 공격</a:t>
             </a:r>
             <a:r>
               <a:rPr lang="en-US" altLang="ko-KR" sz="1400" dirty="0">
@@ -4269,6 +4642,132 @@
               <a:t>.</a:t>
             </a:r>
           </a:p>
+        </p:txBody>
+      </p:sp>
+      <p:sp>
+        <p:nvSpPr>
+          <p:cNvPr id="13" name="Shape 11"/>
+          <p:cNvSpPr/>
+          <p:nvPr/>
+        </p:nvSpPr>
+        <p:spPr>
+          <a:xfrm>
+            <a:off x="6382604" y="1989695"/>
+            <a:ext cx="499943" cy="499943"/>
+          </a:xfrm>
+          <a:prstGeom prst="roundRect">
+            <a:avLst>
+              <a:gd name="adj" fmla="val 26667"/>
+            </a:avLst>
+          </a:prstGeom>
+          <a:solidFill>
+            <a:srgbClr val="DED6FF"/>
+          </a:solidFill>
+          <a:ln/>
+        </p:spPr>
+        <p:txBody>
+          <a:bodyPr/>
+          <a:lstStyle/>
+          <a:p>
+            <a:endParaRPr lang="ko-KR" altLang="en-US"/>
+          </a:p>
+        </p:txBody>
+      </p:sp>
+      <p:sp>
+        <p:nvSpPr>
+          <p:cNvPr id="14" name="Text 12"/>
+          <p:cNvSpPr/>
+          <p:nvPr/>
+        </p:nvSpPr>
+        <p:spPr>
+          <a:xfrm>
+            <a:off x="6529884" y="2031367"/>
+            <a:ext cx="205383" cy="416481"/>
+          </a:xfrm>
+          <a:prstGeom prst="rect">
+            <a:avLst/>
+          </a:prstGeom>
+          <a:noFill/>
+          <a:ln/>
+        </p:spPr>
+        <p:txBody>
+          <a:bodyPr wrap="none" rtlCol="0" anchor="t"/>
+          <a:lstStyle/>
+          <a:p>
+            <a:pPr marL="0" indent="0" algn="ctr">
+              <a:lnSpc>
+                <a:spcPts val="3281"/>
+              </a:lnSpc>
+              <a:buNone/>
+            </a:pPr>
+            <a:r>
+              <a:rPr lang="en-US" sz="2624" dirty="0">
+                <a:solidFill>
+                  <a:srgbClr val="5955EB"/>
+                </a:solidFill>
+                <a:latin typeface="경기천년제목 Light" panose="02020403020101020101" pitchFamily="18" charset="-127"/>
+              </a:rPr>
+              <a:t>2</a:t>
+            </a:r>
+            <a:endParaRPr lang="en-US" sz="2624" dirty="0"/>
+          </a:p>
+        </p:txBody>
+      </p:sp>
+      <p:sp>
+        <p:nvSpPr>
+          <p:cNvPr id="15" name="Text 13"/>
+          <p:cNvSpPr/>
+          <p:nvPr/>
+        </p:nvSpPr>
+        <p:spPr>
+          <a:xfrm>
+            <a:off x="7104718" y="2066014"/>
+            <a:ext cx="2777490" cy="347186"/>
+          </a:xfrm>
+          <a:prstGeom prst="rect">
+            <a:avLst/>
+          </a:prstGeom>
+          <a:noFill/>
+          <a:ln/>
+        </p:spPr>
+        <p:txBody>
+          <a:bodyPr wrap="none" rtlCol="0" anchor="t"/>
+          <a:lstStyle/>
+          <a:p>
+            <a:pPr marL="0" indent="0">
+              <a:lnSpc>
+                <a:spcPts val="2734"/>
+              </a:lnSpc>
+              <a:buNone/>
+            </a:pPr>
+            <a:r>
+              <a:rPr lang="ko-KR" altLang="en-US" sz="2187" dirty="0" err="1"/>
+              <a:t>침뱉기</a:t>
+            </a:r>
+            <a:endParaRPr lang="en-US" sz="2187" dirty="0"/>
+          </a:p>
+        </p:txBody>
+      </p:sp>
+      <p:sp>
+        <p:nvSpPr>
+          <p:cNvPr id="16" name="Text 14"/>
+          <p:cNvSpPr/>
+          <p:nvPr/>
+        </p:nvSpPr>
+        <p:spPr>
+          <a:xfrm>
+            <a:off x="7104718" y="2546432"/>
+            <a:ext cx="4444008" cy="710803"/>
+          </a:xfrm>
+          <a:prstGeom prst="rect">
+            <a:avLst/>
+          </a:prstGeom>
+          <a:noFill/>
+          <a:ln/>
+        </p:spPr>
+        <p:txBody>
+          <a:bodyPr wrap="square" rtlCol="0" anchor="t"/>
+          <a:lstStyle/>
           <a:p>
             <a:pPr marL="0" indent="0">
               <a:lnSpc>
@@ -4276,7 +4775,78 @@
               </a:lnSpc>
               <a:buNone/>
             </a:pPr>
-            <a:endParaRPr lang="en-US" altLang="ko-KR" sz="1400" dirty="0">
+            <a:r>
+              <a:rPr lang="ko-KR" altLang="en-US" sz="1750" dirty="0">
+                <a:solidFill>
+                  <a:srgbClr val="49495A"/>
+                </a:solidFill>
+                <a:latin typeface="Open Sans" pitchFamily="34" charset="0"/>
+                <a:ea typeface="Open Sans" pitchFamily="34" charset="-122"/>
+                <a:cs typeface="Open Sans" pitchFamily="34" charset="-120"/>
+              </a:rPr>
+              <a:t>플레이어를 향해 원거리 공격</a:t>
+            </a:r>
+            <a:r>
+              <a:rPr lang="en-US" altLang="ko-KR" sz="1750" dirty="0">
+                <a:solidFill>
+                  <a:srgbClr val="49495A"/>
+                </a:solidFill>
+                <a:latin typeface="Open Sans" pitchFamily="34" charset="0"/>
+                <a:ea typeface="Open Sans" pitchFamily="34" charset="-122"/>
+                <a:cs typeface="Open Sans" pitchFamily="34" charset="-120"/>
+              </a:rPr>
+              <a:t>, </a:t>
+            </a:r>
+          </a:p>
+          <a:p>
+            <a:pPr marL="0" indent="0">
+              <a:lnSpc>
+                <a:spcPts val="2799"/>
+              </a:lnSpc>
+              <a:buNone/>
+            </a:pPr>
+            <a:r>
+              <a:rPr lang="ko-KR" altLang="en-US" sz="1750" dirty="0">
+                <a:solidFill>
+                  <a:srgbClr val="49495A"/>
+                </a:solidFill>
+                <a:latin typeface="Open Sans" pitchFamily="34" charset="0"/>
+                <a:ea typeface="Open Sans" pitchFamily="34" charset="-122"/>
+                <a:cs typeface="Open Sans" pitchFamily="34" charset="-120"/>
+              </a:rPr>
+              <a:t>공격 발동 시 확인한 플레이어의 좌표에 연속해서 </a:t>
+            </a:r>
+            <a:r>
+              <a:rPr lang="en-US" altLang="ko-KR" sz="1750" dirty="0">
+                <a:solidFill>
+                  <a:srgbClr val="49495A"/>
+                </a:solidFill>
+                <a:latin typeface="Open Sans" pitchFamily="34" charset="0"/>
+                <a:ea typeface="Open Sans" pitchFamily="34" charset="-122"/>
+                <a:cs typeface="Open Sans" pitchFamily="34" charset="-120"/>
+              </a:rPr>
+              <a:t>3</a:t>
+            </a:r>
+            <a:r>
+              <a:rPr lang="ko-KR" altLang="en-US" sz="1750" dirty="0">
+                <a:solidFill>
+                  <a:srgbClr val="49495A"/>
+                </a:solidFill>
+                <a:latin typeface="Open Sans" pitchFamily="34" charset="0"/>
+                <a:ea typeface="Open Sans" pitchFamily="34" charset="-122"/>
+                <a:cs typeface="Open Sans" pitchFamily="34" charset="-120"/>
+              </a:rPr>
+              <a:t>번의 침을 발사 </a:t>
+            </a:r>
+          </a:p>
+          <a:p>
+            <a:pPr marL="0" indent="0">
+              <a:lnSpc>
+                <a:spcPts val="2799"/>
+              </a:lnSpc>
+              <a:buNone/>
+            </a:pPr>
+            <a:endParaRPr lang="ko-KR" altLang="en-US" sz="1750" dirty="0">
               <a:solidFill>
                 <a:srgbClr val="49495A"/>
               </a:solidFill>
@@ -4293,170 +4863,26 @@
               <a:buNone/>
             </a:pPr>
             <a:r>
-              <a:rPr lang="ko-KR" altLang="en-US" sz="1400" dirty="0">
-                <a:solidFill>
-                  <a:srgbClr val="49495A"/>
-                </a:solidFill>
-                <a:latin typeface="Open Sans" pitchFamily="34" charset="0"/>
-                <a:ea typeface="Open Sans" pitchFamily="34" charset="-122"/>
-                <a:cs typeface="Open Sans" pitchFamily="34" charset="-120"/>
-              </a:rPr>
-              <a:t>보스를 둘러싸고 있는 펜스에 닿으면 탄환은 삭제</a:t>
-            </a:r>
-            <a:endParaRPr lang="en-US" sz="1400" dirty="0"/>
-          </a:p>
-        </p:txBody>
-      </p:sp>
-      <p:sp>
-        <p:nvSpPr>
-          <p:cNvPr id="13" name="Shape 11"/>
-          <p:cNvSpPr/>
-          <p:nvPr/>
-        </p:nvSpPr>
-        <p:spPr>
-          <a:xfrm>
-            <a:off x="1016338" y="4972366"/>
-            <a:ext cx="499943" cy="499943"/>
-          </a:xfrm>
-          <a:prstGeom prst="roundRect">
-            <a:avLst>
-              <a:gd name="adj" fmla="val 26667"/>
-            </a:avLst>
-          </a:prstGeom>
-          <a:solidFill>
-            <a:srgbClr val="DED6FF"/>
-          </a:solidFill>
-          <a:ln/>
-        </p:spPr>
-        <p:txBody>
-          <a:bodyPr/>
-          <a:lstStyle/>
-          <a:p>
-            <a:endParaRPr lang="ko-KR" altLang="en-US"/>
-          </a:p>
-        </p:txBody>
-      </p:sp>
-      <p:sp>
-        <p:nvSpPr>
-          <p:cNvPr id="14" name="Text 12"/>
-          <p:cNvSpPr/>
-          <p:nvPr/>
-        </p:nvSpPr>
-        <p:spPr>
-          <a:xfrm>
-            <a:off x="1163618" y="5014038"/>
-            <a:ext cx="205383" cy="416481"/>
-          </a:xfrm>
-          <a:prstGeom prst="rect">
-            <a:avLst/>
-          </a:prstGeom>
-          <a:noFill/>
-          <a:ln/>
-        </p:spPr>
-        <p:txBody>
-          <a:bodyPr wrap="none" rtlCol="0" anchor="t"/>
-          <a:lstStyle/>
-          <a:p>
-            <a:pPr marL="0" indent="0" algn="ctr">
-              <a:lnSpc>
-                <a:spcPts val="3281"/>
-              </a:lnSpc>
-              <a:buNone/>
-            </a:pPr>
-            <a:r>
-              <a:rPr lang="en-US" sz="2624" dirty="0">
-                <a:solidFill>
-                  <a:srgbClr val="5955EB"/>
-                </a:solidFill>
-                <a:latin typeface="경기천년제목 Light" panose="02020403020101020101" pitchFamily="18" charset="-127"/>
-                <a:ea typeface="경기천년제목 Light" panose="02020403020101020101" pitchFamily="18" charset="-127"/>
-                <a:cs typeface="Libre Baskerville" pitchFamily="34" charset="-120"/>
-              </a:rPr>
-              <a:t>3</a:t>
-            </a:r>
-            <a:endParaRPr lang="en-US" sz="2624" dirty="0"/>
-          </a:p>
-        </p:txBody>
-      </p:sp>
-      <p:sp>
-        <p:nvSpPr>
-          <p:cNvPr id="15" name="Text 13"/>
-          <p:cNvSpPr/>
-          <p:nvPr/>
-        </p:nvSpPr>
-        <p:spPr>
-          <a:xfrm>
-            <a:off x="1738452" y="5048685"/>
-            <a:ext cx="2777490" cy="347186"/>
-          </a:xfrm>
-          <a:prstGeom prst="rect">
-            <a:avLst/>
-          </a:prstGeom>
-          <a:noFill/>
-          <a:ln/>
-        </p:spPr>
-        <p:txBody>
-          <a:bodyPr wrap="none" rtlCol="0" anchor="t"/>
-          <a:lstStyle/>
-          <a:p>
-            <a:pPr marL="0" indent="0">
-              <a:lnSpc>
-                <a:spcPts val="2734"/>
-              </a:lnSpc>
-              <a:buNone/>
-            </a:pPr>
-            <a:r>
-              <a:rPr lang="en-US" sz="2187" dirty="0">
-                <a:solidFill>
-                  <a:srgbClr val="5955EB"/>
-                </a:solidFill>
-                <a:latin typeface="경기천년제목 Light" panose="02020403020101020101" pitchFamily="18" charset="-127"/>
-                <a:ea typeface="경기천년제목 Light" panose="02020403020101020101" pitchFamily="18" charset="-127"/>
-                <a:cs typeface="Libre Baskerville" pitchFamily="34" charset="-120"/>
-              </a:rPr>
-              <a:t>미끄러짐 공격</a:t>
-            </a:r>
-            <a:endParaRPr lang="en-US" sz="2187" dirty="0"/>
-          </a:p>
-        </p:txBody>
-      </p:sp>
-      <p:sp>
-        <p:nvSpPr>
-          <p:cNvPr id="16" name="Text 14"/>
-          <p:cNvSpPr/>
-          <p:nvPr/>
-        </p:nvSpPr>
-        <p:spPr>
-          <a:xfrm>
-            <a:off x="1738452" y="5529103"/>
-            <a:ext cx="4444008" cy="710803"/>
-          </a:xfrm>
-          <a:prstGeom prst="rect">
-            <a:avLst/>
-          </a:prstGeom>
-          <a:noFill/>
-          <a:ln/>
-        </p:spPr>
-        <p:txBody>
-          <a:bodyPr wrap="square" rtlCol="0" anchor="t"/>
-          <a:lstStyle/>
-          <a:p>
-            <a:pPr marL="0" indent="0">
-              <a:lnSpc>
-                <a:spcPts val="2799"/>
-              </a:lnSpc>
-              <a:buNone/>
-            </a:pPr>
-            <a:r>
-              <a:rPr lang="en-US" sz="1750" dirty="0">
-                <a:solidFill>
-                  <a:srgbClr val="49495A"/>
-                </a:solidFill>
-                <a:latin typeface="Open Sans" pitchFamily="34" charset="0"/>
-                <a:ea typeface="Open Sans" pitchFamily="34" charset="-122"/>
-                <a:cs typeface="Open Sans" pitchFamily="34" charset="-120"/>
-              </a:rPr>
-              <a:t>바닥을 미끄러지듯이 이동하면서 플레이어를 공격하는 기술을 사용합니다.</a:t>
+              <a:rPr lang="ko-KR" altLang="en-US" sz="1750" dirty="0">
+                <a:solidFill>
+                  <a:srgbClr val="49495A"/>
+                </a:solidFill>
+                <a:latin typeface="Open Sans" pitchFamily="34" charset="0"/>
+                <a:ea typeface="Open Sans" pitchFamily="34" charset="-122"/>
+                <a:cs typeface="Open Sans" pitchFamily="34" charset="-120"/>
+              </a:rPr>
+              <a:t>각 침은 장판을 형성해 플레이어의 진로를 방해한다</a:t>
+            </a:r>
+            <a:r>
+              <a:rPr lang="en-US" altLang="ko-KR" sz="1750" dirty="0">
+                <a:solidFill>
+                  <a:srgbClr val="49495A"/>
+                </a:solidFill>
+                <a:latin typeface="Open Sans" pitchFamily="34" charset="0"/>
+                <a:ea typeface="Open Sans" pitchFamily="34" charset="-122"/>
+                <a:cs typeface="Open Sans" pitchFamily="34" charset="-120"/>
+              </a:rPr>
+              <a:t>.</a:t>
             </a:r>
             <a:endParaRPr lang="en-US" sz="1750" dirty="0"/>
           </a:p>
@@ -4476,7 +4902,7 @@
         </p:nvSpPr>
         <p:spPr>
           <a:xfrm>
-            <a:off x="11673840" y="320040"/>
+            <a:off x="11536680" y="5169932"/>
             <a:ext cx="2674620" cy="2705100"/>
           </a:xfrm>
           <a:prstGeom prst="roundRect">
@@ -4504,14 +4930,72 @@
           <a:lstStyle/>
           <a:p>
             <a:pPr algn="ctr"/>
-            <a:endParaRPr lang="ko-KR" altLang="en-US"/>
-          </a:p>
-        </p:txBody>
-      </p:sp>
+            <a:r>
+              <a:rPr lang="ko-KR" altLang="en-US" dirty="0"/>
+              <a:t> 몬 </a:t>
+            </a:r>
+            <a:r>
+              <a:rPr lang="ko-KR" altLang="en-US" dirty="0" err="1"/>
+              <a:t>스</a:t>
+            </a:r>
+            <a:r>
+              <a:rPr lang="ko-KR" altLang="en-US" dirty="0"/>
+              <a:t> 터 사 진</a:t>
+            </a:r>
+          </a:p>
+        </p:txBody>
+      </p:sp>
+      <p:pic>
+        <p:nvPicPr>
+          <p:cNvPr id="1026" name="Picture 2">
+            <a:extLst>
+              <a:ext uri="{FF2B5EF4-FFF2-40B4-BE49-F238E27FC236}">
+                <a16:creationId xmlns:a16="http://schemas.microsoft.com/office/drawing/2014/main" id="{C28BABEE-6308-2D7D-C942-955DDF5AAB38}"/>
+              </a:ext>
+            </a:extLst>
+          </p:cNvPr>
+          <p:cNvPicPr>
+            <a:picLocks noChangeAspect="1" noChangeArrowheads="1"/>
+          </p:cNvPicPr>
+          <p:nvPr/>
+        </p:nvPicPr>
+        <p:blipFill>
+          <a:blip r:embed="rId3">
+            <a:extLst>
+              <a:ext uri="{28A0092B-C50C-407E-A947-70E740481C1C}">
+                <a14:useLocalDpi xmlns:a14="http://schemas.microsoft.com/office/drawing/2010/main" val="0"/>
+              </a:ext>
+            </a:extLst>
+          </a:blip>
+          <a:srcRect/>
+          <a:stretch>
+            <a:fillRect/>
+          </a:stretch>
+        </p:blipFill>
+        <p:spPr bwMode="auto">
+          <a:xfrm>
+            <a:off x="1460322" y="5169932"/>
+            <a:ext cx="3172638" cy="2511109"/>
+          </a:xfrm>
+          <a:prstGeom prst="rect">
+            <a:avLst/>
+          </a:prstGeom>
+          <a:noFill/>
+          <a:extLst>
+            <a:ext uri="{909E8E84-426E-40DD-AFC4-6F175D3DCCD1}">
+              <a14:hiddenFill xmlns:a14="http://schemas.microsoft.com/office/drawing/2010/main">
+                <a:solidFill>
+                  <a:srgbClr val="FFFFFF"/>
+                </a:solidFill>
+              </a14:hiddenFill>
+            </a:ext>
+          </a:extLst>
+        </p:spPr>
+      </p:pic>
     </p:spTree>
     <p:extLst>
       <p:ext uri="{BB962C8B-B14F-4D97-AF65-F5344CB8AC3E}">
-        <p14:creationId xmlns:p14="http://schemas.microsoft.com/office/powerpoint/2010/main" val="1278081723"/>
+        <p14:creationId xmlns:p14="http://schemas.microsoft.com/office/powerpoint/2010/main" val="3509437208"/>
       </p:ext>
     </p:extLst>
   </p:cSld>
@@ -9976,7 +10460,7 @@
                 <a:ea typeface="경기천년제목 Light" panose="02020403020101020101" pitchFamily="18" charset="-127"/>
                 <a:cs typeface="Libre Baskerville" pitchFamily="34" charset="-120"/>
               </a:rPr>
-              <a:t>껄렁한 중학생</a:t>
+              <a:t>장난끼 넘치는 아이</a:t>
             </a:r>
             <a:endParaRPr lang="en-US" sz="4374" dirty="0"/>
           </a:p>
@@ -10088,9 +10572,52 @@
                     <a:lumOff val="5000"/>
                   </a:schemeClr>
                 </a:solidFill>
-                <a:latin typeface="경기천년제목 Light" panose="02020403020101020101" pitchFamily="18" charset="-127"/>
-              </a:rPr>
-              <a:t>돌던지기</a:t>
+              </a:rPr>
+              <a:t>공</a:t>
+            </a:r>
+            <a:r>
+              <a:rPr lang="en-US" altLang="ko-KR" sz="2187" dirty="0">
+                <a:solidFill>
+                  <a:schemeClr val="tx1">
+                    <a:lumMod val="95000"/>
+                    <a:lumOff val="5000"/>
+                  </a:schemeClr>
+                </a:solidFill>
+              </a:rPr>
+              <a:t>(</a:t>
+            </a:r>
+            <a:r>
+              <a:rPr lang="ko-KR" altLang="en-US" sz="2187" dirty="0">
+                <a:solidFill>
+                  <a:schemeClr val="tx1">
+                    <a:lumMod val="95000"/>
+                    <a:lumOff val="5000"/>
+                  </a:schemeClr>
+                </a:solidFill>
+              </a:rPr>
+              <a:t>장난감</a:t>
+            </a:r>
+            <a:r>
+              <a:rPr lang="en-US" altLang="ko-KR" sz="2187" dirty="0">
+                <a:solidFill>
+                  <a:schemeClr val="tx1">
+                    <a:lumMod val="95000"/>
+                    <a:lumOff val="5000"/>
+                  </a:schemeClr>
+                </a:solidFill>
+              </a:rPr>
+              <a:t>)</a:t>
+            </a:r>
+            <a:r>
+              <a:rPr lang="ko-KR" altLang="en-US" sz="2187" dirty="0">
+                <a:solidFill>
+                  <a:schemeClr val="tx1">
+                    <a:lumMod val="95000"/>
+                    <a:lumOff val="5000"/>
+                  </a:schemeClr>
+                </a:solidFill>
+              </a:rPr>
+              <a:t>던지기</a:t>
             </a:r>
             <a:endParaRPr lang="en-US" sz="2187" dirty="0">
               <a:solidFill>
@@ -10112,7 +10639,7 @@
         <p:spPr>
           <a:xfrm>
             <a:off x="1738452" y="2546431"/>
-            <a:ext cx="4444008" cy="710803"/>
+            <a:ext cx="4444008" cy="2139869"/>
           </a:xfrm>
           <a:prstGeom prst="rect">
             <a:avLst/>
@@ -10139,7 +10666,7 @@
                 <a:ea typeface="Open Sans" pitchFamily="34" charset="-122"/>
                 <a:cs typeface="Open Sans" pitchFamily="34" charset="-120"/>
               </a:rPr>
-              <a:t>플레이어를 향해 원거리 공격</a:t>
+              <a:t>플레이어를 향해 공</a:t>
             </a:r>
             <a:r>
               <a:rPr lang="en-US" altLang="ko-KR" sz="1400" dirty="0">
@@ -10152,6 +10679,28 @@
               </a:rPr>
               <a:t>, </a:t>
             </a:r>
+            <a:r>
+              <a:rPr lang="ko-KR" altLang="en-US" sz="1400" dirty="0">
+                <a:solidFill>
+                  <a:srgbClr val="49495A"/>
+                </a:solidFill>
+                <a:latin typeface="Open Sans" pitchFamily="34" charset="0"/>
+                <a:ea typeface="Open Sans" pitchFamily="34" charset="-122"/>
+                <a:cs typeface="Open Sans" pitchFamily="34" charset="-120"/>
+              </a:rPr>
+              <a:t>장난감을 던진다</a:t>
+            </a:r>
+            <a:r>
+              <a:rPr lang="en-US" altLang="ko-KR" sz="1400" dirty="0">
+                <a:solidFill>
+                  <a:srgbClr val="49495A"/>
+                </a:solidFill>
+                <a:latin typeface="Open Sans" pitchFamily="34" charset="0"/>
+                <a:ea typeface="Open Sans" pitchFamily="34" charset="-122"/>
+                <a:cs typeface="Open Sans" pitchFamily="34" charset="-120"/>
+              </a:rPr>
+              <a:t>.</a:t>
+            </a:r>
           </a:p>
           <a:p>
             <a:pPr marL="0" indent="0">
@@ -10160,278 +10709,7 @@
               </a:lnSpc>
               <a:buNone/>
             </a:pPr>
-            <a:r>
-              <a:rPr lang="ko-KR" altLang="en-US" sz="1400" dirty="0">
-                <a:solidFill>
-                  <a:srgbClr val="49495A"/>
-                </a:solidFill>
-                <a:latin typeface="Open Sans" pitchFamily="34" charset="0"/>
-                <a:ea typeface="Open Sans" pitchFamily="34" charset="-122"/>
-                <a:cs typeface="Open Sans" pitchFamily="34" charset="-120"/>
-              </a:rPr>
-              <a:t>플레이어를 향해 나아가는 </a:t>
-            </a:r>
-            <a:r>
-              <a:rPr lang="en-US" altLang="ko-KR" sz="1400" dirty="0">
-                <a:solidFill>
-                  <a:srgbClr val="49495A"/>
-                </a:solidFill>
-                <a:latin typeface="Open Sans" pitchFamily="34" charset="0"/>
-                <a:ea typeface="Open Sans" pitchFamily="34" charset="-122"/>
-                <a:cs typeface="Open Sans" pitchFamily="34" charset="-120"/>
-              </a:rPr>
-              <a:t>3</a:t>
-            </a:r>
-            <a:r>
-              <a:rPr lang="ko-KR" altLang="en-US" sz="1400" dirty="0">
-                <a:solidFill>
-                  <a:srgbClr val="49495A"/>
-                </a:solidFill>
-                <a:latin typeface="Open Sans" pitchFamily="34" charset="0"/>
-                <a:ea typeface="Open Sans" pitchFamily="34" charset="-122"/>
-                <a:cs typeface="Open Sans" pitchFamily="34" charset="-120"/>
-              </a:rPr>
-              <a:t>갈래의 탄환을 발사하며 연속으로 </a:t>
-            </a:r>
-            <a:r>
-              <a:rPr lang="en-US" altLang="ko-KR" sz="1400" dirty="0">
-                <a:solidFill>
-                  <a:srgbClr val="49495A"/>
-                </a:solidFill>
-                <a:latin typeface="Open Sans" pitchFamily="34" charset="0"/>
-                <a:ea typeface="Open Sans" pitchFamily="34" charset="-122"/>
-                <a:cs typeface="Open Sans" pitchFamily="34" charset="-120"/>
-              </a:rPr>
-              <a:t>3</a:t>
-            </a:r>
-            <a:r>
-              <a:rPr lang="ko-KR" altLang="en-US" sz="1400" dirty="0">
-                <a:solidFill>
-                  <a:srgbClr val="49495A"/>
-                </a:solidFill>
-                <a:latin typeface="Open Sans" pitchFamily="34" charset="0"/>
-                <a:ea typeface="Open Sans" pitchFamily="34" charset="-122"/>
-                <a:cs typeface="Open Sans" pitchFamily="34" charset="-120"/>
-              </a:rPr>
-              <a:t>번 쏜다</a:t>
-            </a:r>
-            <a:r>
-              <a:rPr lang="en-US" altLang="ko-KR" sz="1400" dirty="0">
-                <a:solidFill>
-                  <a:srgbClr val="49495A"/>
-                </a:solidFill>
-                <a:latin typeface="Open Sans" pitchFamily="34" charset="0"/>
-                <a:ea typeface="Open Sans" pitchFamily="34" charset="-122"/>
-                <a:cs typeface="Open Sans" pitchFamily="34" charset="-120"/>
-              </a:rPr>
-              <a:t>.</a:t>
-            </a:r>
-          </a:p>
-        </p:txBody>
-      </p:sp>
-      <p:sp>
-        <p:nvSpPr>
-          <p:cNvPr id="13" name="Shape 11"/>
-          <p:cNvSpPr/>
-          <p:nvPr/>
-        </p:nvSpPr>
-        <p:spPr>
-          <a:xfrm>
-            <a:off x="6382604" y="1989695"/>
-            <a:ext cx="499943" cy="499943"/>
-          </a:xfrm>
-          <a:prstGeom prst="roundRect">
-            <a:avLst>
-              <a:gd name="adj" fmla="val 26667"/>
-            </a:avLst>
-          </a:prstGeom>
-          <a:solidFill>
-            <a:srgbClr val="DED6FF"/>
-          </a:solidFill>
-          <a:ln/>
-        </p:spPr>
-        <p:txBody>
-          <a:bodyPr/>
-          <a:lstStyle/>
-          <a:p>
-            <a:endParaRPr lang="ko-KR" altLang="en-US"/>
-          </a:p>
-        </p:txBody>
-      </p:sp>
-      <p:sp>
-        <p:nvSpPr>
-          <p:cNvPr id="14" name="Text 12"/>
-          <p:cNvSpPr/>
-          <p:nvPr/>
-        </p:nvSpPr>
-        <p:spPr>
-          <a:xfrm>
-            <a:off x="6529884" y="2031367"/>
-            <a:ext cx="205383" cy="416481"/>
-          </a:xfrm>
-          <a:prstGeom prst="rect">
-            <a:avLst/>
-          </a:prstGeom>
-          <a:noFill/>
-          <a:ln/>
-        </p:spPr>
-        <p:txBody>
-          <a:bodyPr wrap="none" rtlCol="0" anchor="t"/>
-          <a:lstStyle/>
-          <a:p>
-            <a:pPr marL="0" indent="0" algn="ctr">
-              <a:lnSpc>
-                <a:spcPts val="3281"/>
-              </a:lnSpc>
-              <a:buNone/>
-            </a:pPr>
-            <a:r>
-              <a:rPr lang="en-US" sz="2624" dirty="0">
-                <a:solidFill>
-                  <a:srgbClr val="5955EB"/>
-                </a:solidFill>
-                <a:latin typeface="경기천년제목 Light" panose="02020403020101020101" pitchFamily="18" charset="-127"/>
-              </a:rPr>
-              <a:t>2</a:t>
-            </a:r>
-            <a:endParaRPr lang="en-US" sz="2624" dirty="0"/>
-          </a:p>
-        </p:txBody>
-      </p:sp>
-      <p:sp>
-        <p:nvSpPr>
-          <p:cNvPr id="15" name="Text 13"/>
-          <p:cNvSpPr/>
-          <p:nvPr/>
-        </p:nvSpPr>
-        <p:spPr>
-          <a:xfrm>
-            <a:off x="7104718" y="2066014"/>
-            <a:ext cx="2777490" cy="347186"/>
-          </a:xfrm>
-          <a:prstGeom prst="rect">
-            <a:avLst/>
-          </a:prstGeom>
-          <a:noFill/>
-          <a:ln/>
-        </p:spPr>
-        <p:txBody>
-          <a:bodyPr wrap="none" rtlCol="0" anchor="t"/>
-          <a:lstStyle/>
-          <a:p>
-            <a:pPr marL="0" indent="0">
-              <a:lnSpc>
-                <a:spcPts val="2734"/>
-              </a:lnSpc>
-              <a:buNone/>
-            </a:pPr>
-            <a:r>
-              <a:rPr lang="ko-KR" altLang="en-US" sz="2187" dirty="0" err="1"/>
-              <a:t>침뱉기</a:t>
-            </a:r>
-            <a:endParaRPr lang="en-US" sz="2187" dirty="0"/>
-          </a:p>
-        </p:txBody>
-      </p:sp>
-      <p:sp>
-        <p:nvSpPr>
-          <p:cNvPr id="16" name="Text 14"/>
-          <p:cNvSpPr/>
-          <p:nvPr/>
-        </p:nvSpPr>
-        <p:spPr>
-          <a:xfrm>
-            <a:off x="7104718" y="2546432"/>
-            <a:ext cx="4444008" cy="710803"/>
-          </a:xfrm>
-          <a:prstGeom prst="rect">
-            <a:avLst/>
-          </a:prstGeom>
-          <a:noFill/>
-          <a:ln/>
-        </p:spPr>
-        <p:txBody>
-          <a:bodyPr wrap="square" rtlCol="0" anchor="t"/>
-          <a:lstStyle/>
-          <a:p>
-            <a:pPr marL="0" indent="0">
-              <a:lnSpc>
-                <a:spcPts val="2799"/>
-              </a:lnSpc>
-              <a:buNone/>
-            </a:pPr>
-            <a:r>
-              <a:rPr lang="ko-KR" altLang="en-US" sz="1750" dirty="0">
-                <a:solidFill>
-                  <a:srgbClr val="49495A"/>
-                </a:solidFill>
-                <a:latin typeface="Open Sans" pitchFamily="34" charset="0"/>
-                <a:ea typeface="Open Sans" pitchFamily="34" charset="-122"/>
-                <a:cs typeface="Open Sans" pitchFamily="34" charset="-120"/>
-              </a:rPr>
-              <a:t>플레이어를 향해 원거리 공격</a:t>
-            </a:r>
-            <a:r>
-              <a:rPr lang="en-US" altLang="ko-KR" sz="1750" dirty="0">
-                <a:solidFill>
-                  <a:srgbClr val="49495A"/>
-                </a:solidFill>
-                <a:latin typeface="Open Sans" pitchFamily="34" charset="0"/>
-                <a:ea typeface="Open Sans" pitchFamily="34" charset="-122"/>
-                <a:cs typeface="Open Sans" pitchFamily="34" charset="-120"/>
-              </a:rPr>
-              <a:t>, </a:t>
-            </a:r>
-          </a:p>
-          <a:p>
-            <a:pPr marL="0" indent="0">
-              <a:lnSpc>
-                <a:spcPts val="2799"/>
-              </a:lnSpc>
-              <a:buNone/>
-            </a:pPr>
-            <a:r>
-              <a:rPr lang="ko-KR" altLang="en-US" sz="1750" dirty="0">
-                <a:solidFill>
-                  <a:srgbClr val="49495A"/>
-                </a:solidFill>
-                <a:latin typeface="Open Sans" pitchFamily="34" charset="0"/>
-                <a:ea typeface="Open Sans" pitchFamily="34" charset="-122"/>
-                <a:cs typeface="Open Sans" pitchFamily="34" charset="-120"/>
-              </a:rPr>
-              <a:t>공격 발동 시 확인한 플레이어의 좌표에 연속해서 </a:t>
-            </a:r>
-            <a:r>
-              <a:rPr lang="en-US" altLang="ko-KR" sz="1750" dirty="0">
-                <a:solidFill>
-                  <a:srgbClr val="49495A"/>
-                </a:solidFill>
-                <a:latin typeface="Open Sans" pitchFamily="34" charset="0"/>
-                <a:ea typeface="Open Sans" pitchFamily="34" charset="-122"/>
-                <a:cs typeface="Open Sans" pitchFamily="34" charset="-120"/>
-              </a:rPr>
-              <a:t>3</a:t>
-            </a:r>
-            <a:r>
-              <a:rPr lang="ko-KR" altLang="en-US" sz="1750" dirty="0">
-                <a:solidFill>
-                  <a:srgbClr val="49495A"/>
-                </a:solidFill>
-                <a:latin typeface="Open Sans" pitchFamily="34" charset="0"/>
-                <a:ea typeface="Open Sans" pitchFamily="34" charset="-122"/>
-                <a:cs typeface="Open Sans" pitchFamily="34" charset="-120"/>
-              </a:rPr>
-              <a:t>번의 침을 발사 </a:t>
-            </a:r>
-          </a:p>
-          <a:p>
-            <a:pPr marL="0" indent="0">
-              <a:lnSpc>
-                <a:spcPts val="2799"/>
-              </a:lnSpc>
-              <a:buNone/>
-            </a:pPr>
-            <a:endParaRPr lang="ko-KR" altLang="en-US" sz="1750" dirty="0">
+            <a:endParaRPr lang="en-US" altLang="ko-KR" sz="1400" dirty="0">
               <a:solidFill>
                 <a:srgbClr val="49495A"/>
               </a:solidFill>
@@ -10448,6 +10726,408 @@
               <a:buNone/>
             </a:pPr>
             <a:r>
+              <a:rPr lang="ko-KR" altLang="en-US" sz="1400" dirty="0">
+                <a:solidFill>
+                  <a:srgbClr val="49495A"/>
+                </a:solidFill>
+                <a:latin typeface="Open Sans" pitchFamily="34" charset="0"/>
+                <a:ea typeface="Open Sans" pitchFamily="34" charset="-122"/>
+                <a:cs typeface="Open Sans" pitchFamily="34" charset="-120"/>
+              </a:rPr>
+              <a:t>전조</a:t>
+            </a:r>
+            <a:r>
+              <a:rPr lang="en-US" altLang="ko-KR" sz="1400" dirty="0">
+                <a:solidFill>
+                  <a:srgbClr val="49495A"/>
+                </a:solidFill>
+                <a:latin typeface="Open Sans" pitchFamily="34" charset="0"/>
+                <a:ea typeface="Open Sans" pitchFamily="34" charset="-122"/>
+                <a:cs typeface="Open Sans" pitchFamily="34" charset="-120"/>
+              </a:rPr>
+              <a:t>: </a:t>
+            </a:r>
+            <a:r>
+              <a:rPr lang="ko-KR" altLang="en-US" sz="1400" dirty="0">
+                <a:solidFill>
+                  <a:srgbClr val="49495A"/>
+                </a:solidFill>
+                <a:latin typeface="Open Sans" pitchFamily="34" charset="0"/>
+                <a:ea typeface="Open Sans" pitchFamily="34" charset="-122"/>
+                <a:cs typeface="Open Sans" pitchFamily="34" charset="-120"/>
+              </a:rPr>
+              <a:t>아이가 공 또는 장난감을 들고 하늘로 던진다</a:t>
+            </a:r>
+            <a:endParaRPr lang="en-US" altLang="ko-KR" sz="1400" dirty="0">
+              <a:solidFill>
+                <a:srgbClr val="49495A"/>
+              </a:solidFill>
+              <a:latin typeface="Open Sans" pitchFamily="34" charset="0"/>
+              <a:ea typeface="Open Sans" pitchFamily="34" charset="-122"/>
+              <a:cs typeface="Open Sans" pitchFamily="34" charset="-120"/>
+            </a:endParaRPr>
+          </a:p>
+          <a:p>
+            <a:pPr marL="0" indent="0">
+              <a:lnSpc>
+                <a:spcPts val="2799"/>
+              </a:lnSpc>
+              <a:buNone/>
+            </a:pPr>
+            <a:r>
+              <a:rPr lang="ko-KR" altLang="en-US" sz="1400" dirty="0">
+                <a:solidFill>
+                  <a:srgbClr val="49495A"/>
+                </a:solidFill>
+                <a:latin typeface="Open Sans" pitchFamily="34" charset="0"/>
+                <a:ea typeface="Open Sans" pitchFamily="34" charset="-122"/>
+                <a:cs typeface="Open Sans" pitchFamily="34" charset="-120"/>
+              </a:rPr>
+              <a:t>발동</a:t>
+            </a:r>
+            <a:r>
+              <a:rPr lang="en-US" altLang="ko-KR" sz="1400" dirty="0">
+                <a:solidFill>
+                  <a:srgbClr val="49495A"/>
+                </a:solidFill>
+                <a:latin typeface="Open Sans" pitchFamily="34" charset="0"/>
+                <a:ea typeface="Open Sans" pitchFamily="34" charset="-122"/>
+                <a:cs typeface="Open Sans" pitchFamily="34" charset="-120"/>
+              </a:rPr>
+              <a:t>: </a:t>
+            </a:r>
+            <a:r>
+              <a:rPr lang="ko-KR" altLang="en-US" sz="1400" dirty="0" err="1">
+                <a:solidFill>
+                  <a:srgbClr val="49495A"/>
+                </a:solidFill>
+                <a:latin typeface="Open Sans" pitchFamily="34" charset="0"/>
+                <a:ea typeface="Open Sans" pitchFamily="34" charset="-122"/>
+                <a:cs typeface="Open Sans" pitchFamily="34" charset="-120"/>
+              </a:rPr>
+              <a:t>발동시</a:t>
+            </a:r>
+            <a:r>
+              <a:rPr lang="ko-KR" altLang="en-US" sz="1400" dirty="0">
+                <a:solidFill>
+                  <a:srgbClr val="49495A"/>
+                </a:solidFill>
+                <a:latin typeface="Open Sans" pitchFamily="34" charset="0"/>
+                <a:ea typeface="Open Sans" pitchFamily="34" charset="-122"/>
+                <a:cs typeface="Open Sans" pitchFamily="34" charset="-120"/>
+              </a:rPr>
+              <a:t> 플레이어의 위치에 붉은 피격 원이 생성되며 </a:t>
+            </a:r>
+            <a:r>
+              <a:rPr lang="en-US" altLang="ko-KR" sz="1400" dirty="0">
+                <a:solidFill>
+                  <a:srgbClr val="49495A"/>
+                </a:solidFill>
+                <a:latin typeface="Open Sans" pitchFamily="34" charset="0"/>
+                <a:ea typeface="Open Sans" pitchFamily="34" charset="-122"/>
+                <a:cs typeface="Open Sans" pitchFamily="34" charset="-120"/>
+              </a:rPr>
+              <a:t>1</a:t>
+            </a:r>
+            <a:r>
+              <a:rPr lang="ko-KR" altLang="en-US" sz="1400" dirty="0">
+                <a:solidFill>
+                  <a:srgbClr val="49495A"/>
+                </a:solidFill>
+                <a:latin typeface="Open Sans" pitchFamily="34" charset="0"/>
+                <a:ea typeface="Open Sans" pitchFamily="34" charset="-122"/>
+                <a:cs typeface="Open Sans" pitchFamily="34" charset="-120"/>
+              </a:rPr>
+              <a:t>초 뒤 떨어진다</a:t>
+            </a:r>
+            <a:r>
+              <a:rPr lang="en-US" altLang="ko-KR" sz="1400" dirty="0">
+                <a:solidFill>
+                  <a:srgbClr val="49495A"/>
+                </a:solidFill>
+                <a:latin typeface="Open Sans" pitchFamily="34" charset="0"/>
+                <a:ea typeface="Open Sans" pitchFamily="34" charset="-122"/>
+                <a:cs typeface="Open Sans" pitchFamily="34" charset="-120"/>
+              </a:rPr>
+              <a:t>. </a:t>
+            </a:r>
+            <a:r>
+              <a:rPr lang="ko-KR" altLang="en-US" sz="1400" dirty="0">
+                <a:solidFill>
+                  <a:srgbClr val="49495A"/>
+                </a:solidFill>
+                <a:latin typeface="Open Sans" pitchFamily="34" charset="0"/>
+                <a:ea typeface="Open Sans" pitchFamily="34" charset="-122"/>
+                <a:cs typeface="Open Sans" pitchFamily="34" charset="-120"/>
+              </a:rPr>
+              <a:t>피격 범위에 닿으면 데미지를 받는다</a:t>
+            </a:r>
+            <a:r>
+              <a:rPr lang="en-US" altLang="ko-KR" sz="1400" dirty="0">
+                <a:solidFill>
+                  <a:srgbClr val="49495A"/>
+                </a:solidFill>
+                <a:latin typeface="Open Sans" pitchFamily="34" charset="0"/>
+                <a:ea typeface="Open Sans" pitchFamily="34" charset="-122"/>
+                <a:cs typeface="Open Sans" pitchFamily="34" charset="-120"/>
+              </a:rPr>
+              <a:t>.</a:t>
+            </a:r>
+          </a:p>
+          <a:p>
+            <a:pPr marL="0" indent="0">
+              <a:lnSpc>
+                <a:spcPts val="2799"/>
+              </a:lnSpc>
+              <a:buNone/>
+            </a:pPr>
+            <a:r>
+              <a:rPr lang="ko-KR" altLang="en-US" sz="1400" dirty="0">
+                <a:solidFill>
+                  <a:srgbClr val="49495A"/>
+                </a:solidFill>
+                <a:latin typeface="Open Sans" pitchFamily="34" charset="0"/>
+                <a:ea typeface="Open Sans" pitchFamily="34" charset="-122"/>
+                <a:cs typeface="Open Sans" pitchFamily="34" charset="-120"/>
+              </a:rPr>
+              <a:t>예</a:t>
+            </a:r>
+            <a:r>
+              <a:rPr lang="en-US" altLang="ko-KR" sz="1400" dirty="0">
+                <a:solidFill>
+                  <a:srgbClr val="49495A"/>
+                </a:solidFill>
+                <a:latin typeface="Open Sans" pitchFamily="34" charset="0"/>
+                <a:ea typeface="Open Sans" pitchFamily="34" charset="-122"/>
+                <a:cs typeface="Open Sans" pitchFamily="34" charset="-120"/>
+              </a:rPr>
+              <a:t>: </a:t>
+            </a:r>
+            <a:r>
+              <a:rPr lang="ko-KR" altLang="en-US" sz="1400" dirty="0" err="1">
+                <a:solidFill>
+                  <a:srgbClr val="49495A"/>
+                </a:solidFill>
+                <a:latin typeface="Open Sans" pitchFamily="34" charset="0"/>
+                <a:ea typeface="Open Sans" pitchFamily="34" charset="-122"/>
+                <a:cs typeface="Open Sans" pitchFamily="34" charset="-120"/>
+              </a:rPr>
+              <a:t>로스트아크</a:t>
+            </a:r>
+            <a:r>
+              <a:rPr lang="ko-KR" altLang="en-US" sz="1400" dirty="0">
+                <a:solidFill>
+                  <a:srgbClr val="49495A"/>
+                </a:solidFill>
+                <a:latin typeface="Open Sans" pitchFamily="34" charset="0"/>
+                <a:ea typeface="Open Sans" pitchFamily="34" charset="-122"/>
+                <a:cs typeface="Open Sans" pitchFamily="34" charset="-120"/>
+              </a:rPr>
+              <a:t> 상아탑 </a:t>
+            </a:r>
+            <a:r>
+              <a:rPr lang="en-US" altLang="ko-KR" sz="1400" dirty="0">
+                <a:solidFill>
+                  <a:srgbClr val="49495A"/>
+                </a:solidFill>
+                <a:latin typeface="Open Sans" pitchFamily="34" charset="0"/>
+                <a:ea typeface="Open Sans" pitchFamily="34" charset="-122"/>
+                <a:cs typeface="Open Sans" pitchFamily="34" charset="-120"/>
+              </a:rPr>
+              <a:t>3</a:t>
+            </a:r>
+            <a:r>
+              <a:rPr lang="ko-KR" altLang="en-US" sz="1400" dirty="0">
+                <a:solidFill>
+                  <a:srgbClr val="49495A"/>
+                </a:solidFill>
+                <a:latin typeface="Open Sans" pitchFamily="34" charset="0"/>
+                <a:ea typeface="Open Sans" pitchFamily="34" charset="-122"/>
+                <a:cs typeface="Open Sans" pitchFamily="34" charset="-120"/>
+              </a:rPr>
+              <a:t>관 </a:t>
+            </a:r>
+            <a:r>
+              <a:rPr lang="en-US" altLang="ko-KR" sz="1400" dirty="0">
+                <a:solidFill>
+                  <a:srgbClr val="49495A"/>
+                </a:solidFill>
+                <a:latin typeface="Open Sans" pitchFamily="34" charset="0"/>
+                <a:ea typeface="Open Sans" pitchFamily="34" charset="-122"/>
+                <a:cs typeface="Open Sans" pitchFamily="34" charset="-120"/>
+              </a:rPr>
+              <a:t>140</a:t>
+            </a:r>
+            <a:r>
+              <a:rPr lang="ko-KR" altLang="en-US" sz="1400" dirty="0">
+                <a:solidFill>
+                  <a:srgbClr val="49495A"/>
+                </a:solidFill>
+                <a:latin typeface="Open Sans" pitchFamily="34" charset="0"/>
+                <a:ea typeface="Open Sans" pitchFamily="34" charset="-122"/>
+                <a:cs typeface="Open Sans" pitchFamily="34" charset="-120"/>
+              </a:rPr>
+              <a:t>줄 패턴</a:t>
+            </a:r>
+            <a:endParaRPr lang="en-US" altLang="ko-KR" sz="1400" dirty="0">
+              <a:solidFill>
+                <a:srgbClr val="49495A"/>
+              </a:solidFill>
+              <a:latin typeface="Open Sans" pitchFamily="34" charset="0"/>
+              <a:ea typeface="Open Sans" pitchFamily="34" charset="-122"/>
+              <a:cs typeface="Open Sans" pitchFamily="34" charset="-120"/>
+            </a:endParaRPr>
+          </a:p>
+          <a:p>
+            <a:pPr marL="0" indent="0">
+              <a:lnSpc>
+                <a:spcPts val="2799"/>
+              </a:lnSpc>
+              <a:buNone/>
+            </a:pPr>
+            <a:endParaRPr lang="en-US" altLang="ko-KR" sz="1400" dirty="0">
+              <a:solidFill>
+                <a:srgbClr val="49495A"/>
+              </a:solidFill>
+              <a:latin typeface="Open Sans" pitchFamily="34" charset="0"/>
+              <a:ea typeface="Open Sans" pitchFamily="34" charset="-122"/>
+              <a:cs typeface="Open Sans" pitchFamily="34" charset="-120"/>
+            </a:endParaRPr>
+          </a:p>
+        </p:txBody>
+      </p:sp>
+      <p:sp>
+        <p:nvSpPr>
+          <p:cNvPr id="13" name="Shape 11"/>
+          <p:cNvSpPr/>
+          <p:nvPr/>
+        </p:nvSpPr>
+        <p:spPr>
+          <a:xfrm>
+            <a:off x="6382604" y="1989695"/>
+            <a:ext cx="499943" cy="499943"/>
+          </a:xfrm>
+          <a:prstGeom prst="roundRect">
+            <a:avLst>
+              <a:gd name="adj" fmla="val 26667"/>
+            </a:avLst>
+          </a:prstGeom>
+          <a:solidFill>
+            <a:srgbClr val="DED6FF"/>
+          </a:solidFill>
+          <a:ln/>
+        </p:spPr>
+        <p:txBody>
+          <a:bodyPr/>
+          <a:lstStyle/>
+          <a:p>
+            <a:endParaRPr lang="ko-KR" altLang="en-US"/>
+          </a:p>
+        </p:txBody>
+      </p:sp>
+      <p:sp>
+        <p:nvSpPr>
+          <p:cNvPr id="14" name="Text 12"/>
+          <p:cNvSpPr/>
+          <p:nvPr/>
+        </p:nvSpPr>
+        <p:spPr>
+          <a:xfrm>
+            <a:off x="6529884" y="2031367"/>
+            <a:ext cx="205383" cy="416481"/>
+          </a:xfrm>
+          <a:prstGeom prst="rect">
+            <a:avLst/>
+          </a:prstGeom>
+          <a:noFill/>
+          <a:ln/>
+        </p:spPr>
+        <p:txBody>
+          <a:bodyPr wrap="none" rtlCol="0" anchor="t"/>
+          <a:lstStyle/>
+          <a:p>
+            <a:pPr marL="0" indent="0" algn="ctr">
+              <a:lnSpc>
+                <a:spcPts val="3281"/>
+              </a:lnSpc>
+              <a:buNone/>
+            </a:pPr>
+            <a:r>
+              <a:rPr lang="en-US" sz="2624" dirty="0">
+                <a:solidFill>
+                  <a:srgbClr val="5955EB"/>
+                </a:solidFill>
+                <a:latin typeface="경기천년제목 Light" panose="02020403020101020101" pitchFamily="18" charset="-127"/>
+              </a:rPr>
+              <a:t>2</a:t>
+            </a:r>
+            <a:endParaRPr lang="en-US" sz="2624" dirty="0"/>
+          </a:p>
+        </p:txBody>
+      </p:sp>
+      <p:sp>
+        <p:nvSpPr>
+          <p:cNvPr id="15" name="Text 13"/>
+          <p:cNvSpPr/>
+          <p:nvPr/>
+        </p:nvSpPr>
+        <p:spPr>
+          <a:xfrm>
+            <a:off x="7104718" y="2066014"/>
+            <a:ext cx="2777490" cy="347186"/>
+          </a:xfrm>
+          <a:prstGeom prst="rect">
+            <a:avLst/>
+          </a:prstGeom>
+          <a:noFill/>
+          <a:ln/>
+        </p:spPr>
+        <p:txBody>
+          <a:bodyPr wrap="none" rtlCol="0" anchor="t"/>
+          <a:lstStyle/>
+          <a:p>
+            <a:pPr marL="0" indent="0">
+              <a:lnSpc>
+                <a:spcPts val="2734"/>
+              </a:lnSpc>
+              <a:buNone/>
+            </a:pPr>
+            <a:r>
+              <a:rPr lang="ko-KR" altLang="en-US" sz="2187" dirty="0"/>
+              <a:t>공굴리기</a:t>
+            </a:r>
+            <a:endParaRPr lang="en-US" sz="2187" dirty="0"/>
+          </a:p>
+        </p:txBody>
+      </p:sp>
+      <p:sp>
+        <p:nvSpPr>
+          <p:cNvPr id="16" name="Text 14"/>
+          <p:cNvSpPr/>
+          <p:nvPr/>
+        </p:nvSpPr>
+        <p:spPr>
+          <a:xfrm>
+            <a:off x="7104718" y="2546432"/>
+            <a:ext cx="4444008" cy="2139868"/>
+          </a:xfrm>
+          <a:prstGeom prst="rect">
+            <a:avLst/>
+          </a:prstGeom>
+          <a:noFill/>
+          <a:ln/>
+        </p:spPr>
+        <p:txBody>
+          <a:bodyPr wrap="square" rtlCol="0" anchor="t"/>
+          <a:lstStyle/>
+          <a:p>
+            <a:pPr marL="0" indent="0">
+              <a:lnSpc>
+                <a:spcPts val="2799"/>
+              </a:lnSpc>
+              <a:buNone/>
+            </a:pPr>
+            <a:r>
               <a:rPr lang="ko-KR" altLang="en-US" sz="1750" dirty="0">
                 <a:solidFill>
                   <a:srgbClr val="49495A"/>
@@ -10456,7 +11136,7 @@
                 <a:ea typeface="Open Sans" pitchFamily="34" charset="-122"/>
                 <a:cs typeface="Open Sans" pitchFamily="34" charset="-120"/>
               </a:rPr>
-              <a:t>각 침은 장판을 형성해 플레이어의 진로를 방해한다</a:t>
+              <a:t>플레이어를 향해 공을 굴린다</a:t>
             </a:r>
             <a:r>
               <a:rPr lang="en-US" altLang="ko-KR" sz="1750" dirty="0">
@@ -10469,7 +11149,156 @@
               </a:rPr>
               <a:t>.</a:t>
             </a:r>
-            <a:endParaRPr lang="en-US" sz="1750" dirty="0"/>
+          </a:p>
+          <a:p>
+            <a:pPr marL="0" indent="0">
+              <a:lnSpc>
+                <a:spcPts val="2799"/>
+              </a:lnSpc>
+              <a:buNone/>
+            </a:pPr>
+            <a:endParaRPr lang="en-US" altLang="ko-KR" sz="1750" dirty="0">
+              <a:solidFill>
+                <a:srgbClr val="49495A"/>
+              </a:solidFill>
+              <a:latin typeface="Open Sans" pitchFamily="34" charset="0"/>
+              <a:ea typeface="Open Sans" pitchFamily="34" charset="-122"/>
+              <a:cs typeface="Open Sans" pitchFamily="34" charset="-120"/>
+            </a:endParaRPr>
+          </a:p>
+          <a:p>
+            <a:pPr marL="0" indent="0">
+              <a:lnSpc>
+                <a:spcPts val="2799"/>
+              </a:lnSpc>
+              <a:buNone/>
+            </a:pPr>
+            <a:r>
+              <a:rPr lang="ko-KR" altLang="en-US" sz="1750" dirty="0">
+                <a:solidFill>
+                  <a:srgbClr val="49495A"/>
+                </a:solidFill>
+                <a:latin typeface="Open Sans" pitchFamily="34" charset="0"/>
+                <a:ea typeface="Open Sans" pitchFamily="34" charset="-122"/>
+                <a:cs typeface="Open Sans" pitchFamily="34" charset="-120"/>
+              </a:rPr>
+              <a:t>전조</a:t>
+            </a:r>
+            <a:r>
+              <a:rPr lang="en-US" altLang="ko-KR" sz="1750" dirty="0">
+                <a:solidFill>
+                  <a:srgbClr val="49495A"/>
+                </a:solidFill>
+                <a:latin typeface="Open Sans" pitchFamily="34" charset="0"/>
+                <a:ea typeface="Open Sans" pitchFamily="34" charset="-122"/>
+                <a:cs typeface="Open Sans" pitchFamily="34" charset="-120"/>
+              </a:rPr>
+              <a:t>: </a:t>
+            </a:r>
+            <a:r>
+              <a:rPr lang="ko-KR" altLang="en-US" sz="1750" dirty="0">
+                <a:solidFill>
+                  <a:srgbClr val="49495A"/>
+                </a:solidFill>
+                <a:latin typeface="Open Sans" pitchFamily="34" charset="0"/>
+                <a:ea typeface="Open Sans" pitchFamily="34" charset="-122"/>
+                <a:cs typeface="Open Sans" pitchFamily="34" charset="-120"/>
+              </a:rPr>
+              <a:t>아이가 손으로 공을 볼링 하듯 굴린다</a:t>
+            </a:r>
+            <a:r>
+              <a:rPr lang="en-US" altLang="ko-KR" sz="1750" dirty="0">
+                <a:solidFill>
+                  <a:srgbClr val="49495A"/>
+                </a:solidFill>
+                <a:latin typeface="Open Sans" pitchFamily="34" charset="0"/>
+                <a:ea typeface="Open Sans" pitchFamily="34" charset="-122"/>
+                <a:cs typeface="Open Sans" pitchFamily="34" charset="-120"/>
+              </a:rPr>
+              <a:t>.</a:t>
+            </a:r>
+          </a:p>
+          <a:p>
+            <a:pPr marL="0" indent="0">
+              <a:lnSpc>
+                <a:spcPts val="2799"/>
+              </a:lnSpc>
+              <a:buNone/>
+            </a:pPr>
+            <a:r>
+              <a:rPr lang="ko-KR" altLang="en-US" sz="1750" dirty="0">
+                <a:solidFill>
+                  <a:srgbClr val="49495A"/>
+                </a:solidFill>
+                <a:latin typeface="Open Sans" pitchFamily="34" charset="0"/>
+                <a:ea typeface="Open Sans" pitchFamily="34" charset="-122"/>
+                <a:cs typeface="Open Sans" pitchFamily="34" charset="-120"/>
+              </a:rPr>
+              <a:t>발동</a:t>
+            </a:r>
+            <a:r>
+              <a:rPr lang="en-US" altLang="ko-KR" sz="1750" dirty="0">
+                <a:solidFill>
+                  <a:srgbClr val="49495A"/>
+                </a:solidFill>
+                <a:latin typeface="Open Sans" pitchFamily="34" charset="0"/>
+                <a:ea typeface="Open Sans" pitchFamily="34" charset="-122"/>
+                <a:cs typeface="Open Sans" pitchFamily="34" charset="-120"/>
+              </a:rPr>
+              <a:t>: </a:t>
+            </a:r>
+            <a:r>
+              <a:rPr lang="ko-KR" altLang="en-US" sz="1750" dirty="0" err="1">
+                <a:solidFill>
+                  <a:srgbClr val="49495A"/>
+                </a:solidFill>
+                <a:latin typeface="Open Sans" pitchFamily="34" charset="0"/>
+                <a:ea typeface="Open Sans" pitchFamily="34" charset="-122"/>
+                <a:cs typeface="Open Sans" pitchFamily="34" charset="-120"/>
+              </a:rPr>
+              <a:t>발동시</a:t>
+            </a:r>
+            <a:r>
+              <a:rPr lang="ko-KR" altLang="en-US" sz="1750" dirty="0">
+                <a:solidFill>
+                  <a:srgbClr val="49495A"/>
+                </a:solidFill>
+                <a:latin typeface="Open Sans" pitchFamily="34" charset="0"/>
+                <a:ea typeface="Open Sans" pitchFamily="34" charset="-122"/>
+                <a:cs typeface="Open Sans" pitchFamily="34" charset="-120"/>
+              </a:rPr>
+              <a:t> 공은 플레이어를 향해 굴러가며 벽에 닿으면 각도에 따라 튕긴다</a:t>
+            </a:r>
+            <a:r>
+              <a:rPr lang="en-US" altLang="ko-KR" sz="1750" dirty="0">
+                <a:solidFill>
+                  <a:srgbClr val="49495A"/>
+                </a:solidFill>
+                <a:latin typeface="Open Sans" pitchFamily="34" charset="0"/>
+                <a:ea typeface="Open Sans" pitchFamily="34" charset="-122"/>
+                <a:cs typeface="Open Sans" pitchFamily="34" charset="-120"/>
+              </a:rPr>
+              <a:t>.</a:t>
+            </a:r>
+          </a:p>
+          <a:p>
+            <a:pPr marL="0" indent="0">
+              <a:lnSpc>
+                <a:spcPts val="2799"/>
+              </a:lnSpc>
+              <a:buNone/>
+            </a:pPr>
+            <a:r>
+              <a:rPr lang="ko-KR" altLang="en-US" sz="1750" dirty="0">
+                <a:solidFill>
+                  <a:srgbClr val="49495A"/>
+                </a:solidFill>
+                <a:latin typeface="Open Sans" pitchFamily="34" charset="0"/>
+                <a:ea typeface="Open Sans" pitchFamily="34" charset="-122"/>
+                <a:cs typeface="Open Sans" pitchFamily="34" charset="-120"/>
+              </a:rPr>
+              <a:t> </a:t>
+            </a:r>
           </a:p>
         </p:txBody>
       </p:sp>
@@ -10487,7 +11316,7 @@
         </p:nvSpPr>
         <p:spPr>
           <a:xfrm>
-            <a:off x="11536680" y="5169932"/>
+            <a:off x="10939442" y="140732"/>
             <a:ext cx="2674620" cy="2705100"/>
           </a:xfrm>
           <a:prstGeom prst="roundRect">
@@ -10559,7 +11388,7 @@
         </p:blipFill>
         <p:spPr bwMode="auto">
           <a:xfrm>
-            <a:off x="1460322" y="5169932"/>
+            <a:off x="1016338" y="5169932"/>
             <a:ext cx="3172638" cy="2511109"/>
           </a:xfrm>
           <a:prstGeom prst="rect">
@@ -10575,6 +11404,66 @@
               </a14:hiddenFill>
             </a:ext>
           </a:extLst>
+        </p:spPr>
+      </p:pic>
+      <p:pic>
+        <p:nvPicPr>
+          <p:cNvPr id="3" name="그림 2">
+            <a:extLst>
+              <a:ext uri="{FF2B5EF4-FFF2-40B4-BE49-F238E27FC236}">
+                <a16:creationId xmlns:a16="http://schemas.microsoft.com/office/drawing/2014/main" id="{665D55E8-9623-3B5F-E2DB-B94C806349D5}"/>
+              </a:ext>
+            </a:extLst>
+          </p:cNvPr>
+          <p:cNvPicPr>
+            <a:picLocks noChangeAspect="1"/>
+          </p:cNvPicPr>
+          <p:nvPr/>
+        </p:nvPicPr>
+        <p:blipFill>
+          <a:blip r:embed="rId4"/>
+          <a:stretch>
+            <a:fillRect/>
+          </a:stretch>
+        </p:blipFill>
+        <p:spPr>
+          <a:xfrm>
+            <a:off x="8360990" y="5273434"/>
+            <a:ext cx="3781953" cy="2276793"/>
+          </a:xfrm>
+          <a:prstGeom prst="rect">
+            <a:avLst/>
+          </a:prstGeom>
+        </p:spPr>
+      </p:pic>
+      <p:pic>
+        <p:nvPicPr>
+          <p:cNvPr id="10" name="그림 9">
+            <a:extLst>
+              <a:ext uri="{FF2B5EF4-FFF2-40B4-BE49-F238E27FC236}">
+                <a16:creationId xmlns:a16="http://schemas.microsoft.com/office/drawing/2014/main" id="{D5D3D6FE-4D6C-F96A-5479-15150FC0ED12}"/>
+              </a:ext>
+            </a:extLst>
+          </p:cNvPr>
+          <p:cNvPicPr>
+            <a:picLocks noChangeAspect="1"/>
+          </p:cNvPicPr>
+          <p:nvPr/>
+        </p:nvPicPr>
+        <p:blipFill>
+          <a:blip r:embed="rId5"/>
+          <a:stretch>
+            <a:fillRect/>
+          </a:stretch>
+        </p:blipFill>
+        <p:spPr>
+          <a:xfrm>
+            <a:off x="4260137" y="5273435"/>
+            <a:ext cx="3844645" cy="2276793"/>
+          </a:xfrm>
+          <a:prstGeom prst="rect">
+            <a:avLst/>
+          </a:prstGeom>
         </p:spPr>
       </p:pic>
     </p:spTree>
@@ -12169,7 +13058,7 @@
               <a:buNone/>
             </a:pPr>
             <a:r>
-              <a:rPr lang="en-US" sz="4374" dirty="0">
+              <a:rPr lang="en-US" altLang="ko-KR" sz="4374" dirty="0">
                 <a:solidFill>
                   <a:srgbClr val="5955EB"/>
                 </a:solidFill>
@@ -12177,7 +13066,40 @@
                 <a:ea typeface="경기천년제목 Light" panose="02020403020101020101" pitchFamily="18" charset="-127"/>
                 <a:cs typeface="Libre Baskerville" pitchFamily="34" charset="-120"/>
               </a:rPr>
-              <a:t>2단계 보스 몬스터 공격 패턴</a:t>
+              <a:t>2</a:t>
+            </a:r>
+            <a:r>
+              <a:rPr lang="ko-KR" altLang="en-US" sz="4374" dirty="0">
+                <a:solidFill>
+                  <a:srgbClr val="5955EB"/>
+                </a:solidFill>
+                <a:latin typeface="경기천년제목 Light" panose="02020403020101020101" pitchFamily="18" charset="-127"/>
+                <a:ea typeface="경기천년제목 Light" panose="02020403020101020101" pitchFamily="18" charset="-127"/>
+                <a:cs typeface="Libre Baskerville" pitchFamily="34" charset="-120"/>
+              </a:rPr>
+              <a:t>보스</a:t>
+            </a:r>
+            <a:r>
+              <a:rPr lang="en-US" altLang="ko-KR" sz="4374" dirty="0">
+                <a:solidFill>
+                  <a:srgbClr val="5955EB"/>
+                </a:solidFill>
+                <a:latin typeface="경기천년제목 Light" panose="02020403020101020101" pitchFamily="18" charset="-127"/>
+                <a:ea typeface="경기천년제목 Light" panose="02020403020101020101" pitchFamily="18" charset="-127"/>
+                <a:cs typeface="Libre Baskerville" pitchFamily="34" charset="-120"/>
+              </a:rPr>
+              <a:t>: </a:t>
+            </a:r>
+            <a:r>
+              <a:rPr lang="ko-KR" altLang="en-US" sz="4374" dirty="0">
+                <a:solidFill>
+                  <a:srgbClr val="5955EB"/>
+                </a:solidFill>
+                <a:latin typeface="경기천년제목 Light" panose="02020403020101020101" pitchFamily="18" charset="-127"/>
+                <a:ea typeface="경기천년제목 Light" panose="02020403020101020101" pitchFamily="18" charset="-127"/>
+                <a:cs typeface="Libre Baskerville" pitchFamily="34" charset="-120"/>
+              </a:rPr>
+              <a:t>물총 든 아이</a:t>
             </a:r>
             <a:endParaRPr lang="en-US" sz="4374" dirty="0"/>
           </a:p>
@@ -12262,8 +13184,8 @@
         </p:nvSpPr>
         <p:spPr>
           <a:xfrm>
-            <a:off x="1738452" y="2066014"/>
-            <a:ext cx="2777490" cy="347186"/>
+            <a:off x="1738451" y="2066014"/>
+            <a:ext cx="4421981" cy="480417"/>
           </a:xfrm>
           <a:prstGeom prst="rect">
             <a:avLst/>
@@ -12284,13 +13206,22 @@
             <a:r>
               <a:rPr lang="ko-KR" altLang="en-US" sz="2187" dirty="0">
                 <a:solidFill>
-                  <a:srgbClr val="5955EB"/>
-                </a:solidFill>
-                <a:latin typeface="경기천년제목 Light" panose="02020403020101020101" pitchFamily="18" charset="-127"/>
-              </a:rPr>
-              <a:t>돌던지기</a:t>
-            </a:r>
-            <a:endParaRPr lang="en-US" sz="2187" dirty="0"/>
+                  <a:schemeClr val="tx1">
+                    <a:lumMod val="95000"/>
+                    <a:lumOff val="5000"/>
+                  </a:schemeClr>
+                </a:solidFill>
+              </a:rPr>
+              <a:t>물총 쏘기</a:t>
+            </a:r>
+            <a:endParaRPr lang="en-US" sz="2187" dirty="0">
+              <a:solidFill>
+                <a:schemeClr val="tx1">
+                  <a:lumMod val="95000"/>
+                  <a:lumOff val="5000"/>
+                </a:schemeClr>
+              </a:solidFill>
+            </a:endParaRPr>
           </a:p>
         </p:txBody>
       </p:sp>
@@ -12303,7 +13234,7 @@
         <p:spPr>
           <a:xfrm>
             <a:off x="1738452" y="2546431"/>
-            <a:ext cx="4444008" cy="710803"/>
+            <a:ext cx="4444008" cy="2303865"/>
           </a:xfrm>
           <a:prstGeom prst="rect">
             <a:avLst/>
@@ -12330,101 +13261,8 @@
                 <a:ea typeface="Open Sans" pitchFamily="34" charset="-122"/>
                 <a:cs typeface="Open Sans" pitchFamily="34" charset="-120"/>
               </a:rPr>
-              <a:t>레이어를 향해 원거리 공격</a:t>
-            </a:r>
-            <a:r>
-              <a:rPr lang="en-US" altLang="ko-KR" sz="1400" dirty="0">
-                <a:solidFill>
-                  <a:srgbClr val="49495A"/>
-                </a:solidFill>
-                <a:latin typeface="Open Sans" pitchFamily="34" charset="0"/>
-                <a:ea typeface="Open Sans" pitchFamily="34" charset="-122"/>
-                <a:cs typeface="Open Sans" pitchFamily="34" charset="-120"/>
-              </a:rPr>
-              <a:t>, </a:t>
-            </a:r>
-          </a:p>
-          <a:p>
-            <a:pPr marL="0" indent="0">
-              <a:lnSpc>
-                <a:spcPts val="2799"/>
-              </a:lnSpc>
-              <a:buNone/>
-            </a:pPr>
-            <a:r>
-              <a:rPr lang="ko-KR" altLang="en-US" sz="1400" dirty="0">
-                <a:solidFill>
-                  <a:srgbClr val="49495A"/>
-                </a:solidFill>
-                <a:latin typeface="Open Sans" pitchFamily="34" charset="0"/>
-                <a:ea typeface="Open Sans" pitchFamily="34" charset="-122"/>
-                <a:cs typeface="Open Sans" pitchFamily="34" charset="-120"/>
-              </a:rPr>
-              <a:t>플레이어를 향해 나아가는 </a:t>
-            </a:r>
-            <a:r>
-              <a:rPr lang="en-US" altLang="ko-KR" sz="1400" dirty="0">
-                <a:solidFill>
-                  <a:srgbClr val="49495A"/>
-                </a:solidFill>
-                <a:latin typeface="Open Sans" pitchFamily="34" charset="0"/>
-                <a:ea typeface="Open Sans" pitchFamily="34" charset="-122"/>
-                <a:cs typeface="Open Sans" pitchFamily="34" charset="-120"/>
-              </a:rPr>
-              <a:t>3</a:t>
-            </a:r>
-            <a:r>
-              <a:rPr lang="ko-KR" altLang="en-US" sz="1400" dirty="0">
-                <a:solidFill>
-                  <a:srgbClr val="49495A"/>
-                </a:solidFill>
-                <a:latin typeface="Open Sans" pitchFamily="34" charset="0"/>
-                <a:ea typeface="Open Sans" pitchFamily="34" charset="-122"/>
-                <a:cs typeface="Open Sans" pitchFamily="34" charset="-120"/>
-              </a:rPr>
-              <a:t>갈래의 탄환을 발사하며 연속으로 </a:t>
-            </a:r>
-            <a:r>
-              <a:rPr lang="en-US" altLang="ko-KR" sz="1400" dirty="0">
-                <a:solidFill>
-                  <a:srgbClr val="49495A"/>
-                </a:solidFill>
-                <a:latin typeface="Open Sans" pitchFamily="34" charset="0"/>
-                <a:ea typeface="Open Sans" pitchFamily="34" charset="-122"/>
-                <a:cs typeface="Open Sans" pitchFamily="34" charset="-120"/>
-              </a:rPr>
-              <a:t>3</a:t>
-            </a:r>
-            <a:r>
-              <a:rPr lang="ko-KR" altLang="en-US" sz="1400" dirty="0">
-                <a:solidFill>
-                  <a:srgbClr val="49495A"/>
-                </a:solidFill>
-                <a:latin typeface="Open Sans" pitchFamily="34" charset="0"/>
-                <a:ea typeface="Open Sans" pitchFamily="34" charset="-122"/>
-                <a:cs typeface="Open Sans" pitchFamily="34" charset="-120"/>
-              </a:rPr>
-              <a:t>번 쏜다</a:t>
-            </a:r>
-            <a:r>
-              <a:rPr lang="en-US" altLang="ko-KR" sz="1400" dirty="0">
-                <a:solidFill>
-                  <a:srgbClr val="49495A"/>
-                </a:solidFill>
-                <a:latin typeface="Open Sans" pitchFamily="34" charset="0"/>
-                <a:ea typeface="Open Sans" pitchFamily="34" charset="-122"/>
-                <a:cs typeface="Open Sans" pitchFamily="34" charset="-120"/>
-              </a:rPr>
-              <a:t>.</a:t>
-            </a:r>
-          </a:p>
-          <a:p>
-            <a:pPr marL="0" indent="0">
-              <a:lnSpc>
-                <a:spcPts val="2799"/>
-              </a:lnSpc>
-              <a:buNone/>
-            </a:pPr>
+              <a:t>플레이어를 향해 원거리 공격</a:t>
+            </a:r>
             <a:endParaRPr lang="en-US" altLang="ko-KR" sz="1400" dirty="0">
               <a:solidFill>
                 <a:srgbClr val="49495A"/>
@@ -12450,9 +13288,150 @@
                 <a:ea typeface="Open Sans" pitchFamily="34" charset="-122"/>
                 <a:cs typeface="Open Sans" pitchFamily="34" charset="-120"/>
               </a:rPr>
-              <a:t>보스를 둘러싸고 있는 펜스에 닿으면 탄환은 삭제</a:t>
-            </a:r>
-            <a:endParaRPr lang="en-US" sz="1400" dirty="0"/>
+              <a:t>공격 </a:t>
+            </a:r>
+            <a:r>
+              <a:rPr lang="ko-KR" altLang="en-US" sz="1400" dirty="0" err="1">
+                <a:solidFill>
+                  <a:srgbClr val="49495A"/>
+                </a:solidFill>
+                <a:latin typeface="Open Sans" pitchFamily="34" charset="0"/>
+                <a:ea typeface="Open Sans" pitchFamily="34" charset="-122"/>
+                <a:cs typeface="Open Sans" pitchFamily="34" charset="-120"/>
+              </a:rPr>
+              <a:t>발동시</a:t>
+            </a:r>
+            <a:r>
+              <a:rPr lang="ko-KR" altLang="en-US" sz="1400" dirty="0">
+                <a:solidFill>
+                  <a:srgbClr val="49495A"/>
+                </a:solidFill>
+                <a:latin typeface="Open Sans" pitchFamily="34" charset="0"/>
+                <a:ea typeface="Open Sans" pitchFamily="34" charset="-122"/>
+                <a:cs typeface="Open Sans" pitchFamily="34" charset="-120"/>
+              </a:rPr>
+              <a:t> 재자리에서 </a:t>
+            </a:r>
+            <a:r>
+              <a:rPr lang="en-US" altLang="ko-KR" sz="1400" dirty="0">
+                <a:solidFill>
+                  <a:srgbClr val="49495A"/>
+                </a:solidFill>
+                <a:latin typeface="Open Sans" pitchFamily="34" charset="0"/>
+                <a:ea typeface="Open Sans" pitchFamily="34" charset="-122"/>
+                <a:cs typeface="Open Sans" pitchFamily="34" charset="-120"/>
+              </a:rPr>
+              <a:t>1</a:t>
+            </a:r>
+            <a:r>
+              <a:rPr lang="ko-KR" altLang="en-US" sz="1400" dirty="0">
+                <a:solidFill>
+                  <a:srgbClr val="49495A"/>
+                </a:solidFill>
+                <a:latin typeface="Open Sans" pitchFamily="34" charset="0"/>
+                <a:ea typeface="Open Sans" pitchFamily="34" charset="-122"/>
+                <a:cs typeface="Open Sans" pitchFamily="34" charset="-120"/>
+              </a:rPr>
+              <a:t>초간 장전을 실시하고  플레이어를 향해 물줄기 발사한다</a:t>
+            </a:r>
+            <a:r>
+              <a:rPr lang="en-US" altLang="ko-KR" sz="1400" dirty="0">
+                <a:solidFill>
+                  <a:srgbClr val="49495A"/>
+                </a:solidFill>
+                <a:latin typeface="Open Sans" pitchFamily="34" charset="0"/>
+                <a:ea typeface="Open Sans" pitchFamily="34" charset="-122"/>
+                <a:cs typeface="Open Sans" pitchFamily="34" charset="-120"/>
+              </a:rPr>
+              <a:t>. </a:t>
+            </a:r>
+            <a:r>
+              <a:rPr lang="ko-KR" altLang="en-US" sz="1400" dirty="0">
+                <a:solidFill>
+                  <a:srgbClr val="49495A"/>
+                </a:solidFill>
+                <a:latin typeface="Open Sans" pitchFamily="34" charset="0"/>
+                <a:ea typeface="Open Sans" pitchFamily="34" charset="-122"/>
+                <a:cs typeface="Open Sans" pitchFamily="34" charset="-120"/>
+              </a:rPr>
+              <a:t>물줄기는 플레이어의 위치를 따라가며 </a:t>
+            </a:r>
+            <a:r>
+              <a:rPr lang="en-US" altLang="ko-KR" sz="1400" dirty="0">
+                <a:solidFill>
+                  <a:srgbClr val="49495A"/>
+                </a:solidFill>
+                <a:latin typeface="Open Sans" pitchFamily="34" charset="0"/>
+                <a:ea typeface="Open Sans" pitchFamily="34" charset="-122"/>
+                <a:cs typeface="Open Sans" pitchFamily="34" charset="-120"/>
+              </a:rPr>
+              <a:t>3</a:t>
+            </a:r>
+            <a:r>
+              <a:rPr lang="ko-KR" altLang="en-US" sz="1400" dirty="0">
+                <a:solidFill>
+                  <a:srgbClr val="49495A"/>
+                </a:solidFill>
+                <a:latin typeface="Open Sans" pitchFamily="34" charset="0"/>
+                <a:ea typeface="Open Sans" pitchFamily="34" charset="-122"/>
+                <a:cs typeface="Open Sans" pitchFamily="34" charset="-120"/>
+              </a:rPr>
+              <a:t>초 후 종료</a:t>
+            </a:r>
+            <a:r>
+              <a:rPr lang="en-US" altLang="ko-KR" sz="1400" dirty="0">
+                <a:solidFill>
+                  <a:srgbClr val="49495A"/>
+                </a:solidFill>
+                <a:latin typeface="Open Sans" pitchFamily="34" charset="0"/>
+                <a:ea typeface="Open Sans" pitchFamily="34" charset="-122"/>
+                <a:cs typeface="Open Sans" pitchFamily="34" charset="-120"/>
+              </a:rPr>
+              <a:t>.</a:t>
+            </a:r>
+          </a:p>
+          <a:p>
+            <a:pPr marL="0" indent="0">
+              <a:lnSpc>
+                <a:spcPts val="2799"/>
+              </a:lnSpc>
+              <a:buNone/>
+            </a:pPr>
+            <a:endParaRPr lang="en-US" altLang="ko-KR" sz="1400" dirty="0">
+              <a:solidFill>
+                <a:srgbClr val="49495A"/>
+              </a:solidFill>
+              <a:latin typeface="Open Sans" pitchFamily="34" charset="0"/>
+              <a:ea typeface="Open Sans" pitchFamily="34" charset="-122"/>
+              <a:cs typeface="Open Sans" pitchFamily="34" charset="-120"/>
+            </a:endParaRPr>
+          </a:p>
+          <a:p>
+            <a:pPr marL="0" indent="0">
+              <a:lnSpc>
+                <a:spcPts val="2799"/>
+              </a:lnSpc>
+              <a:buNone/>
+            </a:pPr>
+            <a:r>
+              <a:rPr lang="ko-KR" altLang="en-US" sz="1400" dirty="0">
+                <a:solidFill>
+                  <a:srgbClr val="49495A"/>
+                </a:solidFill>
+                <a:latin typeface="Open Sans" pitchFamily="34" charset="0"/>
+                <a:ea typeface="Open Sans" pitchFamily="34" charset="-122"/>
+                <a:cs typeface="Open Sans" pitchFamily="34" charset="-120"/>
+              </a:rPr>
+              <a:t> </a:t>
+            </a:r>
+            <a:endParaRPr lang="en-US" altLang="ko-KR" sz="1400" dirty="0">
+              <a:solidFill>
+                <a:srgbClr val="49495A"/>
+              </a:solidFill>
+              <a:latin typeface="Open Sans" pitchFamily="34" charset="0"/>
+              <a:ea typeface="Open Sans" pitchFamily="34" charset="-122"/>
+              <a:cs typeface="Open Sans" pitchFamily="34" charset="-120"/>
+            </a:endParaRPr>
           </a:p>
         </p:txBody>
       </p:sp>
@@ -12464,7 +13443,7 @@
         </p:nvSpPr>
         <p:spPr>
           <a:xfrm>
-            <a:off x="1016338" y="4972366"/>
+            <a:off x="6382604" y="1989695"/>
             <a:ext cx="499943" cy="499943"/>
           </a:xfrm>
           <a:prstGeom prst="roundRect">
@@ -12493,7 +13472,7 @@
         </p:nvSpPr>
         <p:spPr>
           <a:xfrm>
-            <a:off x="1163618" y="5014038"/>
+            <a:off x="6529884" y="2031367"/>
             <a:ext cx="205383" cy="416481"/>
           </a:xfrm>
           <a:prstGeom prst="rect">
@@ -12518,10 +13497,8 @@
                   <a:srgbClr val="5955EB"/>
                 </a:solidFill>
                 <a:latin typeface="경기천년제목 Light" panose="02020403020101020101" pitchFamily="18" charset="-127"/>
-                <a:ea typeface="경기천년제목 Light" panose="02020403020101020101" pitchFamily="18" charset="-127"/>
-                <a:cs typeface="Libre Baskerville" pitchFamily="34" charset="-120"/>
-              </a:rPr>
-              <a:t>3</a:t>
+              </a:rPr>
+              <a:t>2</a:t>
             </a:r>
             <a:endParaRPr lang="en-US" sz="2624" dirty="0"/>
           </a:p>
@@ -12535,7 +13512,7 @@
         </p:nvSpPr>
         <p:spPr>
           <a:xfrm>
-            <a:off x="1738452" y="5048685"/>
+            <a:off x="7104718" y="2066014"/>
             <a:ext cx="2777490" cy="347186"/>
           </a:xfrm>
           <a:prstGeom prst="rect">
@@ -12555,15 +13532,12 @@
               <a:buNone/>
             </a:pPr>
             <a:r>
-              <a:rPr lang="en-US" sz="2187" dirty="0">
-                <a:solidFill>
-                  <a:srgbClr val="5955EB"/>
-                </a:solidFill>
-                <a:latin typeface="경기천년제목 Light" panose="02020403020101020101" pitchFamily="18" charset="-127"/>
-                <a:ea typeface="경기천년제목 Light" panose="02020403020101020101" pitchFamily="18" charset="-127"/>
-                <a:cs typeface="Libre Baskerville" pitchFamily="34" charset="-120"/>
-              </a:rPr>
-              <a:t>미끄러짐 공격</a:t>
+              <a:rPr lang="ko-KR" altLang="en-US" sz="2187" dirty="0" err="1"/>
+              <a:t>물폭탄</a:t>
+            </a:r>
+            <a:r>
+              <a:rPr lang="ko-KR" altLang="en-US" sz="2187" dirty="0"/>
+              <a:t> 던지기</a:t>
             </a:r>
             <a:endParaRPr lang="en-US" sz="2187" dirty="0"/>
           </a:p>
@@ -12577,8 +13551,8 @@
         </p:nvSpPr>
         <p:spPr>
           <a:xfrm>
-            <a:off x="1738452" y="5529103"/>
-            <a:ext cx="4444008" cy="710803"/>
+            <a:off x="7104718" y="2546432"/>
+            <a:ext cx="4444008" cy="2303864"/>
           </a:xfrm>
           <a:prstGeom prst="rect">
             <a:avLst/>
@@ -12597,16 +13571,227 @@
               <a:buNone/>
             </a:pPr>
             <a:r>
-              <a:rPr lang="en-US" sz="1750" dirty="0">
-                <a:solidFill>
-                  <a:srgbClr val="49495A"/>
-                </a:solidFill>
-                <a:latin typeface="Open Sans" pitchFamily="34" charset="0"/>
-                <a:ea typeface="Open Sans" pitchFamily="34" charset="-122"/>
-                <a:cs typeface="Open Sans" pitchFamily="34" charset="-120"/>
-              </a:rPr>
-              <a:t>바닥을 미끄러지듯이 이동하면서 플레이어를 공격하는 기술을 사용합니다.</a:t>
-            </a:r>
+              <a:rPr lang="ko-KR" altLang="en-US" sz="1750" dirty="0">
+                <a:solidFill>
+                  <a:srgbClr val="49495A"/>
+                </a:solidFill>
+                <a:latin typeface="Open Sans" pitchFamily="34" charset="0"/>
+                <a:ea typeface="Open Sans" pitchFamily="34" charset="-122"/>
+                <a:cs typeface="Open Sans" pitchFamily="34" charset="-120"/>
+              </a:rPr>
+              <a:t>플레이어를 향해 원거리 공격</a:t>
+            </a:r>
+            <a:r>
+              <a:rPr lang="en-US" altLang="ko-KR" sz="1750" dirty="0">
+                <a:solidFill>
+                  <a:srgbClr val="49495A"/>
+                </a:solidFill>
+                <a:latin typeface="Open Sans" pitchFamily="34" charset="0"/>
+                <a:ea typeface="Open Sans" pitchFamily="34" charset="-122"/>
+                <a:cs typeface="Open Sans" pitchFamily="34" charset="-120"/>
+              </a:rPr>
+              <a:t>, </a:t>
+            </a:r>
+          </a:p>
+          <a:p>
+            <a:pPr marL="0" indent="0">
+              <a:lnSpc>
+                <a:spcPts val="2799"/>
+              </a:lnSpc>
+              <a:buNone/>
+            </a:pPr>
+            <a:r>
+              <a:rPr lang="ko-KR" altLang="en-US" sz="1750" dirty="0">
+                <a:solidFill>
+                  <a:srgbClr val="49495A"/>
+                </a:solidFill>
+                <a:latin typeface="Open Sans" pitchFamily="34" charset="0"/>
+                <a:ea typeface="Open Sans" pitchFamily="34" charset="-122"/>
+                <a:cs typeface="Open Sans" pitchFamily="34" charset="-120"/>
+              </a:rPr>
+              <a:t>공격 발동 시 확인한 플레이어의 좌표에 </a:t>
+            </a:r>
+            <a:r>
+              <a:rPr lang="ko-KR" altLang="en-US" sz="1750" dirty="0" err="1">
+                <a:solidFill>
+                  <a:srgbClr val="49495A"/>
+                </a:solidFill>
+                <a:latin typeface="Open Sans" pitchFamily="34" charset="0"/>
+                <a:ea typeface="Open Sans" pitchFamily="34" charset="-122"/>
+                <a:cs typeface="Open Sans" pitchFamily="34" charset="-120"/>
+              </a:rPr>
+              <a:t>물폭탄</a:t>
+            </a:r>
+            <a:r>
+              <a:rPr lang="ko-KR" altLang="en-US" sz="1750" dirty="0">
+                <a:solidFill>
+                  <a:srgbClr val="49495A"/>
+                </a:solidFill>
+                <a:latin typeface="Open Sans" pitchFamily="34" charset="0"/>
+                <a:ea typeface="Open Sans" pitchFamily="34" charset="-122"/>
+                <a:cs typeface="Open Sans" pitchFamily="34" charset="-120"/>
+              </a:rPr>
+              <a:t> </a:t>
+            </a:r>
+            <a:r>
+              <a:rPr lang="en-US" altLang="ko-KR" sz="1750" dirty="0">
+                <a:solidFill>
+                  <a:srgbClr val="49495A"/>
+                </a:solidFill>
+                <a:latin typeface="Open Sans" pitchFamily="34" charset="0"/>
+                <a:ea typeface="Open Sans" pitchFamily="34" charset="-122"/>
+                <a:cs typeface="Open Sans" pitchFamily="34" charset="-120"/>
+              </a:rPr>
+              <a:t>4</a:t>
+            </a:r>
+            <a:r>
+              <a:rPr lang="ko-KR" altLang="en-US" sz="1750" dirty="0">
+                <a:solidFill>
+                  <a:srgbClr val="49495A"/>
+                </a:solidFill>
+                <a:latin typeface="Open Sans" pitchFamily="34" charset="0"/>
+                <a:ea typeface="Open Sans" pitchFamily="34" charset="-122"/>
+                <a:cs typeface="Open Sans" pitchFamily="34" charset="-120"/>
+              </a:rPr>
+              <a:t>개를 순차적으로 던진다</a:t>
+            </a:r>
+            <a:r>
+              <a:rPr lang="en-US" altLang="ko-KR" sz="1750" dirty="0">
+                <a:solidFill>
+                  <a:srgbClr val="49495A"/>
+                </a:solidFill>
+                <a:latin typeface="Open Sans" pitchFamily="34" charset="0"/>
+                <a:ea typeface="Open Sans" pitchFamily="34" charset="-122"/>
+                <a:cs typeface="Open Sans" pitchFamily="34" charset="-120"/>
+              </a:rPr>
+              <a:t>.</a:t>
+            </a:r>
+          </a:p>
+          <a:p>
+            <a:pPr marL="0" indent="0">
+              <a:lnSpc>
+                <a:spcPts val="2799"/>
+              </a:lnSpc>
+              <a:buNone/>
+            </a:pPr>
+            <a:r>
+              <a:rPr lang="ko-KR" altLang="en-US" sz="1750" dirty="0">
+                <a:solidFill>
+                  <a:srgbClr val="49495A"/>
+                </a:solidFill>
+                <a:latin typeface="Open Sans" pitchFamily="34" charset="0"/>
+                <a:ea typeface="Open Sans" pitchFamily="34" charset="-122"/>
+                <a:cs typeface="Open Sans" pitchFamily="34" charset="-120"/>
+              </a:rPr>
+              <a:t>이 폭탄은 잔여물</a:t>
+            </a:r>
+            <a:r>
+              <a:rPr lang="en-US" altLang="ko-KR" sz="1750" dirty="0">
+                <a:solidFill>
+                  <a:srgbClr val="49495A"/>
+                </a:solidFill>
+                <a:latin typeface="Open Sans" pitchFamily="34" charset="0"/>
+                <a:ea typeface="Open Sans" pitchFamily="34" charset="-122"/>
+                <a:cs typeface="Open Sans" pitchFamily="34" charset="-120"/>
+              </a:rPr>
+              <a:t>(</a:t>
+            </a:r>
+            <a:r>
+              <a:rPr lang="ko-KR" altLang="en-US" sz="1750" dirty="0">
+                <a:solidFill>
+                  <a:srgbClr val="49495A"/>
+                </a:solidFill>
+                <a:latin typeface="Open Sans" pitchFamily="34" charset="0"/>
+                <a:ea typeface="Open Sans" pitchFamily="34" charset="-122"/>
+                <a:cs typeface="Open Sans" pitchFamily="34" charset="-120"/>
+              </a:rPr>
+              <a:t>장판</a:t>
+            </a:r>
+            <a:r>
+              <a:rPr lang="en-US" altLang="ko-KR" sz="1750" dirty="0">
+                <a:solidFill>
+                  <a:srgbClr val="49495A"/>
+                </a:solidFill>
+                <a:latin typeface="Open Sans" pitchFamily="34" charset="0"/>
+                <a:ea typeface="Open Sans" pitchFamily="34" charset="-122"/>
+                <a:cs typeface="Open Sans" pitchFamily="34" charset="-120"/>
+              </a:rPr>
+              <a:t>)</a:t>
+            </a:r>
+            <a:r>
+              <a:rPr lang="ko-KR" altLang="en-US" sz="1750" dirty="0">
+                <a:solidFill>
+                  <a:srgbClr val="49495A"/>
+                </a:solidFill>
+                <a:latin typeface="Open Sans" pitchFamily="34" charset="0"/>
+                <a:ea typeface="Open Sans" pitchFamily="34" charset="-122"/>
+                <a:cs typeface="Open Sans" pitchFamily="34" charset="-120"/>
+              </a:rPr>
+              <a:t>이 남으며 장판은 플레이어에게 </a:t>
+            </a:r>
+            <a:r>
+              <a:rPr lang="en-US" altLang="ko-KR" sz="1750" dirty="0">
+                <a:solidFill>
+                  <a:srgbClr val="49495A"/>
+                </a:solidFill>
+                <a:latin typeface="Open Sans" pitchFamily="34" charset="0"/>
+                <a:ea typeface="Open Sans" pitchFamily="34" charset="-122"/>
+                <a:cs typeface="Open Sans" pitchFamily="34" charset="-120"/>
+              </a:rPr>
+              <a:t>0.1</a:t>
+            </a:r>
+            <a:r>
+              <a:rPr lang="ko-KR" altLang="en-US" sz="1750" dirty="0">
+                <a:solidFill>
+                  <a:srgbClr val="49495A"/>
+                </a:solidFill>
+                <a:latin typeface="Open Sans" pitchFamily="34" charset="0"/>
+                <a:ea typeface="Open Sans" pitchFamily="34" charset="-122"/>
+                <a:cs typeface="Open Sans" pitchFamily="34" charset="-120"/>
+              </a:rPr>
+              <a:t>초당 </a:t>
+            </a:r>
+            <a:r>
+              <a:rPr lang="en-US" altLang="ko-KR" sz="1750" dirty="0">
+                <a:solidFill>
+                  <a:srgbClr val="49495A"/>
+                </a:solidFill>
+                <a:latin typeface="Open Sans" pitchFamily="34" charset="0"/>
+                <a:ea typeface="Open Sans" pitchFamily="34" charset="-122"/>
+                <a:cs typeface="Open Sans" pitchFamily="34" charset="-120"/>
+              </a:rPr>
+              <a:t>2</a:t>
+            </a:r>
+            <a:r>
+              <a:rPr lang="ko-KR" altLang="en-US" sz="1750" dirty="0">
+                <a:solidFill>
+                  <a:srgbClr val="49495A"/>
+                </a:solidFill>
+                <a:latin typeface="Open Sans" pitchFamily="34" charset="0"/>
+                <a:ea typeface="Open Sans" pitchFamily="34" charset="-122"/>
+                <a:cs typeface="Open Sans" pitchFamily="34" charset="-120"/>
+              </a:rPr>
+              <a:t>의 데미지를 준다</a:t>
+            </a:r>
+            <a:r>
+              <a:rPr lang="en-US" altLang="ko-KR" sz="1750" dirty="0">
+                <a:solidFill>
+                  <a:srgbClr val="49495A"/>
+                </a:solidFill>
+                <a:latin typeface="Open Sans" pitchFamily="34" charset="0"/>
+                <a:ea typeface="Open Sans" pitchFamily="34" charset="-122"/>
+                <a:cs typeface="Open Sans" pitchFamily="34" charset="-120"/>
+              </a:rPr>
+              <a:t>.</a:t>
+            </a:r>
+          </a:p>
+          <a:p>
+            <a:pPr marL="0" indent="0">
+              <a:lnSpc>
+                <a:spcPts val="2799"/>
+              </a:lnSpc>
+              <a:buNone/>
+            </a:pPr>
             <a:endParaRPr lang="en-US" sz="1750" dirty="0"/>
           </a:p>
         </p:txBody>
@@ -12625,7 +13810,7 @@
         </p:nvSpPr>
         <p:spPr>
           <a:xfrm>
-            <a:off x="11673840" y="320040"/>
+            <a:off x="11536680" y="5169932"/>
             <a:ext cx="2674620" cy="2705100"/>
           </a:xfrm>
           <a:prstGeom prst="roundRect">
@@ -12653,14 +13838,25 @@
           <a:lstStyle/>
           <a:p>
             <a:pPr algn="ctr"/>
-            <a:endParaRPr lang="ko-KR" altLang="en-US"/>
+            <a:r>
+              <a:rPr lang="ko-KR" altLang="en-US" dirty="0"/>
+              <a:t> 몬 </a:t>
+            </a:r>
+            <a:r>
+              <a:rPr lang="ko-KR" altLang="en-US" dirty="0" err="1"/>
+              <a:t>스</a:t>
+            </a:r>
+            <a:r>
+              <a:rPr lang="ko-KR" altLang="en-US" dirty="0"/>
+              <a:t> 터 사 진</a:t>
+            </a:r>
           </a:p>
         </p:txBody>
       </p:sp>
     </p:spTree>
     <p:extLst>
       <p:ext uri="{BB962C8B-B14F-4D97-AF65-F5344CB8AC3E}">
-        <p14:creationId xmlns:p14="http://schemas.microsoft.com/office/powerpoint/2010/main" val="2235025284"/>
+        <p14:creationId xmlns:p14="http://schemas.microsoft.com/office/powerpoint/2010/main" val="1015597505"/>
       </p:ext>
     </p:extLst>
   </p:cSld>
@@ -12715,7 +13911,7 @@
               <a:buNone/>
             </a:pPr>
             <a:r>
-              <a:rPr lang="en-US" sz="4374" dirty="0">
+              <a:rPr lang="en-US" altLang="ko-KR" sz="4374" dirty="0">
                 <a:solidFill>
                   <a:srgbClr val="5955EB"/>
                 </a:solidFill>
@@ -12723,7 +13919,40 @@
                 <a:ea typeface="경기천년제목 Light" panose="02020403020101020101" pitchFamily="18" charset="-127"/>
                 <a:cs typeface="Libre Baskerville" pitchFamily="34" charset="-120"/>
               </a:rPr>
-              <a:t>3단계 보스 몬스터 공격 패턴</a:t>
+              <a:t>3</a:t>
+            </a:r>
+            <a:r>
+              <a:rPr lang="ko-KR" altLang="en-US" sz="4374" dirty="0">
+                <a:solidFill>
+                  <a:srgbClr val="5955EB"/>
+                </a:solidFill>
+                <a:latin typeface="경기천년제목 Light" panose="02020403020101020101" pitchFamily="18" charset="-127"/>
+                <a:ea typeface="경기천년제목 Light" panose="02020403020101020101" pitchFamily="18" charset="-127"/>
+                <a:cs typeface="Libre Baskerville" pitchFamily="34" charset="-120"/>
+              </a:rPr>
+              <a:t>보스</a:t>
+            </a:r>
+            <a:r>
+              <a:rPr lang="en-US" altLang="ko-KR" sz="4374" dirty="0">
+                <a:solidFill>
+                  <a:srgbClr val="5955EB"/>
+                </a:solidFill>
+                <a:latin typeface="경기천년제목 Light" panose="02020403020101020101" pitchFamily="18" charset="-127"/>
+                <a:ea typeface="경기천년제목 Light" panose="02020403020101020101" pitchFamily="18" charset="-127"/>
+                <a:cs typeface="Libre Baskerville" pitchFamily="34" charset="-120"/>
+              </a:rPr>
+              <a:t>: </a:t>
+            </a:r>
+            <a:r>
+              <a:rPr lang="ko-KR" altLang="en-US" sz="4374" dirty="0">
+                <a:solidFill>
+                  <a:srgbClr val="5955EB"/>
+                </a:solidFill>
+                <a:latin typeface="경기천년제목 Light" panose="02020403020101020101" pitchFamily="18" charset="-127"/>
+                <a:ea typeface="경기천년제목 Light" panose="02020403020101020101" pitchFamily="18" charset="-127"/>
+                <a:cs typeface="Libre Baskerville" pitchFamily="34" charset="-120"/>
+              </a:rPr>
+              <a:t>중년 여성</a:t>
             </a:r>
             <a:endParaRPr lang="en-US" sz="4374" dirty="0"/>
           </a:p>
@@ -12830,13 +14059,23 @@
             <a:r>
               <a:rPr lang="ko-KR" altLang="en-US" sz="2187" dirty="0">
                 <a:solidFill>
-                  <a:srgbClr val="5955EB"/>
+                  <a:schemeClr val="tx1">
+                    <a:lumMod val="95000"/>
+                    <a:lumOff val="5000"/>
+                  </a:schemeClr>
                 </a:solidFill>
                 <a:latin typeface="경기천년제목 Light" panose="02020403020101020101" pitchFamily="18" charset="-127"/>
               </a:rPr>
-              <a:t>돌던지기</a:t>
-            </a:r>
-            <a:endParaRPr lang="en-US" sz="2187" dirty="0"/>
+              <a:t>소리치기</a:t>
+            </a:r>
+            <a:endParaRPr lang="en-US" sz="2187" dirty="0">
+              <a:solidFill>
+                <a:schemeClr val="tx1">
+                  <a:lumMod val="95000"/>
+                  <a:lumOff val="5000"/>
+                </a:schemeClr>
+              </a:solidFill>
+            </a:endParaRPr>
           </a:p>
         </p:txBody>
       </p:sp>
@@ -12849,7 +14088,7 @@
         <p:spPr>
           <a:xfrm>
             <a:off x="1738452" y="2546431"/>
-            <a:ext cx="4444008" cy="710803"/>
+            <a:ext cx="4444008" cy="2264108"/>
           </a:xfrm>
           <a:prstGeom prst="rect">
             <a:avLst/>
@@ -12876,101 +14115,8 @@
                 <a:ea typeface="Open Sans" pitchFamily="34" charset="-122"/>
                 <a:cs typeface="Open Sans" pitchFamily="34" charset="-120"/>
               </a:rPr>
-              <a:t>레이어를 향해 원거리 공격</a:t>
-            </a:r>
-            <a:r>
-              <a:rPr lang="en-US" altLang="ko-KR" sz="1400" dirty="0">
-                <a:solidFill>
-                  <a:srgbClr val="49495A"/>
-                </a:solidFill>
-                <a:latin typeface="Open Sans" pitchFamily="34" charset="0"/>
-                <a:ea typeface="Open Sans" pitchFamily="34" charset="-122"/>
-                <a:cs typeface="Open Sans" pitchFamily="34" charset="-120"/>
-              </a:rPr>
-              <a:t>, </a:t>
-            </a:r>
-          </a:p>
-          <a:p>
-            <a:pPr marL="0" indent="0">
-              <a:lnSpc>
-                <a:spcPts val="2799"/>
-              </a:lnSpc>
-              <a:buNone/>
-            </a:pPr>
-            <a:r>
-              <a:rPr lang="ko-KR" altLang="en-US" sz="1400" dirty="0">
-                <a:solidFill>
-                  <a:srgbClr val="49495A"/>
-                </a:solidFill>
-                <a:latin typeface="Open Sans" pitchFamily="34" charset="0"/>
-                <a:ea typeface="Open Sans" pitchFamily="34" charset="-122"/>
-                <a:cs typeface="Open Sans" pitchFamily="34" charset="-120"/>
-              </a:rPr>
-              <a:t>플레이어를 향해 나아가는 </a:t>
-            </a:r>
-            <a:r>
-              <a:rPr lang="en-US" altLang="ko-KR" sz="1400" dirty="0">
-                <a:solidFill>
-                  <a:srgbClr val="49495A"/>
-                </a:solidFill>
-                <a:latin typeface="Open Sans" pitchFamily="34" charset="0"/>
-                <a:ea typeface="Open Sans" pitchFamily="34" charset="-122"/>
-                <a:cs typeface="Open Sans" pitchFamily="34" charset="-120"/>
-              </a:rPr>
-              <a:t>3</a:t>
-            </a:r>
-            <a:r>
-              <a:rPr lang="ko-KR" altLang="en-US" sz="1400" dirty="0">
-                <a:solidFill>
-                  <a:srgbClr val="49495A"/>
-                </a:solidFill>
-                <a:latin typeface="Open Sans" pitchFamily="34" charset="0"/>
-                <a:ea typeface="Open Sans" pitchFamily="34" charset="-122"/>
-                <a:cs typeface="Open Sans" pitchFamily="34" charset="-120"/>
-              </a:rPr>
-              <a:t>갈래의 탄환을 발사하며 연속으로 </a:t>
-            </a:r>
-            <a:r>
-              <a:rPr lang="en-US" altLang="ko-KR" sz="1400" dirty="0">
-                <a:solidFill>
-                  <a:srgbClr val="49495A"/>
-                </a:solidFill>
-                <a:latin typeface="Open Sans" pitchFamily="34" charset="0"/>
-                <a:ea typeface="Open Sans" pitchFamily="34" charset="-122"/>
-                <a:cs typeface="Open Sans" pitchFamily="34" charset="-120"/>
-              </a:rPr>
-              <a:t>3</a:t>
-            </a:r>
-            <a:r>
-              <a:rPr lang="ko-KR" altLang="en-US" sz="1400" dirty="0">
-                <a:solidFill>
-                  <a:srgbClr val="49495A"/>
-                </a:solidFill>
-                <a:latin typeface="Open Sans" pitchFamily="34" charset="0"/>
-                <a:ea typeface="Open Sans" pitchFamily="34" charset="-122"/>
-                <a:cs typeface="Open Sans" pitchFamily="34" charset="-120"/>
-              </a:rPr>
-              <a:t>번 쏜다</a:t>
-            </a:r>
-            <a:r>
-              <a:rPr lang="en-US" altLang="ko-KR" sz="1400" dirty="0">
-                <a:solidFill>
-                  <a:srgbClr val="49495A"/>
-                </a:solidFill>
-                <a:latin typeface="Open Sans" pitchFamily="34" charset="0"/>
-                <a:ea typeface="Open Sans" pitchFamily="34" charset="-122"/>
-                <a:cs typeface="Open Sans" pitchFamily="34" charset="-120"/>
-              </a:rPr>
-              <a:t>.</a:t>
-            </a:r>
-          </a:p>
-          <a:p>
-            <a:pPr marL="0" indent="0">
-              <a:lnSpc>
-                <a:spcPts val="2799"/>
-              </a:lnSpc>
-              <a:buNone/>
-            </a:pPr>
+              <a:t>플레이어를 향한 범위 공격</a:t>
+            </a:r>
             <a:endParaRPr lang="en-US" altLang="ko-KR" sz="1400" dirty="0">
               <a:solidFill>
                 <a:srgbClr val="49495A"/>
@@ -12981,12 +14127,22 @@
             </a:endParaRPr>
           </a:p>
           <a:p>
-            <a:pPr marL="0" indent="0">
+            <a:pPr>
               <a:lnSpc>
                 <a:spcPts val="2799"/>
               </a:lnSpc>
-              <a:buNone/>
-            </a:pPr>
+            </a:pPr>
+            <a:r>
+              <a:rPr lang="ko-KR" altLang="en-US" sz="1400" dirty="0" err="1">
+                <a:solidFill>
+                  <a:srgbClr val="49495A"/>
+                </a:solidFill>
+                <a:latin typeface="Open Sans" pitchFamily="34" charset="0"/>
+                <a:ea typeface="Open Sans" pitchFamily="34" charset="-122"/>
+                <a:cs typeface="Open Sans" pitchFamily="34" charset="-120"/>
+              </a:rPr>
+              <a:t>발동시</a:t>
+            </a:r>
             <a:r>
               <a:rPr lang="ko-KR" altLang="en-US" sz="1400" dirty="0">
                 <a:solidFill>
@@ -12996,9 +14152,164 @@
                 <a:ea typeface="Open Sans" pitchFamily="34" charset="-122"/>
                 <a:cs typeface="Open Sans" pitchFamily="34" charset="-120"/>
               </a:rPr>
-              <a:t>보스를 둘러싸고 있는 펜스에 닿으면 탄환은 삭제</a:t>
-            </a:r>
-            <a:endParaRPr lang="en-US" sz="1400" dirty="0"/>
+              <a:t> </a:t>
+            </a:r>
+            <a:r>
+              <a:rPr lang="en-US" altLang="ko-KR" sz="1400" dirty="0" err="1">
+                <a:solidFill>
+                  <a:srgbClr val="49495A"/>
+                </a:solidFill>
+                <a:latin typeface="Open Sans" pitchFamily="34" charset="0"/>
+                <a:ea typeface="Open Sans" pitchFamily="34" charset="-122"/>
+                <a:cs typeface="Open Sans" pitchFamily="34" charset="-120"/>
+              </a:rPr>
+              <a:t>보스</a:t>
+            </a:r>
+            <a:r>
+              <a:rPr lang="en-US" altLang="ko-KR" sz="1400" dirty="0">
+                <a:solidFill>
+                  <a:srgbClr val="49495A"/>
+                </a:solidFill>
+                <a:latin typeface="Open Sans" pitchFamily="34" charset="0"/>
+                <a:ea typeface="Open Sans" pitchFamily="34" charset="-122"/>
+                <a:cs typeface="Open Sans" pitchFamily="34" charset="-120"/>
+              </a:rPr>
+              <a:t> </a:t>
+            </a:r>
+            <a:r>
+              <a:rPr lang="en-US" altLang="ko-KR" sz="1400" dirty="0" err="1">
+                <a:solidFill>
+                  <a:srgbClr val="49495A"/>
+                </a:solidFill>
+                <a:latin typeface="Open Sans" pitchFamily="34" charset="0"/>
+                <a:ea typeface="Open Sans" pitchFamily="34" charset="-122"/>
+                <a:cs typeface="Open Sans" pitchFamily="34" charset="-120"/>
+              </a:rPr>
+              <a:t>몬스터가</a:t>
+            </a:r>
+            <a:r>
+              <a:rPr lang="en-US" altLang="ko-KR" sz="1400" dirty="0">
+                <a:solidFill>
+                  <a:srgbClr val="49495A"/>
+                </a:solidFill>
+                <a:latin typeface="Open Sans" pitchFamily="34" charset="0"/>
+                <a:ea typeface="Open Sans" pitchFamily="34" charset="-122"/>
+                <a:cs typeface="Open Sans" pitchFamily="34" charset="-120"/>
+              </a:rPr>
+              <a:t> </a:t>
+            </a:r>
+            <a:r>
+              <a:rPr lang="ko-KR" altLang="en-US" sz="1400" dirty="0">
+                <a:solidFill>
+                  <a:srgbClr val="49495A"/>
+                </a:solidFill>
+                <a:latin typeface="Open Sans" pitchFamily="34" charset="0"/>
+                <a:ea typeface="Open Sans" pitchFamily="34" charset="-122"/>
+                <a:cs typeface="Open Sans" pitchFamily="34" charset="-120"/>
+              </a:rPr>
+              <a:t>플레이어의 방향으로 </a:t>
+            </a:r>
+            <a:r>
+              <a:rPr lang="en-US" altLang="ko-KR" sz="1400" dirty="0" err="1">
+                <a:solidFill>
+                  <a:srgbClr val="49495A"/>
+                </a:solidFill>
+                <a:latin typeface="Open Sans" pitchFamily="34" charset="0"/>
+                <a:ea typeface="Open Sans" pitchFamily="34" charset="-122"/>
+                <a:cs typeface="Open Sans" pitchFamily="34" charset="-120"/>
+              </a:rPr>
+              <a:t>강력한</a:t>
+            </a:r>
+            <a:r>
+              <a:rPr lang="en-US" altLang="ko-KR" sz="1400" dirty="0">
+                <a:solidFill>
+                  <a:srgbClr val="49495A"/>
+                </a:solidFill>
+                <a:latin typeface="Open Sans" pitchFamily="34" charset="0"/>
+                <a:ea typeface="Open Sans" pitchFamily="34" charset="-122"/>
+                <a:cs typeface="Open Sans" pitchFamily="34" charset="-120"/>
+              </a:rPr>
+              <a:t> </a:t>
+            </a:r>
+            <a:r>
+              <a:rPr lang="en-US" altLang="ko-KR" sz="1400" dirty="0" err="1">
+                <a:solidFill>
+                  <a:srgbClr val="49495A"/>
+                </a:solidFill>
+                <a:latin typeface="Open Sans" pitchFamily="34" charset="0"/>
+                <a:ea typeface="Open Sans" pitchFamily="34" charset="-122"/>
+                <a:cs typeface="Open Sans" pitchFamily="34" charset="-120"/>
+              </a:rPr>
+              <a:t>충격파를</a:t>
+            </a:r>
+            <a:r>
+              <a:rPr lang="en-US" altLang="ko-KR" sz="1400" dirty="0">
+                <a:solidFill>
+                  <a:srgbClr val="49495A"/>
+                </a:solidFill>
+                <a:latin typeface="Open Sans" pitchFamily="34" charset="0"/>
+                <a:ea typeface="Open Sans" pitchFamily="34" charset="-122"/>
+                <a:cs typeface="Open Sans" pitchFamily="34" charset="-120"/>
+              </a:rPr>
+              <a:t> </a:t>
+            </a:r>
+            <a:r>
+              <a:rPr lang="en-US" altLang="ko-KR" sz="1400" dirty="0" err="1">
+                <a:solidFill>
+                  <a:srgbClr val="49495A"/>
+                </a:solidFill>
+                <a:latin typeface="Open Sans" pitchFamily="34" charset="0"/>
+                <a:ea typeface="Open Sans" pitchFamily="34" charset="-122"/>
+                <a:cs typeface="Open Sans" pitchFamily="34" charset="-120"/>
+              </a:rPr>
+              <a:t>내뿜</a:t>
+            </a:r>
+            <a:r>
+              <a:rPr lang="ko-KR" altLang="en-US" sz="1400" dirty="0">
+                <a:solidFill>
+                  <a:srgbClr val="49495A"/>
+                </a:solidFill>
+                <a:latin typeface="Open Sans" pitchFamily="34" charset="0"/>
+                <a:ea typeface="Open Sans" pitchFamily="34" charset="-122"/>
+                <a:cs typeface="Open Sans" pitchFamily="34" charset="-120"/>
+              </a:rPr>
+              <a:t>는다</a:t>
+            </a:r>
+            <a:r>
+              <a:rPr lang="en-US" altLang="ko-KR" sz="1400" dirty="0">
+                <a:solidFill>
+                  <a:srgbClr val="49495A"/>
+                </a:solidFill>
+                <a:latin typeface="Open Sans" pitchFamily="34" charset="0"/>
+                <a:ea typeface="Open Sans" pitchFamily="34" charset="-122"/>
+                <a:cs typeface="Open Sans" pitchFamily="34" charset="-120"/>
+              </a:rPr>
+              <a:t>.</a:t>
+            </a:r>
+          </a:p>
+          <a:p>
+            <a:pPr>
+              <a:lnSpc>
+                <a:spcPts val="2799"/>
+              </a:lnSpc>
+            </a:pPr>
+            <a:endParaRPr lang="en-US" altLang="ko-KR" sz="1400" dirty="0"/>
+          </a:p>
+          <a:p>
+            <a:pPr marL="0" indent="0">
+              <a:lnSpc>
+                <a:spcPts val="2799"/>
+              </a:lnSpc>
+              <a:buNone/>
+            </a:pPr>
+            <a:endParaRPr lang="en-US" altLang="ko-KR" sz="1400" dirty="0">
+              <a:solidFill>
+                <a:srgbClr val="49495A"/>
+              </a:solidFill>
+              <a:latin typeface="Open Sans" pitchFamily="34" charset="0"/>
+              <a:ea typeface="Open Sans" pitchFamily="34" charset="-122"/>
+              <a:cs typeface="Open Sans" pitchFamily="34" charset="-120"/>
+            </a:endParaRPr>
           </a:p>
         </p:txBody>
       </p:sp>
@@ -13010,7 +14321,7 @@
         </p:nvSpPr>
         <p:spPr>
           <a:xfrm>
-            <a:off x="1016338" y="4972366"/>
+            <a:off x="6382604" y="1989695"/>
             <a:ext cx="499943" cy="499943"/>
           </a:xfrm>
           <a:prstGeom prst="roundRect">
@@ -13039,7 +14350,7 @@
         </p:nvSpPr>
         <p:spPr>
           <a:xfrm>
-            <a:off x="1163618" y="5014038"/>
+            <a:off x="6529884" y="2031367"/>
             <a:ext cx="205383" cy="416481"/>
           </a:xfrm>
           <a:prstGeom prst="rect">
@@ -13064,77 +14375,139 @@
                   <a:srgbClr val="5955EB"/>
                 </a:solidFill>
                 <a:latin typeface="경기천년제목 Light" panose="02020403020101020101" pitchFamily="18" charset="-127"/>
-                <a:ea typeface="경기천년제목 Light" panose="02020403020101020101" pitchFamily="18" charset="-127"/>
-                <a:cs typeface="Libre Baskerville" pitchFamily="34" charset="-120"/>
+              </a:rPr>
+              <a:t>2</a:t>
+            </a:r>
+            <a:endParaRPr lang="en-US" sz="2624" dirty="0"/>
+          </a:p>
+        </p:txBody>
+      </p:sp>
+      <p:sp>
+        <p:nvSpPr>
+          <p:cNvPr id="15" name="Text 13"/>
+          <p:cNvSpPr/>
+          <p:nvPr/>
+        </p:nvSpPr>
+        <p:spPr>
+          <a:xfrm>
+            <a:off x="7104718" y="2066014"/>
+            <a:ext cx="2777490" cy="347186"/>
+          </a:xfrm>
+          <a:prstGeom prst="rect">
+            <a:avLst/>
+          </a:prstGeom>
+          <a:noFill/>
+          <a:ln/>
+        </p:spPr>
+        <p:txBody>
+          <a:bodyPr wrap="none" rtlCol="0" anchor="t"/>
+          <a:lstStyle/>
+          <a:p>
+            <a:pPr marL="0" indent="0">
+              <a:lnSpc>
+                <a:spcPts val="2734"/>
+              </a:lnSpc>
+              <a:buNone/>
+            </a:pPr>
+            <a:r>
+              <a:rPr lang="ko-KR" altLang="en-US" sz="2187" dirty="0" err="1"/>
+              <a:t>침뱉기</a:t>
+            </a:r>
+            <a:endParaRPr lang="en-US" sz="2187" dirty="0"/>
+          </a:p>
+        </p:txBody>
+      </p:sp>
+      <p:sp>
+        <p:nvSpPr>
+          <p:cNvPr id="16" name="Text 14"/>
+          <p:cNvSpPr/>
+          <p:nvPr/>
+        </p:nvSpPr>
+        <p:spPr>
+          <a:xfrm>
+            <a:off x="7104718" y="2546432"/>
+            <a:ext cx="4444008" cy="710803"/>
+          </a:xfrm>
+          <a:prstGeom prst="rect">
+            <a:avLst/>
+          </a:prstGeom>
+          <a:noFill/>
+          <a:ln/>
+        </p:spPr>
+        <p:txBody>
+          <a:bodyPr wrap="square" rtlCol="0" anchor="t"/>
+          <a:lstStyle/>
+          <a:p>
+            <a:pPr marL="0" indent="0">
+              <a:lnSpc>
+                <a:spcPts val="2799"/>
+              </a:lnSpc>
+              <a:buNone/>
+            </a:pPr>
+            <a:r>
+              <a:rPr lang="ko-KR" altLang="en-US" sz="1750" dirty="0">
+                <a:solidFill>
+                  <a:srgbClr val="49495A"/>
+                </a:solidFill>
+                <a:latin typeface="Open Sans" pitchFamily="34" charset="0"/>
+                <a:ea typeface="Open Sans" pitchFamily="34" charset="-122"/>
+                <a:cs typeface="Open Sans" pitchFamily="34" charset="-120"/>
+              </a:rPr>
+              <a:t>플레이어를 향해 원거리 공격</a:t>
+            </a:r>
+            <a:r>
+              <a:rPr lang="en-US" altLang="ko-KR" sz="1750" dirty="0">
+                <a:solidFill>
+                  <a:srgbClr val="49495A"/>
+                </a:solidFill>
+                <a:latin typeface="Open Sans" pitchFamily="34" charset="0"/>
+                <a:ea typeface="Open Sans" pitchFamily="34" charset="-122"/>
+                <a:cs typeface="Open Sans" pitchFamily="34" charset="-120"/>
+              </a:rPr>
+              <a:t>, </a:t>
+            </a:r>
+          </a:p>
+          <a:p>
+            <a:pPr marL="0" indent="0">
+              <a:lnSpc>
+                <a:spcPts val="2799"/>
+              </a:lnSpc>
+              <a:buNone/>
+            </a:pPr>
+            <a:r>
+              <a:rPr lang="ko-KR" altLang="en-US" sz="1750" dirty="0">
+                <a:solidFill>
+                  <a:srgbClr val="49495A"/>
+                </a:solidFill>
+                <a:latin typeface="Open Sans" pitchFamily="34" charset="0"/>
+                <a:ea typeface="Open Sans" pitchFamily="34" charset="-122"/>
+                <a:cs typeface="Open Sans" pitchFamily="34" charset="-120"/>
+              </a:rPr>
+              <a:t>공격 발동 시 확인한 플레이어의 좌표에 연속해서 </a:t>
+            </a:r>
+            <a:r>
+              <a:rPr lang="en-US" altLang="ko-KR" sz="1750" dirty="0">
+                <a:solidFill>
+                  <a:srgbClr val="49495A"/>
+                </a:solidFill>
+                <a:latin typeface="Open Sans" pitchFamily="34" charset="0"/>
+                <a:ea typeface="Open Sans" pitchFamily="34" charset="-122"/>
+                <a:cs typeface="Open Sans" pitchFamily="34" charset="-120"/>
               </a:rPr>
               <a:t>3</a:t>
             </a:r>
-            <a:endParaRPr lang="en-US" sz="2624" dirty="0"/>
-          </a:p>
-        </p:txBody>
-      </p:sp>
-      <p:sp>
-        <p:nvSpPr>
-          <p:cNvPr id="15" name="Text 13"/>
-          <p:cNvSpPr/>
-          <p:nvPr/>
-        </p:nvSpPr>
-        <p:spPr>
-          <a:xfrm>
-            <a:off x="1738452" y="5048685"/>
-            <a:ext cx="2777490" cy="347186"/>
-          </a:xfrm>
-          <a:prstGeom prst="rect">
-            <a:avLst/>
-          </a:prstGeom>
-          <a:noFill/>
-          <a:ln/>
-        </p:spPr>
-        <p:txBody>
-          <a:bodyPr wrap="none" rtlCol="0" anchor="t"/>
-          <a:lstStyle/>
-          <a:p>
-            <a:pPr marL="0" indent="0">
-              <a:lnSpc>
-                <a:spcPts val="2734"/>
-              </a:lnSpc>
-              <a:buNone/>
-            </a:pPr>
-            <a:r>
-              <a:rPr lang="en-US" sz="2187" dirty="0">
-                <a:solidFill>
-                  <a:srgbClr val="5955EB"/>
-                </a:solidFill>
-                <a:latin typeface="경기천년제목 Light" panose="02020403020101020101" pitchFamily="18" charset="-127"/>
-                <a:ea typeface="경기천년제목 Light" panose="02020403020101020101" pitchFamily="18" charset="-127"/>
-                <a:cs typeface="Libre Baskerville" pitchFamily="34" charset="-120"/>
-              </a:rPr>
-              <a:t>미끄러짐 공격</a:t>
-            </a:r>
-            <a:endParaRPr lang="en-US" sz="2187" dirty="0"/>
-          </a:p>
-        </p:txBody>
-      </p:sp>
-      <p:sp>
-        <p:nvSpPr>
-          <p:cNvPr id="16" name="Text 14"/>
-          <p:cNvSpPr/>
-          <p:nvPr/>
-        </p:nvSpPr>
-        <p:spPr>
-          <a:xfrm>
-            <a:off x="1738452" y="5529103"/>
-            <a:ext cx="4444008" cy="710803"/>
-          </a:xfrm>
-          <a:prstGeom prst="rect">
-            <a:avLst/>
-          </a:prstGeom>
-          <a:noFill/>
-          <a:ln/>
-        </p:spPr>
-        <p:txBody>
-          <a:bodyPr wrap="square" rtlCol="0" anchor="t"/>
-          <a:lstStyle/>
+            <a:r>
+              <a:rPr lang="ko-KR" altLang="en-US" sz="1750" dirty="0">
+                <a:solidFill>
+                  <a:srgbClr val="49495A"/>
+                </a:solidFill>
+                <a:latin typeface="Open Sans" pitchFamily="34" charset="0"/>
+                <a:ea typeface="Open Sans" pitchFamily="34" charset="-122"/>
+                <a:cs typeface="Open Sans" pitchFamily="34" charset="-120"/>
+              </a:rPr>
+              <a:t>번의 침을 발사 </a:t>
+            </a:r>
+          </a:p>
           <a:p>
             <a:pPr marL="0" indent="0">
               <a:lnSpc>
@@ -13142,16 +14515,43 @@
               </a:lnSpc>
               <a:buNone/>
             </a:pPr>
-            <a:r>
-              <a:rPr lang="en-US" sz="1750" dirty="0">
-                <a:solidFill>
-                  <a:srgbClr val="49495A"/>
-                </a:solidFill>
-                <a:latin typeface="Open Sans" pitchFamily="34" charset="0"/>
-                <a:ea typeface="Open Sans" pitchFamily="34" charset="-122"/>
-                <a:cs typeface="Open Sans" pitchFamily="34" charset="-120"/>
-              </a:rPr>
-              <a:t>바닥을 미끄러지듯이 이동하면서 플레이어를 공격하는 기술을 사용합니다.</a:t>
+            <a:endParaRPr lang="ko-KR" altLang="en-US" sz="1750" dirty="0">
+              <a:solidFill>
+                <a:srgbClr val="49495A"/>
+              </a:solidFill>
+              <a:latin typeface="Open Sans" pitchFamily="34" charset="0"/>
+              <a:ea typeface="Open Sans" pitchFamily="34" charset="-122"/>
+              <a:cs typeface="Open Sans" pitchFamily="34" charset="-120"/>
+            </a:endParaRPr>
+          </a:p>
+          <a:p>
+            <a:pPr marL="0" indent="0">
+              <a:lnSpc>
+                <a:spcPts val="2799"/>
+              </a:lnSpc>
+              <a:buNone/>
+            </a:pPr>
+            <a:r>
+              <a:rPr lang="ko-KR" altLang="en-US" sz="1750" dirty="0">
+                <a:solidFill>
+                  <a:srgbClr val="49495A"/>
+                </a:solidFill>
+                <a:latin typeface="Open Sans" pitchFamily="34" charset="0"/>
+                <a:ea typeface="Open Sans" pitchFamily="34" charset="-122"/>
+                <a:cs typeface="Open Sans" pitchFamily="34" charset="-120"/>
+              </a:rPr>
+              <a:t>각 침은 장판을 형성해 플레이어의 진로를 방해한다</a:t>
+            </a:r>
+            <a:r>
+              <a:rPr lang="en-US" altLang="ko-KR" sz="1750" dirty="0">
+                <a:solidFill>
+                  <a:srgbClr val="49495A"/>
+                </a:solidFill>
+                <a:latin typeface="Open Sans" pitchFamily="34" charset="0"/>
+                <a:ea typeface="Open Sans" pitchFamily="34" charset="-122"/>
+                <a:cs typeface="Open Sans" pitchFamily="34" charset="-120"/>
+              </a:rPr>
+              <a:t>.</a:t>
             </a:r>
             <a:endParaRPr lang="en-US" sz="1750" dirty="0"/>
           </a:p>
@@ -13171,7 +14571,7 @@
         </p:nvSpPr>
         <p:spPr>
           <a:xfrm>
-            <a:off x="11673840" y="320040"/>
+            <a:off x="11536680" y="5169932"/>
             <a:ext cx="2674620" cy="2705100"/>
           </a:xfrm>
           <a:prstGeom prst="roundRect">
@@ -13199,14 +14599,25 @@
           <a:lstStyle/>
           <a:p>
             <a:pPr algn="ctr"/>
-            <a:endParaRPr lang="ko-KR" altLang="en-US"/>
+            <a:r>
+              <a:rPr lang="ko-KR" altLang="en-US" dirty="0"/>
+              <a:t> 몬 </a:t>
+            </a:r>
+            <a:r>
+              <a:rPr lang="ko-KR" altLang="en-US" dirty="0" err="1"/>
+              <a:t>스</a:t>
+            </a:r>
+            <a:r>
+              <a:rPr lang="ko-KR" altLang="en-US" dirty="0"/>
+              <a:t> 터 사 진</a:t>
+            </a:r>
           </a:p>
         </p:txBody>
       </p:sp>
     </p:spTree>
     <p:extLst>
       <p:ext uri="{BB962C8B-B14F-4D97-AF65-F5344CB8AC3E}">
-        <p14:creationId xmlns:p14="http://schemas.microsoft.com/office/powerpoint/2010/main" val="367842784"/>
+        <p14:creationId xmlns:p14="http://schemas.microsoft.com/office/powerpoint/2010/main" val="1498315918"/>
       </p:ext>
     </p:extLst>
   </p:cSld>
@@ -13261,7 +14672,7 @@
               <a:buNone/>
             </a:pPr>
             <a:r>
-              <a:rPr lang="en-US" sz="4374" dirty="0">
+              <a:rPr lang="en-US" altLang="ko-KR" sz="4374" dirty="0">
                 <a:solidFill>
                   <a:srgbClr val="5955EB"/>
                 </a:solidFill>
@@ -13269,7 +14680,29 @@
                 <a:ea typeface="경기천년제목 Light" panose="02020403020101020101" pitchFamily="18" charset="-127"/>
                 <a:cs typeface="Libre Baskerville" pitchFamily="34" charset="-120"/>
               </a:rPr>
-              <a:t>4단계 보스 몬스터 공격 패턴</a:t>
+              <a:t>4</a:t>
+            </a:r>
+            <a:r>
+              <a:rPr lang="ko-KR" altLang="en-US" sz="4374" dirty="0">
+                <a:solidFill>
+                  <a:srgbClr val="5955EB"/>
+                </a:solidFill>
+                <a:latin typeface="경기천년제목 Light" panose="02020403020101020101" pitchFamily="18" charset="-127"/>
+                <a:ea typeface="경기천년제목 Light" panose="02020403020101020101" pitchFamily="18" charset="-127"/>
+                <a:cs typeface="Libre Baskerville" pitchFamily="34" charset="-120"/>
+              </a:rPr>
+              <a:t>보스</a:t>
+            </a:r>
+            <a:r>
+              <a:rPr lang="en-US" altLang="ko-KR" sz="4374" dirty="0">
+                <a:solidFill>
+                  <a:srgbClr val="5955EB"/>
+                </a:solidFill>
+                <a:latin typeface="경기천년제목 Light" panose="02020403020101020101" pitchFamily="18" charset="-127"/>
+                <a:ea typeface="경기천년제목 Light" panose="02020403020101020101" pitchFamily="18" charset="-127"/>
+                <a:cs typeface="Libre Baskerville" pitchFamily="34" charset="-120"/>
+              </a:rPr>
+              <a:t>: </a:t>
             </a:r>
             <a:endParaRPr lang="en-US" sz="4374" dirty="0"/>
           </a:p>
@@ -13376,13 +14809,23 @@
             <a:r>
               <a:rPr lang="ko-KR" altLang="en-US" sz="2187" dirty="0">
                 <a:solidFill>
-                  <a:srgbClr val="5955EB"/>
+                  <a:schemeClr val="tx1">
+                    <a:lumMod val="95000"/>
+                    <a:lumOff val="5000"/>
+                  </a:schemeClr>
                 </a:solidFill>
                 <a:latin typeface="경기천년제목 Light" panose="02020403020101020101" pitchFamily="18" charset="-127"/>
               </a:rPr>
               <a:t>돌던지기</a:t>
             </a:r>
-            <a:endParaRPr lang="en-US" sz="2187" dirty="0"/>
+            <a:endParaRPr lang="en-US" sz="2187" dirty="0">
+              <a:solidFill>
+                <a:schemeClr val="tx1">
+                  <a:lumMod val="95000"/>
+                  <a:lumOff val="5000"/>
+                </a:schemeClr>
+              </a:solidFill>
+            </a:endParaRPr>
           </a:p>
         </p:txBody>
       </p:sp>
@@ -13422,7 +14865,7 @@
                 <a:ea typeface="Open Sans" pitchFamily="34" charset="-122"/>
                 <a:cs typeface="Open Sans" pitchFamily="34" charset="-120"/>
               </a:rPr>
-              <a:t>레이어를 향해 원거리 공격</a:t>
+              <a:t>플레이어를 향해 원거리 공격</a:t>
             </a:r>
             <a:r>
               <a:rPr lang="en-US" altLang="ko-KR" sz="1400" dirty="0">
@@ -13510,6 +14953,132 @@
               <a:t>.</a:t>
             </a:r>
           </a:p>
+        </p:txBody>
+      </p:sp>
+      <p:sp>
+        <p:nvSpPr>
+          <p:cNvPr id="13" name="Shape 11"/>
+          <p:cNvSpPr/>
+          <p:nvPr/>
+        </p:nvSpPr>
+        <p:spPr>
+          <a:xfrm>
+            <a:off x="6382604" y="1989695"/>
+            <a:ext cx="499943" cy="499943"/>
+          </a:xfrm>
+          <a:prstGeom prst="roundRect">
+            <a:avLst>
+              <a:gd name="adj" fmla="val 26667"/>
+            </a:avLst>
+          </a:prstGeom>
+          <a:solidFill>
+            <a:srgbClr val="DED6FF"/>
+          </a:solidFill>
+          <a:ln/>
+        </p:spPr>
+        <p:txBody>
+          <a:bodyPr/>
+          <a:lstStyle/>
+          <a:p>
+            <a:endParaRPr lang="ko-KR" altLang="en-US"/>
+          </a:p>
+        </p:txBody>
+      </p:sp>
+      <p:sp>
+        <p:nvSpPr>
+          <p:cNvPr id="14" name="Text 12"/>
+          <p:cNvSpPr/>
+          <p:nvPr/>
+        </p:nvSpPr>
+        <p:spPr>
+          <a:xfrm>
+            <a:off x="6529884" y="2031367"/>
+            <a:ext cx="205383" cy="416481"/>
+          </a:xfrm>
+          <a:prstGeom prst="rect">
+            <a:avLst/>
+          </a:prstGeom>
+          <a:noFill/>
+          <a:ln/>
+        </p:spPr>
+        <p:txBody>
+          <a:bodyPr wrap="none" rtlCol="0" anchor="t"/>
+          <a:lstStyle/>
+          <a:p>
+            <a:pPr marL="0" indent="0" algn="ctr">
+              <a:lnSpc>
+                <a:spcPts val="3281"/>
+              </a:lnSpc>
+              <a:buNone/>
+            </a:pPr>
+            <a:r>
+              <a:rPr lang="en-US" sz="2624" dirty="0">
+                <a:solidFill>
+                  <a:srgbClr val="5955EB"/>
+                </a:solidFill>
+                <a:latin typeface="경기천년제목 Light" panose="02020403020101020101" pitchFamily="18" charset="-127"/>
+              </a:rPr>
+              <a:t>2</a:t>
+            </a:r>
+            <a:endParaRPr lang="en-US" sz="2624" dirty="0"/>
+          </a:p>
+        </p:txBody>
+      </p:sp>
+      <p:sp>
+        <p:nvSpPr>
+          <p:cNvPr id="15" name="Text 13"/>
+          <p:cNvSpPr/>
+          <p:nvPr/>
+        </p:nvSpPr>
+        <p:spPr>
+          <a:xfrm>
+            <a:off x="7104718" y="2066014"/>
+            <a:ext cx="2777490" cy="347186"/>
+          </a:xfrm>
+          <a:prstGeom prst="rect">
+            <a:avLst/>
+          </a:prstGeom>
+          <a:noFill/>
+          <a:ln/>
+        </p:spPr>
+        <p:txBody>
+          <a:bodyPr wrap="none" rtlCol="0" anchor="t"/>
+          <a:lstStyle/>
+          <a:p>
+            <a:pPr marL="0" indent="0">
+              <a:lnSpc>
+                <a:spcPts val="2734"/>
+              </a:lnSpc>
+              <a:buNone/>
+            </a:pPr>
+            <a:r>
+              <a:rPr lang="ko-KR" altLang="en-US" sz="2187" dirty="0" err="1"/>
+              <a:t>침뱉기</a:t>
+            </a:r>
+            <a:endParaRPr lang="en-US" sz="2187" dirty="0"/>
+          </a:p>
+        </p:txBody>
+      </p:sp>
+      <p:sp>
+        <p:nvSpPr>
+          <p:cNvPr id="16" name="Text 14"/>
+          <p:cNvSpPr/>
+          <p:nvPr/>
+        </p:nvSpPr>
+        <p:spPr>
+          <a:xfrm>
+            <a:off x="7104718" y="2546432"/>
+            <a:ext cx="4444008" cy="710803"/>
+          </a:xfrm>
+          <a:prstGeom prst="rect">
+            <a:avLst/>
+          </a:prstGeom>
+          <a:noFill/>
+          <a:ln/>
+        </p:spPr>
+        <p:txBody>
+          <a:bodyPr wrap="square" rtlCol="0" anchor="t"/>
+          <a:lstStyle/>
           <a:p>
             <a:pPr marL="0" indent="0">
               <a:lnSpc>
@@ -13517,7 +15086,78 @@
               </a:lnSpc>
               <a:buNone/>
             </a:pPr>
-            <a:endParaRPr lang="en-US" altLang="ko-KR" sz="1400" dirty="0">
+            <a:r>
+              <a:rPr lang="ko-KR" altLang="en-US" sz="1750" dirty="0">
+                <a:solidFill>
+                  <a:srgbClr val="49495A"/>
+                </a:solidFill>
+                <a:latin typeface="Open Sans" pitchFamily="34" charset="0"/>
+                <a:ea typeface="Open Sans" pitchFamily="34" charset="-122"/>
+                <a:cs typeface="Open Sans" pitchFamily="34" charset="-120"/>
+              </a:rPr>
+              <a:t>플레이어를 향해 원거리 공격</a:t>
+            </a:r>
+            <a:r>
+              <a:rPr lang="en-US" altLang="ko-KR" sz="1750" dirty="0">
+                <a:solidFill>
+                  <a:srgbClr val="49495A"/>
+                </a:solidFill>
+                <a:latin typeface="Open Sans" pitchFamily="34" charset="0"/>
+                <a:ea typeface="Open Sans" pitchFamily="34" charset="-122"/>
+                <a:cs typeface="Open Sans" pitchFamily="34" charset="-120"/>
+              </a:rPr>
+              <a:t>, </a:t>
+            </a:r>
+          </a:p>
+          <a:p>
+            <a:pPr marL="0" indent="0">
+              <a:lnSpc>
+                <a:spcPts val="2799"/>
+              </a:lnSpc>
+              <a:buNone/>
+            </a:pPr>
+            <a:r>
+              <a:rPr lang="ko-KR" altLang="en-US" sz="1750" dirty="0">
+                <a:solidFill>
+                  <a:srgbClr val="49495A"/>
+                </a:solidFill>
+                <a:latin typeface="Open Sans" pitchFamily="34" charset="0"/>
+                <a:ea typeface="Open Sans" pitchFamily="34" charset="-122"/>
+                <a:cs typeface="Open Sans" pitchFamily="34" charset="-120"/>
+              </a:rPr>
+              <a:t>공격 발동 시 확인한 플레이어의 좌표에 연속해서 </a:t>
+            </a:r>
+            <a:r>
+              <a:rPr lang="en-US" altLang="ko-KR" sz="1750" dirty="0">
+                <a:solidFill>
+                  <a:srgbClr val="49495A"/>
+                </a:solidFill>
+                <a:latin typeface="Open Sans" pitchFamily="34" charset="0"/>
+                <a:ea typeface="Open Sans" pitchFamily="34" charset="-122"/>
+                <a:cs typeface="Open Sans" pitchFamily="34" charset="-120"/>
+              </a:rPr>
+              <a:t>3</a:t>
+            </a:r>
+            <a:r>
+              <a:rPr lang="ko-KR" altLang="en-US" sz="1750" dirty="0">
+                <a:solidFill>
+                  <a:srgbClr val="49495A"/>
+                </a:solidFill>
+                <a:latin typeface="Open Sans" pitchFamily="34" charset="0"/>
+                <a:ea typeface="Open Sans" pitchFamily="34" charset="-122"/>
+                <a:cs typeface="Open Sans" pitchFamily="34" charset="-120"/>
+              </a:rPr>
+              <a:t>번의 침을 발사 </a:t>
+            </a:r>
+          </a:p>
+          <a:p>
+            <a:pPr marL="0" indent="0">
+              <a:lnSpc>
+                <a:spcPts val="2799"/>
+              </a:lnSpc>
+              <a:buNone/>
+            </a:pPr>
+            <a:endParaRPr lang="ko-KR" altLang="en-US" sz="1750" dirty="0">
               <a:solidFill>
                 <a:srgbClr val="49495A"/>
               </a:solidFill>
@@ -13534,170 +15174,26 @@
               <a:buNone/>
             </a:pPr>
             <a:r>
-              <a:rPr lang="ko-KR" altLang="en-US" sz="1400" dirty="0">
-                <a:solidFill>
-                  <a:srgbClr val="49495A"/>
-                </a:solidFill>
-                <a:latin typeface="Open Sans" pitchFamily="34" charset="0"/>
-                <a:ea typeface="Open Sans" pitchFamily="34" charset="-122"/>
-                <a:cs typeface="Open Sans" pitchFamily="34" charset="-120"/>
-              </a:rPr>
-              <a:t>보스를 둘러싸고 있는 펜스에 닿으면 탄환은 삭제</a:t>
-            </a:r>
-            <a:endParaRPr lang="en-US" sz="1400" dirty="0"/>
-          </a:p>
-        </p:txBody>
-      </p:sp>
-      <p:sp>
-        <p:nvSpPr>
-          <p:cNvPr id="13" name="Shape 11"/>
-          <p:cNvSpPr/>
-          <p:nvPr/>
-        </p:nvSpPr>
-        <p:spPr>
-          <a:xfrm>
-            <a:off x="1016338" y="4972366"/>
-            <a:ext cx="499943" cy="499943"/>
-          </a:xfrm>
-          <a:prstGeom prst="roundRect">
-            <a:avLst>
-              <a:gd name="adj" fmla="val 26667"/>
-            </a:avLst>
-          </a:prstGeom>
-          <a:solidFill>
-            <a:srgbClr val="DED6FF"/>
-          </a:solidFill>
-          <a:ln/>
-        </p:spPr>
-        <p:txBody>
-          <a:bodyPr/>
-          <a:lstStyle/>
-          <a:p>
-            <a:endParaRPr lang="ko-KR" altLang="en-US"/>
-          </a:p>
-        </p:txBody>
-      </p:sp>
-      <p:sp>
-        <p:nvSpPr>
-          <p:cNvPr id="14" name="Text 12"/>
-          <p:cNvSpPr/>
-          <p:nvPr/>
-        </p:nvSpPr>
-        <p:spPr>
-          <a:xfrm>
-            <a:off x="1163618" y="5014038"/>
-            <a:ext cx="205383" cy="416481"/>
-          </a:xfrm>
-          <a:prstGeom prst="rect">
-            <a:avLst/>
-          </a:prstGeom>
-          <a:noFill/>
-          <a:ln/>
-        </p:spPr>
-        <p:txBody>
-          <a:bodyPr wrap="none" rtlCol="0" anchor="t"/>
-          <a:lstStyle/>
-          <a:p>
-            <a:pPr marL="0" indent="0" algn="ctr">
-              <a:lnSpc>
-                <a:spcPts val="3281"/>
-              </a:lnSpc>
-              <a:buNone/>
-            </a:pPr>
-            <a:r>
-              <a:rPr lang="en-US" sz="2624" dirty="0">
-                <a:solidFill>
-                  <a:srgbClr val="5955EB"/>
-                </a:solidFill>
-                <a:latin typeface="경기천년제목 Light" panose="02020403020101020101" pitchFamily="18" charset="-127"/>
-                <a:ea typeface="경기천년제목 Light" panose="02020403020101020101" pitchFamily="18" charset="-127"/>
-                <a:cs typeface="Libre Baskerville" pitchFamily="34" charset="-120"/>
-              </a:rPr>
-              <a:t>3</a:t>
-            </a:r>
-            <a:endParaRPr lang="en-US" sz="2624" dirty="0"/>
-          </a:p>
-        </p:txBody>
-      </p:sp>
-      <p:sp>
-        <p:nvSpPr>
-          <p:cNvPr id="15" name="Text 13"/>
-          <p:cNvSpPr/>
-          <p:nvPr/>
-        </p:nvSpPr>
-        <p:spPr>
-          <a:xfrm>
-            <a:off x="1738452" y="5048685"/>
-            <a:ext cx="2777490" cy="347186"/>
-          </a:xfrm>
-          <a:prstGeom prst="rect">
-            <a:avLst/>
-          </a:prstGeom>
-          <a:noFill/>
-          <a:ln/>
-        </p:spPr>
-        <p:txBody>
-          <a:bodyPr wrap="none" rtlCol="0" anchor="t"/>
-          <a:lstStyle/>
-          <a:p>
-            <a:pPr marL="0" indent="0">
-              <a:lnSpc>
-                <a:spcPts val="2734"/>
-              </a:lnSpc>
-              <a:buNone/>
-            </a:pPr>
-            <a:r>
-              <a:rPr lang="en-US" sz="2187" dirty="0">
-                <a:solidFill>
-                  <a:srgbClr val="5955EB"/>
-                </a:solidFill>
-                <a:latin typeface="경기천년제목 Light" panose="02020403020101020101" pitchFamily="18" charset="-127"/>
-                <a:ea typeface="경기천년제목 Light" panose="02020403020101020101" pitchFamily="18" charset="-127"/>
-                <a:cs typeface="Libre Baskerville" pitchFamily="34" charset="-120"/>
-              </a:rPr>
-              <a:t>미끄러짐 공격</a:t>
-            </a:r>
-            <a:endParaRPr lang="en-US" sz="2187" dirty="0"/>
-          </a:p>
-        </p:txBody>
-      </p:sp>
-      <p:sp>
-        <p:nvSpPr>
-          <p:cNvPr id="16" name="Text 14"/>
-          <p:cNvSpPr/>
-          <p:nvPr/>
-        </p:nvSpPr>
-        <p:spPr>
-          <a:xfrm>
-            <a:off x="1738452" y="5529103"/>
-            <a:ext cx="4444008" cy="710803"/>
-          </a:xfrm>
-          <a:prstGeom prst="rect">
-            <a:avLst/>
-          </a:prstGeom>
-          <a:noFill/>
-          <a:ln/>
-        </p:spPr>
-        <p:txBody>
-          <a:bodyPr wrap="square" rtlCol="0" anchor="t"/>
-          <a:lstStyle/>
-          <a:p>
-            <a:pPr marL="0" indent="0">
-              <a:lnSpc>
-                <a:spcPts val="2799"/>
-              </a:lnSpc>
-              <a:buNone/>
-            </a:pPr>
-            <a:r>
-              <a:rPr lang="en-US" sz="1750" dirty="0">
-                <a:solidFill>
-                  <a:srgbClr val="49495A"/>
-                </a:solidFill>
-                <a:latin typeface="Open Sans" pitchFamily="34" charset="0"/>
-                <a:ea typeface="Open Sans" pitchFamily="34" charset="-122"/>
-                <a:cs typeface="Open Sans" pitchFamily="34" charset="-120"/>
-              </a:rPr>
-              <a:t>바닥을 미끄러지듯이 이동하면서 플레이어를 공격하는 기술을 사용합니다.</a:t>
+              <a:rPr lang="ko-KR" altLang="en-US" sz="1750" dirty="0">
+                <a:solidFill>
+                  <a:srgbClr val="49495A"/>
+                </a:solidFill>
+                <a:latin typeface="Open Sans" pitchFamily="34" charset="0"/>
+                <a:ea typeface="Open Sans" pitchFamily="34" charset="-122"/>
+                <a:cs typeface="Open Sans" pitchFamily="34" charset="-120"/>
+              </a:rPr>
+              <a:t>각 침은 장판을 형성해 플레이어의 진로를 방해한다</a:t>
+            </a:r>
+            <a:r>
+              <a:rPr lang="en-US" altLang="ko-KR" sz="1750" dirty="0">
+                <a:solidFill>
+                  <a:srgbClr val="49495A"/>
+                </a:solidFill>
+                <a:latin typeface="Open Sans" pitchFamily="34" charset="0"/>
+                <a:ea typeface="Open Sans" pitchFamily="34" charset="-122"/>
+                <a:cs typeface="Open Sans" pitchFamily="34" charset="-120"/>
+              </a:rPr>
+              <a:t>.</a:t>
             </a:r>
             <a:endParaRPr lang="en-US" sz="1750" dirty="0"/>
           </a:p>
@@ -13717,7 +15213,7 @@
         </p:nvSpPr>
         <p:spPr>
           <a:xfrm>
-            <a:off x="11673840" y="320040"/>
+            <a:off x="11536680" y="5169932"/>
             <a:ext cx="2674620" cy="2705100"/>
           </a:xfrm>
           <a:prstGeom prst="roundRect">
@@ -13745,14 +15241,72 @@
           <a:lstStyle/>
           <a:p>
             <a:pPr algn="ctr"/>
-            <a:endParaRPr lang="ko-KR" altLang="en-US"/>
-          </a:p>
-        </p:txBody>
-      </p:sp>
+            <a:r>
+              <a:rPr lang="ko-KR" altLang="en-US" dirty="0"/>
+              <a:t> 몬 </a:t>
+            </a:r>
+            <a:r>
+              <a:rPr lang="ko-KR" altLang="en-US" dirty="0" err="1"/>
+              <a:t>스</a:t>
+            </a:r>
+            <a:r>
+              <a:rPr lang="ko-KR" altLang="en-US" dirty="0"/>
+              <a:t> 터 사 진</a:t>
+            </a:r>
+          </a:p>
+        </p:txBody>
+      </p:sp>
+      <p:pic>
+        <p:nvPicPr>
+          <p:cNvPr id="1026" name="Picture 2">
+            <a:extLst>
+              <a:ext uri="{FF2B5EF4-FFF2-40B4-BE49-F238E27FC236}">
+                <a16:creationId xmlns:a16="http://schemas.microsoft.com/office/drawing/2014/main" id="{C28BABEE-6308-2D7D-C942-955DDF5AAB38}"/>
+              </a:ext>
+            </a:extLst>
+          </p:cNvPr>
+          <p:cNvPicPr>
+            <a:picLocks noChangeAspect="1" noChangeArrowheads="1"/>
+          </p:cNvPicPr>
+          <p:nvPr/>
+        </p:nvPicPr>
+        <p:blipFill>
+          <a:blip r:embed="rId3">
+            <a:extLst>
+              <a:ext uri="{28A0092B-C50C-407E-A947-70E740481C1C}">
+                <a14:useLocalDpi xmlns:a14="http://schemas.microsoft.com/office/drawing/2010/main" val="0"/>
+              </a:ext>
+            </a:extLst>
+          </a:blip>
+          <a:srcRect/>
+          <a:stretch>
+            <a:fillRect/>
+          </a:stretch>
+        </p:blipFill>
+        <p:spPr bwMode="auto">
+          <a:xfrm>
+            <a:off x="1460322" y="5169932"/>
+            <a:ext cx="3172638" cy="2511109"/>
+          </a:xfrm>
+          <a:prstGeom prst="rect">
+            <a:avLst/>
+          </a:prstGeom>
+          <a:noFill/>
+          <a:extLst>
+            <a:ext uri="{909E8E84-426E-40DD-AFC4-6F175D3DCCD1}">
+              <a14:hiddenFill xmlns:a14="http://schemas.microsoft.com/office/drawing/2010/main">
+                <a:solidFill>
+                  <a:srgbClr val="FFFFFF"/>
+                </a:solidFill>
+              </a14:hiddenFill>
+            </a:ext>
+          </a:extLst>
+        </p:spPr>
+      </p:pic>
     </p:spTree>
     <p:extLst>
       <p:ext uri="{BB962C8B-B14F-4D97-AF65-F5344CB8AC3E}">
-        <p14:creationId xmlns:p14="http://schemas.microsoft.com/office/powerpoint/2010/main" val="2135429873"/>
+        <p14:creationId xmlns:p14="http://schemas.microsoft.com/office/powerpoint/2010/main" val="1066380706"/>
       </p:ext>
     </p:extLst>
   </p:cSld>
@@ -13807,7 +15361,7 @@
               <a:buNone/>
             </a:pPr>
             <a:r>
-              <a:rPr lang="en-US" sz="4374" dirty="0">
+              <a:rPr lang="en-US" altLang="ko-KR" sz="4374" dirty="0">
                 <a:solidFill>
                   <a:srgbClr val="5955EB"/>
                 </a:solidFill>
@@ -13815,7 +15369,29 @@
                 <a:ea typeface="경기천년제목 Light" panose="02020403020101020101" pitchFamily="18" charset="-127"/>
                 <a:cs typeface="Libre Baskerville" pitchFamily="34" charset="-120"/>
               </a:rPr>
-              <a:t>5단계 보스 몬스터 공격 패턴</a:t>
+              <a:t>5</a:t>
+            </a:r>
+            <a:r>
+              <a:rPr lang="ko-KR" altLang="en-US" sz="4374" dirty="0">
+                <a:solidFill>
+                  <a:srgbClr val="5955EB"/>
+                </a:solidFill>
+                <a:latin typeface="경기천년제목 Light" panose="02020403020101020101" pitchFamily="18" charset="-127"/>
+                <a:ea typeface="경기천년제목 Light" panose="02020403020101020101" pitchFamily="18" charset="-127"/>
+                <a:cs typeface="Libre Baskerville" pitchFamily="34" charset="-120"/>
+              </a:rPr>
+              <a:t>보스</a:t>
+            </a:r>
+            <a:r>
+              <a:rPr lang="en-US" altLang="ko-KR" sz="4374" dirty="0">
+                <a:solidFill>
+                  <a:srgbClr val="5955EB"/>
+                </a:solidFill>
+                <a:latin typeface="경기천년제목 Light" panose="02020403020101020101" pitchFamily="18" charset="-127"/>
+                <a:ea typeface="경기천년제목 Light" panose="02020403020101020101" pitchFamily="18" charset="-127"/>
+                <a:cs typeface="Libre Baskerville" pitchFamily="34" charset="-120"/>
+              </a:rPr>
+              <a:t>: </a:t>
             </a:r>
             <a:endParaRPr lang="en-US" sz="4374" dirty="0"/>
           </a:p>
@@ -13922,13 +15498,23 @@
             <a:r>
               <a:rPr lang="ko-KR" altLang="en-US" sz="2187" dirty="0">
                 <a:solidFill>
-                  <a:srgbClr val="5955EB"/>
+                  <a:schemeClr val="tx1">
+                    <a:lumMod val="95000"/>
+                    <a:lumOff val="5000"/>
+                  </a:schemeClr>
                 </a:solidFill>
                 <a:latin typeface="경기천년제목 Light" panose="02020403020101020101" pitchFamily="18" charset="-127"/>
               </a:rPr>
               <a:t>돌던지기</a:t>
             </a:r>
-            <a:endParaRPr lang="en-US" sz="2187" dirty="0"/>
+            <a:endParaRPr lang="en-US" sz="2187" dirty="0">
+              <a:solidFill>
+                <a:schemeClr val="tx1">
+                  <a:lumMod val="95000"/>
+                  <a:lumOff val="5000"/>
+                </a:schemeClr>
+              </a:solidFill>
+            </a:endParaRPr>
           </a:p>
         </p:txBody>
       </p:sp>
@@ -13968,7 +15554,7 @@
                 <a:ea typeface="Open Sans" pitchFamily="34" charset="-122"/>
                 <a:cs typeface="Open Sans" pitchFamily="34" charset="-120"/>
               </a:rPr>
-              <a:t>레이어를 향해 원거리 공격</a:t>
+              <a:t>플레이어를 향해 원거리 공격</a:t>
             </a:r>
             <a:r>
               <a:rPr lang="en-US" altLang="ko-KR" sz="1400" dirty="0">
@@ -14056,6 +15642,132 @@
               <a:t>.</a:t>
             </a:r>
           </a:p>
+        </p:txBody>
+      </p:sp>
+      <p:sp>
+        <p:nvSpPr>
+          <p:cNvPr id="13" name="Shape 11"/>
+          <p:cNvSpPr/>
+          <p:nvPr/>
+        </p:nvSpPr>
+        <p:spPr>
+          <a:xfrm>
+            <a:off x="6382604" y="1989695"/>
+            <a:ext cx="499943" cy="499943"/>
+          </a:xfrm>
+          <a:prstGeom prst="roundRect">
+            <a:avLst>
+              <a:gd name="adj" fmla="val 26667"/>
+            </a:avLst>
+          </a:prstGeom>
+          <a:solidFill>
+            <a:srgbClr val="DED6FF"/>
+          </a:solidFill>
+          <a:ln/>
+        </p:spPr>
+        <p:txBody>
+          <a:bodyPr/>
+          <a:lstStyle/>
+          <a:p>
+            <a:endParaRPr lang="ko-KR" altLang="en-US"/>
+          </a:p>
+        </p:txBody>
+      </p:sp>
+      <p:sp>
+        <p:nvSpPr>
+          <p:cNvPr id="14" name="Text 12"/>
+          <p:cNvSpPr/>
+          <p:nvPr/>
+        </p:nvSpPr>
+        <p:spPr>
+          <a:xfrm>
+            <a:off x="6529884" y="2031367"/>
+            <a:ext cx="205383" cy="416481"/>
+          </a:xfrm>
+          <a:prstGeom prst="rect">
+            <a:avLst/>
+          </a:prstGeom>
+          <a:noFill/>
+          <a:ln/>
+        </p:spPr>
+        <p:txBody>
+          <a:bodyPr wrap="none" rtlCol="0" anchor="t"/>
+          <a:lstStyle/>
+          <a:p>
+            <a:pPr marL="0" indent="0" algn="ctr">
+              <a:lnSpc>
+                <a:spcPts val="3281"/>
+              </a:lnSpc>
+              <a:buNone/>
+            </a:pPr>
+            <a:r>
+              <a:rPr lang="en-US" sz="2624" dirty="0">
+                <a:solidFill>
+                  <a:srgbClr val="5955EB"/>
+                </a:solidFill>
+                <a:latin typeface="경기천년제목 Light" panose="02020403020101020101" pitchFamily="18" charset="-127"/>
+              </a:rPr>
+              <a:t>2</a:t>
+            </a:r>
+            <a:endParaRPr lang="en-US" sz="2624" dirty="0"/>
+          </a:p>
+        </p:txBody>
+      </p:sp>
+      <p:sp>
+        <p:nvSpPr>
+          <p:cNvPr id="15" name="Text 13"/>
+          <p:cNvSpPr/>
+          <p:nvPr/>
+        </p:nvSpPr>
+        <p:spPr>
+          <a:xfrm>
+            <a:off x="7104718" y="2066014"/>
+            <a:ext cx="2777490" cy="347186"/>
+          </a:xfrm>
+          <a:prstGeom prst="rect">
+            <a:avLst/>
+          </a:prstGeom>
+          <a:noFill/>
+          <a:ln/>
+        </p:spPr>
+        <p:txBody>
+          <a:bodyPr wrap="none" rtlCol="0" anchor="t"/>
+          <a:lstStyle/>
+          <a:p>
+            <a:pPr marL="0" indent="0">
+              <a:lnSpc>
+                <a:spcPts val="2734"/>
+              </a:lnSpc>
+              <a:buNone/>
+            </a:pPr>
+            <a:r>
+              <a:rPr lang="ko-KR" altLang="en-US" sz="2187" dirty="0" err="1"/>
+              <a:t>침뱉기</a:t>
+            </a:r>
+            <a:endParaRPr lang="en-US" sz="2187" dirty="0"/>
+          </a:p>
+        </p:txBody>
+      </p:sp>
+      <p:sp>
+        <p:nvSpPr>
+          <p:cNvPr id="16" name="Text 14"/>
+          <p:cNvSpPr/>
+          <p:nvPr/>
+        </p:nvSpPr>
+        <p:spPr>
+          <a:xfrm>
+            <a:off x="7104718" y="2546432"/>
+            <a:ext cx="4444008" cy="710803"/>
+          </a:xfrm>
+          <a:prstGeom prst="rect">
+            <a:avLst/>
+          </a:prstGeom>
+          <a:noFill/>
+          <a:ln/>
+        </p:spPr>
+        <p:txBody>
+          <a:bodyPr wrap="square" rtlCol="0" anchor="t"/>
+          <a:lstStyle/>
           <a:p>
             <a:pPr marL="0" indent="0">
               <a:lnSpc>
@@ -14063,7 +15775,78 @@
               </a:lnSpc>
               <a:buNone/>
             </a:pPr>
-            <a:endParaRPr lang="en-US" altLang="ko-KR" sz="1400" dirty="0">
+            <a:r>
+              <a:rPr lang="ko-KR" altLang="en-US" sz="1750" dirty="0">
+                <a:solidFill>
+                  <a:srgbClr val="49495A"/>
+                </a:solidFill>
+                <a:latin typeface="Open Sans" pitchFamily="34" charset="0"/>
+                <a:ea typeface="Open Sans" pitchFamily="34" charset="-122"/>
+                <a:cs typeface="Open Sans" pitchFamily="34" charset="-120"/>
+              </a:rPr>
+              <a:t>플레이어를 향해 원거리 공격</a:t>
+            </a:r>
+            <a:r>
+              <a:rPr lang="en-US" altLang="ko-KR" sz="1750" dirty="0">
+                <a:solidFill>
+                  <a:srgbClr val="49495A"/>
+                </a:solidFill>
+                <a:latin typeface="Open Sans" pitchFamily="34" charset="0"/>
+                <a:ea typeface="Open Sans" pitchFamily="34" charset="-122"/>
+                <a:cs typeface="Open Sans" pitchFamily="34" charset="-120"/>
+              </a:rPr>
+              <a:t>, </a:t>
+            </a:r>
+          </a:p>
+          <a:p>
+            <a:pPr marL="0" indent="0">
+              <a:lnSpc>
+                <a:spcPts val="2799"/>
+              </a:lnSpc>
+              <a:buNone/>
+            </a:pPr>
+            <a:r>
+              <a:rPr lang="ko-KR" altLang="en-US" sz="1750" dirty="0">
+                <a:solidFill>
+                  <a:srgbClr val="49495A"/>
+                </a:solidFill>
+                <a:latin typeface="Open Sans" pitchFamily="34" charset="0"/>
+                <a:ea typeface="Open Sans" pitchFamily="34" charset="-122"/>
+                <a:cs typeface="Open Sans" pitchFamily="34" charset="-120"/>
+              </a:rPr>
+              <a:t>공격 발동 시 확인한 플레이어의 좌표에 연속해서 </a:t>
+            </a:r>
+            <a:r>
+              <a:rPr lang="en-US" altLang="ko-KR" sz="1750" dirty="0">
+                <a:solidFill>
+                  <a:srgbClr val="49495A"/>
+                </a:solidFill>
+                <a:latin typeface="Open Sans" pitchFamily="34" charset="0"/>
+                <a:ea typeface="Open Sans" pitchFamily="34" charset="-122"/>
+                <a:cs typeface="Open Sans" pitchFamily="34" charset="-120"/>
+              </a:rPr>
+              <a:t>3</a:t>
+            </a:r>
+            <a:r>
+              <a:rPr lang="ko-KR" altLang="en-US" sz="1750" dirty="0">
+                <a:solidFill>
+                  <a:srgbClr val="49495A"/>
+                </a:solidFill>
+                <a:latin typeface="Open Sans" pitchFamily="34" charset="0"/>
+                <a:ea typeface="Open Sans" pitchFamily="34" charset="-122"/>
+                <a:cs typeface="Open Sans" pitchFamily="34" charset="-120"/>
+              </a:rPr>
+              <a:t>번의 침을 발사 </a:t>
+            </a:r>
+          </a:p>
+          <a:p>
+            <a:pPr marL="0" indent="0">
+              <a:lnSpc>
+                <a:spcPts val="2799"/>
+              </a:lnSpc>
+              <a:buNone/>
+            </a:pPr>
+            <a:endParaRPr lang="ko-KR" altLang="en-US" sz="1750" dirty="0">
               <a:solidFill>
                 <a:srgbClr val="49495A"/>
               </a:solidFill>
@@ -14080,170 +15863,26 @@
               <a:buNone/>
             </a:pPr>
             <a:r>
-              <a:rPr lang="ko-KR" altLang="en-US" sz="1400" dirty="0">
-                <a:solidFill>
-                  <a:srgbClr val="49495A"/>
-                </a:solidFill>
-                <a:latin typeface="Open Sans" pitchFamily="34" charset="0"/>
-                <a:ea typeface="Open Sans" pitchFamily="34" charset="-122"/>
-                <a:cs typeface="Open Sans" pitchFamily="34" charset="-120"/>
-              </a:rPr>
-              <a:t>보스를 둘러싸고 있는 펜스에 닿으면 탄환은 삭제</a:t>
-            </a:r>
-            <a:endParaRPr lang="en-US" sz="1400" dirty="0"/>
-          </a:p>
-        </p:txBody>
-      </p:sp>
-      <p:sp>
-        <p:nvSpPr>
-          <p:cNvPr id="13" name="Shape 11"/>
-          <p:cNvSpPr/>
-          <p:nvPr/>
-        </p:nvSpPr>
-        <p:spPr>
-          <a:xfrm>
-            <a:off x="1016338" y="4972366"/>
-            <a:ext cx="499943" cy="499943"/>
-          </a:xfrm>
-          <a:prstGeom prst="roundRect">
-            <a:avLst>
-              <a:gd name="adj" fmla="val 26667"/>
-            </a:avLst>
-          </a:prstGeom>
-          <a:solidFill>
-            <a:srgbClr val="DED6FF"/>
-          </a:solidFill>
-          <a:ln/>
-        </p:spPr>
-        <p:txBody>
-          <a:bodyPr/>
-          <a:lstStyle/>
-          <a:p>
-            <a:endParaRPr lang="ko-KR" altLang="en-US"/>
-          </a:p>
-        </p:txBody>
-      </p:sp>
-      <p:sp>
-        <p:nvSpPr>
-          <p:cNvPr id="14" name="Text 12"/>
-          <p:cNvSpPr/>
-          <p:nvPr/>
-        </p:nvSpPr>
-        <p:spPr>
-          <a:xfrm>
-            <a:off x="1163618" y="5014038"/>
-            <a:ext cx="205383" cy="416481"/>
-          </a:xfrm>
-          <a:prstGeom prst="rect">
-            <a:avLst/>
-          </a:prstGeom>
-          <a:noFill/>
-          <a:ln/>
-        </p:spPr>
-        <p:txBody>
-          <a:bodyPr wrap="none" rtlCol="0" anchor="t"/>
-          <a:lstStyle/>
-          <a:p>
-            <a:pPr marL="0" indent="0" algn="ctr">
-              <a:lnSpc>
-                <a:spcPts val="3281"/>
-              </a:lnSpc>
-              <a:buNone/>
-            </a:pPr>
-            <a:r>
-              <a:rPr lang="en-US" sz="2624" dirty="0">
-                <a:solidFill>
-                  <a:srgbClr val="5955EB"/>
-                </a:solidFill>
-                <a:latin typeface="경기천년제목 Light" panose="02020403020101020101" pitchFamily="18" charset="-127"/>
-                <a:ea typeface="경기천년제목 Light" panose="02020403020101020101" pitchFamily="18" charset="-127"/>
-                <a:cs typeface="Libre Baskerville" pitchFamily="34" charset="-120"/>
-              </a:rPr>
-              <a:t>3</a:t>
-            </a:r>
-            <a:endParaRPr lang="en-US" sz="2624" dirty="0"/>
-          </a:p>
-        </p:txBody>
-      </p:sp>
-      <p:sp>
-        <p:nvSpPr>
-          <p:cNvPr id="15" name="Text 13"/>
-          <p:cNvSpPr/>
-          <p:nvPr/>
-        </p:nvSpPr>
-        <p:spPr>
-          <a:xfrm>
-            <a:off x="1738452" y="5048685"/>
-            <a:ext cx="2777490" cy="347186"/>
-          </a:xfrm>
-          <a:prstGeom prst="rect">
-            <a:avLst/>
-          </a:prstGeom>
-          <a:noFill/>
-          <a:ln/>
-        </p:spPr>
-        <p:txBody>
-          <a:bodyPr wrap="none" rtlCol="0" anchor="t"/>
-          <a:lstStyle/>
-          <a:p>
-            <a:pPr marL="0" indent="0">
-              <a:lnSpc>
-                <a:spcPts val="2734"/>
-              </a:lnSpc>
-              <a:buNone/>
-            </a:pPr>
-            <a:r>
-              <a:rPr lang="en-US" sz="2187" dirty="0">
-                <a:solidFill>
-                  <a:srgbClr val="5955EB"/>
-                </a:solidFill>
-                <a:latin typeface="경기천년제목 Light" panose="02020403020101020101" pitchFamily="18" charset="-127"/>
-                <a:ea typeface="경기천년제목 Light" panose="02020403020101020101" pitchFamily="18" charset="-127"/>
-                <a:cs typeface="Libre Baskerville" pitchFamily="34" charset="-120"/>
-              </a:rPr>
-              <a:t>미끄러짐 공격</a:t>
-            </a:r>
-            <a:endParaRPr lang="en-US" sz="2187" dirty="0"/>
-          </a:p>
-        </p:txBody>
-      </p:sp>
-      <p:sp>
-        <p:nvSpPr>
-          <p:cNvPr id="16" name="Text 14"/>
-          <p:cNvSpPr/>
-          <p:nvPr/>
-        </p:nvSpPr>
-        <p:spPr>
-          <a:xfrm>
-            <a:off x="1738452" y="5529103"/>
-            <a:ext cx="4444008" cy="710803"/>
-          </a:xfrm>
-          <a:prstGeom prst="rect">
-            <a:avLst/>
-          </a:prstGeom>
-          <a:noFill/>
-          <a:ln/>
-        </p:spPr>
-        <p:txBody>
-          <a:bodyPr wrap="square" rtlCol="0" anchor="t"/>
-          <a:lstStyle/>
-          <a:p>
-            <a:pPr marL="0" indent="0">
-              <a:lnSpc>
-                <a:spcPts val="2799"/>
-              </a:lnSpc>
-              <a:buNone/>
-            </a:pPr>
-            <a:r>
-              <a:rPr lang="en-US" sz="1750" dirty="0">
-                <a:solidFill>
-                  <a:srgbClr val="49495A"/>
-                </a:solidFill>
-                <a:latin typeface="Open Sans" pitchFamily="34" charset="0"/>
-                <a:ea typeface="Open Sans" pitchFamily="34" charset="-122"/>
-                <a:cs typeface="Open Sans" pitchFamily="34" charset="-120"/>
-              </a:rPr>
-              <a:t>바닥을 미끄러지듯이 이동하면서 플레이어를 공격하는 기술을 사용합니다.</a:t>
+              <a:rPr lang="ko-KR" altLang="en-US" sz="1750" dirty="0">
+                <a:solidFill>
+                  <a:srgbClr val="49495A"/>
+                </a:solidFill>
+                <a:latin typeface="Open Sans" pitchFamily="34" charset="0"/>
+                <a:ea typeface="Open Sans" pitchFamily="34" charset="-122"/>
+                <a:cs typeface="Open Sans" pitchFamily="34" charset="-120"/>
+              </a:rPr>
+              <a:t>각 침은 장판을 형성해 플레이어의 진로를 방해한다</a:t>
+            </a:r>
+            <a:r>
+              <a:rPr lang="en-US" altLang="ko-KR" sz="1750" dirty="0">
+                <a:solidFill>
+                  <a:srgbClr val="49495A"/>
+                </a:solidFill>
+                <a:latin typeface="Open Sans" pitchFamily="34" charset="0"/>
+                <a:ea typeface="Open Sans" pitchFamily="34" charset="-122"/>
+                <a:cs typeface="Open Sans" pitchFamily="34" charset="-120"/>
+              </a:rPr>
+              <a:t>.</a:t>
             </a:r>
             <a:endParaRPr lang="en-US" sz="1750" dirty="0"/>
           </a:p>
@@ -14263,7 +15902,7 @@
         </p:nvSpPr>
         <p:spPr>
           <a:xfrm>
-            <a:off x="11673840" y="320040"/>
+            <a:off x="11536680" y="5169932"/>
             <a:ext cx="2674620" cy="2705100"/>
           </a:xfrm>
           <a:prstGeom prst="roundRect">
@@ -14291,14 +15930,72 @@
           <a:lstStyle/>
           <a:p>
             <a:pPr algn="ctr"/>
-            <a:endParaRPr lang="ko-KR" altLang="en-US"/>
-          </a:p>
-        </p:txBody>
-      </p:sp>
+            <a:r>
+              <a:rPr lang="ko-KR" altLang="en-US" dirty="0"/>
+              <a:t> 몬 </a:t>
+            </a:r>
+            <a:r>
+              <a:rPr lang="ko-KR" altLang="en-US" dirty="0" err="1"/>
+              <a:t>스</a:t>
+            </a:r>
+            <a:r>
+              <a:rPr lang="ko-KR" altLang="en-US" dirty="0"/>
+              <a:t> 터 사 진</a:t>
+            </a:r>
+          </a:p>
+        </p:txBody>
+      </p:sp>
+      <p:pic>
+        <p:nvPicPr>
+          <p:cNvPr id="1026" name="Picture 2">
+            <a:extLst>
+              <a:ext uri="{FF2B5EF4-FFF2-40B4-BE49-F238E27FC236}">
+                <a16:creationId xmlns:a16="http://schemas.microsoft.com/office/drawing/2014/main" id="{C28BABEE-6308-2D7D-C942-955DDF5AAB38}"/>
+              </a:ext>
+            </a:extLst>
+          </p:cNvPr>
+          <p:cNvPicPr>
+            <a:picLocks noChangeAspect="1" noChangeArrowheads="1"/>
+          </p:cNvPicPr>
+          <p:nvPr/>
+        </p:nvPicPr>
+        <p:blipFill>
+          <a:blip r:embed="rId3">
+            <a:extLst>
+              <a:ext uri="{28A0092B-C50C-407E-A947-70E740481C1C}">
+                <a14:useLocalDpi xmlns:a14="http://schemas.microsoft.com/office/drawing/2010/main" val="0"/>
+              </a:ext>
+            </a:extLst>
+          </a:blip>
+          <a:srcRect/>
+          <a:stretch>
+            <a:fillRect/>
+          </a:stretch>
+        </p:blipFill>
+        <p:spPr bwMode="auto">
+          <a:xfrm>
+            <a:off x="1460322" y="5169932"/>
+            <a:ext cx="3172638" cy="2511109"/>
+          </a:xfrm>
+          <a:prstGeom prst="rect">
+            <a:avLst/>
+          </a:prstGeom>
+          <a:noFill/>
+          <a:extLst>
+            <a:ext uri="{909E8E84-426E-40DD-AFC4-6F175D3DCCD1}">
+              <a14:hiddenFill xmlns:a14="http://schemas.microsoft.com/office/drawing/2010/main">
+                <a:solidFill>
+                  <a:srgbClr val="FFFFFF"/>
+                </a:solidFill>
+              </a14:hiddenFill>
+            </a:ext>
+          </a:extLst>
+        </p:spPr>
+      </p:pic>
     </p:spTree>
     <p:extLst>
       <p:ext uri="{BB962C8B-B14F-4D97-AF65-F5344CB8AC3E}">
-        <p14:creationId xmlns:p14="http://schemas.microsoft.com/office/powerpoint/2010/main" val="2948199738"/>
+        <p14:creationId xmlns:p14="http://schemas.microsoft.com/office/powerpoint/2010/main" val="2963761486"/>
       </p:ext>
     </p:extLst>
   </p:cSld>
@@ -14353,7 +16050,7 @@
               <a:buNone/>
             </a:pPr>
             <a:r>
-              <a:rPr lang="en-US" sz="4374" dirty="0">
+              <a:rPr lang="en-US" altLang="ko-KR" sz="4374" dirty="0">
                 <a:solidFill>
                   <a:srgbClr val="5955EB"/>
                 </a:solidFill>
@@ -14361,7 +16058,29 @@
                 <a:ea typeface="경기천년제목 Light" panose="02020403020101020101" pitchFamily="18" charset="-127"/>
                 <a:cs typeface="Libre Baskerville" pitchFamily="34" charset="-120"/>
               </a:rPr>
-              <a:t>6단계 보스 몬스터 공격 패턴</a:t>
+              <a:t>6</a:t>
+            </a:r>
+            <a:r>
+              <a:rPr lang="ko-KR" altLang="en-US" sz="4374" dirty="0">
+                <a:solidFill>
+                  <a:srgbClr val="5955EB"/>
+                </a:solidFill>
+                <a:latin typeface="경기천년제목 Light" panose="02020403020101020101" pitchFamily="18" charset="-127"/>
+                <a:ea typeface="경기천년제목 Light" panose="02020403020101020101" pitchFamily="18" charset="-127"/>
+                <a:cs typeface="Libre Baskerville" pitchFamily="34" charset="-120"/>
+              </a:rPr>
+              <a:t>보스</a:t>
+            </a:r>
+            <a:r>
+              <a:rPr lang="en-US" altLang="ko-KR" sz="4374" dirty="0">
+                <a:solidFill>
+                  <a:srgbClr val="5955EB"/>
+                </a:solidFill>
+                <a:latin typeface="경기천년제목 Light" panose="02020403020101020101" pitchFamily="18" charset="-127"/>
+                <a:ea typeface="경기천년제목 Light" panose="02020403020101020101" pitchFamily="18" charset="-127"/>
+                <a:cs typeface="Libre Baskerville" pitchFamily="34" charset="-120"/>
+              </a:rPr>
+              <a:t>: \</a:t>
             </a:r>
             <a:endParaRPr lang="en-US" sz="4374" dirty="0"/>
           </a:p>
@@ -14468,13 +16187,23 @@
             <a:r>
               <a:rPr lang="ko-KR" altLang="en-US" sz="2187" dirty="0">
                 <a:solidFill>
-                  <a:srgbClr val="5955EB"/>
+                  <a:schemeClr val="tx1">
+                    <a:lumMod val="95000"/>
+                    <a:lumOff val="5000"/>
+                  </a:schemeClr>
                 </a:solidFill>
                 <a:latin typeface="경기천년제목 Light" panose="02020403020101020101" pitchFamily="18" charset="-127"/>
               </a:rPr>
               <a:t>돌던지기</a:t>
             </a:r>
-            <a:endParaRPr lang="en-US" sz="2187" dirty="0"/>
+            <a:endParaRPr lang="en-US" sz="2187" dirty="0">
+              <a:solidFill>
+                <a:schemeClr val="tx1">
+                  <a:lumMod val="95000"/>
+                  <a:lumOff val="5000"/>
+                </a:schemeClr>
+              </a:solidFill>
+            </a:endParaRPr>
           </a:p>
         </p:txBody>
       </p:sp>
@@ -14514,7 +16243,7 @@
                 <a:ea typeface="Open Sans" pitchFamily="34" charset="-122"/>
                 <a:cs typeface="Open Sans" pitchFamily="34" charset="-120"/>
               </a:rPr>
-              <a:t>레이어를 향해 원거리 공격</a:t>
+              <a:t>플레이어를 향해 원거리 공격</a:t>
             </a:r>
             <a:r>
               <a:rPr lang="en-US" altLang="ko-KR" sz="1400" dirty="0">
@@ -14602,6 +16331,132 @@
               <a:t>.</a:t>
             </a:r>
           </a:p>
+        </p:txBody>
+      </p:sp>
+      <p:sp>
+        <p:nvSpPr>
+          <p:cNvPr id="13" name="Shape 11"/>
+          <p:cNvSpPr/>
+          <p:nvPr/>
+        </p:nvSpPr>
+        <p:spPr>
+          <a:xfrm>
+            <a:off x="6382604" y="1989695"/>
+            <a:ext cx="499943" cy="499943"/>
+          </a:xfrm>
+          <a:prstGeom prst="roundRect">
+            <a:avLst>
+              <a:gd name="adj" fmla="val 26667"/>
+            </a:avLst>
+          </a:prstGeom>
+          <a:solidFill>
+            <a:srgbClr val="DED6FF"/>
+          </a:solidFill>
+          <a:ln/>
+        </p:spPr>
+        <p:txBody>
+          <a:bodyPr/>
+          <a:lstStyle/>
+          <a:p>
+            <a:endParaRPr lang="ko-KR" altLang="en-US"/>
+          </a:p>
+        </p:txBody>
+      </p:sp>
+      <p:sp>
+        <p:nvSpPr>
+          <p:cNvPr id="14" name="Text 12"/>
+          <p:cNvSpPr/>
+          <p:nvPr/>
+        </p:nvSpPr>
+        <p:spPr>
+          <a:xfrm>
+            <a:off x="6529884" y="2031367"/>
+            <a:ext cx="205383" cy="416481"/>
+          </a:xfrm>
+          <a:prstGeom prst="rect">
+            <a:avLst/>
+          </a:prstGeom>
+          <a:noFill/>
+          <a:ln/>
+        </p:spPr>
+        <p:txBody>
+          <a:bodyPr wrap="none" rtlCol="0" anchor="t"/>
+          <a:lstStyle/>
+          <a:p>
+            <a:pPr marL="0" indent="0" algn="ctr">
+              <a:lnSpc>
+                <a:spcPts val="3281"/>
+              </a:lnSpc>
+              <a:buNone/>
+            </a:pPr>
+            <a:r>
+              <a:rPr lang="en-US" sz="2624" dirty="0">
+                <a:solidFill>
+                  <a:srgbClr val="5955EB"/>
+                </a:solidFill>
+                <a:latin typeface="경기천년제목 Light" panose="02020403020101020101" pitchFamily="18" charset="-127"/>
+              </a:rPr>
+              <a:t>2</a:t>
+            </a:r>
+            <a:endParaRPr lang="en-US" sz="2624" dirty="0"/>
+          </a:p>
+        </p:txBody>
+      </p:sp>
+      <p:sp>
+        <p:nvSpPr>
+          <p:cNvPr id="15" name="Text 13"/>
+          <p:cNvSpPr/>
+          <p:nvPr/>
+        </p:nvSpPr>
+        <p:spPr>
+          <a:xfrm>
+            <a:off x="7104718" y="2066014"/>
+            <a:ext cx="2777490" cy="347186"/>
+          </a:xfrm>
+          <a:prstGeom prst="rect">
+            <a:avLst/>
+          </a:prstGeom>
+          <a:noFill/>
+          <a:ln/>
+        </p:spPr>
+        <p:txBody>
+          <a:bodyPr wrap="none" rtlCol="0" anchor="t"/>
+          <a:lstStyle/>
+          <a:p>
+            <a:pPr marL="0" indent="0">
+              <a:lnSpc>
+                <a:spcPts val="2734"/>
+              </a:lnSpc>
+              <a:buNone/>
+            </a:pPr>
+            <a:r>
+              <a:rPr lang="ko-KR" altLang="en-US" sz="2187" dirty="0" err="1"/>
+              <a:t>침뱉기</a:t>
+            </a:r>
+            <a:endParaRPr lang="en-US" sz="2187" dirty="0"/>
+          </a:p>
+        </p:txBody>
+      </p:sp>
+      <p:sp>
+        <p:nvSpPr>
+          <p:cNvPr id="16" name="Text 14"/>
+          <p:cNvSpPr/>
+          <p:nvPr/>
+        </p:nvSpPr>
+        <p:spPr>
+          <a:xfrm>
+            <a:off x="7104718" y="2546432"/>
+            <a:ext cx="4444008" cy="710803"/>
+          </a:xfrm>
+          <a:prstGeom prst="rect">
+            <a:avLst/>
+          </a:prstGeom>
+          <a:noFill/>
+          <a:ln/>
+        </p:spPr>
+        <p:txBody>
+          <a:bodyPr wrap="square" rtlCol="0" anchor="t"/>
+          <a:lstStyle/>
           <a:p>
             <a:pPr marL="0" indent="0">
               <a:lnSpc>
@@ -14609,7 +16464,78 @@
               </a:lnSpc>
               <a:buNone/>
             </a:pPr>
-            <a:endParaRPr lang="en-US" altLang="ko-KR" sz="1400" dirty="0">
+            <a:r>
+              <a:rPr lang="ko-KR" altLang="en-US" sz="1750" dirty="0">
+                <a:solidFill>
+                  <a:srgbClr val="49495A"/>
+                </a:solidFill>
+                <a:latin typeface="Open Sans" pitchFamily="34" charset="0"/>
+                <a:ea typeface="Open Sans" pitchFamily="34" charset="-122"/>
+                <a:cs typeface="Open Sans" pitchFamily="34" charset="-120"/>
+              </a:rPr>
+              <a:t>플레이어를 향해 원거리 공격</a:t>
+            </a:r>
+            <a:r>
+              <a:rPr lang="en-US" altLang="ko-KR" sz="1750" dirty="0">
+                <a:solidFill>
+                  <a:srgbClr val="49495A"/>
+                </a:solidFill>
+                <a:latin typeface="Open Sans" pitchFamily="34" charset="0"/>
+                <a:ea typeface="Open Sans" pitchFamily="34" charset="-122"/>
+                <a:cs typeface="Open Sans" pitchFamily="34" charset="-120"/>
+              </a:rPr>
+              <a:t>, </a:t>
+            </a:r>
+          </a:p>
+          <a:p>
+            <a:pPr marL="0" indent="0">
+              <a:lnSpc>
+                <a:spcPts val="2799"/>
+              </a:lnSpc>
+              <a:buNone/>
+            </a:pPr>
+            <a:r>
+              <a:rPr lang="ko-KR" altLang="en-US" sz="1750" dirty="0">
+                <a:solidFill>
+                  <a:srgbClr val="49495A"/>
+                </a:solidFill>
+                <a:latin typeface="Open Sans" pitchFamily="34" charset="0"/>
+                <a:ea typeface="Open Sans" pitchFamily="34" charset="-122"/>
+                <a:cs typeface="Open Sans" pitchFamily="34" charset="-120"/>
+              </a:rPr>
+              <a:t>공격 발동 시 확인한 플레이어의 좌표에 연속해서 </a:t>
+            </a:r>
+            <a:r>
+              <a:rPr lang="en-US" altLang="ko-KR" sz="1750" dirty="0">
+                <a:solidFill>
+                  <a:srgbClr val="49495A"/>
+                </a:solidFill>
+                <a:latin typeface="Open Sans" pitchFamily="34" charset="0"/>
+                <a:ea typeface="Open Sans" pitchFamily="34" charset="-122"/>
+                <a:cs typeface="Open Sans" pitchFamily="34" charset="-120"/>
+              </a:rPr>
+              <a:t>3</a:t>
+            </a:r>
+            <a:r>
+              <a:rPr lang="ko-KR" altLang="en-US" sz="1750" dirty="0">
+                <a:solidFill>
+                  <a:srgbClr val="49495A"/>
+                </a:solidFill>
+                <a:latin typeface="Open Sans" pitchFamily="34" charset="0"/>
+                <a:ea typeface="Open Sans" pitchFamily="34" charset="-122"/>
+                <a:cs typeface="Open Sans" pitchFamily="34" charset="-120"/>
+              </a:rPr>
+              <a:t>번의 침을 발사 </a:t>
+            </a:r>
+          </a:p>
+          <a:p>
+            <a:pPr marL="0" indent="0">
+              <a:lnSpc>
+                <a:spcPts val="2799"/>
+              </a:lnSpc>
+              <a:buNone/>
+            </a:pPr>
+            <a:endParaRPr lang="ko-KR" altLang="en-US" sz="1750" dirty="0">
               <a:solidFill>
                 <a:srgbClr val="49495A"/>
               </a:solidFill>
@@ -14626,170 +16552,26 @@
               <a:buNone/>
             </a:pPr>
             <a:r>
-              <a:rPr lang="ko-KR" altLang="en-US" sz="1400" dirty="0">
-                <a:solidFill>
-                  <a:srgbClr val="49495A"/>
-                </a:solidFill>
-                <a:latin typeface="Open Sans" pitchFamily="34" charset="0"/>
-                <a:ea typeface="Open Sans" pitchFamily="34" charset="-122"/>
-                <a:cs typeface="Open Sans" pitchFamily="34" charset="-120"/>
-              </a:rPr>
-              <a:t>보스를 둘러싸고 있는 펜스에 닿으면 탄환은 삭제</a:t>
-            </a:r>
-            <a:endParaRPr lang="en-US" sz="1400" dirty="0"/>
-          </a:p>
-        </p:txBody>
-      </p:sp>
-      <p:sp>
-        <p:nvSpPr>
-          <p:cNvPr id="13" name="Shape 11"/>
-          <p:cNvSpPr/>
-          <p:nvPr/>
-        </p:nvSpPr>
-        <p:spPr>
-          <a:xfrm>
-            <a:off x="1016338" y="4972366"/>
-            <a:ext cx="499943" cy="499943"/>
-          </a:xfrm>
-          <a:prstGeom prst="roundRect">
-            <a:avLst>
-              <a:gd name="adj" fmla="val 26667"/>
-            </a:avLst>
-          </a:prstGeom>
-          <a:solidFill>
-            <a:srgbClr val="DED6FF"/>
-          </a:solidFill>
-          <a:ln/>
-        </p:spPr>
-        <p:txBody>
-          <a:bodyPr/>
-          <a:lstStyle/>
-          <a:p>
-            <a:endParaRPr lang="ko-KR" altLang="en-US"/>
-          </a:p>
-        </p:txBody>
-      </p:sp>
-      <p:sp>
-        <p:nvSpPr>
-          <p:cNvPr id="14" name="Text 12"/>
-          <p:cNvSpPr/>
-          <p:nvPr/>
-        </p:nvSpPr>
-        <p:spPr>
-          <a:xfrm>
-            <a:off x="1163618" y="5014038"/>
-            <a:ext cx="205383" cy="416481"/>
-          </a:xfrm>
-          <a:prstGeom prst="rect">
-            <a:avLst/>
-          </a:prstGeom>
-          <a:noFill/>
-          <a:ln/>
-        </p:spPr>
-        <p:txBody>
-          <a:bodyPr wrap="none" rtlCol="0" anchor="t"/>
-          <a:lstStyle/>
-          <a:p>
-            <a:pPr marL="0" indent="0" algn="ctr">
-              <a:lnSpc>
-                <a:spcPts val="3281"/>
-              </a:lnSpc>
-              <a:buNone/>
-            </a:pPr>
-            <a:r>
-              <a:rPr lang="en-US" sz="2624" dirty="0">
-                <a:solidFill>
-                  <a:srgbClr val="5955EB"/>
-                </a:solidFill>
-                <a:latin typeface="경기천년제목 Light" panose="02020403020101020101" pitchFamily="18" charset="-127"/>
-                <a:ea typeface="경기천년제목 Light" panose="02020403020101020101" pitchFamily="18" charset="-127"/>
-                <a:cs typeface="Libre Baskerville" pitchFamily="34" charset="-120"/>
-              </a:rPr>
-              <a:t>3</a:t>
-            </a:r>
-            <a:endParaRPr lang="en-US" sz="2624" dirty="0"/>
-          </a:p>
-        </p:txBody>
-      </p:sp>
-      <p:sp>
-        <p:nvSpPr>
-          <p:cNvPr id="15" name="Text 13"/>
-          <p:cNvSpPr/>
-          <p:nvPr/>
-        </p:nvSpPr>
-        <p:spPr>
-          <a:xfrm>
-            <a:off x="1738452" y="5048685"/>
-            <a:ext cx="2777490" cy="347186"/>
-          </a:xfrm>
-          <a:prstGeom prst="rect">
-            <a:avLst/>
-          </a:prstGeom>
-          <a:noFill/>
-          <a:ln/>
-        </p:spPr>
-        <p:txBody>
-          <a:bodyPr wrap="none" rtlCol="0" anchor="t"/>
-          <a:lstStyle/>
-          <a:p>
-            <a:pPr marL="0" indent="0">
-              <a:lnSpc>
-                <a:spcPts val="2734"/>
-              </a:lnSpc>
-              <a:buNone/>
-            </a:pPr>
-            <a:r>
-              <a:rPr lang="en-US" sz="2187" dirty="0">
-                <a:solidFill>
-                  <a:srgbClr val="5955EB"/>
-                </a:solidFill>
-                <a:latin typeface="경기천년제목 Light" panose="02020403020101020101" pitchFamily="18" charset="-127"/>
-                <a:ea typeface="경기천년제목 Light" panose="02020403020101020101" pitchFamily="18" charset="-127"/>
-                <a:cs typeface="Libre Baskerville" pitchFamily="34" charset="-120"/>
-              </a:rPr>
-              <a:t>미끄러짐 공격</a:t>
-            </a:r>
-            <a:endParaRPr lang="en-US" sz="2187" dirty="0"/>
-          </a:p>
-        </p:txBody>
-      </p:sp>
-      <p:sp>
-        <p:nvSpPr>
-          <p:cNvPr id="16" name="Text 14"/>
-          <p:cNvSpPr/>
-          <p:nvPr/>
-        </p:nvSpPr>
-        <p:spPr>
-          <a:xfrm>
-            <a:off x="1738452" y="5529103"/>
-            <a:ext cx="4444008" cy="710803"/>
-          </a:xfrm>
-          <a:prstGeom prst="rect">
-            <a:avLst/>
-          </a:prstGeom>
-          <a:noFill/>
-          <a:ln/>
-        </p:spPr>
-        <p:txBody>
-          <a:bodyPr wrap="square" rtlCol="0" anchor="t"/>
-          <a:lstStyle/>
-          <a:p>
-            <a:pPr marL="0" indent="0">
-              <a:lnSpc>
-                <a:spcPts val="2799"/>
-              </a:lnSpc>
-              <a:buNone/>
-            </a:pPr>
-            <a:r>
-              <a:rPr lang="en-US" sz="1750" dirty="0">
-                <a:solidFill>
-                  <a:srgbClr val="49495A"/>
-                </a:solidFill>
-                <a:latin typeface="Open Sans" pitchFamily="34" charset="0"/>
-                <a:ea typeface="Open Sans" pitchFamily="34" charset="-122"/>
-                <a:cs typeface="Open Sans" pitchFamily="34" charset="-120"/>
-              </a:rPr>
-              <a:t>바닥을 미끄러지듯이 이동하면서 플레이어를 공격하는 기술을 사용합니다.</a:t>
+              <a:rPr lang="ko-KR" altLang="en-US" sz="1750" dirty="0">
+                <a:solidFill>
+                  <a:srgbClr val="49495A"/>
+                </a:solidFill>
+                <a:latin typeface="Open Sans" pitchFamily="34" charset="0"/>
+                <a:ea typeface="Open Sans" pitchFamily="34" charset="-122"/>
+                <a:cs typeface="Open Sans" pitchFamily="34" charset="-120"/>
+              </a:rPr>
+              <a:t>각 침은 장판을 형성해 플레이어의 진로를 방해한다</a:t>
+            </a:r>
+            <a:r>
+              <a:rPr lang="en-US" altLang="ko-KR" sz="1750" dirty="0">
+                <a:solidFill>
+                  <a:srgbClr val="49495A"/>
+                </a:solidFill>
+                <a:latin typeface="Open Sans" pitchFamily="34" charset="0"/>
+                <a:ea typeface="Open Sans" pitchFamily="34" charset="-122"/>
+                <a:cs typeface="Open Sans" pitchFamily="34" charset="-120"/>
+              </a:rPr>
+              <a:t>.</a:t>
             </a:r>
             <a:endParaRPr lang="en-US" sz="1750" dirty="0"/>
           </a:p>
@@ -14809,7 +16591,7 @@
         </p:nvSpPr>
         <p:spPr>
           <a:xfrm>
-            <a:off x="11673840" y="320040"/>
+            <a:off x="11536680" y="5169932"/>
             <a:ext cx="2674620" cy="2705100"/>
           </a:xfrm>
           <a:prstGeom prst="roundRect">
@@ -14837,14 +16619,72 @@
           <a:lstStyle/>
           <a:p>
             <a:pPr algn="ctr"/>
-            <a:endParaRPr lang="ko-KR" altLang="en-US"/>
-          </a:p>
-        </p:txBody>
-      </p:sp>
+            <a:r>
+              <a:rPr lang="ko-KR" altLang="en-US" dirty="0"/>
+              <a:t> 몬 </a:t>
+            </a:r>
+            <a:r>
+              <a:rPr lang="ko-KR" altLang="en-US" dirty="0" err="1"/>
+              <a:t>스</a:t>
+            </a:r>
+            <a:r>
+              <a:rPr lang="ko-KR" altLang="en-US" dirty="0"/>
+              <a:t> 터 사 진</a:t>
+            </a:r>
+          </a:p>
+        </p:txBody>
+      </p:sp>
+      <p:pic>
+        <p:nvPicPr>
+          <p:cNvPr id="1026" name="Picture 2">
+            <a:extLst>
+              <a:ext uri="{FF2B5EF4-FFF2-40B4-BE49-F238E27FC236}">
+                <a16:creationId xmlns:a16="http://schemas.microsoft.com/office/drawing/2014/main" id="{C28BABEE-6308-2D7D-C942-955DDF5AAB38}"/>
+              </a:ext>
+            </a:extLst>
+          </p:cNvPr>
+          <p:cNvPicPr>
+            <a:picLocks noChangeAspect="1" noChangeArrowheads="1"/>
+          </p:cNvPicPr>
+          <p:nvPr/>
+        </p:nvPicPr>
+        <p:blipFill>
+          <a:blip r:embed="rId3">
+            <a:extLst>
+              <a:ext uri="{28A0092B-C50C-407E-A947-70E740481C1C}">
+                <a14:useLocalDpi xmlns:a14="http://schemas.microsoft.com/office/drawing/2010/main" val="0"/>
+              </a:ext>
+            </a:extLst>
+          </a:blip>
+          <a:srcRect/>
+          <a:stretch>
+            <a:fillRect/>
+          </a:stretch>
+        </p:blipFill>
+        <p:spPr bwMode="auto">
+          <a:xfrm>
+            <a:off x="1460322" y="5169932"/>
+            <a:ext cx="3172638" cy="2511109"/>
+          </a:xfrm>
+          <a:prstGeom prst="rect">
+            <a:avLst/>
+          </a:prstGeom>
+          <a:noFill/>
+          <a:extLst>
+            <a:ext uri="{909E8E84-426E-40DD-AFC4-6F175D3DCCD1}">
+              <a14:hiddenFill xmlns:a14="http://schemas.microsoft.com/office/drawing/2010/main">
+                <a:solidFill>
+                  <a:srgbClr val="FFFFFF"/>
+                </a:solidFill>
+              </a14:hiddenFill>
+            </a:ext>
+          </a:extLst>
+        </p:spPr>
+      </p:pic>
     </p:spTree>
     <p:extLst>
       <p:ext uri="{BB962C8B-B14F-4D97-AF65-F5344CB8AC3E}">
-        <p14:creationId xmlns:p14="http://schemas.microsoft.com/office/powerpoint/2010/main" val="1484881204"/>
+        <p14:creationId xmlns:p14="http://schemas.microsoft.com/office/powerpoint/2010/main" val="2133240621"/>
       </p:ext>
     </p:extLst>
   </p:cSld>
@@ -14899,7 +16739,7 @@
               <a:buNone/>
             </a:pPr>
             <a:r>
-              <a:rPr lang="en-US" sz="4374" dirty="0">
+              <a:rPr lang="en-US" altLang="ko-KR" sz="4374" dirty="0">
                 <a:solidFill>
                   <a:srgbClr val="5955EB"/>
                 </a:solidFill>
@@ -14907,7 +16747,29 @@
                 <a:ea typeface="경기천년제목 Light" panose="02020403020101020101" pitchFamily="18" charset="-127"/>
                 <a:cs typeface="Libre Baskerville" pitchFamily="34" charset="-120"/>
               </a:rPr>
-              <a:t>7단계 보스 몬스터 공격 패턴</a:t>
+              <a:t>7</a:t>
+            </a:r>
+            <a:r>
+              <a:rPr lang="ko-KR" altLang="en-US" sz="4374" dirty="0">
+                <a:solidFill>
+                  <a:srgbClr val="5955EB"/>
+                </a:solidFill>
+                <a:latin typeface="경기천년제목 Light" panose="02020403020101020101" pitchFamily="18" charset="-127"/>
+                <a:ea typeface="경기천년제목 Light" panose="02020403020101020101" pitchFamily="18" charset="-127"/>
+                <a:cs typeface="Libre Baskerville" pitchFamily="34" charset="-120"/>
+              </a:rPr>
+              <a:t>보스</a:t>
+            </a:r>
+            <a:r>
+              <a:rPr lang="en-US" altLang="ko-KR" sz="4374" dirty="0">
+                <a:solidFill>
+                  <a:srgbClr val="5955EB"/>
+                </a:solidFill>
+                <a:latin typeface="경기천년제목 Light" panose="02020403020101020101" pitchFamily="18" charset="-127"/>
+                <a:ea typeface="경기천년제목 Light" panose="02020403020101020101" pitchFamily="18" charset="-127"/>
+                <a:cs typeface="Libre Baskerville" pitchFamily="34" charset="-120"/>
+              </a:rPr>
+              <a:t>:</a:t>
             </a:r>
             <a:endParaRPr lang="en-US" sz="4374" dirty="0"/>
           </a:p>
@@ -15014,13 +16876,23 @@
             <a:r>
               <a:rPr lang="ko-KR" altLang="en-US" sz="2187" dirty="0">
                 <a:solidFill>
-                  <a:srgbClr val="5955EB"/>
+                  <a:schemeClr val="tx1">
+                    <a:lumMod val="95000"/>
+                    <a:lumOff val="5000"/>
+                  </a:schemeClr>
                 </a:solidFill>
                 <a:latin typeface="경기천년제목 Light" panose="02020403020101020101" pitchFamily="18" charset="-127"/>
               </a:rPr>
               <a:t>돌던지기</a:t>
             </a:r>
-            <a:endParaRPr lang="en-US" sz="2187" dirty="0"/>
+            <a:endParaRPr lang="en-US" sz="2187" dirty="0">
+              <a:solidFill>
+                <a:schemeClr val="tx1">
+                  <a:lumMod val="95000"/>
+                  <a:lumOff val="5000"/>
+                </a:schemeClr>
+              </a:solidFill>
+            </a:endParaRPr>
           </a:p>
         </p:txBody>
       </p:sp>
@@ -15060,7 +16932,7 @@
                 <a:ea typeface="Open Sans" pitchFamily="34" charset="-122"/>
                 <a:cs typeface="Open Sans" pitchFamily="34" charset="-120"/>
               </a:rPr>
-              <a:t>레이어를 향해 원거리 공격</a:t>
+              <a:t>플레이어를 향해 원거리 공격</a:t>
             </a:r>
             <a:r>
               <a:rPr lang="en-US" altLang="ko-KR" sz="1400" dirty="0">
@@ -15148,6 +17020,132 @@
               <a:t>.</a:t>
             </a:r>
           </a:p>
+        </p:txBody>
+      </p:sp>
+      <p:sp>
+        <p:nvSpPr>
+          <p:cNvPr id="13" name="Shape 11"/>
+          <p:cNvSpPr/>
+          <p:nvPr/>
+        </p:nvSpPr>
+        <p:spPr>
+          <a:xfrm>
+            <a:off x="6382604" y="1989695"/>
+            <a:ext cx="499943" cy="499943"/>
+          </a:xfrm>
+          <a:prstGeom prst="roundRect">
+            <a:avLst>
+              <a:gd name="adj" fmla="val 26667"/>
+            </a:avLst>
+          </a:prstGeom>
+          <a:solidFill>
+            <a:srgbClr val="DED6FF"/>
+          </a:solidFill>
+          <a:ln/>
+        </p:spPr>
+        <p:txBody>
+          <a:bodyPr/>
+          <a:lstStyle/>
+          <a:p>
+            <a:endParaRPr lang="ko-KR" altLang="en-US"/>
+          </a:p>
+        </p:txBody>
+      </p:sp>
+      <p:sp>
+        <p:nvSpPr>
+          <p:cNvPr id="14" name="Text 12"/>
+          <p:cNvSpPr/>
+          <p:nvPr/>
+        </p:nvSpPr>
+        <p:spPr>
+          <a:xfrm>
+            <a:off x="6529884" y="2031367"/>
+            <a:ext cx="205383" cy="416481"/>
+          </a:xfrm>
+          <a:prstGeom prst="rect">
+            <a:avLst/>
+          </a:prstGeom>
+          <a:noFill/>
+          <a:ln/>
+        </p:spPr>
+        <p:txBody>
+          <a:bodyPr wrap="none" rtlCol="0" anchor="t"/>
+          <a:lstStyle/>
+          <a:p>
+            <a:pPr marL="0" indent="0" algn="ctr">
+              <a:lnSpc>
+                <a:spcPts val="3281"/>
+              </a:lnSpc>
+              <a:buNone/>
+            </a:pPr>
+            <a:r>
+              <a:rPr lang="en-US" sz="2624" dirty="0">
+                <a:solidFill>
+                  <a:srgbClr val="5955EB"/>
+                </a:solidFill>
+                <a:latin typeface="경기천년제목 Light" panose="02020403020101020101" pitchFamily="18" charset="-127"/>
+              </a:rPr>
+              <a:t>2</a:t>
+            </a:r>
+            <a:endParaRPr lang="en-US" sz="2624" dirty="0"/>
+          </a:p>
+        </p:txBody>
+      </p:sp>
+      <p:sp>
+        <p:nvSpPr>
+          <p:cNvPr id="15" name="Text 13"/>
+          <p:cNvSpPr/>
+          <p:nvPr/>
+        </p:nvSpPr>
+        <p:spPr>
+          <a:xfrm>
+            <a:off x="7104718" y="2066014"/>
+            <a:ext cx="2777490" cy="347186"/>
+          </a:xfrm>
+          <a:prstGeom prst="rect">
+            <a:avLst/>
+          </a:prstGeom>
+          <a:noFill/>
+          <a:ln/>
+        </p:spPr>
+        <p:txBody>
+          <a:bodyPr wrap="none" rtlCol="0" anchor="t"/>
+          <a:lstStyle/>
+          <a:p>
+            <a:pPr marL="0" indent="0">
+              <a:lnSpc>
+                <a:spcPts val="2734"/>
+              </a:lnSpc>
+              <a:buNone/>
+            </a:pPr>
+            <a:r>
+              <a:rPr lang="ko-KR" altLang="en-US" sz="2187" dirty="0" err="1"/>
+              <a:t>침뱉기</a:t>
+            </a:r>
+            <a:endParaRPr lang="en-US" sz="2187" dirty="0"/>
+          </a:p>
+        </p:txBody>
+      </p:sp>
+      <p:sp>
+        <p:nvSpPr>
+          <p:cNvPr id="16" name="Text 14"/>
+          <p:cNvSpPr/>
+          <p:nvPr/>
+        </p:nvSpPr>
+        <p:spPr>
+          <a:xfrm>
+            <a:off x="7104718" y="2546432"/>
+            <a:ext cx="4444008" cy="710803"/>
+          </a:xfrm>
+          <a:prstGeom prst="rect">
+            <a:avLst/>
+          </a:prstGeom>
+          <a:noFill/>
+          <a:ln/>
+        </p:spPr>
+        <p:txBody>
+          <a:bodyPr wrap="square" rtlCol="0" anchor="t"/>
+          <a:lstStyle/>
           <a:p>
             <a:pPr marL="0" indent="0">
               <a:lnSpc>
@@ -15155,7 +17153,78 @@
               </a:lnSpc>
               <a:buNone/>
             </a:pPr>
-            <a:endParaRPr lang="en-US" altLang="ko-KR" sz="1400" dirty="0">
+            <a:r>
+              <a:rPr lang="ko-KR" altLang="en-US" sz="1750" dirty="0">
+                <a:solidFill>
+                  <a:srgbClr val="49495A"/>
+                </a:solidFill>
+                <a:latin typeface="Open Sans" pitchFamily="34" charset="0"/>
+                <a:ea typeface="Open Sans" pitchFamily="34" charset="-122"/>
+                <a:cs typeface="Open Sans" pitchFamily="34" charset="-120"/>
+              </a:rPr>
+              <a:t>플레이어를 향해 원거리 공격</a:t>
+            </a:r>
+            <a:r>
+              <a:rPr lang="en-US" altLang="ko-KR" sz="1750" dirty="0">
+                <a:solidFill>
+                  <a:srgbClr val="49495A"/>
+                </a:solidFill>
+                <a:latin typeface="Open Sans" pitchFamily="34" charset="0"/>
+                <a:ea typeface="Open Sans" pitchFamily="34" charset="-122"/>
+                <a:cs typeface="Open Sans" pitchFamily="34" charset="-120"/>
+              </a:rPr>
+              <a:t>, </a:t>
+            </a:r>
+          </a:p>
+          <a:p>
+            <a:pPr marL="0" indent="0">
+              <a:lnSpc>
+                <a:spcPts val="2799"/>
+              </a:lnSpc>
+              <a:buNone/>
+            </a:pPr>
+            <a:r>
+              <a:rPr lang="ko-KR" altLang="en-US" sz="1750" dirty="0">
+                <a:solidFill>
+                  <a:srgbClr val="49495A"/>
+                </a:solidFill>
+                <a:latin typeface="Open Sans" pitchFamily="34" charset="0"/>
+                <a:ea typeface="Open Sans" pitchFamily="34" charset="-122"/>
+                <a:cs typeface="Open Sans" pitchFamily="34" charset="-120"/>
+              </a:rPr>
+              <a:t>공격 발동 시 확인한 플레이어의 좌표에 연속해서 </a:t>
+            </a:r>
+            <a:r>
+              <a:rPr lang="en-US" altLang="ko-KR" sz="1750" dirty="0">
+                <a:solidFill>
+                  <a:srgbClr val="49495A"/>
+                </a:solidFill>
+                <a:latin typeface="Open Sans" pitchFamily="34" charset="0"/>
+                <a:ea typeface="Open Sans" pitchFamily="34" charset="-122"/>
+                <a:cs typeface="Open Sans" pitchFamily="34" charset="-120"/>
+              </a:rPr>
+              <a:t>3</a:t>
+            </a:r>
+            <a:r>
+              <a:rPr lang="ko-KR" altLang="en-US" sz="1750" dirty="0">
+                <a:solidFill>
+                  <a:srgbClr val="49495A"/>
+                </a:solidFill>
+                <a:latin typeface="Open Sans" pitchFamily="34" charset="0"/>
+                <a:ea typeface="Open Sans" pitchFamily="34" charset="-122"/>
+                <a:cs typeface="Open Sans" pitchFamily="34" charset="-120"/>
+              </a:rPr>
+              <a:t>번의 침을 발사 </a:t>
+            </a:r>
+          </a:p>
+          <a:p>
+            <a:pPr marL="0" indent="0">
+              <a:lnSpc>
+                <a:spcPts val="2799"/>
+              </a:lnSpc>
+              <a:buNone/>
+            </a:pPr>
+            <a:endParaRPr lang="ko-KR" altLang="en-US" sz="1750" dirty="0">
               <a:solidFill>
                 <a:srgbClr val="49495A"/>
               </a:solidFill>
@@ -15172,170 +17241,26 @@
               <a:buNone/>
             </a:pPr>
             <a:r>
-              <a:rPr lang="ko-KR" altLang="en-US" sz="1400" dirty="0">
-                <a:solidFill>
-                  <a:srgbClr val="49495A"/>
-                </a:solidFill>
-                <a:latin typeface="Open Sans" pitchFamily="34" charset="0"/>
-                <a:ea typeface="Open Sans" pitchFamily="34" charset="-122"/>
-                <a:cs typeface="Open Sans" pitchFamily="34" charset="-120"/>
-              </a:rPr>
-              <a:t>보스를 둘러싸고 있는 펜스에 닿으면 탄환은 삭제</a:t>
-            </a:r>
-            <a:endParaRPr lang="en-US" sz="1400" dirty="0"/>
-          </a:p>
-        </p:txBody>
-      </p:sp>
-      <p:sp>
-        <p:nvSpPr>
-          <p:cNvPr id="13" name="Shape 11"/>
-          <p:cNvSpPr/>
-          <p:nvPr/>
-        </p:nvSpPr>
-        <p:spPr>
-          <a:xfrm>
-            <a:off x="1016338" y="4972366"/>
-            <a:ext cx="499943" cy="499943"/>
-          </a:xfrm>
-          <a:prstGeom prst="roundRect">
-            <a:avLst>
-              <a:gd name="adj" fmla="val 26667"/>
-            </a:avLst>
-          </a:prstGeom>
-          <a:solidFill>
-            <a:srgbClr val="DED6FF"/>
-          </a:solidFill>
-          <a:ln/>
-        </p:spPr>
-        <p:txBody>
-          <a:bodyPr/>
-          <a:lstStyle/>
-          <a:p>
-            <a:endParaRPr lang="ko-KR" altLang="en-US"/>
-          </a:p>
-        </p:txBody>
-      </p:sp>
-      <p:sp>
-        <p:nvSpPr>
-          <p:cNvPr id="14" name="Text 12"/>
-          <p:cNvSpPr/>
-          <p:nvPr/>
-        </p:nvSpPr>
-        <p:spPr>
-          <a:xfrm>
-            <a:off x="1163618" y="5014038"/>
-            <a:ext cx="205383" cy="416481"/>
-          </a:xfrm>
-          <a:prstGeom prst="rect">
-            <a:avLst/>
-          </a:prstGeom>
-          <a:noFill/>
-          <a:ln/>
-        </p:spPr>
-        <p:txBody>
-          <a:bodyPr wrap="none" rtlCol="0" anchor="t"/>
-          <a:lstStyle/>
-          <a:p>
-            <a:pPr marL="0" indent="0" algn="ctr">
-              <a:lnSpc>
-                <a:spcPts val="3281"/>
-              </a:lnSpc>
-              <a:buNone/>
-            </a:pPr>
-            <a:r>
-              <a:rPr lang="en-US" sz="2624" dirty="0">
-                <a:solidFill>
-                  <a:srgbClr val="5955EB"/>
-                </a:solidFill>
-                <a:latin typeface="경기천년제목 Light" panose="02020403020101020101" pitchFamily="18" charset="-127"/>
-                <a:ea typeface="경기천년제목 Light" panose="02020403020101020101" pitchFamily="18" charset="-127"/>
-                <a:cs typeface="Libre Baskerville" pitchFamily="34" charset="-120"/>
-              </a:rPr>
-              <a:t>3</a:t>
-            </a:r>
-            <a:endParaRPr lang="en-US" sz="2624" dirty="0"/>
-          </a:p>
-        </p:txBody>
-      </p:sp>
-      <p:sp>
-        <p:nvSpPr>
-          <p:cNvPr id="15" name="Text 13"/>
-          <p:cNvSpPr/>
-          <p:nvPr/>
-        </p:nvSpPr>
-        <p:spPr>
-          <a:xfrm>
-            <a:off x="1738452" y="5048685"/>
-            <a:ext cx="2777490" cy="347186"/>
-          </a:xfrm>
-          <a:prstGeom prst="rect">
-            <a:avLst/>
-          </a:prstGeom>
-          <a:noFill/>
-          <a:ln/>
-        </p:spPr>
-        <p:txBody>
-          <a:bodyPr wrap="none" rtlCol="0" anchor="t"/>
-          <a:lstStyle/>
-          <a:p>
-            <a:pPr marL="0" indent="0">
-              <a:lnSpc>
-                <a:spcPts val="2734"/>
-              </a:lnSpc>
-              <a:buNone/>
-            </a:pPr>
-            <a:r>
-              <a:rPr lang="en-US" sz="2187" dirty="0">
-                <a:solidFill>
-                  <a:srgbClr val="5955EB"/>
-                </a:solidFill>
-                <a:latin typeface="경기천년제목 Light" panose="02020403020101020101" pitchFamily="18" charset="-127"/>
-                <a:ea typeface="경기천년제목 Light" panose="02020403020101020101" pitchFamily="18" charset="-127"/>
-                <a:cs typeface="Libre Baskerville" pitchFamily="34" charset="-120"/>
-              </a:rPr>
-              <a:t>미끄러짐 공격</a:t>
-            </a:r>
-            <a:endParaRPr lang="en-US" sz="2187" dirty="0"/>
-          </a:p>
-        </p:txBody>
-      </p:sp>
-      <p:sp>
-        <p:nvSpPr>
-          <p:cNvPr id="16" name="Text 14"/>
-          <p:cNvSpPr/>
-          <p:nvPr/>
-        </p:nvSpPr>
-        <p:spPr>
-          <a:xfrm>
-            <a:off x="1738452" y="5529103"/>
-            <a:ext cx="4444008" cy="710803"/>
-          </a:xfrm>
-          <a:prstGeom prst="rect">
-            <a:avLst/>
-          </a:prstGeom>
-          <a:noFill/>
-          <a:ln/>
-        </p:spPr>
-        <p:txBody>
-          <a:bodyPr wrap="square" rtlCol="0" anchor="t"/>
-          <a:lstStyle/>
-          <a:p>
-            <a:pPr marL="0" indent="0">
-              <a:lnSpc>
-                <a:spcPts val="2799"/>
-              </a:lnSpc>
-              <a:buNone/>
-            </a:pPr>
-            <a:r>
-              <a:rPr lang="en-US" sz="1750" dirty="0">
-                <a:solidFill>
-                  <a:srgbClr val="49495A"/>
-                </a:solidFill>
-                <a:latin typeface="Open Sans" pitchFamily="34" charset="0"/>
-                <a:ea typeface="Open Sans" pitchFamily="34" charset="-122"/>
-                <a:cs typeface="Open Sans" pitchFamily="34" charset="-120"/>
-              </a:rPr>
-              <a:t>바닥을 미끄러지듯이 이동하면서 플레이어를 공격하는 기술을 사용합니다.</a:t>
+              <a:rPr lang="ko-KR" altLang="en-US" sz="1750" dirty="0">
+                <a:solidFill>
+                  <a:srgbClr val="49495A"/>
+                </a:solidFill>
+                <a:latin typeface="Open Sans" pitchFamily="34" charset="0"/>
+                <a:ea typeface="Open Sans" pitchFamily="34" charset="-122"/>
+                <a:cs typeface="Open Sans" pitchFamily="34" charset="-120"/>
+              </a:rPr>
+              <a:t>각 침은 장판을 형성해 플레이어의 진로를 방해한다</a:t>
+            </a:r>
+            <a:r>
+              <a:rPr lang="en-US" altLang="ko-KR" sz="1750" dirty="0">
+                <a:solidFill>
+                  <a:srgbClr val="49495A"/>
+                </a:solidFill>
+                <a:latin typeface="Open Sans" pitchFamily="34" charset="0"/>
+                <a:ea typeface="Open Sans" pitchFamily="34" charset="-122"/>
+                <a:cs typeface="Open Sans" pitchFamily="34" charset="-120"/>
+              </a:rPr>
+              <a:t>.</a:t>
             </a:r>
             <a:endParaRPr lang="en-US" sz="1750" dirty="0"/>
           </a:p>
@@ -15355,7 +17280,7 @@
         </p:nvSpPr>
         <p:spPr>
           <a:xfrm>
-            <a:off x="11673840" y="320040"/>
+            <a:off x="11536680" y="5169932"/>
             <a:ext cx="2674620" cy="2705100"/>
           </a:xfrm>
           <a:prstGeom prst="roundRect">
@@ -15383,14 +17308,72 @@
           <a:lstStyle/>
           <a:p>
             <a:pPr algn="ctr"/>
-            <a:endParaRPr lang="ko-KR" altLang="en-US"/>
-          </a:p>
-        </p:txBody>
-      </p:sp>
+            <a:r>
+              <a:rPr lang="ko-KR" altLang="en-US" dirty="0"/>
+              <a:t> 몬 </a:t>
+            </a:r>
+            <a:r>
+              <a:rPr lang="ko-KR" altLang="en-US" dirty="0" err="1"/>
+              <a:t>스</a:t>
+            </a:r>
+            <a:r>
+              <a:rPr lang="ko-KR" altLang="en-US" dirty="0"/>
+              <a:t> 터 사 진</a:t>
+            </a:r>
+          </a:p>
+        </p:txBody>
+      </p:sp>
+      <p:pic>
+        <p:nvPicPr>
+          <p:cNvPr id="1026" name="Picture 2">
+            <a:extLst>
+              <a:ext uri="{FF2B5EF4-FFF2-40B4-BE49-F238E27FC236}">
+                <a16:creationId xmlns:a16="http://schemas.microsoft.com/office/drawing/2014/main" id="{C28BABEE-6308-2D7D-C942-955DDF5AAB38}"/>
+              </a:ext>
+            </a:extLst>
+          </p:cNvPr>
+          <p:cNvPicPr>
+            <a:picLocks noChangeAspect="1" noChangeArrowheads="1"/>
+          </p:cNvPicPr>
+          <p:nvPr/>
+        </p:nvPicPr>
+        <p:blipFill>
+          <a:blip r:embed="rId3">
+            <a:extLst>
+              <a:ext uri="{28A0092B-C50C-407E-A947-70E740481C1C}">
+                <a14:useLocalDpi xmlns:a14="http://schemas.microsoft.com/office/drawing/2010/main" val="0"/>
+              </a:ext>
+            </a:extLst>
+          </a:blip>
+          <a:srcRect/>
+          <a:stretch>
+            <a:fillRect/>
+          </a:stretch>
+        </p:blipFill>
+        <p:spPr bwMode="auto">
+          <a:xfrm>
+            <a:off x="1460322" y="5169932"/>
+            <a:ext cx="3172638" cy="2511109"/>
+          </a:xfrm>
+          <a:prstGeom prst="rect">
+            <a:avLst/>
+          </a:prstGeom>
+          <a:noFill/>
+          <a:extLst>
+            <a:ext uri="{909E8E84-426E-40DD-AFC4-6F175D3DCCD1}">
+              <a14:hiddenFill xmlns:a14="http://schemas.microsoft.com/office/drawing/2010/main">
+                <a:solidFill>
+                  <a:srgbClr val="FFFFFF"/>
+                </a:solidFill>
+              </a14:hiddenFill>
+            </a:ext>
+          </a:extLst>
+        </p:spPr>
+      </p:pic>
     </p:spTree>
     <p:extLst>
       <p:ext uri="{BB962C8B-B14F-4D97-AF65-F5344CB8AC3E}">
-        <p14:creationId xmlns:p14="http://schemas.microsoft.com/office/powerpoint/2010/main" val="2055148436"/>
+        <p14:creationId xmlns:p14="http://schemas.microsoft.com/office/powerpoint/2010/main" val="2449766834"/>
       </p:ext>
     </p:extLst>
   </p:cSld>
@@ -15445,7 +17428,7 @@
               <a:buNone/>
             </a:pPr>
             <a:r>
-              <a:rPr lang="en-US" sz="4374" dirty="0">
+              <a:rPr lang="en-US" altLang="ko-KR" sz="4374" dirty="0">
                 <a:solidFill>
                   <a:srgbClr val="5955EB"/>
                 </a:solidFill>
@@ -15453,7 +17436,29 @@
                 <a:ea typeface="경기천년제목 Light" panose="02020403020101020101" pitchFamily="18" charset="-127"/>
                 <a:cs typeface="Libre Baskerville" pitchFamily="34" charset="-120"/>
               </a:rPr>
-              <a:t>8단계 보스 몬스터 공격 패턴</a:t>
+              <a:t>8</a:t>
+            </a:r>
+            <a:r>
+              <a:rPr lang="ko-KR" altLang="en-US" sz="4374" dirty="0">
+                <a:solidFill>
+                  <a:srgbClr val="5955EB"/>
+                </a:solidFill>
+                <a:latin typeface="경기천년제목 Light" panose="02020403020101020101" pitchFamily="18" charset="-127"/>
+                <a:ea typeface="경기천년제목 Light" panose="02020403020101020101" pitchFamily="18" charset="-127"/>
+                <a:cs typeface="Libre Baskerville" pitchFamily="34" charset="-120"/>
+              </a:rPr>
+              <a:t>보스</a:t>
+            </a:r>
+            <a:r>
+              <a:rPr lang="en-US" altLang="ko-KR" sz="4374" dirty="0">
+                <a:solidFill>
+                  <a:srgbClr val="5955EB"/>
+                </a:solidFill>
+                <a:latin typeface="경기천년제목 Light" panose="02020403020101020101" pitchFamily="18" charset="-127"/>
+                <a:ea typeface="경기천년제목 Light" panose="02020403020101020101" pitchFamily="18" charset="-127"/>
+                <a:cs typeface="Libre Baskerville" pitchFamily="34" charset="-120"/>
+              </a:rPr>
+              <a:t>:</a:t>
             </a:r>
             <a:endParaRPr lang="en-US" sz="4374" dirty="0"/>
           </a:p>
@@ -15560,13 +17565,23 @@
             <a:r>
               <a:rPr lang="ko-KR" altLang="en-US" sz="2187" dirty="0">
                 <a:solidFill>
-                  <a:srgbClr val="5955EB"/>
+                  <a:schemeClr val="tx1">
+                    <a:lumMod val="95000"/>
+                    <a:lumOff val="5000"/>
+                  </a:schemeClr>
                 </a:solidFill>
                 <a:latin typeface="경기천년제목 Light" panose="02020403020101020101" pitchFamily="18" charset="-127"/>
               </a:rPr>
               <a:t>돌던지기</a:t>
             </a:r>
-            <a:endParaRPr lang="en-US" sz="2187" dirty="0"/>
+            <a:endParaRPr lang="en-US" sz="2187" dirty="0">
+              <a:solidFill>
+                <a:schemeClr val="tx1">
+                  <a:lumMod val="95000"/>
+                  <a:lumOff val="5000"/>
+                </a:schemeClr>
+              </a:solidFill>
+            </a:endParaRPr>
           </a:p>
         </p:txBody>
       </p:sp>
@@ -15606,7 +17621,7 @@
                 <a:ea typeface="Open Sans" pitchFamily="34" charset="-122"/>
                 <a:cs typeface="Open Sans" pitchFamily="34" charset="-120"/>
               </a:rPr>
-              <a:t>레이어를 향해 원거리 공격</a:t>
+              <a:t>플레이어를 향해 원거리 공격</a:t>
             </a:r>
             <a:r>
               <a:rPr lang="en-US" altLang="ko-KR" sz="1400" dirty="0">
@@ -15694,6 +17709,132 @@
               <a:t>.</a:t>
             </a:r>
           </a:p>
+        </p:txBody>
+      </p:sp>
+      <p:sp>
+        <p:nvSpPr>
+          <p:cNvPr id="13" name="Shape 11"/>
+          <p:cNvSpPr/>
+          <p:nvPr/>
+        </p:nvSpPr>
+        <p:spPr>
+          <a:xfrm>
+            <a:off x="6382604" y="1989695"/>
+            <a:ext cx="499943" cy="499943"/>
+          </a:xfrm>
+          <a:prstGeom prst="roundRect">
+            <a:avLst>
+              <a:gd name="adj" fmla="val 26667"/>
+            </a:avLst>
+          </a:prstGeom>
+          <a:solidFill>
+            <a:srgbClr val="DED6FF"/>
+          </a:solidFill>
+          <a:ln/>
+        </p:spPr>
+        <p:txBody>
+          <a:bodyPr/>
+          <a:lstStyle/>
+          <a:p>
+            <a:endParaRPr lang="ko-KR" altLang="en-US"/>
+          </a:p>
+        </p:txBody>
+      </p:sp>
+      <p:sp>
+        <p:nvSpPr>
+          <p:cNvPr id="14" name="Text 12"/>
+          <p:cNvSpPr/>
+          <p:nvPr/>
+        </p:nvSpPr>
+        <p:spPr>
+          <a:xfrm>
+            <a:off x="6529884" y="2031367"/>
+            <a:ext cx="205383" cy="416481"/>
+          </a:xfrm>
+          <a:prstGeom prst="rect">
+            <a:avLst/>
+          </a:prstGeom>
+          <a:noFill/>
+          <a:ln/>
+        </p:spPr>
+        <p:txBody>
+          <a:bodyPr wrap="none" rtlCol="0" anchor="t"/>
+          <a:lstStyle/>
+          <a:p>
+            <a:pPr marL="0" indent="0" algn="ctr">
+              <a:lnSpc>
+                <a:spcPts val="3281"/>
+              </a:lnSpc>
+              <a:buNone/>
+            </a:pPr>
+            <a:r>
+              <a:rPr lang="en-US" sz="2624" dirty="0">
+                <a:solidFill>
+                  <a:srgbClr val="5955EB"/>
+                </a:solidFill>
+                <a:latin typeface="경기천년제목 Light" panose="02020403020101020101" pitchFamily="18" charset="-127"/>
+              </a:rPr>
+              <a:t>2</a:t>
+            </a:r>
+            <a:endParaRPr lang="en-US" sz="2624" dirty="0"/>
+          </a:p>
+        </p:txBody>
+      </p:sp>
+      <p:sp>
+        <p:nvSpPr>
+          <p:cNvPr id="15" name="Text 13"/>
+          <p:cNvSpPr/>
+          <p:nvPr/>
+        </p:nvSpPr>
+        <p:spPr>
+          <a:xfrm>
+            <a:off x="7104718" y="2066014"/>
+            <a:ext cx="2777490" cy="347186"/>
+          </a:xfrm>
+          <a:prstGeom prst="rect">
+            <a:avLst/>
+          </a:prstGeom>
+          <a:noFill/>
+          <a:ln/>
+        </p:spPr>
+        <p:txBody>
+          <a:bodyPr wrap="none" rtlCol="0" anchor="t"/>
+          <a:lstStyle/>
+          <a:p>
+            <a:pPr marL="0" indent="0">
+              <a:lnSpc>
+                <a:spcPts val="2734"/>
+              </a:lnSpc>
+              <a:buNone/>
+            </a:pPr>
+            <a:r>
+              <a:rPr lang="ko-KR" altLang="en-US" sz="2187" dirty="0" err="1"/>
+              <a:t>침뱉기</a:t>
+            </a:r>
+            <a:endParaRPr lang="en-US" sz="2187" dirty="0"/>
+          </a:p>
+        </p:txBody>
+      </p:sp>
+      <p:sp>
+        <p:nvSpPr>
+          <p:cNvPr id="16" name="Text 14"/>
+          <p:cNvSpPr/>
+          <p:nvPr/>
+        </p:nvSpPr>
+        <p:spPr>
+          <a:xfrm>
+            <a:off x="7104718" y="2546432"/>
+            <a:ext cx="4444008" cy="710803"/>
+          </a:xfrm>
+          <a:prstGeom prst="rect">
+            <a:avLst/>
+          </a:prstGeom>
+          <a:noFill/>
+          <a:ln/>
+        </p:spPr>
+        <p:txBody>
+          <a:bodyPr wrap="square" rtlCol="0" anchor="t"/>
+          <a:lstStyle/>
           <a:p>
             <a:pPr marL="0" indent="0">
               <a:lnSpc>
@@ -15701,7 +17842,78 @@
               </a:lnSpc>
               <a:buNone/>
             </a:pPr>
-            <a:endParaRPr lang="en-US" altLang="ko-KR" sz="1400" dirty="0">
+            <a:r>
+              <a:rPr lang="ko-KR" altLang="en-US" sz="1750" dirty="0">
+                <a:solidFill>
+                  <a:srgbClr val="49495A"/>
+                </a:solidFill>
+                <a:latin typeface="Open Sans" pitchFamily="34" charset="0"/>
+                <a:ea typeface="Open Sans" pitchFamily="34" charset="-122"/>
+                <a:cs typeface="Open Sans" pitchFamily="34" charset="-120"/>
+              </a:rPr>
+              <a:t>플레이어를 향해 원거리 공격</a:t>
+            </a:r>
+            <a:r>
+              <a:rPr lang="en-US" altLang="ko-KR" sz="1750" dirty="0">
+                <a:solidFill>
+                  <a:srgbClr val="49495A"/>
+                </a:solidFill>
+                <a:latin typeface="Open Sans" pitchFamily="34" charset="0"/>
+                <a:ea typeface="Open Sans" pitchFamily="34" charset="-122"/>
+                <a:cs typeface="Open Sans" pitchFamily="34" charset="-120"/>
+              </a:rPr>
+              <a:t>, </a:t>
+            </a:r>
+          </a:p>
+          <a:p>
+            <a:pPr marL="0" indent="0">
+              <a:lnSpc>
+                <a:spcPts val="2799"/>
+              </a:lnSpc>
+              <a:buNone/>
+            </a:pPr>
+            <a:r>
+              <a:rPr lang="ko-KR" altLang="en-US" sz="1750" dirty="0">
+                <a:solidFill>
+                  <a:srgbClr val="49495A"/>
+                </a:solidFill>
+                <a:latin typeface="Open Sans" pitchFamily="34" charset="0"/>
+                <a:ea typeface="Open Sans" pitchFamily="34" charset="-122"/>
+                <a:cs typeface="Open Sans" pitchFamily="34" charset="-120"/>
+              </a:rPr>
+              <a:t>공격 발동 시 확인한 플레이어의 좌표에 연속해서 </a:t>
+            </a:r>
+            <a:r>
+              <a:rPr lang="en-US" altLang="ko-KR" sz="1750" dirty="0">
+                <a:solidFill>
+                  <a:srgbClr val="49495A"/>
+                </a:solidFill>
+                <a:latin typeface="Open Sans" pitchFamily="34" charset="0"/>
+                <a:ea typeface="Open Sans" pitchFamily="34" charset="-122"/>
+                <a:cs typeface="Open Sans" pitchFamily="34" charset="-120"/>
+              </a:rPr>
+              <a:t>3</a:t>
+            </a:r>
+            <a:r>
+              <a:rPr lang="ko-KR" altLang="en-US" sz="1750" dirty="0">
+                <a:solidFill>
+                  <a:srgbClr val="49495A"/>
+                </a:solidFill>
+                <a:latin typeface="Open Sans" pitchFamily="34" charset="0"/>
+                <a:ea typeface="Open Sans" pitchFamily="34" charset="-122"/>
+                <a:cs typeface="Open Sans" pitchFamily="34" charset="-120"/>
+              </a:rPr>
+              <a:t>번의 침을 발사 </a:t>
+            </a:r>
+          </a:p>
+          <a:p>
+            <a:pPr marL="0" indent="0">
+              <a:lnSpc>
+                <a:spcPts val="2799"/>
+              </a:lnSpc>
+              <a:buNone/>
+            </a:pPr>
+            <a:endParaRPr lang="ko-KR" altLang="en-US" sz="1750" dirty="0">
               <a:solidFill>
                 <a:srgbClr val="49495A"/>
               </a:solidFill>
@@ -15718,170 +17930,26 @@
               <a:buNone/>
             </a:pPr>
             <a:r>
-              <a:rPr lang="ko-KR" altLang="en-US" sz="1400" dirty="0">
-                <a:solidFill>
-                  <a:srgbClr val="49495A"/>
-                </a:solidFill>
-                <a:latin typeface="Open Sans" pitchFamily="34" charset="0"/>
-                <a:ea typeface="Open Sans" pitchFamily="34" charset="-122"/>
-                <a:cs typeface="Open Sans" pitchFamily="34" charset="-120"/>
-              </a:rPr>
-              <a:t>보스를 둘러싸고 있는 펜스에 닿으면 탄환은 삭제</a:t>
-            </a:r>
-            <a:endParaRPr lang="en-US" sz="1400" dirty="0"/>
-          </a:p>
-        </p:txBody>
-      </p:sp>
-      <p:sp>
-        <p:nvSpPr>
-          <p:cNvPr id="13" name="Shape 11"/>
-          <p:cNvSpPr/>
-          <p:nvPr/>
-        </p:nvSpPr>
-        <p:spPr>
-          <a:xfrm>
-            <a:off x="1016338" y="4972366"/>
-            <a:ext cx="499943" cy="499943"/>
-          </a:xfrm>
-          <a:prstGeom prst="roundRect">
-            <a:avLst>
-              <a:gd name="adj" fmla="val 26667"/>
-            </a:avLst>
-          </a:prstGeom>
-          <a:solidFill>
-            <a:srgbClr val="DED6FF"/>
-          </a:solidFill>
-          <a:ln/>
-        </p:spPr>
-        <p:txBody>
-          <a:bodyPr/>
-          <a:lstStyle/>
-          <a:p>
-            <a:endParaRPr lang="ko-KR" altLang="en-US"/>
-          </a:p>
-        </p:txBody>
-      </p:sp>
-      <p:sp>
-        <p:nvSpPr>
-          <p:cNvPr id="14" name="Text 12"/>
-          <p:cNvSpPr/>
-          <p:nvPr/>
-        </p:nvSpPr>
-        <p:spPr>
-          <a:xfrm>
-            <a:off x="1163618" y="5014038"/>
-            <a:ext cx="205383" cy="416481"/>
-          </a:xfrm>
-          <a:prstGeom prst="rect">
-            <a:avLst/>
-          </a:prstGeom>
-          <a:noFill/>
-          <a:ln/>
-        </p:spPr>
-        <p:txBody>
-          <a:bodyPr wrap="none" rtlCol="0" anchor="t"/>
-          <a:lstStyle/>
-          <a:p>
-            <a:pPr marL="0" indent="0" algn="ctr">
-              <a:lnSpc>
-                <a:spcPts val="3281"/>
-              </a:lnSpc>
-              <a:buNone/>
-            </a:pPr>
-            <a:r>
-              <a:rPr lang="en-US" sz="2624" dirty="0">
-                <a:solidFill>
-                  <a:srgbClr val="5955EB"/>
-                </a:solidFill>
-                <a:latin typeface="경기천년제목 Light" panose="02020403020101020101" pitchFamily="18" charset="-127"/>
-                <a:ea typeface="경기천년제목 Light" panose="02020403020101020101" pitchFamily="18" charset="-127"/>
-                <a:cs typeface="Libre Baskerville" pitchFamily="34" charset="-120"/>
-              </a:rPr>
-              <a:t>3</a:t>
-            </a:r>
-            <a:endParaRPr lang="en-US" sz="2624" dirty="0"/>
-          </a:p>
-        </p:txBody>
-      </p:sp>
-      <p:sp>
-        <p:nvSpPr>
-          <p:cNvPr id="15" name="Text 13"/>
-          <p:cNvSpPr/>
-          <p:nvPr/>
-        </p:nvSpPr>
-        <p:spPr>
-          <a:xfrm>
-            <a:off x="1738452" y="5048685"/>
-            <a:ext cx="2777490" cy="347186"/>
-          </a:xfrm>
-          <a:prstGeom prst="rect">
-            <a:avLst/>
-          </a:prstGeom>
-          <a:noFill/>
-          <a:ln/>
-        </p:spPr>
-        <p:txBody>
-          <a:bodyPr wrap="none" rtlCol="0" anchor="t"/>
-          <a:lstStyle/>
-          <a:p>
-            <a:pPr marL="0" indent="0">
-              <a:lnSpc>
-                <a:spcPts val="2734"/>
-              </a:lnSpc>
-              <a:buNone/>
-            </a:pPr>
-            <a:r>
-              <a:rPr lang="en-US" sz="2187" dirty="0">
-                <a:solidFill>
-                  <a:srgbClr val="5955EB"/>
-                </a:solidFill>
-                <a:latin typeface="경기천년제목 Light" panose="02020403020101020101" pitchFamily="18" charset="-127"/>
-                <a:ea typeface="경기천년제목 Light" panose="02020403020101020101" pitchFamily="18" charset="-127"/>
-                <a:cs typeface="Libre Baskerville" pitchFamily="34" charset="-120"/>
-              </a:rPr>
-              <a:t>미끄러짐 공격</a:t>
-            </a:r>
-            <a:endParaRPr lang="en-US" sz="2187" dirty="0"/>
-          </a:p>
-        </p:txBody>
-      </p:sp>
-      <p:sp>
-        <p:nvSpPr>
-          <p:cNvPr id="16" name="Text 14"/>
-          <p:cNvSpPr/>
-          <p:nvPr/>
-        </p:nvSpPr>
-        <p:spPr>
-          <a:xfrm>
-            <a:off x="1738452" y="5529103"/>
-            <a:ext cx="4444008" cy="710803"/>
-          </a:xfrm>
-          <a:prstGeom prst="rect">
-            <a:avLst/>
-          </a:prstGeom>
-          <a:noFill/>
-          <a:ln/>
-        </p:spPr>
-        <p:txBody>
-          <a:bodyPr wrap="square" rtlCol="0" anchor="t"/>
-          <a:lstStyle/>
-          <a:p>
-            <a:pPr marL="0" indent="0">
-              <a:lnSpc>
-                <a:spcPts val="2799"/>
-              </a:lnSpc>
-              <a:buNone/>
-            </a:pPr>
-            <a:r>
-              <a:rPr lang="en-US" sz="1750" dirty="0">
-                <a:solidFill>
-                  <a:srgbClr val="49495A"/>
-                </a:solidFill>
-                <a:latin typeface="Open Sans" pitchFamily="34" charset="0"/>
-                <a:ea typeface="Open Sans" pitchFamily="34" charset="-122"/>
-                <a:cs typeface="Open Sans" pitchFamily="34" charset="-120"/>
-              </a:rPr>
-              <a:t>바닥을 미끄러지듯이 이동하면서 플레이어를 공격하는 기술을 사용합니다.</a:t>
+              <a:rPr lang="ko-KR" altLang="en-US" sz="1750" dirty="0">
+                <a:solidFill>
+                  <a:srgbClr val="49495A"/>
+                </a:solidFill>
+                <a:latin typeface="Open Sans" pitchFamily="34" charset="0"/>
+                <a:ea typeface="Open Sans" pitchFamily="34" charset="-122"/>
+                <a:cs typeface="Open Sans" pitchFamily="34" charset="-120"/>
+              </a:rPr>
+              <a:t>각 침은 장판을 형성해 플레이어의 진로를 방해한다</a:t>
+            </a:r>
+            <a:r>
+              <a:rPr lang="en-US" altLang="ko-KR" sz="1750" dirty="0">
+                <a:solidFill>
+                  <a:srgbClr val="49495A"/>
+                </a:solidFill>
+                <a:latin typeface="Open Sans" pitchFamily="34" charset="0"/>
+                <a:ea typeface="Open Sans" pitchFamily="34" charset="-122"/>
+                <a:cs typeface="Open Sans" pitchFamily="34" charset="-120"/>
+              </a:rPr>
+              <a:t>.</a:t>
             </a:r>
             <a:endParaRPr lang="en-US" sz="1750" dirty="0"/>
           </a:p>
@@ -15901,7 +17969,7 @@
         </p:nvSpPr>
         <p:spPr>
           <a:xfrm>
-            <a:off x="11673840" y="320040"/>
+            <a:off x="11536680" y="5169932"/>
             <a:ext cx="2674620" cy="2705100"/>
           </a:xfrm>
           <a:prstGeom prst="roundRect">
@@ -15929,14 +17997,72 @@
           <a:lstStyle/>
           <a:p>
             <a:pPr algn="ctr"/>
-            <a:endParaRPr lang="ko-KR" altLang="en-US"/>
-          </a:p>
-        </p:txBody>
-      </p:sp>
+            <a:r>
+              <a:rPr lang="ko-KR" altLang="en-US" dirty="0"/>
+              <a:t> 몬 </a:t>
+            </a:r>
+            <a:r>
+              <a:rPr lang="ko-KR" altLang="en-US" dirty="0" err="1"/>
+              <a:t>스</a:t>
+            </a:r>
+            <a:r>
+              <a:rPr lang="ko-KR" altLang="en-US" dirty="0"/>
+              <a:t> 터 사 진</a:t>
+            </a:r>
+          </a:p>
+        </p:txBody>
+      </p:sp>
+      <p:pic>
+        <p:nvPicPr>
+          <p:cNvPr id="1026" name="Picture 2">
+            <a:extLst>
+              <a:ext uri="{FF2B5EF4-FFF2-40B4-BE49-F238E27FC236}">
+                <a16:creationId xmlns:a16="http://schemas.microsoft.com/office/drawing/2014/main" id="{C28BABEE-6308-2D7D-C942-955DDF5AAB38}"/>
+              </a:ext>
+            </a:extLst>
+          </p:cNvPr>
+          <p:cNvPicPr>
+            <a:picLocks noChangeAspect="1" noChangeArrowheads="1"/>
+          </p:cNvPicPr>
+          <p:nvPr/>
+        </p:nvPicPr>
+        <p:blipFill>
+          <a:blip r:embed="rId3">
+            <a:extLst>
+              <a:ext uri="{28A0092B-C50C-407E-A947-70E740481C1C}">
+                <a14:useLocalDpi xmlns:a14="http://schemas.microsoft.com/office/drawing/2010/main" val="0"/>
+              </a:ext>
+            </a:extLst>
+          </a:blip>
+          <a:srcRect/>
+          <a:stretch>
+            <a:fillRect/>
+          </a:stretch>
+        </p:blipFill>
+        <p:spPr bwMode="auto">
+          <a:xfrm>
+            <a:off x="1460322" y="5169932"/>
+            <a:ext cx="3172638" cy="2511109"/>
+          </a:xfrm>
+          <a:prstGeom prst="rect">
+            <a:avLst/>
+          </a:prstGeom>
+          <a:noFill/>
+          <a:extLst>
+            <a:ext uri="{909E8E84-426E-40DD-AFC4-6F175D3DCCD1}">
+              <a14:hiddenFill xmlns:a14="http://schemas.microsoft.com/office/drawing/2010/main">
+                <a:solidFill>
+                  <a:srgbClr val="FFFFFF"/>
+                </a:solidFill>
+              </a14:hiddenFill>
+            </a:ext>
+          </a:extLst>
+        </p:spPr>
+      </p:pic>
     </p:spTree>
     <p:extLst>
       <p:ext uri="{BB962C8B-B14F-4D97-AF65-F5344CB8AC3E}">
-        <p14:creationId xmlns:p14="http://schemas.microsoft.com/office/powerpoint/2010/main" val="4235342628"/>
+        <p14:creationId xmlns:p14="http://schemas.microsoft.com/office/powerpoint/2010/main" val="2178450834"/>
       </p:ext>
     </p:extLst>
   </p:cSld>

--- a/contents/동물서바이벌/보스 컨셉_패턴용.pptx
+++ b/contents/동물서바이벌/보스 컨셉_패턴용.pptx
@@ -2715,6 +2715,14 @@
               <a:t>, </a:t>
             </a:r>
             <a:r>
+              <a:rPr lang="ko-KR" altLang="en-US" sz="2187" dirty="0" err="1"/>
+              <a:t>디버프</a:t>
+            </a:r>
+            <a:r>
+              <a:rPr lang="en-US" altLang="ko-KR" sz="2187" dirty="0"/>
+              <a:t>, </a:t>
+            </a:r>
+            <a:r>
               <a:rPr lang="ko-KR" altLang="en-US" sz="2187" dirty="0"/>
               <a:t>공격 탄막 속도</a:t>
             </a:r>
@@ -2764,6 +2772,14 @@
             <a:r>
               <a:rPr lang="ko-KR" altLang="en-US" sz="2187" dirty="0"/>
               <a:t>공격 속도</a:t>
+            </a:r>
+            <a:r>
+              <a:rPr lang="en-US" altLang="ko-KR" sz="2187" dirty="0"/>
+              <a:t>, </a:t>
+            </a:r>
+            <a:r>
+              <a:rPr lang="ko-KR" altLang="en-US" sz="2187" dirty="0" err="1"/>
+              <a:t>디버프</a:t>
             </a:r>
             <a:r>
               <a:rPr lang="en-US" altLang="ko-KR" sz="2187" dirty="0"/>
@@ -2911,6 +2927,183 @@
               <a:buNone/>
             </a:pPr>
             <a:endParaRPr lang="en-US" sz="2187" dirty="0"/>
+          </a:p>
+        </p:txBody>
+      </p:sp>
+      <p:sp>
+        <p:nvSpPr>
+          <p:cNvPr id="2" name="Shape 11">
+            <a:extLst>
+              <a:ext uri="{FF2B5EF4-FFF2-40B4-BE49-F238E27FC236}">
+                <a16:creationId xmlns:a16="http://schemas.microsoft.com/office/drawing/2014/main" id="{772F650D-3CBD-6DB9-095C-48EAEA26D7DE}"/>
+              </a:ext>
+            </a:extLst>
+          </p:cNvPr>
+          <p:cNvSpPr/>
+          <p:nvPr/>
+        </p:nvSpPr>
+        <p:spPr>
+          <a:xfrm>
+            <a:off x="1057126" y="6613877"/>
+            <a:ext cx="499943" cy="499943"/>
+          </a:xfrm>
+          <a:prstGeom prst="roundRect">
+            <a:avLst>
+              <a:gd name="adj" fmla="val 26667"/>
+            </a:avLst>
+          </a:prstGeom>
+          <a:solidFill>
+            <a:srgbClr val="DED6FF"/>
+          </a:solidFill>
+          <a:ln/>
+        </p:spPr>
+        <p:txBody>
+          <a:bodyPr/>
+          <a:lstStyle/>
+          <a:p>
+            <a:endParaRPr lang="ko-KR" altLang="en-US"/>
+          </a:p>
+        </p:txBody>
+      </p:sp>
+      <p:sp>
+        <p:nvSpPr>
+          <p:cNvPr id="3" name="Text 12">
+            <a:extLst>
+              <a:ext uri="{FF2B5EF4-FFF2-40B4-BE49-F238E27FC236}">
+                <a16:creationId xmlns:a16="http://schemas.microsoft.com/office/drawing/2014/main" id="{8BE2BADD-E91F-4745-7F32-0401E92DDFBB}"/>
+              </a:ext>
+            </a:extLst>
+          </p:cNvPr>
+          <p:cNvSpPr/>
+          <p:nvPr/>
+        </p:nvSpPr>
+        <p:spPr>
+          <a:xfrm>
+            <a:off x="1204406" y="6655549"/>
+            <a:ext cx="205383" cy="416481"/>
+          </a:xfrm>
+          <a:prstGeom prst="rect">
+            <a:avLst/>
+          </a:prstGeom>
+          <a:noFill/>
+          <a:ln/>
+        </p:spPr>
+        <p:txBody>
+          <a:bodyPr wrap="none" rtlCol="0" anchor="t"/>
+          <a:lstStyle/>
+          <a:p>
+            <a:pPr marL="0" indent="0" algn="ctr">
+              <a:lnSpc>
+                <a:spcPts val="3281"/>
+              </a:lnSpc>
+              <a:buNone/>
+            </a:pPr>
+            <a:r>
+              <a:rPr lang="en-US" sz="2624" dirty="0">
+                <a:solidFill>
+                  <a:srgbClr val="5955EB"/>
+                </a:solidFill>
+              </a:rPr>
+              <a:t>3</a:t>
+            </a:r>
+            <a:endParaRPr lang="en-US" sz="2624" dirty="0"/>
+          </a:p>
+        </p:txBody>
+      </p:sp>
+      <p:sp>
+        <p:nvSpPr>
+          <p:cNvPr id="8" name="Text 13">
+            <a:extLst>
+              <a:ext uri="{FF2B5EF4-FFF2-40B4-BE49-F238E27FC236}">
+                <a16:creationId xmlns:a16="http://schemas.microsoft.com/office/drawing/2014/main" id="{1ECCB701-0693-FD55-4EC3-5F06297B85DE}"/>
+              </a:ext>
+            </a:extLst>
+          </p:cNvPr>
+          <p:cNvSpPr/>
+          <p:nvPr/>
+        </p:nvSpPr>
+        <p:spPr>
+          <a:xfrm>
+            <a:off x="1779240" y="6690196"/>
+            <a:ext cx="9531490" cy="1578034"/>
+          </a:xfrm>
+          <a:prstGeom prst="rect">
+            <a:avLst/>
+          </a:prstGeom>
+          <a:noFill/>
+          <a:ln/>
+        </p:spPr>
+        <p:txBody>
+          <a:bodyPr wrap="none" rtlCol="0" anchor="t"/>
+          <a:lstStyle/>
+          <a:p>
+            <a:pPr marL="0" indent="0">
+              <a:lnSpc>
+                <a:spcPts val="2734"/>
+              </a:lnSpc>
+              <a:buNone/>
+            </a:pPr>
+            <a:r>
+              <a:rPr lang="ko-KR" altLang="en-US" sz="2187" dirty="0" err="1"/>
+              <a:t>디버프</a:t>
+            </a:r>
+            <a:r>
+              <a:rPr lang="en-US" altLang="ko-KR" sz="2187" dirty="0"/>
+              <a:t>:</a:t>
+            </a:r>
+          </a:p>
+          <a:p>
+            <a:pPr marL="0" indent="0">
+              <a:lnSpc>
+                <a:spcPts val="2734"/>
+              </a:lnSpc>
+              <a:buNone/>
+            </a:pPr>
+            <a:r>
+              <a:rPr lang="ko-KR" altLang="en-US" sz="2187" dirty="0"/>
+              <a:t>이동속도 감소</a:t>
+            </a:r>
+            <a:r>
+              <a:rPr lang="en-US" altLang="ko-KR" sz="2187" dirty="0"/>
+              <a:t>, </a:t>
+            </a:r>
+            <a:r>
+              <a:rPr lang="ko-KR" altLang="en-US" sz="2187" dirty="0"/>
+              <a:t>지속 데미지</a:t>
+            </a:r>
+            <a:r>
+              <a:rPr lang="en-US" altLang="ko-KR" sz="2187" dirty="0"/>
+              <a:t>(</a:t>
+            </a:r>
+            <a:r>
+              <a:rPr lang="ko-KR" altLang="en-US" sz="2187" dirty="0"/>
+              <a:t>독</a:t>
+            </a:r>
+            <a:r>
+              <a:rPr lang="en-US" altLang="ko-KR" sz="2187" dirty="0"/>
+              <a:t>, </a:t>
+            </a:r>
+            <a:r>
+              <a:rPr lang="ko-KR" altLang="en-US" sz="2187" dirty="0"/>
+              <a:t>불 등</a:t>
+            </a:r>
+            <a:r>
+              <a:rPr lang="en-US" altLang="ko-KR" sz="2187" dirty="0"/>
+              <a:t>), </a:t>
+            </a:r>
+            <a:r>
+              <a:rPr lang="ko-KR" altLang="en-US" sz="2187" dirty="0"/>
+              <a:t>공격력 감소</a:t>
+            </a:r>
+            <a:r>
+              <a:rPr lang="en-US" altLang="ko-KR" sz="2187" dirty="0"/>
+              <a:t>, </a:t>
+            </a:r>
+            <a:r>
+              <a:rPr lang="ko-KR" altLang="en-US" sz="2187" dirty="0"/>
+              <a:t>공격속도 감소</a:t>
+            </a:r>
+            <a:endParaRPr lang="en-US" altLang="ko-KR" sz="2187" dirty="0"/>
           </a:p>
         </p:txBody>
       </p:sp>
@@ -3161,8 +3354,8 @@
                 <a:solidFill>
                   <a:srgbClr val="49495A"/>
                 </a:solidFill>
-                <a:latin typeface="Open Sans" pitchFamily="34" charset="0"/>
-                <a:ea typeface="Open Sans" pitchFamily="34" charset="-122"/>
+                <a:latin typeface="맑은 고딕" panose="020B0503020000020004" pitchFamily="50" charset="-127"/>
+                <a:ea typeface="맑은 고딕" panose="020B0503020000020004" pitchFamily="50" charset="-127"/>
                 <a:cs typeface="Open Sans" pitchFamily="34" charset="-120"/>
               </a:rPr>
               <a:t>플레이어를 향해 원거리 공격</a:t>
@@ -3172,8 +3365,8 @@
                 <a:solidFill>
                   <a:srgbClr val="49495A"/>
                 </a:solidFill>
-                <a:latin typeface="Open Sans" pitchFamily="34" charset="0"/>
-                <a:ea typeface="Open Sans" pitchFamily="34" charset="-122"/>
+                <a:latin typeface="맑은 고딕" panose="020B0503020000020004" pitchFamily="50" charset="-127"/>
+                <a:ea typeface="맑은 고딕" panose="020B0503020000020004" pitchFamily="50" charset="-127"/>
                 <a:cs typeface="Open Sans" pitchFamily="34" charset="-120"/>
               </a:rPr>
               <a:t>, </a:t>
@@ -3191,8 +3384,8 @@
                 <a:solidFill>
                   <a:srgbClr val="49495A"/>
                 </a:solidFill>
-                <a:latin typeface="Open Sans" pitchFamily="34" charset="0"/>
-                <a:ea typeface="Open Sans" pitchFamily="34" charset="-122"/>
+                <a:latin typeface="맑은 고딕" panose="020B0503020000020004" pitchFamily="50" charset="-127"/>
+                <a:ea typeface="맑은 고딕" panose="020B0503020000020004" pitchFamily="50" charset="-127"/>
                 <a:cs typeface="Open Sans" pitchFamily="34" charset="-120"/>
               </a:rPr>
               <a:t>플레이어를 향해 나아가는 </a:t>
@@ -3202,8 +3395,8 @@
                 <a:solidFill>
                   <a:srgbClr val="49495A"/>
                 </a:solidFill>
-                <a:latin typeface="Open Sans" pitchFamily="34" charset="0"/>
-                <a:ea typeface="Open Sans" pitchFamily="34" charset="-122"/>
+                <a:latin typeface="맑은 고딕" panose="020B0503020000020004" pitchFamily="50" charset="-127"/>
+                <a:ea typeface="맑은 고딕" panose="020B0503020000020004" pitchFamily="50" charset="-127"/>
                 <a:cs typeface="Open Sans" pitchFamily="34" charset="-120"/>
               </a:rPr>
               <a:t>3</a:t>
@@ -3213,8 +3406,8 @@
                 <a:solidFill>
                   <a:srgbClr val="49495A"/>
                 </a:solidFill>
-                <a:latin typeface="Open Sans" pitchFamily="34" charset="0"/>
-                <a:ea typeface="Open Sans" pitchFamily="34" charset="-122"/>
+                <a:latin typeface="맑은 고딕" panose="020B0503020000020004" pitchFamily="50" charset="-127"/>
+                <a:ea typeface="맑은 고딕" panose="020B0503020000020004" pitchFamily="50" charset="-127"/>
                 <a:cs typeface="Open Sans" pitchFamily="34" charset="-120"/>
               </a:rPr>
               <a:t>갈래의 탄환을 발사하며 연속으로 </a:t>
@@ -3224,8 +3417,8 @@
                 <a:solidFill>
                   <a:srgbClr val="49495A"/>
                 </a:solidFill>
-                <a:latin typeface="Open Sans" pitchFamily="34" charset="0"/>
-                <a:ea typeface="Open Sans" pitchFamily="34" charset="-122"/>
+                <a:latin typeface="맑은 고딕" panose="020B0503020000020004" pitchFamily="50" charset="-127"/>
+                <a:ea typeface="맑은 고딕" panose="020B0503020000020004" pitchFamily="50" charset="-127"/>
                 <a:cs typeface="Open Sans" pitchFamily="34" charset="-120"/>
               </a:rPr>
               <a:t>3</a:t>
@@ -3235,8 +3428,8 @@
                 <a:solidFill>
                   <a:srgbClr val="49495A"/>
                 </a:solidFill>
-                <a:latin typeface="Open Sans" pitchFamily="34" charset="0"/>
-                <a:ea typeface="Open Sans" pitchFamily="34" charset="-122"/>
+                <a:latin typeface="맑은 고딕" panose="020B0503020000020004" pitchFamily="50" charset="-127"/>
+                <a:ea typeface="맑은 고딕" panose="020B0503020000020004" pitchFamily="50" charset="-127"/>
                 <a:cs typeface="Open Sans" pitchFamily="34" charset="-120"/>
               </a:rPr>
               <a:t>번 쏜다</a:t>
@@ -3246,8 +3439,8 @@
                 <a:solidFill>
                   <a:srgbClr val="49495A"/>
                 </a:solidFill>
-                <a:latin typeface="Open Sans" pitchFamily="34" charset="0"/>
-                <a:ea typeface="Open Sans" pitchFamily="34" charset="-122"/>
+                <a:latin typeface="맑은 고딕" panose="020B0503020000020004" pitchFamily="50" charset="-127"/>
+                <a:ea typeface="맑은 고딕" panose="020B0503020000020004" pitchFamily="50" charset="-127"/>
                 <a:cs typeface="Open Sans" pitchFamily="34" charset="-120"/>
               </a:rPr>
               <a:t>.</a:t>
@@ -3391,8 +3584,8 @@
                 <a:solidFill>
                   <a:srgbClr val="49495A"/>
                 </a:solidFill>
-                <a:latin typeface="Open Sans" pitchFamily="34" charset="0"/>
-                <a:ea typeface="Open Sans" pitchFamily="34" charset="-122"/>
+                <a:latin typeface="맑은 고딕" panose="020B0503020000020004" pitchFamily="50" charset="-127"/>
+                <a:ea typeface="맑은 고딕" panose="020B0503020000020004" pitchFamily="50" charset="-127"/>
                 <a:cs typeface="Open Sans" pitchFamily="34" charset="-120"/>
               </a:rPr>
               <a:t>플레이어를 향해 원거리 공격</a:t>
@@ -3402,8 +3595,8 @@
                 <a:solidFill>
                   <a:srgbClr val="49495A"/>
                 </a:solidFill>
-                <a:latin typeface="Open Sans" pitchFamily="34" charset="0"/>
-                <a:ea typeface="Open Sans" pitchFamily="34" charset="-122"/>
+                <a:latin typeface="맑은 고딕" panose="020B0503020000020004" pitchFamily="50" charset="-127"/>
+                <a:ea typeface="맑은 고딕" panose="020B0503020000020004" pitchFamily="50" charset="-127"/>
                 <a:cs typeface="Open Sans" pitchFamily="34" charset="-120"/>
               </a:rPr>
               <a:t>, </a:t>
@@ -3421,8 +3614,8 @@
                 <a:solidFill>
                   <a:srgbClr val="49495A"/>
                 </a:solidFill>
-                <a:latin typeface="Open Sans" pitchFamily="34" charset="0"/>
-                <a:ea typeface="Open Sans" pitchFamily="34" charset="-122"/>
+                <a:latin typeface="맑은 고딕" panose="020B0503020000020004" pitchFamily="50" charset="-127"/>
+                <a:ea typeface="맑은 고딕" panose="020B0503020000020004" pitchFamily="50" charset="-127"/>
                 <a:cs typeface="Open Sans" pitchFamily="34" charset="-120"/>
               </a:rPr>
               <a:t>공격 발동 시 확인한 플레이어의 좌표에 연속해서 </a:t>
@@ -3432,8 +3625,8 @@
                 <a:solidFill>
                   <a:srgbClr val="49495A"/>
                 </a:solidFill>
-                <a:latin typeface="Open Sans" pitchFamily="34" charset="0"/>
-                <a:ea typeface="Open Sans" pitchFamily="34" charset="-122"/>
+                <a:latin typeface="맑은 고딕" panose="020B0503020000020004" pitchFamily="50" charset="-127"/>
+                <a:ea typeface="맑은 고딕" panose="020B0503020000020004" pitchFamily="50" charset="-127"/>
                 <a:cs typeface="Open Sans" pitchFamily="34" charset="-120"/>
               </a:rPr>
               <a:t>3</a:t>
@@ -3443,8 +3636,8 @@
                 <a:solidFill>
                   <a:srgbClr val="49495A"/>
                 </a:solidFill>
-                <a:latin typeface="Open Sans" pitchFamily="34" charset="0"/>
-                <a:ea typeface="Open Sans" pitchFamily="34" charset="-122"/>
+                <a:latin typeface="맑은 고딕" panose="020B0503020000020004" pitchFamily="50" charset="-127"/>
+                <a:ea typeface="맑은 고딕" panose="020B0503020000020004" pitchFamily="50" charset="-127"/>
                 <a:cs typeface="Open Sans" pitchFamily="34" charset="-120"/>
               </a:rPr>
               <a:t>번의 침을 발사 </a:t>
@@ -3461,8 +3654,8 @@
               <a:solidFill>
                 <a:srgbClr val="49495A"/>
               </a:solidFill>
-              <a:latin typeface="Open Sans" pitchFamily="34" charset="0"/>
-              <a:ea typeface="Open Sans" pitchFamily="34" charset="-122"/>
+              <a:latin typeface="맑은 고딕" panose="020B0503020000020004" pitchFamily="50" charset="-127"/>
+              <a:ea typeface="맑은 고딕" panose="020B0503020000020004" pitchFamily="50" charset="-127"/>
               <a:cs typeface="Open Sans" pitchFamily="34" charset="-120"/>
             </a:endParaRPr>
           </a:p>
@@ -3478,8 +3671,8 @@
                 <a:solidFill>
                   <a:srgbClr val="49495A"/>
                 </a:solidFill>
-                <a:latin typeface="Open Sans" pitchFamily="34" charset="0"/>
-                <a:ea typeface="Open Sans" pitchFamily="34" charset="-122"/>
+                <a:latin typeface="맑은 고딕" panose="020B0503020000020004" pitchFamily="50" charset="-127"/>
+                <a:ea typeface="맑은 고딕" panose="020B0503020000020004" pitchFamily="50" charset="-127"/>
                 <a:cs typeface="Open Sans" pitchFamily="34" charset="-120"/>
               </a:rPr>
               <a:t>각 침은 장판을 형성해 플레이어의 진로를 방해한다</a:t>
@@ -3489,8 +3682,8 @@
                 <a:solidFill>
                   <a:srgbClr val="49495A"/>
                 </a:solidFill>
-                <a:latin typeface="Open Sans" pitchFamily="34" charset="0"/>
-                <a:ea typeface="Open Sans" pitchFamily="34" charset="-122"/>
+                <a:latin typeface="맑은 고딕" panose="020B0503020000020004" pitchFamily="50" charset="-127"/>
+                <a:ea typeface="맑은 고딕" panose="020B0503020000020004" pitchFamily="50" charset="-127"/>
                 <a:cs typeface="Open Sans" pitchFamily="34" charset="-120"/>
               </a:rPr>
               <a:t>.</a:t>
@@ -3850,8 +4043,8 @@
                 <a:solidFill>
                   <a:srgbClr val="49495A"/>
                 </a:solidFill>
-                <a:latin typeface="Open Sans" pitchFamily="34" charset="0"/>
-                <a:ea typeface="Open Sans" pitchFamily="34" charset="-122"/>
+                <a:latin typeface="맑은 고딕" panose="020B0503020000020004" pitchFamily="50" charset="-127"/>
+                <a:ea typeface="맑은 고딕" panose="020B0503020000020004" pitchFamily="50" charset="-127"/>
                 <a:cs typeface="Open Sans" pitchFamily="34" charset="-120"/>
               </a:rPr>
               <a:t>플레이어를 향해 원거리 공격</a:t>
@@ -3861,8 +4054,8 @@
                 <a:solidFill>
                   <a:srgbClr val="49495A"/>
                 </a:solidFill>
-                <a:latin typeface="Open Sans" pitchFamily="34" charset="0"/>
-                <a:ea typeface="Open Sans" pitchFamily="34" charset="-122"/>
+                <a:latin typeface="맑은 고딕" panose="020B0503020000020004" pitchFamily="50" charset="-127"/>
+                <a:ea typeface="맑은 고딕" panose="020B0503020000020004" pitchFamily="50" charset="-127"/>
                 <a:cs typeface="Open Sans" pitchFamily="34" charset="-120"/>
               </a:rPr>
               <a:t>, </a:t>
@@ -3880,8 +4073,8 @@
                 <a:solidFill>
                   <a:srgbClr val="49495A"/>
                 </a:solidFill>
-                <a:latin typeface="Open Sans" pitchFamily="34" charset="0"/>
-                <a:ea typeface="Open Sans" pitchFamily="34" charset="-122"/>
+                <a:latin typeface="맑은 고딕" panose="020B0503020000020004" pitchFamily="50" charset="-127"/>
+                <a:ea typeface="맑은 고딕" panose="020B0503020000020004" pitchFamily="50" charset="-127"/>
                 <a:cs typeface="Open Sans" pitchFamily="34" charset="-120"/>
               </a:rPr>
               <a:t>플레이어를 향해 나아가는 </a:t>
@@ -3891,8 +4084,8 @@
                 <a:solidFill>
                   <a:srgbClr val="49495A"/>
                 </a:solidFill>
-                <a:latin typeface="Open Sans" pitchFamily="34" charset="0"/>
-                <a:ea typeface="Open Sans" pitchFamily="34" charset="-122"/>
+                <a:latin typeface="맑은 고딕" panose="020B0503020000020004" pitchFamily="50" charset="-127"/>
+                <a:ea typeface="맑은 고딕" panose="020B0503020000020004" pitchFamily="50" charset="-127"/>
                 <a:cs typeface="Open Sans" pitchFamily="34" charset="-120"/>
               </a:rPr>
               <a:t>3</a:t>
@@ -3902,8 +4095,8 @@
                 <a:solidFill>
                   <a:srgbClr val="49495A"/>
                 </a:solidFill>
-                <a:latin typeface="Open Sans" pitchFamily="34" charset="0"/>
-                <a:ea typeface="Open Sans" pitchFamily="34" charset="-122"/>
+                <a:latin typeface="맑은 고딕" panose="020B0503020000020004" pitchFamily="50" charset="-127"/>
+                <a:ea typeface="맑은 고딕" panose="020B0503020000020004" pitchFamily="50" charset="-127"/>
                 <a:cs typeface="Open Sans" pitchFamily="34" charset="-120"/>
               </a:rPr>
               <a:t>갈래의 탄환을 발사하며 연속으로 </a:t>
@@ -3913,8 +4106,8 @@
                 <a:solidFill>
                   <a:srgbClr val="49495A"/>
                 </a:solidFill>
-                <a:latin typeface="Open Sans" pitchFamily="34" charset="0"/>
-                <a:ea typeface="Open Sans" pitchFamily="34" charset="-122"/>
+                <a:latin typeface="맑은 고딕" panose="020B0503020000020004" pitchFamily="50" charset="-127"/>
+                <a:ea typeface="맑은 고딕" panose="020B0503020000020004" pitchFamily="50" charset="-127"/>
                 <a:cs typeface="Open Sans" pitchFamily="34" charset="-120"/>
               </a:rPr>
               <a:t>3</a:t>
@@ -3924,8 +4117,8 @@
                 <a:solidFill>
                   <a:srgbClr val="49495A"/>
                 </a:solidFill>
-                <a:latin typeface="Open Sans" pitchFamily="34" charset="0"/>
-                <a:ea typeface="Open Sans" pitchFamily="34" charset="-122"/>
+                <a:latin typeface="맑은 고딕" panose="020B0503020000020004" pitchFamily="50" charset="-127"/>
+                <a:ea typeface="맑은 고딕" panose="020B0503020000020004" pitchFamily="50" charset="-127"/>
                 <a:cs typeface="Open Sans" pitchFamily="34" charset="-120"/>
               </a:rPr>
               <a:t>번 쏜다</a:t>
@@ -3935,8 +4128,8 @@
                 <a:solidFill>
                   <a:srgbClr val="49495A"/>
                 </a:solidFill>
-                <a:latin typeface="Open Sans" pitchFamily="34" charset="0"/>
-                <a:ea typeface="Open Sans" pitchFamily="34" charset="-122"/>
+                <a:latin typeface="맑은 고딕" panose="020B0503020000020004" pitchFamily="50" charset="-127"/>
+                <a:ea typeface="맑은 고딕" panose="020B0503020000020004" pitchFamily="50" charset="-127"/>
                 <a:cs typeface="Open Sans" pitchFamily="34" charset="-120"/>
               </a:rPr>
               <a:t>.</a:t>
@@ -4080,8 +4273,8 @@
                 <a:solidFill>
                   <a:srgbClr val="49495A"/>
                 </a:solidFill>
-                <a:latin typeface="Open Sans" pitchFamily="34" charset="0"/>
-                <a:ea typeface="Open Sans" pitchFamily="34" charset="-122"/>
+                <a:latin typeface="맑은 고딕" panose="020B0503020000020004" pitchFamily="50" charset="-127"/>
+                <a:ea typeface="맑은 고딕" panose="020B0503020000020004" pitchFamily="50" charset="-127"/>
                 <a:cs typeface="Open Sans" pitchFamily="34" charset="-120"/>
               </a:rPr>
               <a:t>플레이어를 향해 원거리 공격</a:t>
@@ -4091,8 +4284,8 @@
                 <a:solidFill>
                   <a:srgbClr val="49495A"/>
                 </a:solidFill>
-                <a:latin typeface="Open Sans" pitchFamily="34" charset="0"/>
-                <a:ea typeface="Open Sans" pitchFamily="34" charset="-122"/>
+                <a:latin typeface="맑은 고딕" panose="020B0503020000020004" pitchFamily="50" charset="-127"/>
+                <a:ea typeface="맑은 고딕" panose="020B0503020000020004" pitchFamily="50" charset="-127"/>
                 <a:cs typeface="Open Sans" pitchFamily="34" charset="-120"/>
               </a:rPr>
               <a:t>, </a:t>
@@ -4110,8 +4303,8 @@
                 <a:solidFill>
                   <a:srgbClr val="49495A"/>
                 </a:solidFill>
-                <a:latin typeface="Open Sans" pitchFamily="34" charset="0"/>
-                <a:ea typeface="Open Sans" pitchFamily="34" charset="-122"/>
+                <a:latin typeface="맑은 고딕" panose="020B0503020000020004" pitchFamily="50" charset="-127"/>
+                <a:ea typeface="맑은 고딕" panose="020B0503020000020004" pitchFamily="50" charset="-127"/>
                 <a:cs typeface="Open Sans" pitchFamily="34" charset="-120"/>
               </a:rPr>
               <a:t>공격 발동 시 확인한 플레이어의 좌표에 연속해서 </a:t>
@@ -4121,8 +4314,8 @@
                 <a:solidFill>
                   <a:srgbClr val="49495A"/>
                 </a:solidFill>
-                <a:latin typeface="Open Sans" pitchFamily="34" charset="0"/>
-                <a:ea typeface="Open Sans" pitchFamily="34" charset="-122"/>
+                <a:latin typeface="맑은 고딕" panose="020B0503020000020004" pitchFamily="50" charset="-127"/>
+                <a:ea typeface="맑은 고딕" panose="020B0503020000020004" pitchFamily="50" charset="-127"/>
                 <a:cs typeface="Open Sans" pitchFamily="34" charset="-120"/>
               </a:rPr>
               <a:t>3</a:t>
@@ -4132,8 +4325,8 @@
                 <a:solidFill>
                   <a:srgbClr val="49495A"/>
                 </a:solidFill>
-                <a:latin typeface="Open Sans" pitchFamily="34" charset="0"/>
-                <a:ea typeface="Open Sans" pitchFamily="34" charset="-122"/>
+                <a:latin typeface="맑은 고딕" panose="020B0503020000020004" pitchFamily="50" charset="-127"/>
+                <a:ea typeface="맑은 고딕" panose="020B0503020000020004" pitchFamily="50" charset="-127"/>
                 <a:cs typeface="Open Sans" pitchFamily="34" charset="-120"/>
               </a:rPr>
               <a:t>번의 침을 발사 </a:t>
@@ -4150,8 +4343,8 @@
               <a:solidFill>
                 <a:srgbClr val="49495A"/>
               </a:solidFill>
-              <a:latin typeface="Open Sans" pitchFamily="34" charset="0"/>
-              <a:ea typeface="Open Sans" pitchFamily="34" charset="-122"/>
+              <a:latin typeface="맑은 고딕" panose="020B0503020000020004" pitchFamily="50" charset="-127"/>
+              <a:ea typeface="맑은 고딕" panose="020B0503020000020004" pitchFamily="50" charset="-127"/>
               <a:cs typeface="Open Sans" pitchFamily="34" charset="-120"/>
             </a:endParaRPr>
           </a:p>
@@ -4167,8 +4360,8 @@
                 <a:solidFill>
                   <a:srgbClr val="49495A"/>
                 </a:solidFill>
-                <a:latin typeface="Open Sans" pitchFamily="34" charset="0"/>
-                <a:ea typeface="Open Sans" pitchFamily="34" charset="-122"/>
+                <a:latin typeface="맑은 고딕" panose="020B0503020000020004" pitchFamily="50" charset="-127"/>
+                <a:ea typeface="맑은 고딕" panose="020B0503020000020004" pitchFamily="50" charset="-127"/>
                 <a:cs typeface="Open Sans" pitchFamily="34" charset="-120"/>
               </a:rPr>
               <a:t>각 침은 장판을 형성해 플레이어의 진로를 방해한다</a:t>
@@ -4178,8 +4371,8 @@
                 <a:solidFill>
                   <a:srgbClr val="49495A"/>
                 </a:solidFill>
-                <a:latin typeface="Open Sans" pitchFamily="34" charset="0"/>
-                <a:ea typeface="Open Sans" pitchFamily="34" charset="-122"/>
+                <a:latin typeface="맑은 고딕" panose="020B0503020000020004" pitchFamily="50" charset="-127"/>
+                <a:ea typeface="맑은 고딕" panose="020B0503020000020004" pitchFamily="50" charset="-127"/>
                 <a:cs typeface="Open Sans" pitchFamily="34" charset="-120"/>
               </a:rPr>
               <a:t>.</a:t>
@@ -4550,8 +4743,8 @@
                 <a:solidFill>
                   <a:srgbClr val="49495A"/>
                 </a:solidFill>
-                <a:latin typeface="Open Sans" pitchFamily="34" charset="0"/>
-                <a:ea typeface="Open Sans" pitchFamily="34" charset="-122"/>
+                <a:latin typeface="맑은 고딕" panose="020B0503020000020004" pitchFamily="50" charset="-127"/>
+                <a:ea typeface="맑은 고딕" panose="020B0503020000020004" pitchFamily="50" charset="-127"/>
                 <a:cs typeface="Open Sans" pitchFamily="34" charset="-120"/>
               </a:rPr>
               <a:t>플레이어를 향해 원거리 공격</a:t>
@@ -4561,8 +4754,8 @@
                 <a:solidFill>
                   <a:srgbClr val="49495A"/>
                 </a:solidFill>
-                <a:latin typeface="Open Sans" pitchFamily="34" charset="0"/>
-                <a:ea typeface="Open Sans" pitchFamily="34" charset="-122"/>
+                <a:latin typeface="맑은 고딕" panose="020B0503020000020004" pitchFamily="50" charset="-127"/>
+                <a:ea typeface="맑은 고딕" panose="020B0503020000020004" pitchFamily="50" charset="-127"/>
                 <a:cs typeface="Open Sans" pitchFamily="34" charset="-120"/>
               </a:rPr>
               <a:t>, </a:t>
@@ -4580,8 +4773,8 @@
                 <a:solidFill>
                   <a:srgbClr val="49495A"/>
                 </a:solidFill>
-                <a:latin typeface="Open Sans" pitchFamily="34" charset="0"/>
-                <a:ea typeface="Open Sans" pitchFamily="34" charset="-122"/>
+                <a:latin typeface="맑은 고딕" panose="020B0503020000020004" pitchFamily="50" charset="-127"/>
+                <a:ea typeface="맑은 고딕" panose="020B0503020000020004" pitchFamily="50" charset="-127"/>
                 <a:cs typeface="Open Sans" pitchFamily="34" charset="-120"/>
               </a:rPr>
               <a:t>플레이어를 향해 나아가는 </a:t>
@@ -4591,8 +4784,8 @@
                 <a:solidFill>
                   <a:srgbClr val="49495A"/>
                 </a:solidFill>
-                <a:latin typeface="Open Sans" pitchFamily="34" charset="0"/>
-                <a:ea typeface="Open Sans" pitchFamily="34" charset="-122"/>
+                <a:latin typeface="맑은 고딕" panose="020B0503020000020004" pitchFamily="50" charset="-127"/>
+                <a:ea typeface="맑은 고딕" panose="020B0503020000020004" pitchFamily="50" charset="-127"/>
                 <a:cs typeface="Open Sans" pitchFamily="34" charset="-120"/>
               </a:rPr>
               <a:t>3</a:t>
@@ -4602,8 +4795,8 @@
                 <a:solidFill>
                   <a:srgbClr val="49495A"/>
                 </a:solidFill>
-                <a:latin typeface="Open Sans" pitchFamily="34" charset="0"/>
-                <a:ea typeface="Open Sans" pitchFamily="34" charset="-122"/>
+                <a:latin typeface="맑은 고딕" panose="020B0503020000020004" pitchFamily="50" charset="-127"/>
+                <a:ea typeface="맑은 고딕" panose="020B0503020000020004" pitchFamily="50" charset="-127"/>
                 <a:cs typeface="Open Sans" pitchFamily="34" charset="-120"/>
               </a:rPr>
               <a:t>갈래의 탄환을 발사하며 연속으로 </a:t>
@@ -4613,8 +4806,8 @@
                 <a:solidFill>
                   <a:srgbClr val="49495A"/>
                 </a:solidFill>
-                <a:latin typeface="Open Sans" pitchFamily="34" charset="0"/>
-                <a:ea typeface="Open Sans" pitchFamily="34" charset="-122"/>
+                <a:latin typeface="맑은 고딕" panose="020B0503020000020004" pitchFamily="50" charset="-127"/>
+                <a:ea typeface="맑은 고딕" panose="020B0503020000020004" pitchFamily="50" charset="-127"/>
                 <a:cs typeface="Open Sans" pitchFamily="34" charset="-120"/>
               </a:rPr>
               <a:t>3</a:t>
@@ -4624,8 +4817,8 @@
                 <a:solidFill>
                   <a:srgbClr val="49495A"/>
                 </a:solidFill>
-                <a:latin typeface="Open Sans" pitchFamily="34" charset="0"/>
-                <a:ea typeface="Open Sans" pitchFamily="34" charset="-122"/>
+                <a:latin typeface="맑은 고딕" panose="020B0503020000020004" pitchFamily="50" charset="-127"/>
+                <a:ea typeface="맑은 고딕" panose="020B0503020000020004" pitchFamily="50" charset="-127"/>
                 <a:cs typeface="Open Sans" pitchFamily="34" charset="-120"/>
               </a:rPr>
               <a:t>번 쏜다</a:t>
@@ -4635,8 +4828,8 @@
                 <a:solidFill>
                   <a:srgbClr val="49495A"/>
                 </a:solidFill>
-                <a:latin typeface="Open Sans" pitchFamily="34" charset="0"/>
-                <a:ea typeface="Open Sans" pitchFamily="34" charset="-122"/>
+                <a:latin typeface="맑은 고딕" panose="020B0503020000020004" pitchFamily="50" charset="-127"/>
+                <a:ea typeface="맑은 고딕" panose="020B0503020000020004" pitchFamily="50" charset="-127"/>
                 <a:cs typeface="Open Sans" pitchFamily="34" charset="-120"/>
               </a:rPr>
               <a:t>.</a:t>
@@ -4780,8 +4973,8 @@
                 <a:solidFill>
                   <a:srgbClr val="49495A"/>
                 </a:solidFill>
-                <a:latin typeface="Open Sans" pitchFamily="34" charset="0"/>
-                <a:ea typeface="Open Sans" pitchFamily="34" charset="-122"/>
+                <a:latin typeface="맑은 고딕" panose="020B0503020000020004" pitchFamily="50" charset="-127"/>
+                <a:ea typeface="맑은 고딕" panose="020B0503020000020004" pitchFamily="50" charset="-127"/>
                 <a:cs typeface="Open Sans" pitchFamily="34" charset="-120"/>
               </a:rPr>
               <a:t>플레이어를 향해 원거리 공격</a:t>
@@ -4791,8 +4984,8 @@
                 <a:solidFill>
                   <a:srgbClr val="49495A"/>
                 </a:solidFill>
-                <a:latin typeface="Open Sans" pitchFamily="34" charset="0"/>
-                <a:ea typeface="Open Sans" pitchFamily="34" charset="-122"/>
+                <a:latin typeface="맑은 고딕" panose="020B0503020000020004" pitchFamily="50" charset="-127"/>
+                <a:ea typeface="맑은 고딕" panose="020B0503020000020004" pitchFamily="50" charset="-127"/>
                 <a:cs typeface="Open Sans" pitchFamily="34" charset="-120"/>
               </a:rPr>
               <a:t>, </a:t>
@@ -4810,8 +5003,8 @@
                 <a:solidFill>
                   <a:srgbClr val="49495A"/>
                 </a:solidFill>
-                <a:latin typeface="Open Sans" pitchFamily="34" charset="0"/>
-                <a:ea typeface="Open Sans" pitchFamily="34" charset="-122"/>
+                <a:latin typeface="맑은 고딕" panose="020B0503020000020004" pitchFamily="50" charset="-127"/>
+                <a:ea typeface="맑은 고딕" panose="020B0503020000020004" pitchFamily="50" charset="-127"/>
                 <a:cs typeface="Open Sans" pitchFamily="34" charset="-120"/>
               </a:rPr>
               <a:t>공격 발동 시 확인한 플레이어의 좌표에 연속해서 </a:t>
@@ -4821,8 +5014,8 @@
                 <a:solidFill>
                   <a:srgbClr val="49495A"/>
                 </a:solidFill>
-                <a:latin typeface="Open Sans" pitchFamily="34" charset="0"/>
-                <a:ea typeface="Open Sans" pitchFamily="34" charset="-122"/>
+                <a:latin typeface="맑은 고딕" panose="020B0503020000020004" pitchFamily="50" charset="-127"/>
+                <a:ea typeface="맑은 고딕" panose="020B0503020000020004" pitchFamily="50" charset="-127"/>
                 <a:cs typeface="Open Sans" pitchFamily="34" charset="-120"/>
               </a:rPr>
               <a:t>3</a:t>
@@ -4832,8 +5025,8 @@
                 <a:solidFill>
                   <a:srgbClr val="49495A"/>
                 </a:solidFill>
-                <a:latin typeface="Open Sans" pitchFamily="34" charset="0"/>
-                <a:ea typeface="Open Sans" pitchFamily="34" charset="-122"/>
+                <a:latin typeface="맑은 고딕" panose="020B0503020000020004" pitchFamily="50" charset="-127"/>
+                <a:ea typeface="맑은 고딕" panose="020B0503020000020004" pitchFamily="50" charset="-127"/>
                 <a:cs typeface="Open Sans" pitchFamily="34" charset="-120"/>
               </a:rPr>
               <a:t>번의 침을 발사 </a:t>
@@ -4850,8 +5043,8 @@
               <a:solidFill>
                 <a:srgbClr val="49495A"/>
               </a:solidFill>
-              <a:latin typeface="Open Sans" pitchFamily="34" charset="0"/>
-              <a:ea typeface="Open Sans" pitchFamily="34" charset="-122"/>
+              <a:latin typeface="맑은 고딕" panose="020B0503020000020004" pitchFamily="50" charset="-127"/>
+              <a:ea typeface="맑은 고딕" panose="020B0503020000020004" pitchFamily="50" charset="-127"/>
               <a:cs typeface="Open Sans" pitchFamily="34" charset="-120"/>
             </a:endParaRPr>
           </a:p>
@@ -4867,8 +5060,8 @@
                 <a:solidFill>
                   <a:srgbClr val="49495A"/>
                 </a:solidFill>
-                <a:latin typeface="Open Sans" pitchFamily="34" charset="0"/>
-                <a:ea typeface="Open Sans" pitchFamily="34" charset="-122"/>
+                <a:latin typeface="맑은 고딕" panose="020B0503020000020004" pitchFamily="50" charset="-127"/>
+                <a:ea typeface="맑은 고딕" panose="020B0503020000020004" pitchFamily="50" charset="-127"/>
                 <a:cs typeface="Open Sans" pitchFamily="34" charset="-120"/>
               </a:rPr>
               <a:t>각 침은 장판을 형성해 플레이어의 진로를 방해한다</a:t>
@@ -4878,8 +5071,8 @@
                 <a:solidFill>
                   <a:srgbClr val="49495A"/>
                 </a:solidFill>
-                <a:latin typeface="Open Sans" pitchFamily="34" charset="0"/>
-                <a:ea typeface="Open Sans" pitchFamily="34" charset="-122"/>
+                <a:latin typeface="맑은 고딕" panose="020B0503020000020004" pitchFamily="50" charset="-127"/>
+                <a:ea typeface="맑은 고딕" panose="020B0503020000020004" pitchFamily="50" charset="-127"/>
                 <a:cs typeface="Open Sans" pitchFamily="34" charset="-120"/>
               </a:rPr>
               <a:t>.</a:t>
@@ -5263,8 +5456,8 @@
                 <a:solidFill>
                   <a:srgbClr val="49495A"/>
                 </a:solidFill>
-                <a:latin typeface="Open Sans" pitchFamily="34" charset="0"/>
-                <a:ea typeface="Open Sans" pitchFamily="34" charset="-122"/>
+                <a:latin typeface="맑은 고딕" panose="020B0503020000020004" pitchFamily="50" charset="-127"/>
+                <a:ea typeface="맑은 고딕" panose="020B0503020000020004" pitchFamily="50" charset="-127"/>
                 <a:cs typeface="Open Sans" pitchFamily="34" charset="-120"/>
               </a:rPr>
               <a:t>2단계 보스 몬스터는 플레이어를 향해 빠른 속도로 돌진하여 강력한 공격을 가합니다.</a:t>
@@ -5418,8 +5611,8 @@
                 <a:solidFill>
                   <a:srgbClr val="49495A"/>
                 </a:solidFill>
-                <a:latin typeface="Open Sans" pitchFamily="34" charset="0"/>
-                <a:ea typeface="Open Sans" pitchFamily="34" charset="-122"/>
+                <a:latin typeface="맑은 고딕" panose="020B0503020000020004" pitchFamily="50" charset="-127"/>
+                <a:ea typeface="맑은 고딕" panose="020B0503020000020004" pitchFamily="50" charset="-127"/>
                 <a:cs typeface="Open Sans" pitchFamily="34" charset="-120"/>
               </a:rPr>
               <a:t>일정한 시간 간격으로 아가미에서 폭발적인 힘을 방출하여 주변 플레이어에게 피해를 줍니다.</a:t>
@@ -5573,8 +5766,8 @@
                 <a:solidFill>
                   <a:srgbClr val="49495A"/>
                 </a:solidFill>
-                <a:latin typeface="Open Sans" pitchFamily="34" charset="0"/>
-                <a:ea typeface="Open Sans" pitchFamily="34" charset="-122"/>
+                <a:latin typeface="맑은 고딕" panose="020B0503020000020004" pitchFamily="50" charset="-127"/>
+                <a:ea typeface="맑은 고딕" panose="020B0503020000020004" pitchFamily="50" charset="-127"/>
                 <a:cs typeface="Open Sans" pitchFamily="34" charset="-120"/>
               </a:rPr>
               <a:t>바닥을 미끄러지듯이 이동하면서 플레이어를 공격하는 기술을 사용합니다.</a:t>
@@ -5728,8 +5921,8 @@
                 <a:solidFill>
                   <a:srgbClr val="49495A"/>
                 </a:solidFill>
-                <a:latin typeface="Open Sans" pitchFamily="34" charset="0"/>
-                <a:ea typeface="Open Sans" pitchFamily="34" charset="-122"/>
+                <a:latin typeface="맑은 고딕" panose="020B0503020000020004" pitchFamily="50" charset="-127"/>
+                <a:ea typeface="맑은 고딕" panose="020B0503020000020004" pitchFamily="50" charset="-127"/>
                 <a:cs typeface="Open Sans" pitchFamily="34" charset="-120"/>
               </a:rPr>
               <a:t>전투 중 특정 시간에 자신의 체력을 회복시키는 스킬을 사용합니다.</a:t>
@@ -6030,8 +6223,8 @@
                 <a:solidFill>
                   <a:srgbClr val="49495A"/>
                 </a:solidFill>
-                <a:latin typeface="Open Sans" pitchFamily="34" charset="0"/>
-                <a:ea typeface="Open Sans" pitchFamily="34" charset="-122"/>
+                <a:latin typeface="맑은 고딕" panose="020B0503020000020004" pitchFamily="50" charset="-127"/>
+                <a:ea typeface="맑은 고딕" panose="020B0503020000020004" pitchFamily="50" charset="-127"/>
                 <a:cs typeface="Open Sans" pitchFamily="34" charset="-120"/>
               </a:rPr>
               <a:t>보스 몬스터가 번개와 같은 속도로 몸을 날려 플레이어를 강력하게 공격합니다. 빠른 반응속도가 필요합니다.</a:t>
@@ -6185,8 +6378,8 @@
                 <a:solidFill>
                   <a:srgbClr val="49495A"/>
                 </a:solidFill>
-                <a:latin typeface="Open Sans" pitchFamily="34" charset="0"/>
-                <a:ea typeface="Open Sans" pitchFamily="34" charset="-122"/>
+                <a:latin typeface="맑은 고딕" panose="020B0503020000020004" pitchFamily="50" charset="-127"/>
+                <a:ea typeface="맑은 고딕" panose="020B0503020000020004" pitchFamily="50" charset="-127"/>
                 <a:cs typeface="Open Sans" pitchFamily="34" charset="-120"/>
               </a:rPr>
               <a:t>보스 몬스터가 강력한 충격파를 내뿜어 주변의 플레이어들을 모두 공격합니다. 회피가 중요합니다.</a:t>
@@ -6340,8 +6533,8 @@
                 <a:solidFill>
                   <a:srgbClr val="49495A"/>
                 </a:solidFill>
-                <a:latin typeface="Open Sans" pitchFamily="34" charset="0"/>
-                <a:ea typeface="Open Sans" pitchFamily="34" charset="-122"/>
+                <a:latin typeface="맑은 고딕" panose="020B0503020000020004" pitchFamily="50" charset="-127"/>
+                <a:ea typeface="맑은 고딕" panose="020B0503020000020004" pitchFamily="50" charset="-127"/>
                 <a:cs typeface="Open Sans" pitchFamily="34" charset="-120"/>
               </a:rPr>
               <a:t>보스 몬스터가 독가스를 내뿜어 플레이어들을 기절시키려 합니다. 기절 상태에서는 큰 피해를 입습니다.</a:t>
@@ -6495,8 +6688,8 @@
                 <a:solidFill>
                   <a:srgbClr val="49495A"/>
                 </a:solidFill>
-                <a:latin typeface="Open Sans" pitchFamily="34" charset="0"/>
-                <a:ea typeface="Open Sans" pitchFamily="34" charset="-122"/>
+                <a:latin typeface="맑은 고딕" panose="020B0503020000020004" pitchFamily="50" charset="-127"/>
+                <a:ea typeface="맑은 고딕" panose="020B0503020000020004" pitchFamily="50" charset="-127"/>
                 <a:cs typeface="Open Sans" pitchFamily="34" charset="-120"/>
               </a:rPr>
               <a:t>보스 몬스터가 주먹이나 발로 강력하게 공격하여 근접한 플레이어를 무력화시킵니다. 거리 조절이 필요합니다.</a:t>
@@ -6797,8 +6990,8 @@
                 <a:solidFill>
                   <a:srgbClr val="49495A"/>
                 </a:solidFill>
-                <a:latin typeface="Open Sans" pitchFamily="34" charset="0"/>
-                <a:ea typeface="Open Sans" pitchFamily="34" charset="-122"/>
+                <a:latin typeface="맑은 고딕" panose="020B0503020000020004" pitchFamily="50" charset="-127"/>
+                <a:ea typeface="맑은 고딕" panose="020B0503020000020004" pitchFamily="50" charset="-127"/>
                 <a:cs typeface="Open Sans" pitchFamily="34" charset="-120"/>
               </a:rPr>
               <a:t>보스 몬스터가 빠른 속도로 플레이어를 향해 돌진하며, 플레이어는 회피해야 합니다.</a:t>
@@ -6952,8 +7145,8 @@
                 <a:solidFill>
                   <a:srgbClr val="49495A"/>
                 </a:solidFill>
-                <a:latin typeface="Open Sans" pitchFamily="34" charset="0"/>
-                <a:ea typeface="Open Sans" pitchFamily="34" charset="-122"/>
+                <a:latin typeface="맑은 고딕" panose="020B0503020000020004" pitchFamily="50" charset="-127"/>
+                <a:ea typeface="맑은 고딕" panose="020B0503020000020004" pitchFamily="50" charset="-127"/>
                 <a:cs typeface="Open Sans" pitchFamily="34" charset="-120"/>
               </a:rPr>
               <a:t>보스 몬스터가 지면을 내려쳐 균열을 일으키며, 플레이어는 균열에서 멀어져야 합니다.</a:t>
@@ -7107,8 +7300,8 @@
                 <a:solidFill>
                   <a:srgbClr val="49495A"/>
                 </a:solidFill>
-                <a:latin typeface="Open Sans" pitchFamily="34" charset="0"/>
-                <a:ea typeface="Open Sans" pitchFamily="34" charset="-122"/>
+                <a:latin typeface="맑은 고딕" panose="020B0503020000020004" pitchFamily="50" charset="-127"/>
+                <a:ea typeface="맑은 고딕" panose="020B0503020000020004" pitchFamily="50" charset="-127"/>
                 <a:cs typeface="Open Sans" pitchFamily="34" charset="-120"/>
               </a:rPr>
               <a:t>보스 몬스터가 강력한 에너지 볼을 발사하므로, 플레이어는 에너지 볼을 피하거나 파괴해야 합니다.</a:t>
@@ -7262,8 +7455,8 @@
                 <a:solidFill>
                   <a:srgbClr val="49495A"/>
                 </a:solidFill>
-                <a:latin typeface="Open Sans" pitchFamily="34" charset="0"/>
-                <a:ea typeface="Open Sans" pitchFamily="34" charset="-122"/>
+                <a:latin typeface="맑은 고딕" panose="020B0503020000020004" pitchFamily="50" charset="-127"/>
+                <a:ea typeface="맑은 고딕" panose="020B0503020000020004" pitchFamily="50" charset="-127"/>
                 <a:cs typeface="Open Sans" pitchFamily="34" charset="-120"/>
               </a:rPr>
               <a:t>보스 몬스터가 분노 상태로 전환되어 공격력과 이동 속도가 증가하므로, 플레이어는 더욱 조심해야 합니다.</a:t>
@@ -7564,8 +7757,8 @@
                 <a:solidFill>
                   <a:srgbClr val="49495A"/>
                 </a:solidFill>
-                <a:latin typeface="Open Sans" pitchFamily="34" charset="0"/>
-                <a:ea typeface="Open Sans" pitchFamily="34" charset="-122"/>
+                <a:latin typeface="맑은 고딕" panose="020B0503020000020004" pitchFamily="50" charset="-127"/>
+                <a:ea typeface="맑은 고딕" panose="020B0503020000020004" pitchFamily="50" charset="-127"/>
                 <a:cs typeface="Open Sans" pitchFamily="34" charset="-120"/>
               </a:rPr>
               <a:t>5단계 보스 몬스터는 강력한 어파머 공격으로 플레이어를 압도합니다. 어파머를 피하고 역공격하는 것이 중요합니다.</a:t>
@@ -7719,8 +7912,8 @@
                 <a:solidFill>
                   <a:srgbClr val="49495A"/>
                 </a:solidFill>
-                <a:latin typeface="Open Sans" pitchFamily="34" charset="0"/>
-                <a:ea typeface="Open Sans" pitchFamily="34" charset="-122"/>
+                <a:latin typeface="맑은 고딕" panose="020B0503020000020004" pitchFamily="50" charset="-127"/>
+                <a:ea typeface="맑은 고딕" panose="020B0503020000020004" pitchFamily="50" charset="-127"/>
                 <a:cs typeface="Open Sans" pitchFamily="34" charset="-120"/>
               </a:rPr>
               <a:t>보스 몬스터가 영역 대형 공격을 펼치면 플레이어들은 빠르게 대피해야 합니다. 이 공격은 넓은 범위에 걸쳐 피해를 줍니다.</a:t>
@@ -7874,8 +8067,8 @@
                 <a:solidFill>
                   <a:srgbClr val="49495A"/>
                 </a:solidFill>
-                <a:latin typeface="Open Sans" pitchFamily="34" charset="0"/>
-                <a:ea typeface="Open Sans" pitchFamily="34" charset="-122"/>
+                <a:latin typeface="맑은 고딕" panose="020B0503020000020004" pitchFamily="50" charset="-127"/>
+                <a:ea typeface="맑은 고딕" panose="020B0503020000020004" pitchFamily="50" charset="-127"/>
                 <a:cs typeface="Open Sans" pitchFamily="34" charset="-120"/>
               </a:rPr>
               <a:t>5단계 보스는 순간 워프 기술을 사용해 플레이어들을 혼란스럽게 만듭니다. 보스의 위치를 계속 주시하는 것이 중요합니다.</a:t>
@@ -8029,8 +8222,8 @@
                 <a:solidFill>
                   <a:srgbClr val="49495A"/>
                 </a:solidFill>
-                <a:latin typeface="Open Sans" pitchFamily="34" charset="0"/>
-                <a:ea typeface="Open Sans" pitchFamily="34" charset="-122"/>
+                <a:latin typeface="맑은 고딕" panose="020B0503020000020004" pitchFamily="50" charset="-127"/>
+                <a:ea typeface="맑은 고딕" panose="020B0503020000020004" pitchFamily="50" charset="-127"/>
                 <a:cs typeface="Open Sans" pitchFamily="34" charset="-120"/>
               </a:rPr>
               <a:t>이 보스는 때때로 고속 돌진 공격을 펼쳐 플레이어들을 압박합니다. 이를 피하기 위해 신속한 반응과 회피가 필요합니다.</a:t>
@@ -8331,8 +8524,8 @@
                 <a:solidFill>
                   <a:srgbClr val="49495A"/>
                 </a:solidFill>
-                <a:latin typeface="Open Sans" pitchFamily="34" charset="0"/>
-                <a:ea typeface="Open Sans" pitchFamily="34" charset="-122"/>
+                <a:latin typeface="맑은 고딕" panose="020B0503020000020004" pitchFamily="50" charset="-127"/>
+                <a:ea typeface="맑은 고딕" panose="020B0503020000020004" pitchFamily="50" charset="-127"/>
                 <a:cs typeface="Open Sans" pitchFamily="34" charset="-120"/>
               </a:rPr>
               <a:t>보스 몬스터가 섬광처럼 빠르게 이동하며 연속적으로 공격해옵니다.</a:t>
@@ -8486,8 +8679,8 @@
                 <a:solidFill>
                   <a:srgbClr val="49495A"/>
                 </a:solidFill>
-                <a:latin typeface="Open Sans" pitchFamily="34" charset="0"/>
-                <a:ea typeface="Open Sans" pitchFamily="34" charset="-122"/>
+                <a:latin typeface="맑은 고딕" panose="020B0503020000020004" pitchFamily="50" charset="-127"/>
+                <a:ea typeface="맑은 고딕" panose="020B0503020000020004" pitchFamily="50" charset="-127"/>
                 <a:cs typeface="Open Sans" pitchFamily="34" charset="-120"/>
               </a:rPr>
               <a:t>보스 몬스터가 일정 범위 내에 있는 플레이어들을 동시에 공격합니다.</a:t>
@@ -8641,8 +8834,8 @@
                 <a:solidFill>
                   <a:srgbClr val="49495A"/>
                 </a:solidFill>
-                <a:latin typeface="Open Sans" pitchFamily="34" charset="0"/>
-                <a:ea typeface="Open Sans" pitchFamily="34" charset="-122"/>
+                <a:latin typeface="맑은 고딕" panose="020B0503020000020004" pitchFamily="50" charset="-127"/>
+                <a:ea typeface="맑은 고딕" panose="020B0503020000020004" pitchFamily="50" charset="-127"/>
                 <a:cs typeface="Open Sans" pitchFamily="34" charset="-120"/>
               </a:rPr>
               <a:t>전투 중간에 자신의 체력을 회복하는 힐링 스킬을 사용합니다.</a:t>
@@ -8796,8 +8989,8 @@
                 <a:solidFill>
                   <a:srgbClr val="49495A"/>
                 </a:solidFill>
-                <a:latin typeface="Open Sans" pitchFamily="34" charset="0"/>
-                <a:ea typeface="Open Sans" pitchFamily="34" charset="-122"/>
+                <a:latin typeface="맑은 고딕" panose="020B0503020000020004" pitchFamily="50" charset="-127"/>
+                <a:ea typeface="맑은 고딕" panose="020B0503020000020004" pitchFamily="50" charset="-127"/>
                 <a:cs typeface="Open Sans" pitchFamily="34" charset="-120"/>
               </a:rPr>
               <a:t>보스 몬스터가 주변에 강력한 역장을 생성하여 플레이어의 공격을 막아냅니다.</a:t>
@@ -9098,8 +9291,8 @@
                 <a:solidFill>
                   <a:srgbClr val="49495A"/>
                 </a:solidFill>
-                <a:latin typeface="Open Sans" pitchFamily="34" charset="0"/>
-                <a:ea typeface="Open Sans" pitchFamily="34" charset="-122"/>
+                <a:latin typeface="맑은 고딕" panose="020B0503020000020004" pitchFamily="50" charset="-127"/>
+                <a:ea typeface="맑은 고딕" panose="020B0503020000020004" pitchFamily="50" charset="-127"/>
                 <a:cs typeface="Open Sans" pitchFamily="34" charset="-120"/>
               </a:rPr>
               <a:t>몬스터가 플레이어 쪽으로 빠른 속도로 돌진하여 피해를 줍니다.</a:t>
@@ -9253,8 +9446,8 @@
                 <a:solidFill>
                   <a:srgbClr val="49495A"/>
                 </a:solidFill>
-                <a:latin typeface="Open Sans" pitchFamily="34" charset="0"/>
-                <a:ea typeface="Open Sans" pitchFamily="34" charset="-122"/>
+                <a:latin typeface="맑은 고딕" panose="020B0503020000020004" pitchFamily="50" charset="-127"/>
+                <a:ea typeface="맑은 고딕" panose="020B0503020000020004" pitchFamily="50" charset="-127"/>
                 <a:cs typeface="Open Sans" pitchFamily="34" charset="-120"/>
               </a:rPr>
               <a:t>몬스터가 지면을 내리쳐 떨림 효과로 플레이어를 기절시킵니다.</a:t>
@@ -9408,8 +9601,8 @@
                 <a:solidFill>
                   <a:srgbClr val="49495A"/>
                 </a:solidFill>
-                <a:latin typeface="Open Sans" pitchFamily="34" charset="0"/>
-                <a:ea typeface="Open Sans" pitchFamily="34" charset="-122"/>
+                <a:latin typeface="맑은 고딕" panose="020B0503020000020004" pitchFamily="50" charset="-127"/>
+                <a:ea typeface="맑은 고딕" panose="020B0503020000020004" pitchFamily="50" charset="-127"/>
                 <a:cs typeface="Open Sans" pitchFamily="34" charset="-120"/>
               </a:rPr>
               <a:t>몬스터가 주변 범위에 공격을 가해 여러 명의 플레이어에게 피해를 줍니다.</a:t>
@@ -9563,8 +9756,8 @@
                 <a:solidFill>
                   <a:srgbClr val="49495A"/>
                 </a:solidFill>
-                <a:latin typeface="Open Sans" pitchFamily="34" charset="0"/>
-                <a:ea typeface="Open Sans" pitchFamily="34" charset="-122"/>
+                <a:latin typeface="맑은 고딕" panose="020B0503020000020004" pitchFamily="50" charset="-127"/>
+                <a:ea typeface="맑은 고딕" panose="020B0503020000020004" pitchFamily="50" charset="-127"/>
                 <a:cs typeface="Open Sans" pitchFamily="34" charset="-120"/>
               </a:rPr>
               <a:t>몬스터가 소환 마법을 사용하여 스켈레톤 병사들을 소환하여 플레이어를 압박합니다.</a:t>
@@ -9865,8 +10058,8 @@
                 <a:solidFill>
                   <a:srgbClr val="49495A"/>
                 </a:solidFill>
-                <a:latin typeface="Open Sans" pitchFamily="34" charset="0"/>
-                <a:ea typeface="Open Sans" pitchFamily="34" charset="-122"/>
+                <a:latin typeface="맑은 고딕" panose="020B0503020000020004" pitchFamily="50" charset="-127"/>
+                <a:ea typeface="맑은 고딕" panose="020B0503020000020004" pitchFamily="50" charset="-127"/>
                 <a:cs typeface="Open Sans" pitchFamily="34" charset="-120"/>
               </a:rPr>
               <a:t>보스 몬스터가 땅을 내리쳐 강력한 충격파를 발생시켜 주변 플레이어를 공격합니다.</a:t>
@@ -10020,8 +10213,8 @@
                 <a:solidFill>
                   <a:srgbClr val="49495A"/>
                 </a:solidFill>
-                <a:latin typeface="Open Sans" pitchFamily="34" charset="0"/>
-                <a:ea typeface="Open Sans" pitchFamily="34" charset="-122"/>
+                <a:latin typeface="맑은 고딕" panose="020B0503020000020004" pitchFamily="50" charset="-127"/>
+                <a:ea typeface="맑은 고딕" panose="020B0503020000020004" pitchFamily="50" charset="-127"/>
                 <a:cs typeface="Open Sans" pitchFamily="34" charset="-120"/>
               </a:rPr>
               <a:t>보스 몬스터가 작은 몬스터들을 소환하여 플레이어들을 압박합니다.</a:t>
@@ -10175,8 +10368,8 @@
                 <a:solidFill>
                   <a:srgbClr val="49495A"/>
                 </a:solidFill>
-                <a:latin typeface="Open Sans" pitchFamily="34" charset="0"/>
-                <a:ea typeface="Open Sans" pitchFamily="34" charset="-122"/>
+                <a:latin typeface="맑은 고딕" panose="020B0503020000020004" pitchFamily="50" charset="-127"/>
+                <a:ea typeface="맑은 고딕" panose="020B0503020000020004" pitchFamily="50" charset="-127"/>
                 <a:cs typeface="Open Sans" pitchFamily="34" charset="-120"/>
               </a:rPr>
               <a:t>보스 몬스터가 360도로 회전하며 거대한 무기로 플레이어들을 공격합니다.</a:t>
@@ -10330,8 +10523,8 @@
                 <a:solidFill>
                   <a:srgbClr val="49495A"/>
                 </a:solidFill>
-                <a:latin typeface="Open Sans" pitchFamily="34" charset="0"/>
-                <a:ea typeface="Open Sans" pitchFamily="34" charset="-122"/>
+                <a:latin typeface="맑은 고딕" panose="020B0503020000020004" pitchFamily="50" charset="-127"/>
+                <a:ea typeface="맑은 고딕" panose="020B0503020000020004" pitchFamily="50" charset="-127"/>
                 <a:cs typeface="Open Sans" pitchFamily="34" charset="-120"/>
               </a:rPr>
               <a:t>보스 몬스터가 하늘로 날아올라 폭발성 기술을 발사하여 플레이어들에게 큰 피해를 줍니다.</a:t>
@@ -10662,8 +10855,8 @@
                 <a:solidFill>
                   <a:srgbClr val="49495A"/>
                 </a:solidFill>
-                <a:latin typeface="Open Sans" pitchFamily="34" charset="0"/>
-                <a:ea typeface="Open Sans" pitchFamily="34" charset="-122"/>
+                <a:latin typeface="맑은 고딕" panose="020B0503020000020004" pitchFamily="50" charset="-127"/>
+                <a:ea typeface="맑은 고딕" panose="020B0503020000020004" pitchFamily="50" charset="-127"/>
                 <a:cs typeface="Open Sans" pitchFamily="34" charset="-120"/>
               </a:rPr>
               <a:t>플레이어를 향해 공</a:t>
@@ -10673,8 +10866,8 @@
                 <a:solidFill>
                   <a:srgbClr val="49495A"/>
                 </a:solidFill>
-                <a:latin typeface="Open Sans" pitchFamily="34" charset="0"/>
-                <a:ea typeface="Open Sans" pitchFamily="34" charset="-122"/>
+                <a:latin typeface="맑은 고딕" panose="020B0503020000020004" pitchFamily="50" charset="-127"/>
+                <a:ea typeface="맑은 고딕" panose="020B0503020000020004" pitchFamily="50" charset="-127"/>
                 <a:cs typeface="Open Sans" pitchFamily="34" charset="-120"/>
               </a:rPr>
               <a:t>, </a:t>
@@ -10684,8 +10877,8 @@
                 <a:solidFill>
                   <a:srgbClr val="49495A"/>
                 </a:solidFill>
-                <a:latin typeface="Open Sans" pitchFamily="34" charset="0"/>
-                <a:ea typeface="Open Sans" pitchFamily="34" charset="-122"/>
+                <a:latin typeface="맑은 고딕" panose="020B0503020000020004" pitchFamily="50" charset="-127"/>
+                <a:ea typeface="맑은 고딕" panose="020B0503020000020004" pitchFamily="50" charset="-127"/>
                 <a:cs typeface="Open Sans" pitchFamily="34" charset="-120"/>
               </a:rPr>
               <a:t>장난감을 던진다</a:t>
@@ -10695,8 +10888,8 @@
                 <a:solidFill>
                   <a:srgbClr val="49495A"/>
                 </a:solidFill>
-                <a:latin typeface="Open Sans" pitchFamily="34" charset="0"/>
-                <a:ea typeface="Open Sans" pitchFamily="34" charset="-122"/>
+                <a:latin typeface="맑은 고딕" panose="020B0503020000020004" pitchFamily="50" charset="-127"/>
+                <a:ea typeface="맑은 고딕" panose="020B0503020000020004" pitchFamily="50" charset="-127"/>
                 <a:cs typeface="Open Sans" pitchFamily="34" charset="-120"/>
               </a:rPr>
               <a:t>.</a:t>
@@ -10713,8 +10906,8 @@
               <a:solidFill>
                 <a:srgbClr val="49495A"/>
               </a:solidFill>
-              <a:latin typeface="Open Sans" pitchFamily="34" charset="0"/>
-              <a:ea typeface="Open Sans" pitchFamily="34" charset="-122"/>
+              <a:latin typeface="맑은 고딕" panose="020B0503020000020004" pitchFamily="50" charset="-127"/>
+              <a:ea typeface="맑은 고딕" panose="020B0503020000020004" pitchFamily="50" charset="-127"/>
               <a:cs typeface="Open Sans" pitchFamily="34" charset="-120"/>
             </a:endParaRPr>
           </a:p>
@@ -10730,8 +10923,8 @@
                 <a:solidFill>
                   <a:srgbClr val="49495A"/>
                 </a:solidFill>
-                <a:latin typeface="Open Sans" pitchFamily="34" charset="0"/>
-                <a:ea typeface="Open Sans" pitchFamily="34" charset="-122"/>
+                <a:latin typeface="맑은 고딕" panose="020B0503020000020004" pitchFamily="50" charset="-127"/>
+                <a:ea typeface="맑은 고딕" panose="020B0503020000020004" pitchFamily="50" charset="-127"/>
                 <a:cs typeface="Open Sans" pitchFamily="34" charset="-120"/>
               </a:rPr>
               <a:t>전조</a:t>
@@ -10741,8 +10934,8 @@
                 <a:solidFill>
                   <a:srgbClr val="49495A"/>
                 </a:solidFill>
-                <a:latin typeface="Open Sans" pitchFamily="34" charset="0"/>
-                <a:ea typeface="Open Sans" pitchFamily="34" charset="-122"/>
+                <a:latin typeface="맑은 고딕" panose="020B0503020000020004" pitchFamily="50" charset="-127"/>
+                <a:ea typeface="맑은 고딕" panose="020B0503020000020004" pitchFamily="50" charset="-127"/>
                 <a:cs typeface="Open Sans" pitchFamily="34" charset="-120"/>
               </a:rPr>
               <a:t>: </a:t>
@@ -10752,8 +10945,8 @@
                 <a:solidFill>
                   <a:srgbClr val="49495A"/>
                 </a:solidFill>
-                <a:latin typeface="Open Sans" pitchFamily="34" charset="0"/>
-                <a:ea typeface="Open Sans" pitchFamily="34" charset="-122"/>
+                <a:latin typeface="맑은 고딕" panose="020B0503020000020004" pitchFamily="50" charset="-127"/>
+                <a:ea typeface="맑은 고딕" panose="020B0503020000020004" pitchFamily="50" charset="-127"/>
                 <a:cs typeface="Open Sans" pitchFamily="34" charset="-120"/>
               </a:rPr>
               <a:t>아이가 공 또는 장난감을 들고 하늘로 던진다</a:t>
@@ -10762,8 +10955,8 @@
               <a:solidFill>
                 <a:srgbClr val="49495A"/>
               </a:solidFill>
-              <a:latin typeface="Open Sans" pitchFamily="34" charset="0"/>
-              <a:ea typeface="Open Sans" pitchFamily="34" charset="-122"/>
+              <a:latin typeface="맑은 고딕" panose="020B0503020000020004" pitchFamily="50" charset="-127"/>
+              <a:ea typeface="맑은 고딕" panose="020B0503020000020004" pitchFamily="50" charset="-127"/>
               <a:cs typeface="Open Sans" pitchFamily="34" charset="-120"/>
             </a:endParaRPr>
           </a:p>
@@ -10779,8 +10972,8 @@
                 <a:solidFill>
                   <a:srgbClr val="49495A"/>
                 </a:solidFill>
-                <a:latin typeface="Open Sans" pitchFamily="34" charset="0"/>
-                <a:ea typeface="Open Sans" pitchFamily="34" charset="-122"/>
+                <a:latin typeface="맑은 고딕" panose="020B0503020000020004" pitchFamily="50" charset="-127"/>
+                <a:ea typeface="맑은 고딕" panose="020B0503020000020004" pitchFamily="50" charset="-127"/>
                 <a:cs typeface="Open Sans" pitchFamily="34" charset="-120"/>
               </a:rPr>
               <a:t>발동</a:t>
@@ -10790,8 +10983,8 @@
                 <a:solidFill>
                   <a:srgbClr val="49495A"/>
                 </a:solidFill>
-                <a:latin typeface="Open Sans" pitchFamily="34" charset="0"/>
-                <a:ea typeface="Open Sans" pitchFamily="34" charset="-122"/>
+                <a:latin typeface="맑은 고딕" panose="020B0503020000020004" pitchFamily="50" charset="-127"/>
+                <a:ea typeface="맑은 고딕" panose="020B0503020000020004" pitchFamily="50" charset="-127"/>
                 <a:cs typeface="Open Sans" pitchFamily="34" charset="-120"/>
               </a:rPr>
               <a:t>: </a:t>
@@ -10801,8 +10994,8 @@
                 <a:solidFill>
                   <a:srgbClr val="49495A"/>
                 </a:solidFill>
-                <a:latin typeface="Open Sans" pitchFamily="34" charset="0"/>
-                <a:ea typeface="Open Sans" pitchFamily="34" charset="-122"/>
+                <a:latin typeface="맑은 고딕" panose="020B0503020000020004" pitchFamily="50" charset="-127"/>
+                <a:ea typeface="맑은 고딕" panose="020B0503020000020004" pitchFamily="50" charset="-127"/>
                 <a:cs typeface="Open Sans" pitchFamily="34" charset="-120"/>
               </a:rPr>
               <a:t>발동시</a:t>
@@ -10812,8 +11005,8 @@
                 <a:solidFill>
                   <a:srgbClr val="49495A"/>
                 </a:solidFill>
-                <a:latin typeface="Open Sans" pitchFamily="34" charset="0"/>
-                <a:ea typeface="Open Sans" pitchFamily="34" charset="-122"/>
+                <a:latin typeface="맑은 고딕" panose="020B0503020000020004" pitchFamily="50" charset="-127"/>
+                <a:ea typeface="맑은 고딕" panose="020B0503020000020004" pitchFamily="50" charset="-127"/>
                 <a:cs typeface="Open Sans" pitchFamily="34" charset="-120"/>
               </a:rPr>
               <a:t> 플레이어의 위치에 붉은 피격 원이 생성되며 </a:t>
@@ -10823,8 +11016,8 @@
                 <a:solidFill>
                   <a:srgbClr val="49495A"/>
                 </a:solidFill>
-                <a:latin typeface="Open Sans" pitchFamily="34" charset="0"/>
-                <a:ea typeface="Open Sans" pitchFamily="34" charset="-122"/>
+                <a:latin typeface="맑은 고딕" panose="020B0503020000020004" pitchFamily="50" charset="-127"/>
+                <a:ea typeface="맑은 고딕" panose="020B0503020000020004" pitchFamily="50" charset="-127"/>
                 <a:cs typeface="Open Sans" pitchFamily="34" charset="-120"/>
               </a:rPr>
               <a:t>1</a:t>
@@ -10834,8 +11027,8 @@
                 <a:solidFill>
                   <a:srgbClr val="49495A"/>
                 </a:solidFill>
-                <a:latin typeface="Open Sans" pitchFamily="34" charset="0"/>
-                <a:ea typeface="Open Sans" pitchFamily="34" charset="-122"/>
+                <a:latin typeface="맑은 고딕" panose="020B0503020000020004" pitchFamily="50" charset="-127"/>
+                <a:ea typeface="맑은 고딕" panose="020B0503020000020004" pitchFamily="50" charset="-127"/>
                 <a:cs typeface="Open Sans" pitchFamily="34" charset="-120"/>
               </a:rPr>
               <a:t>초 뒤 떨어진다</a:t>
@@ -10845,8 +11038,8 @@
                 <a:solidFill>
                   <a:srgbClr val="49495A"/>
                 </a:solidFill>
-                <a:latin typeface="Open Sans" pitchFamily="34" charset="0"/>
-                <a:ea typeface="Open Sans" pitchFamily="34" charset="-122"/>
+                <a:latin typeface="맑은 고딕" panose="020B0503020000020004" pitchFamily="50" charset="-127"/>
+                <a:ea typeface="맑은 고딕" panose="020B0503020000020004" pitchFamily="50" charset="-127"/>
                 <a:cs typeface="Open Sans" pitchFamily="34" charset="-120"/>
               </a:rPr>
               <a:t>. </a:t>
@@ -10856,8 +11049,8 @@
                 <a:solidFill>
                   <a:srgbClr val="49495A"/>
                 </a:solidFill>
-                <a:latin typeface="Open Sans" pitchFamily="34" charset="0"/>
-                <a:ea typeface="Open Sans" pitchFamily="34" charset="-122"/>
+                <a:latin typeface="맑은 고딕" panose="020B0503020000020004" pitchFamily="50" charset="-127"/>
+                <a:ea typeface="맑은 고딕" panose="020B0503020000020004" pitchFamily="50" charset="-127"/>
                 <a:cs typeface="Open Sans" pitchFamily="34" charset="-120"/>
               </a:rPr>
               <a:t>피격 범위에 닿으면 데미지를 받는다</a:t>
@@ -10867,8 +11060,8 @@
                 <a:solidFill>
                   <a:srgbClr val="49495A"/>
                 </a:solidFill>
-                <a:latin typeface="Open Sans" pitchFamily="34" charset="0"/>
-                <a:ea typeface="Open Sans" pitchFamily="34" charset="-122"/>
+                <a:latin typeface="맑은 고딕" panose="020B0503020000020004" pitchFamily="50" charset="-127"/>
+                <a:ea typeface="맑은 고딕" panose="020B0503020000020004" pitchFamily="50" charset="-127"/>
                 <a:cs typeface="Open Sans" pitchFamily="34" charset="-120"/>
               </a:rPr>
               <a:t>.</a:t>
@@ -10886,8 +11079,8 @@
                 <a:solidFill>
                   <a:srgbClr val="49495A"/>
                 </a:solidFill>
-                <a:latin typeface="Open Sans" pitchFamily="34" charset="0"/>
-                <a:ea typeface="Open Sans" pitchFamily="34" charset="-122"/>
+                <a:latin typeface="맑은 고딕" panose="020B0503020000020004" pitchFamily="50" charset="-127"/>
+                <a:ea typeface="맑은 고딕" panose="020B0503020000020004" pitchFamily="50" charset="-127"/>
                 <a:cs typeface="Open Sans" pitchFamily="34" charset="-120"/>
               </a:rPr>
               <a:t>예</a:t>
@@ -10897,8 +11090,8 @@
                 <a:solidFill>
                   <a:srgbClr val="49495A"/>
                 </a:solidFill>
-                <a:latin typeface="Open Sans" pitchFamily="34" charset="0"/>
-                <a:ea typeface="Open Sans" pitchFamily="34" charset="-122"/>
+                <a:latin typeface="맑은 고딕" panose="020B0503020000020004" pitchFamily="50" charset="-127"/>
+                <a:ea typeface="맑은 고딕" panose="020B0503020000020004" pitchFamily="50" charset="-127"/>
                 <a:cs typeface="Open Sans" pitchFamily="34" charset="-120"/>
               </a:rPr>
               <a:t>: </a:t>
@@ -10908,8 +11101,8 @@
                 <a:solidFill>
                   <a:srgbClr val="49495A"/>
                 </a:solidFill>
-                <a:latin typeface="Open Sans" pitchFamily="34" charset="0"/>
-                <a:ea typeface="Open Sans" pitchFamily="34" charset="-122"/>
+                <a:latin typeface="맑은 고딕" panose="020B0503020000020004" pitchFamily="50" charset="-127"/>
+                <a:ea typeface="맑은 고딕" panose="020B0503020000020004" pitchFamily="50" charset="-127"/>
                 <a:cs typeface="Open Sans" pitchFamily="34" charset="-120"/>
               </a:rPr>
               <a:t>로스트아크</a:t>
@@ -10919,8 +11112,8 @@
                 <a:solidFill>
                   <a:srgbClr val="49495A"/>
                 </a:solidFill>
-                <a:latin typeface="Open Sans" pitchFamily="34" charset="0"/>
-                <a:ea typeface="Open Sans" pitchFamily="34" charset="-122"/>
+                <a:latin typeface="맑은 고딕" panose="020B0503020000020004" pitchFamily="50" charset="-127"/>
+                <a:ea typeface="맑은 고딕" panose="020B0503020000020004" pitchFamily="50" charset="-127"/>
                 <a:cs typeface="Open Sans" pitchFamily="34" charset="-120"/>
               </a:rPr>
               <a:t> 상아탑 </a:t>
@@ -10930,8 +11123,8 @@
                 <a:solidFill>
                   <a:srgbClr val="49495A"/>
                 </a:solidFill>
-                <a:latin typeface="Open Sans" pitchFamily="34" charset="0"/>
-                <a:ea typeface="Open Sans" pitchFamily="34" charset="-122"/>
+                <a:latin typeface="맑은 고딕" panose="020B0503020000020004" pitchFamily="50" charset="-127"/>
+                <a:ea typeface="맑은 고딕" panose="020B0503020000020004" pitchFamily="50" charset="-127"/>
                 <a:cs typeface="Open Sans" pitchFamily="34" charset="-120"/>
               </a:rPr>
               <a:t>3</a:t>
@@ -10941,8 +11134,8 @@
                 <a:solidFill>
                   <a:srgbClr val="49495A"/>
                 </a:solidFill>
-                <a:latin typeface="Open Sans" pitchFamily="34" charset="0"/>
-                <a:ea typeface="Open Sans" pitchFamily="34" charset="-122"/>
+                <a:latin typeface="맑은 고딕" panose="020B0503020000020004" pitchFamily="50" charset="-127"/>
+                <a:ea typeface="맑은 고딕" panose="020B0503020000020004" pitchFamily="50" charset="-127"/>
                 <a:cs typeface="Open Sans" pitchFamily="34" charset="-120"/>
               </a:rPr>
               <a:t>관 </a:t>
@@ -10952,8 +11145,8 @@
                 <a:solidFill>
                   <a:srgbClr val="49495A"/>
                 </a:solidFill>
-                <a:latin typeface="Open Sans" pitchFamily="34" charset="0"/>
-                <a:ea typeface="Open Sans" pitchFamily="34" charset="-122"/>
+                <a:latin typeface="맑은 고딕" panose="020B0503020000020004" pitchFamily="50" charset="-127"/>
+                <a:ea typeface="맑은 고딕" panose="020B0503020000020004" pitchFamily="50" charset="-127"/>
                 <a:cs typeface="Open Sans" pitchFamily="34" charset="-120"/>
               </a:rPr>
               <a:t>140</a:t>
@@ -10963,8 +11156,8 @@
                 <a:solidFill>
                   <a:srgbClr val="49495A"/>
                 </a:solidFill>
-                <a:latin typeface="Open Sans" pitchFamily="34" charset="0"/>
-                <a:ea typeface="Open Sans" pitchFamily="34" charset="-122"/>
+                <a:latin typeface="맑은 고딕" panose="020B0503020000020004" pitchFamily="50" charset="-127"/>
+                <a:ea typeface="맑은 고딕" panose="020B0503020000020004" pitchFamily="50" charset="-127"/>
                 <a:cs typeface="Open Sans" pitchFamily="34" charset="-120"/>
               </a:rPr>
               <a:t>줄 패턴</a:t>
@@ -10973,8 +11166,8 @@
               <a:solidFill>
                 <a:srgbClr val="49495A"/>
               </a:solidFill>
-              <a:latin typeface="Open Sans" pitchFamily="34" charset="0"/>
-              <a:ea typeface="Open Sans" pitchFamily="34" charset="-122"/>
+              <a:latin typeface="맑은 고딕" panose="020B0503020000020004" pitchFamily="50" charset="-127"/>
+              <a:ea typeface="맑은 고딕" panose="020B0503020000020004" pitchFamily="50" charset="-127"/>
               <a:cs typeface="Open Sans" pitchFamily="34" charset="-120"/>
             </a:endParaRPr>
           </a:p>
@@ -10989,8 +11182,8 @@
               <a:solidFill>
                 <a:srgbClr val="49495A"/>
               </a:solidFill>
-              <a:latin typeface="Open Sans" pitchFamily="34" charset="0"/>
-              <a:ea typeface="Open Sans" pitchFamily="34" charset="-122"/>
+              <a:latin typeface="맑은 고딕" panose="020B0503020000020004" pitchFamily="50" charset="-127"/>
+              <a:ea typeface="맑은 고딕" panose="020B0503020000020004" pitchFamily="50" charset="-127"/>
               <a:cs typeface="Open Sans" pitchFamily="34" charset="-120"/>
             </a:endParaRPr>
           </a:p>
@@ -11132,8 +11325,8 @@
                 <a:solidFill>
                   <a:srgbClr val="49495A"/>
                 </a:solidFill>
-                <a:latin typeface="Open Sans" pitchFamily="34" charset="0"/>
-                <a:ea typeface="Open Sans" pitchFamily="34" charset="-122"/>
+                <a:latin typeface="맑은 고딕" panose="020B0503020000020004" pitchFamily="50" charset="-127"/>
+                <a:ea typeface="맑은 고딕" panose="020B0503020000020004" pitchFamily="50" charset="-127"/>
                 <a:cs typeface="Open Sans" pitchFamily="34" charset="-120"/>
               </a:rPr>
               <a:t>플레이어를 향해 공을 굴린다</a:t>
@@ -11143,8 +11336,8 @@
                 <a:solidFill>
                   <a:srgbClr val="49495A"/>
                 </a:solidFill>
-                <a:latin typeface="Open Sans" pitchFamily="34" charset="0"/>
-                <a:ea typeface="Open Sans" pitchFamily="34" charset="-122"/>
+                <a:latin typeface="맑은 고딕" panose="020B0503020000020004" pitchFamily="50" charset="-127"/>
+                <a:ea typeface="맑은 고딕" panose="020B0503020000020004" pitchFamily="50" charset="-127"/>
                 <a:cs typeface="Open Sans" pitchFamily="34" charset="-120"/>
               </a:rPr>
               <a:t>.</a:t>
@@ -11161,8 +11354,8 @@
               <a:solidFill>
                 <a:srgbClr val="49495A"/>
               </a:solidFill>
-              <a:latin typeface="Open Sans" pitchFamily="34" charset="0"/>
-              <a:ea typeface="Open Sans" pitchFamily="34" charset="-122"/>
+              <a:latin typeface="맑은 고딕" panose="020B0503020000020004" pitchFamily="50" charset="-127"/>
+              <a:ea typeface="맑은 고딕" panose="020B0503020000020004" pitchFamily="50" charset="-127"/>
               <a:cs typeface="Open Sans" pitchFamily="34" charset="-120"/>
             </a:endParaRPr>
           </a:p>
@@ -11178,8 +11371,8 @@
                 <a:solidFill>
                   <a:srgbClr val="49495A"/>
                 </a:solidFill>
-                <a:latin typeface="Open Sans" pitchFamily="34" charset="0"/>
-                <a:ea typeface="Open Sans" pitchFamily="34" charset="-122"/>
+                <a:latin typeface="맑은 고딕" panose="020B0503020000020004" pitchFamily="50" charset="-127"/>
+                <a:ea typeface="맑은 고딕" panose="020B0503020000020004" pitchFamily="50" charset="-127"/>
                 <a:cs typeface="Open Sans" pitchFamily="34" charset="-120"/>
               </a:rPr>
               <a:t>전조</a:t>
@@ -11189,8 +11382,8 @@
                 <a:solidFill>
                   <a:srgbClr val="49495A"/>
                 </a:solidFill>
-                <a:latin typeface="Open Sans" pitchFamily="34" charset="0"/>
-                <a:ea typeface="Open Sans" pitchFamily="34" charset="-122"/>
+                <a:latin typeface="맑은 고딕" panose="020B0503020000020004" pitchFamily="50" charset="-127"/>
+                <a:ea typeface="맑은 고딕" panose="020B0503020000020004" pitchFamily="50" charset="-127"/>
                 <a:cs typeface="Open Sans" pitchFamily="34" charset="-120"/>
               </a:rPr>
               <a:t>: </a:t>
@@ -11200,8 +11393,8 @@
                 <a:solidFill>
                   <a:srgbClr val="49495A"/>
                 </a:solidFill>
-                <a:latin typeface="Open Sans" pitchFamily="34" charset="0"/>
-                <a:ea typeface="Open Sans" pitchFamily="34" charset="-122"/>
+                <a:latin typeface="맑은 고딕" panose="020B0503020000020004" pitchFamily="50" charset="-127"/>
+                <a:ea typeface="맑은 고딕" panose="020B0503020000020004" pitchFamily="50" charset="-127"/>
                 <a:cs typeface="Open Sans" pitchFamily="34" charset="-120"/>
               </a:rPr>
               <a:t>아이가 손으로 공을 볼링 하듯 굴린다</a:t>
@@ -11211,8 +11404,8 @@
                 <a:solidFill>
                   <a:srgbClr val="49495A"/>
                 </a:solidFill>
-                <a:latin typeface="Open Sans" pitchFamily="34" charset="0"/>
-                <a:ea typeface="Open Sans" pitchFamily="34" charset="-122"/>
+                <a:latin typeface="맑은 고딕" panose="020B0503020000020004" pitchFamily="50" charset="-127"/>
+                <a:ea typeface="맑은 고딕" panose="020B0503020000020004" pitchFamily="50" charset="-127"/>
                 <a:cs typeface="Open Sans" pitchFamily="34" charset="-120"/>
               </a:rPr>
               <a:t>.</a:t>
@@ -11230,8 +11423,8 @@
                 <a:solidFill>
                   <a:srgbClr val="49495A"/>
                 </a:solidFill>
-                <a:latin typeface="Open Sans" pitchFamily="34" charset="0"/>
-                <a:ea typeface="Open Sans" pitchFamily="34" charset="-122"/>
+                <a:latin typeface="맑은 고딕" panose="020B0503020000020004" pitchFamily="50" charset="-127"/>
+                <a:ea typeface="맑은 고딕" panose="020B0503020000020004" pitchFamily="50" charset="-127"/>
                 <a:cs typeface="Open Sans" pitchFamily="34" charset="-120"/>
               </a:rPr>
               <a:t>발동</a:t>
@@ -11241,8 +11434,8 @@
                 <a:solidFill>
                   <a:srgbClr val="49495A"/>
                 </a:solidFill>
-                <a:latin typeface="Open Sans" pitchFamily="34" charset="0"/>
-                <a:ea typeface="Open Sans" pitchFamily="34" charset="-122"/>
+                <a:latin typeface="맑은 고딕" panose="020B0503020000020004" pitchFamily="50" charset="-127"/>
+                <a:ea typeface="맑은 고딕" panose="020B0503020000020004" pitchFamily="50" charset="-127"/>
                 <a:cs typeface="Open Sans" pitchFamily="34" charset="-120"/>
               </a:rPr>
               <a:t>: </a:t>
@@ -11252,8 +11445,8 @@
                 <a:solidFill>
                   <a:srgbClr val="49495A"/>
                 </a:solidFill>
-                <a:latin typeface="Open Sans" pitchFamily="34" charset="0"/>
-                <a:ea typeface="Open Sans" pitchFamily="34" charset="-122"/>
+                <a:latin typeface="맑은 고딕" panose="020B0503020000020004" pitchFamily="50" charset="-127"/>
+                <a:ea typeface="맑은 고딕" panose="020B0503020000020004" pitchFamily="50" charset="-127"/>
                 <a:cs typeface="Open Sans" pitchFamily="34" charset="-120"/>
               </a:rPr>
               <a:t>발동시</a:t>
@@ -11263,8 +11456,8 @@
                 <a:solidFill>
                   <a:srgbClr val="49495A"/>
                 </a:solidFill>
-                <a:latin typeface="Open Sans" pitchFamily="34" charset="0"/>
-                <a:ea typeface="Open Sans" pitchFamily="34" charset="-122"/>
+                <a:latin typeface="맑은 고딕" panose="020B0503020000020004" pitchFamily="50" charset="-127"/>
+                <a:ea typeface="맑은 고딕" panose="020B0503020000020004" pitchFamily="50" charset="-127"/>
                 <a:cs typeface="Open Sans" pitchFamily="34" charset="-120"/>
               </a:rPr>
               <a:t> 공은 플레이어를 향해 굴러가며 벽에 닿으면 각도에 따라 튕긴다</a:t>
@@ -11274,8 +11467,8 @@
                 <a:solidFill>
                   <a:srgbClr val="49495A"/>
                 </a:solidFill>
-                <a:latin typeface="Open Sans" pitchFamily="34" charset="0"/>
-                <a:ea typeface="Open Sans" pitchFamily="34" charset="-122"/>
+                <a:latin typeface="맑은 고딕" panose="020B0503020000020004" pitchFamily="50" charset="-127"/>
+                <a:ea typeface="맑은 고딕" panose="020B0503020000020004" pitchFamily="50" charset="-127"/>
                 <a:cs typeface="Open Sans" pitchFamily="34" charset="-120"/>
               </a:rPr>
               <a:t>.</a:t>
@@ -11293,8 +11486,8 @@
                 <a:solidFill>
                   <a:srgbClr val="49495A"/>
                 </a:solidFill>
-                <a:latin typeface="Open Sans" pitchFamily="34" charset="0"/>
-                <a:ea typeface="Open Sans" pitchFamily="34" charset="-122"/>
+                <a:latin typeface="맑은 고딕" panose="020B0503020000020004" pitchFamily="50" charset="-127"/>
+                <a:ea typeface="맑은 고딕" panose="020B0503020000020004" pitchFamily="50" charset="-127"/>
                 <a:cs typeface="Open Sans" pitchFamily="34" charset="-120"/>
               </a:rPr>
               <a:t> </a:t>
@@ -11737,8 +11930,8 @@
                 <a:solidFill>
                   <a:srgbClr val="49495A"/>
                 </a:solidFill>
-                <a:latin typeface="Open Sans" pitchFamily="34" charset="0"/>
-                <a:ea typeface="Open Sans" pitchFamily="34" charset="-122"/>
+                <a:latin typeface="맑은 고딕" panose="020B0503020000020004" pitchFamily="50" charset="-127"/>
+                <a:ea typeface="맑은 고딕" panose="020B0503020000020004" pitchFamily="50" charset="-127"/>
                 <a:cs typeface="Open Sans" pitchFamily="34" charset="-120"/>
               </a:rPr>
               <a:t>아홉 번째 단계의 보스 몬스터는 매우 빠른 속도로 움직이며, 발차기 공격을 연속적으로 가해옵니다. 이를 피하고 타이밍을 잡는 것이 중요합니다.</a:t>
@@ -11892,8 +12085,8 @@
                 <a:solidFill>
                   <a:srgbClr val="49495A"/>
                 </a:solidFill>
-                <a:latin typeface="Open Sans" pitchFamily="34" charset="0"/>
-                <a:ea typeface="Open Sans" pitchFamily="34" charset="-122"/>
+                <a:latin typeface="맑은 고딕" panose="020B0503020000020004" pitchFamily="50" charset="-127"/>
+                <a:ea typeface="맑은 고딕" panose="020B0503020000020004" pitchFamily="50" charset="-127"/>
                 <a:cs typeface="Open Sans" pitchFamily="34" charset="-120"/>
               </a:rPr>
               <a:t>보스 몬스터는 강력한 에너지 구슬을 발사하여 플레이어를 공격합니다. 이 구슬을 회피하거나 막아내기 위한 전략이 필요합니다.</a:t>
@@ -12047,8 +12240,8 @@
                 <a:solidFill>
                   <a:srgbClr val="49495A"/>
                 </a:solidFill>
-                <a:latin typeface="Open Sans" pitchFamily="34" charset="0"/>
-                <a:ea typeface="Open Sans" pitchFamily="34" charset="-122"/>
+                <a:latin typeface="맑은 고딕" panose="020B0503020000020004" pitchFamily="50" charset="-127"/>
+                <a:ea typeface="맑은 고딕" panose="020B0503020000020004" pitchFamily="50" charset="-127"/>
                 <a:cs typeface="Open Sans" pitchFamily="34" charset="-120"/>
               </a:rPr>
               <a:t>때때로 보스 몬스터는 주변에 소형 몬스터들을 소환하여 플레이어를 압박합니다. 이러한 소환 능력을 막는 것도 중요한 과제입니다.</a:t>
@@ -12202,8 +12395,8 @@
                 <a:solidFill>
                   <a:srgbClr val="49495A"/>
                 </a:solidFill>
-                <a:latin typeface="Open Sans" pitchFamily="34" charset="0"/>
-                <a:ea typeface="Open Sans" pitchFamily="34" charset="-122"/>
+                <a:latin typeface="맑은 고딕" panose="020B0503020000020004" pitchFamily="50" charset="-127"/>
+                <a:ea typeface="맑은 고딕" panose="020B0503020000020004" pitchFamily="50" charset="-127"/>
                 <a:cs typeface="Open Sans" pitchFamily="34" charset="-120"/>
               </a:rPr>
               <a:t>마지막으로, 보스 몬스터는 강력한 특수 기술을 구사하여 플레이어에게 큰 위협이 됩니다. 이러한 기술을 잘 파악하고 대비하는 것이 승리의 열쇠입니다.</a:t>
@@ -12504,8 +12697,8 @@
                 <a:solidFill>
                   <a:srgbClr val="49495A"/>
                 </a:solidFill>
-                <a:latin typeface="Open Sans" pitchFamily="34" charset="0"/>
-                <a:ea typeface="Open Sans" pitchFamily="34" charset="-122"/>
+                <a:latin typeface="맑은 고딕" panose="020B0503020000020004" pitchFamily="50" charset="-127"/>
+                <a:ea typeface="맑은 고딕" panose="020B0503020000020004" pitchFamily="50" charset="-127"/>
                 <a:cs typeface="Open Sans" pitchFamily="34" charset="-120"/>
               </a:rPr>
               <a:t>거대한 몸집을 가진 10단계 보스 몬스터는 갑자기 공중으로 솟구쳐 올라 플레이어를 향해 돌진합니다.</a:t>
@@ -12659,8 +12852,8 @@
                 <a:solidFill>
                   <a:srgbClr val="49495A"/>
                 </a:solidFill>
-                <a:latin typeface="Open Sans" pitchFamily="34" charset="0"/>
-                <a:ea typeface="Open Sans" pitchFamily="34" charset="-122"/>
+                <a:latin typeface="맑은 고딕" panose="020B0503020000020004" pitchFamily="50" charset="-127"/>
+                <a:ea typeface="맑은 고딕" panose="020B0503020000020004" pitchFamily="50" charset="-127"/>
                 <a:cs typeface="Open Sans" pitchFamily="34" charset="-120"/>
               </a:rPr>
               <a:t>몬스터의 몸에서 거대한 불길이 피어오르며, 주변 지역을 강력한 화염 폭발로 태워버립니다.</a:t>
@@ -12814,8 +13007,8 @@
                 <a:solidFill>
                   <a:srgbClr val="49495A"/>
                 </a:solidFill>
-                <a:latin typeface="Open Sans" pitchFamily="34" charset="0"/>
-                <a:ea typeface="Open Sans" pitchFamily="34" charset="-122"/>
+                <a:latin typeface="맑은 고딕" panose="020B0503020000020004" pitchFamily="50" charset="-127"/>
+                <a:ea typeface="맑은 고딕" panose="020B0503020000020004" pitchFamily="50" charset="-127"/>
                 <a:cs typeface="Open Sans" pitchFamily="34" charset="-120"/>
               </a:rPr>
               <a:t>몬스터가 바닥을 내리쳐 땅이 갈라지며, 플레이어들은 균열 사이로 떨어질 위험에 처하게 됩니다.</a:t>
@@ -12969,8 +13162,8 @@
                 <a:solidFill>
                   <a:srgbClr val="49495A"/>
                 </a:solidFill>
-                <a:latin typeface="Open Sans" pitchFamily="34" charset="0"/>
-                <a:ea typeface="Open Sans" pitchFamily="34" charset="-122"/>
+                <a:latin typeface="맑은 고딕" panose="020B0503020000020004" pitchFamily="50" charset="-127"/>
+                <a:ea typeface="맑은 고딕" panose="020B0503020000020004" pitchFamily="50" charset="-127"/>
                 <a:cs typeface="Open Sans" pitchFamily="34" charset="-120"/>
               </a:rPr>
               <a:t>몬스터가 플레이어를 향해 연속적으로 강력한 공격을 퍼부어 압도적인 위력을 보여줍니다.</a:t>
@@ -13257,8 +13450,8 @@
                 <a:solidFill>
                   <a:srgbClr val="49495A"/>
                 </a:solidFill>
-                <a:latin typeface="Open Sans" pitchFamily="34" charset="0"/>
-                <a:ea typeface="Open Sans" pitchFamily="34" charset="-122"/>
+                <a:latin typeface="맑은 고딕" panose="020B0503020000020004" pitchFamily="50" charset="-127"/>
+                <a:ea typeface="맑은 고딕" panose="020B0503020000020004" pitchFamily="50" charset="-127"/>
                 <a:cs typeface="Open Sans" pitchFamily="34" charset="-120"/>
               </a:rPr>
               <a:t>플레이어를 향해 원거리 공격</a:t>
@@ -13267,8 +13460,8 @@
               <a:solidFill>
                 <a:srgbClr val="49495A"/>
               </a:solidFill>
-              <a:latin typeface="Open Sans" pitchFamily="34" charset="0"/>
-              <a:ea typeface="Open Sans" pitchFamily="34" charset="-122"/>
+              <a:latin typeface="맑은 고딕" panose="020B0503020000020004" pitchFamily="50" charset="-127"/>
+              <a:ea typeface="맑은 고딕" panose="020B0503020000020004" pitchFamily="50" charset="-127"/>
               <a:cs typeface="Open Sans" pitchFamily="34" charset="-120"/>
             </a:endParaRPr>
           </a:p>
@@ -13284,8 +13477,8 @@
                 <a:solidFill>
                   <a:srgbClr val="49495A"/>
                 </a:solidFill>
-                <a:latin typeface="Open Sans" pitchFamily="34" charset="0"/>
-                <a:ea typeface="Open Sans" pitchFamily="34" charset="-122"/>
+                <a:latin typeface="맑은 고딕" panose="020B0503020000020004" pitchFamily="50" charset="-127"/>
+                <a:ea typeface="맑은 고딕" panose="020B0503020000020004" pitchFamily="50" charset="-127"/>
                 <a:cs typeface="Open Sans" pitchFamily="34" charset="-120"/>
               </a:rPr>
               <a:t>공격 </a:t>
@@ -13295,8 +13488,8 @@
                 <a:solidFill>
                   <a:srgbClr val="49495A"/>
                 </a:solidFill>
-                <a:latin typeface="Open Sans" pitchFamily="34" charset="0"/>
-                <a:ea typeface="Open Sans" pitchFamily="34" charset="-122"/>
+                <a:latin typeface="맑은 고딕" panose="020B0503020000020004" pitchFamily="50" charset="-127"/>
+                <a:ea typeface="맑은 고딕" panose="020B0503020000020004" pitchFamily="50" charset="-127"/>
                 <a:cs typeface="Open Sans" pitchFamily="34" charset="-120"/>
               </a:rPr>
               <a:t>발동시</a:t>
@@ -13306,8 +13499,8 @@
                 <a:solidFill>
                   <a:srgbClr val="49495A"/>
                 </a:solidFill>
-                <a:latin typeface="Open Sans" pitchFamily="34" charset="0"/>
-                <a:ea typeface="Open Sans" pitchFamily="34" charset="-122"/>
+                <a:latin typeface="맑은 고딕" panose="020B0503020000020004" pitchFamily="50" charset="-127"/>
+                <a:ea typeface="맑은 고딕" panose="020B0503020000020004" pitchFamily="50" charset="-127"/>
                 <a:cs typeface="Open Sans" pitchFamily="34" charset="-120"/>
               </a:rPr>
               <a:t> 재자리에서 </a:t>
@@ -13317,8 +13510,8 @@
                 <a:solidFill>
                   <a:srgbClr val="49495A"/>
                 </a:solidFill>
-                <a:latin typeface="Open Sans" pitchFamily="34" charset="0"/>
-                <a:ea typeface="Open Sans" pitchFamily="34" charset="-122"/>
+                <a:latin typeface="맑은 고딕" panose="020B0503020000020004" pitchFamily="50" charset="-127"/>
+                <a:ea typeface="맑은 고딕" panose="020B0503020000020004" pitchFamily="50" charset="-127"/>
                 <a:cs typeface="Open Sans" pitchFamily="34" charset="-120"/>
               </a:rPr>
               <a:t>1</a:t>
@@ -13328,8 +13521,8 @@
                 <a:solidFill>
                   <a:srgbClr val="49495A"/>
                 </a:solidFill>
-                <a:latin typeface="Open Sans" pitchFamily="34" charset="0"/>
-                <a:ea typeface="Open Sans" pitchFamily="34" charset="-122"/>
+                <a:latin typeface="맑은 고딕" panose="020B0503020000020004" pitchFamily="50" charset="-127"/>
+                <a:ea typeface="맑은 고딕" panose="020B0503020000020004" pitchFamily="50" charset="-127"/>
                 <a:cs typeface="Open Sans" pitchFamily="34" charset="-120"/>
               </a:rPr>
               <a:t>초간 장전을 실시하고  플레이어를 향해 물줄기 발사한다</a:t>
@@ -13339,8 +13532,8 @@
                 <a:solidFill>
                   <a:srgbClr val="49495A"/>
                 </a:solidFill>
-                <a:latin typeface="Open Sans" pitchFamily="34" charset="0"/>
-                <a:ea typeface="Open Sans" pitchFamily="34" charset="-122"/>
+                <a:latin typeface="맑은 고딕" panose="020B0503020000020004" pitchFamily="50" charset="-127"/>
+                <a:ea typeface="맑은 고딕" panose="020B0503020000020004" pitchFamily="50" charset="-127"/>
                 <a:cs typeface="Open Sans" pitchFamily="34" charset="-120"/>
               </a:rPr>
               <a:t>. </a:t>
@@ -13350,8 +13543,8 @@
                 <a:solidFill>
                   <a:srgbClr val="49495A"/>
                 </a:solidFill>
-                <a:latin typeface="Open Sans" pitchFamily="34" charset="0"/>
-                <a:ea typeface="Open Sans" pitchFamily="34" charset="-122"/>
+                <a:latin typeface="맑은 고딕" panose="020B0503020000020004" pitchFamily="50" charset="-127"/>
+                <a:ea typeface="맑은 고딕" panose="020B0503020000020004" pitchFamily="50" charset="-127"/>
                 <a:cs typeface="Open Sans" pitchFamily="34" charset="-120"/>
               </a:rPr>
               <a:t>물줄기는 플레이어의 위치를 따라가며 </a:t>
@@ -13361,8 +13554,8 @@
                 <a:solidFill>
                   <a:srgbClr val="49495A"/>
                 </a:solidFill>
-                <a:latin typeface="Open Sans" pitchFamily="34" charset="0"/>
-                <a:ea typeface="Open Sans" pitchFamily="34" charset="-122"/>
+                <a:latin typeface="맑은 고딕" panose="020B0503020000020004" pitchFamily="50" charset="-127"/>
+                <a:ea typeface="맑은 고딕" panose="020B0503020000020004" pitchFamily="50" charset="-127"/>
                 <a:cs typeface="Open Sans" pitchFamily="34" charset="-120"/>
               </a:rPr>
               <a:t>3</a:t>
@@ -13372,8 +13565,8 @@
                 <a:solidFill>
                   <a:srgbClr val="49495A"/>
                 </a:solidFill>
-                <a:latin typeface="Open Sans" pitchFamily="34" charset="0"/>
-                <a:ea typeface="Open Sans" pitchFamily="34" charset="-122"/>
+                <a:latin typeface="맑은 고딕" panose="020B0503020000020004" pitchFamily="50" charset="-127"/>
+                <a:ea typeface="맑은 고딕" panose="020B0503020000020004" pitchFamily="50" charset="-127"/>
                 <a:cs typeface="Open Sans" pitchFamily="34" charset="-120"/>
               </a:rPr>
               <a:t>초 후 종료</a:t>
@@ -13383,8 +13576,8 @@
                 <a:solidFill>
                   <a:srgbClr val="49495A"/>
                 </a:solidFill>
-                <a:latin typeface="Open Sans" pitchFamily="34" charset="0"/>
-                <a:ea typeface="Open Sans" pitchFamily="34" charset="-122"/>
+                <a:latin typeface="맑은 고딕" panose="020B0503020000020004" pitchFamily="50" charset="-127"/>
+                <a:ea typeface="맑은 고딕" panose="020B0503020000020004" pitchFamily="50" charset="-127"/>
                 <a:cs typeface="Open Sans" pitchFamily="34" charset="-120"/>
               </a:rPr>
               <a:t>.</a:t>
@@ -13401,8 +13594,8 @@
               <a:solidFill>
                 <a:srgbClr val="49495A"/>
               </a:solidFill>
-              <a:latin typeface="Open Sans" pitchFamily="34" charset="0"/>
-              <a:ea typeface="Open Sans" pitchFamily="34" charset="-122"/>
+              <a:latin typeface="맑은 고딕" panose="020B0503020000020004" pitchFamily="50" charset="-127"/>
+              <a:ea typeface="맑은 고딕" panose="020B0503020000020004" pitchFamily="50" charset="-127"/>
               <a:cs typeface="Open Sans" pitchFamily="34" charset="-120"/>
             </a:endParaRPr>
           </a:p>
@@ -13418,8 +13611,8 @@
                 <a:solidFill>
                   <a:srgbClr val="49495A"/>
                 </a:solidFill>
-                <a:latin typeface="Open Sans" pitchFamily="34" charset="0"/>
-                <a:ea typeface="Open Sans" pitchFamily="34" charset="-122"/>
+                <a:latin typeface="맑은 고딕" panose="020B0503020000020004" pitchFamily="50" charset="-127"/>
+                <a:ea typeface="맑은 고딕" panose="020B0503020000020004" pitchFamily="50" charset="-127"/>
                 <a:cs typeface="Open Sans" pitchFamily="34" charset="-120"/>
               </a:rPr>
               <a:t> </a:t>
@@ -13428,8 +13621,8 @@
               <a:solidFill>
                 <a:srgbClr val="49495A"/>
               </a:solidFill>
-              <a:latin typeface="Open Sans" pitchFamily="34" charset="0"/>
-              <a:ea typeface="Open Sans" pitchFamily="34" charset="-122"/>
+              <a:latin typeface="맑은 고딕" panose="020B0503020000020004" pitchFamily="50" charset="-127"/>
+              <a:ea typeface="맑은 고딕" panose="020B0503020000020004" pitchFamily="50" charset="-127"/>
               <a:cs typeface="Open Sans" pitchFamily="34" charset="-120"/>
             </a:endParaRPr>
           </a:p>
@@ -13575,8 +13768,8 @@
                 <a:solidFill>
                   <a:srgbClr val="49495A"/>
                 </a:solidFill>
-                <a:latin typeface="Open Sans" pitchFamily="34" charset="0"/>
-                <a:ea typeface="Open Sans" pitchFamily="34" charset="-122"/>
+                <a:latin typeface="맑은 고딕" panose="020B0503020000020004" pitchFamily="50" charset="-127"/>
+                <a:ea typeface="맑은 고딕" panose="020B0503020000020004" pitchFamily="50" charset="-127"/>
                 <a:cs typeface="Open Sans" pitchFamily="34" charset="-120"/>
               </a:rPr>
               <a:t>플레이어를 향해 원거리 공격</a:t>
@@ -13586,8 +13779,8 @@
                 <a:solidFill>
                   <a:srgbClr val="49495A"/>
                 </a:solidFill>
-                <a:latin typeface="Open Sans" pitchFamily="34" charset="0"/>
-                <a:ea typeface="Open Sans" pitchFamily="34" charset="-122"/>
+                <a:latin typeface="맑은 고딕" panose="020B0503020000020004" pitchFamily="50" charset="-127"/>
+                <a:ea typeface="맑은 고딕" panose="020B0503020000020004" pitchFamily="50" charset="-127"/>
                 <a:cs typeface="Open Sans" pitchFamily="34" charset="-120"/>
               </a:rPr>
               <a:t>, </a:t>
@@ -13605,8 +13798,8 @@
                 <a:solidFill>
                   <a:srgbClr val="49495A"/>
                 </a:solidFill>
-                <a:latin typeface="Open Sans" pitchFamily="34" charset="0"/>
-                <a:ea typeface="Open Sans" pitchFamily="34" charset="-122"/>
+                <a:latin typeface="맑은 고딕" panose="020B0503020000020004" pitchFamily="50" charset="-127"/>
+                <a:ea typeface="맑은 고딕" panose="020B0503020000020004" pitchFamily="50" charset="-127"/>
                 <a:cs typeface="Open Sans" pitchFamily="34" charset="-120"/>
               </a:rPr>
               <a:t>공격 발동 시 확인한 플레이어의 좌표에 </a:t>
@@ -13616,8 +13809,8 @@
                 <a:solidFill>
                   <a:srgbClr val="49495A"/>
                 </a:solidFill>
-                <a:latin typeface="Open Sans" pitchFamily="34" charset="0"/>
-                <a:ea typeface="Open Sans" pitchFamily="34" charset="-122"/>
+                <a:latin typeface="맑은 고딕" panose="020B0503020000020004" pitchFamily="50" charset="-127"/>
+                <a:ea typeface="맑은 고딕" panose="020B0503020000020004" pitchFamily="50" charset="-127"/>
                 <a:cs typeface="Open Sans" pitchFamily="34" charset="-120"/>
               </a:rPr>
               <a:t>물폭탄</a:t>
@@ -13627,8 +13820,8 @@
                 <a:solidFill>
                   <a:srgbClr val="49495A"/>
                 </a:solidFill>
-                <a:latin typeface="Open Sans" pitchFamily="34" charset="0"/>
-                <a:ea typeface="Open Sans" pitchFamily="34" charset="-122"/>
+                <a:latin typeface="맑은 고딕" panose="020B0503020000020004" pitchFamily="50" charset="-127"/>
+                <a:ea typeface="맑은 고딕" panose="020B0503020000020004" pitchFamily="50" charset="-127"/>
                 <a:cs typeface="Open Sans" pitchFamily="34" charset="-120"/>
               </a:rPr>
               <a:t> </a:t>
@@ -13638,8 +13831,8 @@
                 <a:solidFill>
                   <a:srgbClr val="49495A"/>
                 </a:solidFill>
-                <a:latin typeface="Open Sans" pitchFamily="34" charset="0"/>
-                <a:ea typeface="Open Sans" pitchFamily="34" charset="-122"/>
+                <a:latin typeface="맑은 고딕" panose="020B0503020000020004" pitchFamily="50" charset="-127"/>
+                <a:ea typeface="맑은 고딕" panose="020B0503020000020004" pitchFamily="50" charset="-127"/>
                 <a:cs typeface="Open Sans" pitchFamily="34" charset="-120"/>
               </a:rPr>
               <a:t>4</a:t>
@@ -13649,8 +13842,8 @@
                 <a:solidFill>
                   <a:srgbClr val="49495A"/>
                 </a:solidFill>
-                <a:latin typeface="Open Sans" pitchFamily="34" charset="0"/>
-                <a:ea typeface="Open Sans" pitchFamily="34" charset="-122"/>
+                <a:latin typeface="맑은 고딕" panose="020B0503020000020004" pitchFamily="50" charset="-127"/>
+                <a:ea typeface="맑은 고딕" panose="020B0503020000020004" pitchFamily="50" charset="-127"/>
                 <a:cs typeface="Open Sans" pitchFamily="34" charset="-120"/>
               </a:rPr>
               <a:t>개를 순차적으로 던진다</a:t>
@@ -13660,8 +13853,8 @@
                 <a:solidFill>
                   <a:srgbClr val="49495A"/>
                 </a:solidFill>
-                <a:latin typeface="Open Sans" pitchFamily="34" charset="0"/>
-                <a:ea typeface="Open Sans" pitchFamily="34" charset="-122"/>
+                <a:latin typeface="맑은 고딕" panose="020B0503020000020004" pitchFamily="50" charset="-127"/>
+                <a:ea typeface="맑은 고딕" panose="020B0503020000020004" pitchFamily="50" charset="-127"/>
                 <a:cs typeface="Open Sans" pitchFamily="34" charset="-120"/>
               </a:rPr>
               <a:t>.</a:t>
@@ -13679,8 +13872,8 @@
                 <a:solidFill>
                   <a:srgbClr val="49495A"/>
                 </a:solidFill>
-                <a:latin typeface="Open Sans" pitchFamily="34" charset="0"/>
-                <a:ea typeface="Open Sans" pitchFamily="34" charset="-122"/>
+                <a:latin typeface="맑은 고딕" panose="020B0503020000020004" pitchFamily="50" charset="-127"/>
+                <a:ea typeface="맑은 고딕" panose="020B0503020000020004" pitchFamily="50" charset="-127"/>
                 <a:cs typeface="Open Sans" pitchFamily="34" charset="-120"/>
               </a:rPr>
               <a:t>이 폭탄은 잔여물</a:t>
@@ -13690,8 +13883,8 @@
                 <a:solidFill>
                   <a:srgbClr val="49495A"/>
                 </a:solidFill>
-                <a:latin typeface="Open Sans" pitchFamily="34" charset="0"/>
-                <a:ea typeface="Open Sans" pitchFamily="34" charset="-122"/>
+                <a:latin typeface="맑은 고딕" panose="020B0503020000020004" pitchFamily="50" charset="-127"/>
+                <a:ea typeface="맑은 고딕" panose="020B0503020000020004" pitchFamily="50" charset="-127"/>
                 <a:cs typeface="Open Sans" pitchFamily="34" charset="-120"/>
               </a:rPr>
               <a:t>(</a:t>
@@ -13701,8 +13894,8 @@
                 <a:solidFill>
                   <a:srgbClr val="49495A"/>
                 </a:solidFill>
-                <a:latin typeface="Open Sans" pitchFamily="34" charset="0"/>
-                <a:ea typeface="Open Sans" pitchFamily="34" charset="-122"/>
+                <a:latin typeface="맑은 고딕" panose="020B0503020000020004" pitchFamily="50" charset="-127"/>
+                <a:ea typeface="맑은 고딕" panose="020B0503020000020004" pitchFamily="50" charset="-127"/>
                 <a:cs typeface="Open Sans" pitchFamily="34" charset="-120"/>
               </a:rPr>
               <a:t>장판</a:t>
@@ -13712,8 +13905,8 @@
                 <a:solidFill>
                   <a:srgbClr val="49495A"/>
                 </a:solidFill>
-                <a:latin typeface="Open Sans" pitchFamily="34" charset="0"/>
-                <a:ea typeface="Open Sans" pitchFamily="34" charset="-122"/>
+                <a:latin typeface="맑은 고딕" panose="020B0503020000020004" pitchFamily="50" charset="-127"/>
+                <a:ea typeface="맑은 고딕" panose="020B0503020000020004" pitchFamily="50" charset="-127"/>
                 <a:cs typeface="Open Sans" pitchFamily="34" charset="-120"/>
               </a:rPr>
               <a:t>)</a:t>
@@ -13723,8 +13916,8 @@
                 <a:solidFill>
                   <a:srgbClr val="49495A"/>
                 </a:solidFill>
-                <a:latin typeface="Open Sans" pitchFamily="34" charset="0"/>
-                <a:ea typeface="Open Sans" pitchFamily="34" charset="-122"/>
+                <a:latin typeface="맑은 고딕" panose="020B0503020000020004" pitchFamily="50" charset="-127"/>
+                <a:ea typeface="맑은 고딕" panose="020B0503020000020004" pitchFamily="50" charset="-127"/>
                 <a:cs typeface="Open Sans" pitchFamily="34" charset="-120"/>
               </a:rPr>
               <a:t>이 남으며 장판은 플레이어에게 </a:t>
@@ -13734,8 +13927,8 @@
                 <a:solidFill>
                   <a:srgbClr val="49495A"/>
                 </a:solidFill>
-                <a:latin typeface="Open Sans" pitchFamily="34" charset="0"/>
-                <a:ea typeface="Open Sans" pitchFamily="34" charset="-122"/>
+                <a:latin typeface="맑은 고딕" panose="020B0503020000020004" pitchFamily="50" charset="-127"/>
+                <a:ea typeface="맑은 고딕" panose="020B0503020000020004" pitchFamily="50" charset="-127"/>
                 <a:cs typeface="Open Sans" pitchFamily="34" charset="-120"/>
               </a:rPr>
               <a:t>0.1</a:t>
@@ -13745,8 +13938,8 @@
                 <a:solidFill>
                   <a:srgbClr val="49495A"/>
                 </a:solidFill>
-                <a:latin typeface="Open Sans" pitchFamily="34" charset="0"/>
-                <a:ea typeface="Open Sans" pitchFamily="34" charset="-122"/>
+                <a:latin typeface="맑은 고딕" panose="020B0503020000020004" pitchFamily="50" charset="-127"/>
+                <a:ea typeface="맑은 고딕" panose="020B0503020000020004" pitchFamily="50" charset="-127"/>
                 <a:cs typeface="Open Sans" pitchFamily="34" charset="-120"/>
               </a:rPr>
               <a:t>초당 </a:t>
@@ -13756,8 +13949,8 @@
                 <a:solidFill>
                   <a:srgbClr val="49495A"/>
                 </a:solidFill>
-                <a:latin typeface="Open Sans" pitchFamily="34" charset="0"/>
-                <a:ea typeface="Open Sans" pitchFamily="34" charset="-122"/>
+                <a:latin typeface="맑은 고딕" panose="020B0503020000020004" pitchFamily="50" charset="-127"/>
+                <a:ea typeface="맑은 고딕" panose="020B0503020000020004" pitchFamily="50" charset="-127"/>
                 <a:cs typeface="Open Sans" pitchFamily="34" charset="-120"/>
               </a:rPr>
               <a:t>2</a:t>
@@ -13767,8 +13960,8 @@
                 <a:solidFill>
                   <a:srgbClr val="49495A"/>
                 </a:solidFill>
-                <a:latin typeface="Open Sans" pitchFamily="34" charset="0"/>
-                <a:ea typeface="Open Sans" pitchFamily="34" charset="-122"/>
+                <a:latin typeface="맑은 고딕" panose="020B0503020000020004" pitchFamily="50" charset="-127"/>
+                <a:ea typeface="맑은 고딕" panose="020B0503020000020004" pitchFamily="50" charset="-127"/>
                 <a:cs typeface="Open Sans" pitchFamily="34" charset="-120"/>
               </a:rPr>
               <a:t>의 데미지를 준다</a:t>
@@ -13778,8 +13971,8 @@
                 <a:solidFill>
                   <a:srgbClr val="49495A"/>
                 </a:solidFill>
-                <a:latin typeface="Open Sans" pitchFamily="34" charset="0"/>
-                <a:ea typeface="Open Sans" pitchFamily="34" charset="-122"/>
+                <a:latin typeface="맑은 고딕" panose="020B0503020000020004" pitchFamily="50" charset="-127"/>
+                <a:ea typeface="맑은 고딕" panose="020B0503020000020004" pitchFamily="50" charset="-127"/>
                 <a:cs typeface="Open Sans" pitchFamily="34" charset="-120"/>
               </a:rPr>
               <a:t>.</a:t>
@@ -13850,6 +14043,508 @@
               <a:rPr lang="ko-KR" altLang="en-US" dirty="0"/>
               <a:t> 터 사 진</a:t>
             </a:r>
+          </a:p>
+        </p:txBody>
+      </p:sp>
+      <p:grpSp>
+        <p:nvGrpSpPr>
+          <p:cNvPr id="2" name="그룹 1">
+            <a:extLst>
+              <a:ext uri="{FF2B5EF4-FFF2-40B4-BE49-F238E27FC236}">
+                <a16:creationId xmlns:a16="http://schemas.microsoft.com/office/drawing/2014/main" id="{1D5EAAC3-5B0A-E15A-0CFC-79D09488E08A}"/>
+              </a:ext>
+            </a:extLst>
+          </p:cNvPr>
+          <p:cNvGrpSpPr/>
+          <p:nvPr/>
+        </p:nvGrpSpPr>
+        <p:grpSpPr>
+          <a:xfrm>
+            <a:off x="1911610" y="4555291"/>
+            <a:ext cx="441789" cy="793458"/>
+            <a:chOff x="3462391" y="3321342"/>
+            <a:chExt cx="441789" cy="793458"/>
+          </a:xfrm>
+        </p:grpSpPr>
+        <p:sp>
+          <p:nvSpPr>
+            <p:cNvPr id="3" name="직사각형 2">
+              <a:extLst>
+                <a:ext uri="{FF2B5EF4-FFF2-40B4-BE49-F238E27FC236}">
+                  <a16:creationId xmlns:a16="http://schemas.microsoft.com/office/drawing/2014/main" id="{3F81E4A8-38F2-219D-3D3E-641A1C7CABB6}"/>
+                </a:ext>
+              </a:extLst>
+            </p:cNvPr>
+            <p:cNvSpPr/>
+            <p:nvPr/>
+          </p:nvSpPr>
+          <p:spPr>
+            <a:xfrm>
+              <a:off x="3462391" y="3565133"/>
+              <a:ext cx="441789" cy="549667"/>
+            </a:xfrm>
+            <a:prstGeom prst="rect">
+              <a:avLst/>
+            </a:prstGeom>
+          </p:spPr>
+          <p:style>
+            <a:lnRef idx="2">
+              <a:schemeClr val="accent1">
+                <a:shade val="15000"/>
+              </a:schemeClr>
+            </a:lnRef>
+            <a:fillRef idx="1">
+              <a:schemeClr val="accent1"/>
+            </a:fillRef>
+            <a:effectRef idx="0">
+              <a:schemeClr val="accent1"/>
+            </a:effectRef>
+            <a:fontRef idx="minor">
+              <a:schemeClr val="lt1"/>
+            </a:fontRef>
+          </p:style>
+          <p:txBody>
+            <a:bodyPr rtlCol="0" anchor="ctr"/>
+            <a:lstStyle/>
+            <a:p>
+              <a:pPr algn="ctr"/>
+              <a:endParaRPr lang="ko-KR" altLang="en-US"/>
+            </a:p>
+          </p:txBody>
+        </p:sp>
+        <p:sp>
+          <p:nvSpPr>
+            <p:cNvPr id="9" name="타원 8">
+              <a:extLst>
+                <a:ext uri="{FF2B5EF4-FFF2-40B4-BE49-F238E27FC236}">
+                  <a16:creationId xmlns:a16="http://schemas.microsoft.com/office/drawing/2014/main" id="{6495A0F3-33FD-2B1D-D0FB-A953FF69B552}"/>
+                </a:ext>
+              </a:extLst>
+            </p:cNvPr>
+            <p:cNvSpPr/>
+            <p:nvPr/>
+          </p:nvSpPr>
+          <p:spPr>
+            <a:xfrm>
+              <a:off x="3462391" y="3321342"/>
+              <a:ext cx="441789" cy="243791"/>
+            </a:xfrm>
+            <a:prstGeom prst="ellipse">
+              <a:avLst/>
+            </a:prstGeom>
+          </p:spPr>
+          <p:style>
+            <a:lnRef idx="2">
+              <a:schemeClr val="accent1">
+                <a:shade val="15000"/>
+              </a:schemeClr>
+            </a:lnRef>
+            <a:fillRef idx="1">
+              <a:schemeClr val="accent1"/>
+            </a:fillRef>
+            <a:effectRef idx="0">
+              <a:schemeClr val="accent1"/>
+            </a:effectRef>
+            <a:fontRef idx="minor">
+              <a:schemeClr val="lt1"/>
+            </a:fontRef>
+          </p:style>
+          <p:txBody>
+            <a:bodyPr rtlCol="0" anchor="ctr"/>
+            <a:lstStyle/>
+            <a:p>
+              <a:pPr algn="ctr"/>
+              <a:endParaRPr lang="ko-KR" altLang="en-US"/>
+            </a:p>
+          </p:txBody>
+        </p:sp>
+      </p:grpSp>
+      <p:sp>
+        <p:nvSpPr>
+          <p:cNvPr id="17" name="직사각형 16">
+            <a:extLst>
+              <a:ext uri="{FF2B5EF4-FFF2-40B4-BE49-F238E27FC236}">
+                <a16:creationId xmlns:a16="http://schemas.microsoft.com/office/drawing/2014/main" id="{807928B3-47EB-97E5-F54D-FC04B672B1D7}"/>
+              </a:ext>
+            </a:extLst>
+          </p:cNvPr>
+          <p:cNvSpPr/>
+          <p:nvPr/>
+        </p:nvSpPr>
+        <p:spPr>
+          <a:xfrm>
+            <a:off x="2630184" y="4850296"/>
+            <a:ext cx="1715785" cy="184041"/>
+          </a:xfrm>
+          <a:prstGeom prst="rect">
+            <a:avLst/>
+          </a:prstGeom>
+        </p:spPr>
+        <p:style>
+          <a:lnRef idx="2">
+            <a:schemeClr val="accent1">
+              <a:shade val="15000"/>
+            </a:schemeClr>
+          </a:lnRef>
+          <a:fillRef idx="1">
+            <a:schemeClr val="accent1"/>
+          </a:fillRef>
+          <a:effectRef idx="0">
+            <a:schemeClr val="accent1"/>
+          </a:effectRef>
+          <a:fontRef idx="minor">
+            <a:schemeClr val="lt1"/>
+          </a:fontRef>
+        </p:style>
+        <p:txBody>
+          <a:bodyPr rtlCol="0" anchor="ctr"/>
+          <a:lstStyle/>
+          <a:p>
+            <a:pPr algn="ctr"/>
+            <a:endParaRPr lang="ko-KR" altLang="en-US"/>
+          </a:p>
+        </p:txBody>
+      </p:sp>
+      <p:sp>
+        <p:nvSpPr>
+          <p:cNvPr id="18" name="화살표: 아래쪽 17">
+            <a:extLst>
+              <a:ext uri="{FF2B5EF4-FFF2-40B4-BE49-F238E27FC236}">
+                <a16:creationId xmlns:a16="http://schemas.microsoft.com/office/drawing/2014/main" id="{E4AD747F-8D7C-C840-B4E4-EFB473578DBC}"/>
+              </a:ext>
+            </a:extLst>
+          </p:cNvPr>
+          <p:cNvSpPr/>
+          <p:nvPr/>
+        </p:nvSpPr>
+        <p:spPr>
+          <a:xfrm>
+            <a:off x="3904180" y="5093648"/>
+            <a:ext cx="201329" cy="474130"/>
+          </a:xfrm>
+          <a:prstGeom prst="downArrow">
+            <a:avLst/>
+          </a:prstGeom>
+        </p:spPr>
+        <p:style>
+          <a:lnRef idx="2">
+            <a:schemeClr val="accent1">
+              <a:shade val="15000"/>
+            </a:schemeClr>
+          </a:lnRef>
+          <a:fillRef idx="1">
+            <a:schemeClr val="accent1"/>
+          </a:fillRef>
+          <a:effectRef idx="0">
+            <a:schemeClr val="accent1"/>
+          </a:effectRef>
+          <a:fontRef idx="minor">
+            <a:schemeClr val="lt1"/>
+          </a:fontRef>
+        </p:style>
+        <p:txBody>
+          <a:bodyPr rtlCol="0" anchor="ctr"/>
+          <a:lstStyle/>
+          <a:p>
+            <a:pPr algn="ctr"/>
+            <a:endParaRPr lang="ko-KR" altLang="en-US"/>
+          </a:p>
+        </p:txBody>
+      </p:sp>
+      <p:sp>
+        <p:nvSpPr>
+          <p:cNvPr id="19" name="타원 18">
+            <a:extLst>
+              <a:ext uri="{FF2B5EF4-FFF2-40B4-BE49-F238E27FC236}">
+                <a16:creationId xmlns:a16="http://schemas.microsoft.com/office/drawing/2014/main" id="{5A6A0E55-8257-B799-EB31-8FE0C5DBF72F}"/>
+              </a:ext>
+            </a:extLst>
+          </p:cNvPr>
+          <p:cNvSpPr/>
+          <p:nvPr/>
+        </p:nvSpPr>
+        <p:spPr>
+          <a:xfrm>
+            <a:off x="3847671" y="5702604"/>
+            <a:ext cx="314345" cy="184041"/>
+          </a:xfrm>
+          <a:prstGeom prst="ellipse">
+            <a:avLst/>
+          </a:prstGeom>
+        </p:spPr>
+        <p:style>
+          <a:lnRef idx="2">
+            <a:schemeClr val="accent6">
+              <a:shade val="15000"/>
+            </a:schemeClr>
+          </a:lnRef>
+          <a:fillRef idx="1">
+            <a:schemeClr val="accent6"/>
+          </a:fillRef>
+          <a:effectRef idx="0">
+            <a:schemeClr val="accent6"/>
+          </a:effectRef>
+          <a:fontRef idx="minor">
+            <a:schemeClr val="lt1"/>
+          </a:fontRef>
+        </p:style>
+        <p:txBody>
+          <a:bodyPr rtlCol="0" anchor="ctr"/>
+          <a:lstStyle/>
+          <a:p>
+            <a:pPr algn="ctr"/>
+            <a:endParaRPr lang="ko-KR" altLang="en-US"/>
+          </a:p>
+        </p:txBody>
+      </p:sp>
+      <p:grpSp>
+        <p:nvGrpSpPr>
+          <p:cNvPr id="20" name="그룹 19">
+            <a:extLst>
+              <a:ext uri="{FF2B5EF4-FFF2-40B4-BE49-F238E27FC236}">
+                <a16:creationId xmlns:a16="http://schemas.microsoft.com/office/drawing/2014/main" id="{5104B24F-4F39-F6C9-7BC9-0C3534A832BC}"/>
+              </a:ext>
+            </a:extLst>
+          </p:cNvPr>
+          <p:cNvGrpSpPr/>
+          <p:nvPr/>
+        </p:nvGrpSpPr>
+        <p:grpSpPr>
+          <a:xfrm>
+            <a:off x="7578684" y="5093187"/>
+            <a:ext cx="441789" cy="793458"/>
+            <a:chOff x="3462391" y="3321342"/>
+            <a:chExt cx="441789" cy="793458"/>
+          </a:xfrm>
+        </p:grpSpPr>
+        <p:sp>
+          <p:nvSpPr>
+            <p:cNvPr id="21" name="직사각형 20">
+              <a:extLst>
+                <a:ext uri="{FF2B5EF4-FFF2-40B4-BE49-F238E27FC236}">
+                  <a16:creationId xmlns:a16="http://schemas.microsoft.com/office/drawing/2014/main" id="{A48C48D4-FA47-31A2-7389-7CE761522DA7}"/>
+                </a:ext>
+              </a:extLst>
+            </p:cNvPr>
+            <p:cNvSpPr/>
+            <p:nvPr/>
+          </p:nvSpPr>
+          <p:spPr>
+            <a:xfrm>
+              <a:off x="3462391" y="3565133"/>
+              <a:ext cx="441789" cy="549667"/>
+            </a:xfrm>
+            <a:prstGeom prst="rect">
+              <a:avLst/>
+            </a:prstGeom>
+          </p:spPr>
+          <p:style>
+            <a:lnRef idx="2">
+              <a:schemeClr val="accent1">
+                <a:shade val="15000"/>
+              </a:schemeClr>
+            </a:lnRef>
+            <a:fillRef idx="1">
+              <a:schemeClr val="accent1"/>
+            </a:fillRef>
+            <a:effectRef idx="0">
+              <a:schemeClr val="accent1"/>
+            </a:effectRef>
+            <a:fontRef idx="minor">
+              <a:schemeClr val="lt1"/>
+            </a:fontRef>
+          </p:style>
+          <p:txBody>
+            <a:bodyPr rtlCol="0" anchor="ctr"/>
+            <a:lstStyle/>
+            <a:p>
+              <a:pPr algn="ctr"/>
+              <a:endParaRPr lang="ko-KR" altLang="en-US"/>
+            </a:p>
+          </p:txBody>
+        </p:sp>
+        <p:sp>
+          <p:nvSpPr>
+            <p:cNvPr id="23" name="타원 22">
+              <a:extLst>
+                <a:ext uri="{FF2B5EF4-FFF2-40B4-BE49-F238E27FC236}">
+                  <a16:creationId xmlns:a16="http://schemas.microsoft.com/office/drawing/2014/main" id="{991E336B-77CF-06AC-3FA4-039900405448}"/>
+                </a:ext>
+              </a:extLst>
+            </p:cNvPr>
+            <p:cNvSpPr/>
+            <p:nvPr/>
+          </p:nvSpPr>
+          <p:spPr>
+            <a:xfrm>
+              <a:off x="3462391" y="3321342"/>
+              <a:ext cx="441789" cy="243791"/>
+            </a:xfrm>
+            <a:prstGeom prst="ellipse">
+              <a:avLst/>
+            </a:prstGeom>
+          </p:spPr>
+          <p:style>
+            <a:lnRef idx="2">
+              <a:schemeClr val="accent1">
+                <a:shade val="15000"/>
+              </a:schemeClr>
+            </a:lnRef>
+            <a:fillRef idx="1">
+              <a:schemeClr val="accent1"/>
+            </a:fillRef>
+            <a:effectRef idx="0">
+              <a:schemeClr val="accent1"/>
+            </a:effectRef>
+            <a:fontRef idx="minor">
+              <a:schemeClr val="lt1"/>
+            </a:fontRef>
+          </p:style>
+          <p:txBody>
+            <a:bodyPr rtlCol="0" anchor="ctr"/>
+            <a:lstStyle/>
+            <a:p>
+              <a:pPr algn="ctr"/>
+              <a:endParaRPr lang="ko-KR" altLang="en-US"/>
+            </a:p>
+          </p:txBody>
+        </p:sp>
+      </p:grpSp>
+      <p:sp>
+        <p:nvSpPr>
+          <p:cNvPr id="24" name="타원 23">
+            <a:extLst>
+              <a:ext uri="{FF2B5EF4-FFF2-40B4-BE49-F238E27FC236}">
+                <a16:creationId xmlns:a16="http://schemas.microsoft.com/office/drawing/2014/main" id="{F80E836A-DBF0-1083-8B75-37DDBB2419BF}"/>
+              </a:ext>
+            </a:extLst>
+          </p:cNvPr>
+          <p:cNvSpPr/>
+          <p:nvPr/>
+        </p:nvSpPr>
+        <p:spPr>
+          <a:xfrm>
+            <a:off x="8493463" y="5042381"/>
+            <a:ext cx="260119" cy="255101"/>
+          </a:xfrm>
+          <a:prstGeom prst="ellipse">
+            <a:avLst/>
+          </a:prstGeom>
+        </p:spPr>
+        <p:style>
+          <a:lnRef idx="2">
+            <a:schemeClr val="accent1">
+              <a:shade val="15000"/>
+            </a:schemeClr>
+          </a:lnRef>
+          <a:fillRef idx="1">
+            <a:schemeClr val="accent1"/>
+          </a:fillRef>
+          <a:effectRef idx="0">
+            <a:schemeClr val="accent1"/>
+          </a:effectRef>
+          <a:fontRef idx="minor">
+            <a:schemeClr val="lt1"/>
+          </a:fontRef>
+        </p:style>
+        <p:txBody>
+          <a:bodyPr rtlCol="0" anchor="ctr"/>
+          <a:lstStyle/>
+          <a:p>
+            <a:pPr algn="ctr"/>
+            <a:endParaRPr lang="ko-KR" altLang="en-US"/>
+          </a:p>
+        </p:txBody>
+      </p:sp>
+      <p:sp>
+        <p:nvSpPr>
+          <p:cNvPr id="25" name="타원 24">
+            <a:extLst>
+              <a:ext uri="{FF2B5EF4-FFF2-40B4-BE49-F238E27FC236}">
+                <a16:creationId xmlns:a16="http://schemas.microsoft.com/office/drawing/2014/main" id="{7602FB55-D6CC-69DB-753A-E06F4075DFAD}"/>
+              </a:ext>
+            </a:extLst>
+          </p:cNvPr>
+          <p:cNvSpPr/>
+          <p:nvPr/>
+        </p:nvSpPr>
+        <p:spPr>
+          <a:xfrm>
+            <a:off x="8873607" y="5374091"/>
+            <a:ext cx="260119" cy="255101"/>
+          </a:xfrm>
+          <a:prstGeom prst="ellipse">
+            <a:avLst/>
+          </a:prstGeom>
+        </p:spPr>
+        <p:style>
+          <a:lnRef idx="2">
+            <a:schemeClr val="accent1">
+              <a:shade val="15000"/>
+            </a:schemeClr>
+          </a:lnRef>
+          <a:fillRef idx="1">
+            <a:schemeClr val="accent1"/>
+          </a:fillRef>
+          <a:effectRef idx="0">
+            <a:schemeClr val="accent1"/>
+          </a:effectRef>
+          <a:fontRef idx="minor">
+            <a:schemeClr val="lt1"/>
+          </a:fontRef>
+        </p:style>
+        <p:txBody>
+          <a:bodyPr rtlCol="0" anchor="ctr"/>
+          <a:lstStyle/>
+          <a:p>
+            <a:pPr algn="ctr"/>
+            <a:endParaRPr lang="ko-KR" altLang="en-US"/>
+          </a:p>
+        </p:txBody>
+      </p:sp>
+      <p:sp>
+        <p:nvSpPr>
+          <p:cNvPr id="26" name="타원 25">
+            <a:extLst>
+              <a:ext uri="{FF2B5EF4-FFF2-40B4-BE49-F238E27FC236}">
+                <a16:creationId xmlns:a16="http://schemas.microsoft.com/office/drawing/2014/main" id="{0CEC66A6-2884-B1F5-C929-8D0A0D16074B}"/>
+              </a:ext>
+            </a:extLst>
+          </p:cNvPr>
+          <p:cNvSpPr/>
+          <p:nvPr/>
+        </p:nvSpPr>
+        <p:spPr>
+          <a:xfrm>
+            <a:off x="8493463" y="5667073"/>
+            <a:ext cx="260119" cy="255101"/>
+          </a:xfrm>
+          <a:prstGeom prst="ellipse">
+            <a:avLst/>
+          </a:prstGeom>
+        </p:spPr>
+        <p:style>
+          <a:lnRef idx="2">
+            <a:schemeClr val="accent1">
+              <a:shade val="15000"/>
+            </a:schemeClr>
+          </a:lnRef>
+          <a:fillRef idx="1">
+            <a:schemeClr val="accent1"/>
+          </a:fillRef>
+          <a:effectRef idx="0">
+            <a:schemeClr val="accent1"/>
+          </a:effectRef>
+          <a:fontRef idx="minor">
+            <a:schemeClr val="lt1"/>
+          </a:fontRef>
+        </p:style>
+        <p:txBody>
+          <a:bodyPr rtlCol="0" anchor="ctr"/>
+          <a:lstStyle/>
+          <a:p>
+            <a:pPr algn="ctr"/>
+            <a:endParaRPr lang="ko-KR" altLang="en-US"/>
           </a:p>
         </p:txBody>
       </p:sp>
@@ -14111,8 +14806,8 @@
                 <a:solidFill>
                   <a:srgbClr val="49495A"/>
                 </a:solidFill>
-                <a:latin typeface="Open Sans" pitchFamily="34" charset="0"/>
-                <a:ea typeface="Open Sans" pitchFamily="34" charset="-122"/>
+                <a:latin typeface="맑은 고딕" panose="020B0503020000020004" pitchFamily="50" charset="-127"/>
+                <a:ea typeface="맑은 고딕" panose="020B0503020000020004" pitchFamily="50" charset="-127"/>
                 <a:cs typeface="Open Sans" pitchFamily="34" charset="-120"/>
               </a:rPr>
               <a:t>플레이어를 향한 범위 공격</a:t>
@@ -14121,8 +14816,8 @@
               <a:solidFill>
                 <a:srgbClr val="49495A"/>
               </a:solidFill>
-              <a:latin typeface="Open Sans" pitchFamily="34" charset="0"/>
-              <a:ea typeface="Open Sans" pitchFamily="34" charset="-122"/>
+              <a:latin typeface="맑은 고딕" panose="020B0503020000020004" pitchFamily="50" charset="-127"/>
+              <a:ea typeface="맑은 고딕" panose="020B0503020000020004" pitchFamily="50" charset="-127"/>
               <a:cs typeface="Open Sans" pitchFamily="34" charset="-120"/>
             </a:endParaRPr>
           </a:p>
@@ -14137,8 +14832,8 @@
                 <a:solidFill>
                   <a:srgbClr val="49495A"/>
                 </a:solidFill>
-                <a:latin typeface="Open Sans" pitchFamily="34" charset="0"/>
-                <a:ea typeface="Open Sans" pitchFamily="34" charset="-122"/>
+                <a:latin typeface="맑은 고딕" panose="020B0503020000020004" pitchFamily="50" charset="-127"/>
+                <a:ea typeface="맑은 고딕" panose="020B0503020000020004" pitchFamily="50" charset="-127"/>
                 <a:cs typeface="Open Sans" pitchFamily="34" charset="-120"/>
               </a:rPr>
               <a:t>발동시</a:t>
@@ -14148,8 +14843,8 @@
                 <a:solidFill>
                   <a:srgbClr val="49495A"/>
                 </a:solidFill>
-                <a:latin typeface="Open Sans" pitchFamily="34" charset="0"/>
-                <a:ea typeface="Open Sans" pitchFamily="34" charset="-122"/>
+                <a:latin typeface="맑은 고딕" panose="020B0503020000020004" pitchFamily="50" charset="-127"/>
+                <a:ea typeface="맑은 고딕" panose="020B0503020000020004" pitchFamily="50" charset="-127"/>
                 <a:cs typeface="Open Sans" pitchFamily="34" charset="-120"/>
               </a:rPr>
               <a:t> </a:t>
@@ -14159,8 +14854,8 @@
                 <a:solidFill>
                   <a:srgbClr val="49495A"/>
                 </a:solidFill>
-                <a:latin typeface="Open Sans" pitchFamily="34" charset="0"/>
-                <a:ea typeface="Open Sans" pitchFamily="34" charset="-122"/>
+                <a:latin typeface="맑은 고딕" panose="020B0503020000020004" pitchFamily="50" charset="-127"/>
+                <a:ea typeface="맑은 고딕" panose="020B0503020000020004" pitchFamily="50" charset="-127"/>
                 <a:cs typeface="Open Sans" pitchFamily="34" charset="-120"/>
               </a:rPr>
               <a:t>보스</a:t>
@@ -14170,8 +14865,8 @@
                 <a:solidFill>
                   <a:srgbClr val="49495A"/>
                 </a:solidFill>
-                <a:latin typeface="Open Sans" pitchFamily="34" charset="0"/>
-                <a:ea typeface="Open Sans" pitchFamily="34" charset="-122"/>
+                <a:latin typeface="맑은 고딕" panose="020B0503020000020004" pitchFamily="50" charset="-127"/>
+                <a:ea typeface="맑은 고딕" panose="020B0503020000020004" pitchFamily="50" charset="-127"/>
                 <a:cs typeface="Open Sans" pitchFamily="34" charset="-120"/>
               </a:rPr>
               <a:t> </a:t>
@@ -14181,8 +14876,8 @@
                 <a:solidFill>
                   <a:srgbClr val="49495A"/>
                 </a:solidFill>
-                <a:latin typeface="Open Sans" pitchFamily="34" charset="0"/>
-                <a:ea typeface="Open Sans" pitchFamily="34" charset="-122"/>
+                <a:latin typeface="맑은 고딕" panose="020B0503020000020004" pitchFamily="50" charset="-127"/>
+                <a:ea typeface="맑은 고딕" panose="020B0503020000020004" pitchFamily="50" charset="-127"/>
                 <a:cs typeface="Open Sans" pitchFamily="34" charset="-120"/>
               </a:rPr>
               <a:t>몬스터가</a:t>
@@ -14192,8 +14887,8 @@
                 <a:solidFill>
                   <a:srgbClr val="49495A"/>
                 </a:solidFill>
-                <a:latin typeface="Open Sans" pitchFamily="34" charset="0"/>
-                <a:ea typeface="Open Sans" pitchFamily="34" charset="-122"/>
+                <a:latin typeface="맑은 고딕" panose="020B0503020000020004" pitchFamily="50" charset="-127"/>
+                <a:ea typeface="맑은 고딕" panose="020B0503020000020004" pitchFamily="50" charset="-127"/>
                 <a:cs typeface="Open Sans" pitchFamily="34" charset="-120"/>
               </a:rPr>
               <a:t> </a:t>
@@ -14203,8 +14898,8 @@
                 <a:solidFill>
                   <a:srgbClr val="49495A"/>
                 </a:solidFill>
-                <a:latin typeface="Open Sans" pitchFamily="34" charset="0"/>
-                <a:ea typeface="Open Sans" pitchFamily="34" charset="-122"/>
+                <a:latin typeface="맑은 고딕" panose="020B0503020000020004" pitchFamily="50" charset="-127"/>
+                <a:ea typeface="맑은 고딕" panose="020B0503020000020004" pitchFamily="50" charset="-127"/>
                 <a:cs typeface="Open Sans" pitchFamily="34" charset="-120"/>
               </a:rPr>
               <a:t>플레이어의 방향으로 </a:t>
@@ -14214,8 +14909,8 @@
                 <a:solidFill>
                   <a:srgbClr val="49495A"/>
                 </a:solidFill>
-                <a:latin typeface="Open Sans" pitchFamily="34" charset="0"/>
-                <a:ea typeface="Open Sans" pitchFamily="34" charset="-122"/>
+                <a:latin typeface="맑은 고딕" panose="020B0503020000020004" pitchFamily="50" charset="-127"/>
+                <a:ea typeface="맑은 고딕" panose="020B0503020000020004" pitchFamily="50" charset="-127"/>
                 <a:cs typeface="Open Sans" pitchFamily="34" charset="-120"/>
               </a:rPr>
               <a:t>강력한</a:t>
@@ -14225,8 +14920,8 @@
                 <a:solidFill>
                   <a:srgbClr val="49495A"/>
                 </a:solidFill>
-                <a:latin typeface="Open Sans" pitchFamily="34" charset="0"/>
-                <a:ea typeface="Open Sans" pitchFamily="34" charset="-122"/>
+                <a:latin typeface="맑은 고딕" panose="020B0503020000020004" pitchFamily="50" charset="-127"/>
+                <a:ea typeface="맑은 고딕" panose="020B0503020000020004" pitchFamily="50" charset="-127"/>
                 <a:cs typeface="Open Sans" pitchFamily="34" charset="-120"/>
               </a:rPr>
               <a:t> </a:t>
@@ -14236,8 +14931,8 @@
                 <a:solidFill>
                   <a:srgbClr val="49495A"/>
                 </a:solidFill>
-                <a:latin typeface="Open Sans" pitchFamily="34" charset="0"/>
-                <a:ea typeface="Open Sans" pitchFamily="34" charset="-122"/>
+                <a:latin typeface="맑은 고딕" panose="020B0503020000020004" pitchFamily="50" charset="-127"/>
+                <a:ea typeface="맑은 고딕" panose="020B0503020000020004" pitchFamily="50" charset="-127"/>
                 <a:cs typeface="Open Sans" pitchFamily="34" charset="-120"/>
               </a:rPr>
               <a:t>충격파를</a:t>
@@ -14247,8 +14942,8 @@
                 <a:solidFill>
                   <a:srgbClr val="49495A"/>
                 </a:solidFill>
-                <a:latin typeface="Open Sans" pitchFamily="34" charset="0"/>
-                <a:ea typeface="Open Sans" pitchFamily="34" charset="-122"/>
+                <a:latin typeface="맑은 고딕" panose="020B0503020000020004" pitchFamily="50" charset="-127"/>
+                <a:ea typeface="맑은 고딕" panose="020B0503020000020004" pitchFamily="50" charset="-127"/>
                 <a:cs typeface="Open Sans" pitchFamily="34" charset="-120"/>
               </a:rPr>
               <a:t> </a:t>
@@ -14258,8 +14953,8 @@
                 <a:solidFill>
                   <a:srgbClr val="49495A"/>
                 </a:solidFill>
-                <a:latin typeface="Open Sans" pitchFamily="34" charset="0"/>
-                <a:ea typeface="Open Sans" pitchFamily="34" charset="-122"/>
+                <a:latin typeface="맑은 고딕" panose="020B0503020000020004" pitchFamily="50" charset="-127"/>
+                <a:ea typeface="맑은 고딕" panose="020B0503020000020004" pitchFamily="50" charset="-127"/>
                 <a:cs typeface="Open Sans" pitchFamily="34" charset="-120"/>
               </a:rPr>
               <a:t>내뿜</a:t>
@@ -14269,8 +14964,8 @@
                 <a:solidFill>
                   <a:srgbClr val="49495A"/>
                 </a:solidFill>
-                <a:latin typeface="Open Sans" pitchFamily="34" charset="0"/>
-                <a:ea typeface="Open Sans" pitchFamily="34" charset="-122"/>
+                <a:latin typeface="맑은 고딕" panose="020B0503020000020004" pitchFamily="50" charset="-127"/>
+                <a:ea typeface="맑은 고딕" panose="020B0503020000020004" pitchFamily="50" charset="-127"/>
                 <a:cs typeface="Open Sans" pitchFamily="34" charset="-120"/>
               </a:rPr>
               <a:t>는다</a:t>
@@ -14280,8 +14975,8 @@
                 <a:solidFill>
                   <a:srgbClr val="49495A"/>
                 </a:solidFill>
-                <a:latin typeface="Open Sans" pitchFamily="34" charset="0"/>
-                <a:ea typeface="Open Sans" pitchFamily="34" charset="-122"/>
+                <a:latin typeface="맑은 고딕" panose="020B0503020000020004" pitchFamily="50" charset="-127"/>
+                <a:ea typeface="맑은 고딕" panose="020B0503020000020004" pitchFamily="50" charset="-127"/>
                 <a:cs typeface="Open Sans" pitchFamily="34" charset="-120"/>
               </a:rPr>
               <a:t>.</a:t>
@@ -14306,8 +15001,8 @@
               <a:solidFill>
                 <a:srgbClr val="49495A"/>
               </a:solidFill>
-              <a:latin typeface="Open Sans" pitchFamily="34" charset="0"/>
-              <a:ea typeface="Open Sans" pitchFamily="34" charset="-122"/>
+              <a:latin typeface="맑은 고딕" panose="020B0503020000020004" pitchFamily="50" charset="-127"/>
+              <a:ea typeface="맑은 고딕" panose="020B0503020000020004" pitchFamily="50" charset="-127"/>
               <a:cs typeface="Open Sans" pitchFamily="34" charset="-120"/>
             </a:endParaRPr>
           </a:p>
@@ -14410,8 +15105,8 @@
               <a:buNone/>
             </a:pPr>
             <a:r>
-              <a:rPr lang="ko-KR" altLang="en-US" sz="2187" dirty="0" err="1"/>
-              <a:t>침뱉기</a:t>
+              <a:rPr lang="ko-KR" altLang="en-US" sz="2187" dirty="0"/>
+              <a:t>물건 던지기</a:t>
             </a:r>
             <a:endParaRPr lang="en-US" sz="2187" dirty="0"/>
           </a:p>
@@ -14449,8 +15144,8 @@
                 <a:solidFill>
                   <a:srgbClr val="49495A"/>
                 </a:solidFill>
-                <a:latin typeface="Open Sans" pitchFamily="34" charset="0"/>
-                <a:ea typeface="Open Sans" pitchFamily="34" charset="-122"/>
+                <a:latin typeface="맑은 고딕" panose="020B0503020000020004" pitchFamily="50" charset="-127"/>
+                <a:ea typeface="맑은 고딕" panose="020B0503020000020004" pitchFamily="50" charset="-127"/>
                 <a:cs typeface="Open Sans" pitchFamily="34" charset="-120"/>
               </a:rPr>
               <a:t>플레이어를 향해 원거리 공격</a:t>
@@ -14460,8 +15155,8 @@
                 <a:solidFill>
                   <a:srgbClr val="49495A"/>
                 </a:solidFill>
-                <a:latin typeface="Open Sans" pitchFamily="34" charset="0"/>
-                <a:ea typeface="Open Sans" pitchFamily="34" charset="-122"/>
+                <a:latin typeface="맑은 고딕" panose="020B0503020000020004" pitchFamily="50" charset="-127"/>
+                <a:ea typeface="맑은 고딕" panose="020B0503020000020004" pitchFamily="50" charset="-127"/>
                 <a:cs typeface="Open Sans" pitchFamily="34" charset="-120"/>
               </a:rPr>
               <a:t>, </a:t>
@@ -14479,19 +15174,41 @@
                 <a:solidFill>
                   <a:srgbClr val="49495A"/>
                 </a:solidFill>
-                <a:latin typeface="Open Sans" pitchFamily="34" charset="0"/>
-                <a:ea typeface="Open Sans" pitchFamily="34" charset="-122"/>
-                <a:cs typeface="Open Sans" pitchFamily="34" charset="-120"/>
-              </a:rPr>
-              <a:t>공격 발동 시 확인한 플레이어의 좌표에 연속해서 </a:t>
+                <a:latin typeface="맑은 고딕" panose="020B0503020000020004" pitchFamily="50" charset="-127"/>
+                <a:ea typeface="맑은 고딕" panose="020B0503020000020004" pitchFamily="50" charset="-127"/>
+                <a:cs typeface="Open Sans" pitchFamily="34" charset="-120"/>
+              </a:rPr>
+              <a:t>공격 발동 시 확인한 플레이어의 좌표에 </a:t>
             </a:r>
             <a:r>
               <a:rPr lang="en-US" altLang="ko-KR" sz="1750" dirty="0">
                 <a:solidFill>
                   <a:srgbClr val="49495A"/>
                 </a:solidFill>
-                <a:latin typeface="Open Sans" pitchFamily="34" charset="0"/>
-                <a:ea typeface="Open Sans" pitchFamily="34" charset="-122"/>
+                <a:latin typeface="맑은 고딕" panose="020B0503020000020004" pitchFamily="50" charset="-127"/>
+                <a:ea typeface="맑은 고딕" panose="020B0503020000020004" pitchFamily="50" charset="-127"/>
+                <a:cs typeface="Open Sans" pitchFamily="34" charset="-120"/>
+              </a:rPr>
+              <a:t>0.15</a:t>
+            </a:r>
+            <a:r>
+              <a:rPr lang="ko-KR" altLang="en-US" sz="1750" dirty="0">
+                <a:solidFill>
+                  <a:srgbClr val="49495A"/>
+                </a:solidFill>
+                <a:latin typeface="맑은 고딕" panose="020B0503020000020004" pitchFamily="50" charset="-127"/>
+                <a:ea typeface="맑은 고딕" panose="020B0503020000020004" pitchFamily="50" charset="-127"/>
+                <a:cs typeface="Open Sans" pitchFamily="34" charset="-120"/>
+              </a:rPr>
+              <a:t>초에 한번 연속해서 </a:t>
+            </a:r>
+            <a:r>
+              <a:rPr lang="en-US" altLang="ko-KR" sz="1750" dirty="0">
+                <a:solidFill>
+                  <a:srgbClr val="49495A"/>
+                </a:solidFill>
+                <a:latin typeface="맑은 고딕" panose="020B0503020000020004" pitchFamily="50" charset="-127"/>
+                <a:ea typeface="맑은 고딕" panose="020B0503020000020004" pitchFamily="50" charset="-127"/>
                 <a:cs typeface="Open Sans" pitchFamily="34" charset="-120"/>
               </a:rPr>
               <a:t>3</a:t>
@@ -14501,8 +15218,8 @@
                 <a:solidFill>
                   <a:srgbClr val="49495A"/>
                 </a:solidFill>
-                <a:latin typeface="Open Sans" pitchFamily="34" charset="0"/>
-                <a:ea typeface="Open Sans" pitchFamily="34" charset="-122"/>
+                <a:latin typeface="맑은 고딕" panose="020B0503020000020004" pitchFamily="50" charset="-127"/>
+                <a:ea typeface="맑은 고딕" panose="020B0503020000020004" pitchFamily="50" charset="-127"/>
                 <a:cs typeface="Open Sans" pitchFamily="34" charset="-120"/>
               </a:rPr>
               <a:t>번의 침을 발사 </a:t>
@@ -14519,8 +15236,8 @@
               <a:solidFill>
                 <a:srgbClr val="49495A"/>
               </a:solidFill>
-              <a:latin typeface="Open Sans" pitchFamily="34" charset="0"/>
-              <a:ea typeface="Open Sans" pitchFamily="34" charset="-122"/>
+              <a:latin typeface="맑은 고딕" panose="020B0503020000020004" pitchFamily="50" charset="-127"/>
+              <a:ea typeface="맑은 고딕" panose="020B0503020000020004" pitchFamily="50" charset="-127"/>
               <a:cs typeface="Open Sans" pitchFamily="34" charset="-120"/>
             </a:endParaRPr>
           </a:p>
@@ -14536,8 +15253,8 @@
                 <a:solidFill>
                   <a:srgbClr val="49495A"/>
                 </a:solidFill>
-                <a:latin typeface="Open Sans" pitchFamily="34" charset="0"/>
-                <a:ea typeface="Open Sans" pitchFamily="34" charset="-122"/>
+                <a:latin typeface="맑은 고딕" panose="020B0503020000020004" pitchFamily="50" charset="-127"/>
+                <a:ea typeface="맑은 고딕" panose="020B0503020000020004" pitchFamily="50" charset="-127"/>
                 <a:cs typeface="Open Sans" pitchFamily="34" charset="-120"/>
               </a:rPr>
               <a:t>각 침은 장판을 형성해 플레이어의 진로를 방해한다</a:t>
@@ -14547,8 +15264,8 @@
                 <a:solidFill>
                   <a:srgbClr val="49495A"/>
                 </a:solidFill>
-                <a:latin typeface="Open Sans" pitchFamily="34" charset="0"/>
-                <a:ea typeface="Open Sans" pitchFamily="34" charset="-122"/>
+                <a:latin typeface="맑은 고딕" panose="020B0503020000020004" pitchFamily="50" charset="-127"/>
+                <a:ea typeface="맑은 고딕" panose="020B0503020000020004" pitchFamily="50" charset="-127"/>
                 <a:cs typeface="Open Sans" pitchFamily="34" charset="-120"/>
               </a:rPr>
               <a:t>.</a:t>
@@ -14614,6 +15331,632 @@
           </a:p>
         </p:txBody>
       </p:sp>
+      <p:sp>
+        <p:nvSpPr>
+          <p:cNvPr id="2" name="Shape 11">
+            <a:extLst>
+              <a:ext uri="{FF2B5EF4-FFF2-40B4-BE49-F238E27FC236}">
+                <a16:creationId xmlns:a16="http://schemas.microsoft.com/office/drawing/2014/main" id="{89817A88-E3A1-9D2E-A524-6AFB4DED5341}"/>
+              </a:ext>
+            </a:extLst>
+          </p:cNvPr>
+          <p:cNvSpPr/>
+          <p:nvPr/>
+        </p:nvSpPr>
+        <p:spPr>
+          <a:xfrm>
+            <a:off x="1016338" y="4978011"/>
+            <a:ext cx="499943" cy="499943"/>
+          </a:xfrm>
+          <a:prstGeom prst="roundRect">
+            <a:avLst>
+              <a:gd name="adj" fmla="val 26667"/>
+            </a:avLst>
+          </a:prstGeom>
+          <a:solidFill>
+            <a:srgbClr val="DED6FF"/>
+          </a:solidFill>
+          <a:ln/>
+        </p:spPr>
+        <p:txBody>
+          <a:bodyPr/>
+          <a:lstStyle/>
+          <a:p>
+            <a:endParaRPr lang="ko-KR" altLang="en-US"/>
+          </a:p>
+        </p:txBody>
+      </p:sp>
+      <p:sp>
+        <p:nvSpPr>
+          <p:cNvPr id="3" name="Text 12">
+            <a:extLst>
+              <a:ext uri="{FF2B5EF4-FFF2-40B4-BE49-F238E27FC236}">
+                <a16:creationId xmlns:a16="http://schemas.microsoft.com/office/drawing/2014/main" id="{509E61B6-C4D8-0508-2E65-C7E1FAFB4200}"/>
+              </a:ext>
+            </a:extLst>
+          </p:cNvPr>
+          <p:cNvSpPr/>
+          <p:nvPr/>
+        </p:nvSpPr>
+        <p:spPr>
+          <a:xfrm>
+            <a:off x="1163618" y="5019683"/>
+            <a:ext cx="205383" cy="416481"/>
+          </a:xfrm>
+          <a:prstGeom prst="rect">
+            <a:avLst/>
+          </a:prstGeom>
+          <a:noFill/>
+          <a:ln/>
+        </p:spPr>
+        <p:txBody>
+          <a:bodyPr wrap="none" rtlCol="0" anchor="t"/>
+          <a:lstStyle/>
+          <a:p>
+            <a:pPr marL="0" indent="0" algn="ctr">
+              <a:lnSpc>
+                <a:spcPts val="3281"/>
+              </a:lnSpc>
+              <a:buNone/>
+            </a:pPr>
+            <a:r>
+              <a:rPr lang="en-US" sz="2624" dirty="0">
+                <a:solidFill>
+                  <a:srgbClr val="5955EB"/>
+                </a:solidFill>
+              </a:rPr>
+              <a:t>3</a:t>
+            </a:r>
+            <a:endParaRPr lang="en-US" sz="2624" dirty="0"/>
+          </a:p>
+        </p:txBody>
+      </p:sp>
+      <p:sp>
+        <p:nvSpPr>
+          <p:cNvPr id="9" name="Text 13">
+            <a:extLst>
+              <a:ext uri="{FF2B5EF4-FFF2-40B4-BE49-F238E27FC236}">
+                <a16:creationId xmlns:a16="http://schemas.microsoft.com/office/drawing/2014/main" id="{D739E8C0-EFC0-4DAE-E137-B7E1CEC668DD}"/>
+              </a:ext>
+            </a:extLst>
+          </p:cNvPr>
+          <p:cNvSpPr/>
+          <p:nvPr/>
+        </p:nvSpPr>
+        <p:spPr>
+          <a:xfrm>
+            <a:off x="1738452" y="5054330"/>
+            <a:ext cx="2777490" cy="347186"/>
+          </a:xfrm>
+          <a:prstGeom prst="rect">
+            <a:avLst/>
+          </a:prstGeom>
+          <a:noFill/>
+          <a:ln/>
+        </p:spPr>
+        <p:txBody>
+          <a:bodyPr wrap="none" rtlCol="0" anchor="t"/>
+          <a:lstStyle/>
+          <a:p>
+            <a:pPr marL="0" indent="0">
+              <a:lnSpc>
+                <a:spcPts val="2734"/>
+              </a:lnSpc>
+              <a:buNone/>
+            </a:pPr>
+            <a:r>
+              <a:rPr lang="ko-KR" altLang="en-US" sz="2187" dirty="0"/>
+              <a:t>물건 던지기</a:t>
+            </a:r>
+            <a:endParaRPr lang="en-US" sz="2187" dirty="0"/>
+          </a:p>
+        </p:txBody>
+      </p:sp>
+      <p:sp>
+        <p:nvSpPr>
+          <p:cNvPr id="10" name="Text 14">
+            <a:extLst>
+              <a:ext uri="{FF2B5EF4-FFF2-40B4-BE49-F238E27FC236}">
+                <a16:creationId xmlns:a16="http://schemas.microsoft.com/office/drawing/2014/main" id="{8C1066BD-6038-E558-D312-579FB2B8B11B}"/>
+              </a:ext>
+            </a:extLst>
+          </p:cNvPr>
+          <p:cNvSpPr/>
+          <p:nvPr/>
+        </p:nvSpPr>
+        <p:spPr>
+          <a:xfrm>
+            <a:off x="1738452" y="5534748"/>
+            <a:ext cx="4444008" cy="710803"/>
+          </a:xfrm>
+          <a:prstGeom prst="rect">
+            <a:avLst/>
+          </a:prstGeom>
+          <a:noFill/>
+          <a:ln/>
+        </p:spPr>
+        <p:txBody>
+          <a:bodyPr wrap="square" rtlCol="0" anchor="t"/>
+          <a:lstStyle/>
+          <a:p>
+            <a:pPr marL="0" indent="0">
+              <a:lnSpc>
+                <a:spcPts val="2799"/>
+              </a:lnSpc>
+              <a:buNone/>
+            </a:pPr>
+            <a:r>
+              <a:rPr lang="ko-KR" altLang="en-US" sz="1750" dirty="0">
+                <a:solidFill>
+                  <a:srgbClr val="49495A"/>
+                </a:solidFill>
+                <a:latin typeface="맑은 고딕" panose="020B0503020000020004" pitchFamily="50" charset="-127"/>
+                <a:ea typeface="맑은 고딕" panose="020B0503020000020004" pitchFamily="50" charset="-127"/>
+                <a:cs typeface="Open Sans" pitchFamily="34" charset="-120"/>
+              </a:rPr>
+              <a:t>플레이어를 향해 원거리 공격</a:t>
+            </a:r>
+            <a:r>
+              <a:rPr lang="en-US" altLang="ko-KR" sz="1750" dirty="0">
+                <a:solidFill>
+                  <a:srgbClr val="49495A"/>
+                </a:solidFill>
+                <a:latin typeface="맑은 고딕" panose="020B0503020000020004" pitchFamily="50" charset="-127"/>
+                <a:ea typeface="맑은 고딕" panose="020B0503020000020004" pitchFamily="50" charset="-127"/>
+                <a:cs typeface="Open Sans" pitchFamily="34" charset="-120"/>
+              </a:rPr>
+              <a:t>, </a:t>
+            </a:r>
+          </a:p>
+          <a:p>
+            <a:pPr marL="0" indent="0">
+              <a:lnSpc>
+                <a:spcPts val="2799"/>
+              </a:lnSpc>
+              <a:buNone/>
+            </a:pPr>
+            <a:r>
+              <a:rPr lang="ko-KR" altLang="en-US" sz="1750" dirty="0">
+                <a:solidFill>
+                  <a:srgbClr val="49495A"/>
+                </a:solidFill>
+                <a:latin typeface="맑은 고딕" panose="020B0503020000020004" pitchFamily="50" charset="-127"/>
+                <a:ea typeface="맑은 고딕" panose="020B0503020000020004" pitchFamily="50" charset="-127"/>
+                <a:cs typeface="Open Sans" pitchFamily="34" charset="-120"/>
+              </a:rPr>
+              <a:t>공격 발동 시 확인한 플레이어의 좌표에 연속해서 </a:t>
+            </a:r>
+            <a:r>
+              <a:rPr lang="en-US" altLang="ko-KR" sz="1750" dirty="0">
+                <a:solidFill>
+                  <a:srgbClr val="49495A"/>
+                </a:solidFill>
+                <a:latin typeface="맑은 고딕" panose="020B0503020000020004" pitchFamily="50" charset="-127"/>
+                <a:ea typeface="맑은 고딕" panose="020B0503020000020004" pitchFamily="50" charset="-127"/>
+                <a:cs typeface="Open Sans" pitchFamily="34" charset="-120"/>
+              </a:rPr>
+              <a:t>3</a:t>
+            </a:r>
+            <a:r>
+              <a:rPr lang="ko-KR" altLang="en-US" sz="1750" dirty="0">
+                <a:solidFill>
+                  <a:srgbClr val="49495A"/>
+                </a:solidFill>
+                <a:latin typeface="맑은 고딕" panose="020B0503020000020004" pitchFamily="50" charset="-127"/>
+                <a:ea typeface="맑은 고딕" panose="020B0503020000020004" pitchFamily="50" charset="-127"/>
+                <a:cs typeface="Open Sans" pitchFamily="34" charset="-120"/>
+              </a:rPr>
+              <a:t>번의 침을 발사 </a:t>
+            </a:r>
+          </a:p>
+          <a:p>
+            <a:pPr marL="0" indent="0">
+              <a:lnSpc>
+                <a:spcPts val="2799"/>
+              </a:lnSpc>
+              <a:buNone/>
+            </a:pPr>
+            <a:endParaRPr lang="ko-KR" altLang="en-US" sz="1750" dirty="0">
+              <a:solidFill>
+                <a:srgbClr val="49495A"/>
+              </a:solidFill>
+              <a:latin typeface="맑은 고딕" panose="020B0503020000020004" pitchFamily="50" charset="-127"/>
+              <a:ea typeface="맑은 고딕" panose="020B0503020000020004" pitchFamily="50" charset="-127"/>
+              <a:cs typeface="Open Sans" pitchFamily="34" charset="-120"/>
+            </a:endParaRPr>
+          </a:p>
+          <a:p>
+            <a:pPr marL="0" indent="0">
+              <a:lnSpc>
+                <a:spcPts val="2799"/>
+              </a:lnSpc>
+              <a:buNone/>
+            </a:pPr>
+            <a:r>
+              <a:rPr lang="ko-KR" altLang="en-US" sz="1750" dirty="0">
+                <a:solidFill>
+                  <a:srgbClr val="49495A"/>
+                </a:solidFill>
+                <a:latin typeface="맑은 고딕" panose="020B0503020000020004" pitchFamily="50" charset="-127"/>
+                <a:ea typeface="맑은 고딕" panose="020B0503020000020004" pitchFamily="50" charset="-127"/>
+                <a:cs typeface="Open Sans" pitchFamily="34" charset="-120"/>
+              </a:rPr>
+              <a:t>각 침은 장판을 형성해 플레이어의 진로를 방해한다</a:t>
+            </a:r>
+            <a:r>
+              <a:rPr lang="en-US" altLang="ko-KR" sz="1750" dirty="0">
+                <a:solidFill>
+                  <a:srgbClr val="49495A"/>
+                </a:solidFill>
+                <a:latin typeface="맑은 고딕" panose="020B0503020000020004" pitchFamily="50" charset="-127"/>
+                <a:ea typeface="맑은 고딕" panose="020B0503020000020004" pitchFamily="50" charset="-127"/>
+                <a:cs typeface="Open Sans" pitchFamily="34" charset="-120"/>
+              </a:rPr>
+              <a:t>.</a:t>
+            </a:r>
+            <a:endParaRPr lang="en-US" sz="1750" dirty="0"/>
+          </a:p>
+        </p:txBody>
+      </p:sp>
+      <p:sp>
+        <p:nvSpPr>
+          <p:cNvPr id="11" name="이등변 삼각형 10">
+            <a:extLst>
+              <a:ext uri="{FF2B5EF4-FFF2-40B4-BE49-F238E27FC236}">
+                <a16:creationId xmlns:a16="http://schemas.microsoft.com/office/drawing/2014/main" id="{B5F3DEC3-C75B-5F44-5F77-453AEDFB42A5}"/>
+              </a:ext>
+            </a:extLst>
+          </p:cNvPr>
+          <p:cNvSpPr/>
+          <p:nvPr/>
+        </p:nvSpPr>
+        <p:spPr>
+          <a:xfrm rot="16200000">
+            <a:off x="2524058" y="3896863"/>
+            <a:ext cx="724778" cy="621587"/>
+          </a:xfrm>
+          <a:prstGeom prst="triangle">
+            <a:avLst/>
+          </a:prstGeom>
+        </p:spPr>
+        <p:style>
+          <a:lnRef idx="2">
+            <a:schemeClr val="accent1">
+              <a:shade val="15000"/>
+            </a:schemeClr>
+          </a:lnRef>
+          <a:fillRef idx="1">
+            <a:schemeClr val="accent1"/>
+          </a:fillRef>
+          <a:effectRef idx="0">
+            <a:schemeClr val="accent1"/>
+          </a:effectRef>
+          <a:fontRef idx="minor">
+            <a:schemeClr val="lt1"/>
+          </a:fontRef>
+        </p:style>
+        <p:txBody>
+          <a:bodyPr rtlCol="0" anchor="ctr"/>
+          <a:lstStyle/>
+          <a:p>
+            <a:pPr algn="ctr"/>
+            <a:endParaRPr lang="ko-KR" altLang="en-US"/>
+          </a:p>
+        </p:txBody>
+      </p:sp>
+      <p:grpSp>
+        <p:nvGrpSpPr>
+          <p:cNvPr id="18" name="그룹 17">
+            <a:extLst>
+              <a:ext uri="{FF2B5EF4-FFF2-40B4-BE49-F238E27FC236}">
+                <a16:creationId xmlns:a16="http://schemas.microsoft.com/office/drawing/2014/main" id="{332FB92A-60C5-04EE-1775-C7D2F1B82975}"/>
+              </a:ext>
+            </a:extLst>
+          </p:cNvPr>
+          <p:cNvGrpSpPr/>
+          <p:nvPr/>
+        </p:nvGrpSpPr>
+        <p:grpSpPr>
+          <a:xfrm>
+            <a:off x="1983529" y="3761833"/>
+            <a:ext cx="441789" cy="793458"/>
+            <a:chOff x="3462391" y="3321342"/>
+            <a:chExt cx="441789" cy="793458"/>
+          </a:xfrm>
+        </p:grpSpPr>
+        <p:sp>
+          <p:nvSpPr>
+            <p:cNvPr id="12" name="직사각형 11">
+              <a:extLst>
+                <a:ext uri="{FF2B5EF4-FFF2-40B4-BE49-F238E27FC236}">
+                  <a16:creationId xmlns:a16="http://schemas.microsoft.com/office/drawing/2014/main" id="{C3FA0EE0-C312-E984-783D-2C112801E572}"/>
+                </a:ext>
+              </a:extLst>
+            </p:cNvPr>
+            <p:cNvSpPr/>
+            <p:nvPr/>
+          </p:nvSpPr>
+          <p:spPr>
+            <a:xfrm>
+              <a:off x="3462391" y="3565133"/>
+              <a:ext cx="441789" cy="549667"/>
+            </a:xfrm>
+            <a:prstGeom prst="rect">
+              <a:avLst/>
+            </a:prstGeom>
+          </p:spPr>
+          <p:style>
+            <a:lnRef idx="2">
+              <a:schemeClr val="accent1">
+                <a:shade val="15000"/>
+              </a:schemeClr>
+            </a:lnRef>
+            <a:fillRef idx="1">
+              <a:schemeClr val="accent1"/>
+            </a:fillRef>
+            <a:effectRef idx="0">
+              <a:schemeClr val="accent1"/>
+            </a:effectRef>
+            <a:fontRef idx="minor">
+              <a:schemeClr val="lt1"/>
+            </a:fontRef>
+          </p:style>
+          <p:txBody>
+            <a:bodyPr rtlCol="0" anchor="ctr"/>
+            <a:lstStyle/>
+            <a:p>
+              <a:pPr algn="ctr"/>
+              <a:endParaRPr lang="ko-KR" altLang="en-US"/>
+            </a:p>
+          </p:txBody>
+        </p:sp>
+        <p:sp>
+          <p:nvSpPr>
+            <p:cNvPr id="17" name="타원 16">
+              <a:extLst>
+                <a:ext uri="{FF2B5EF4-FFF2-40B4-BE49-F238E27FC236}">
+                  <a16:creationId xmlns:a16="http://schemas.microsoft.com/office/drawing/2014/main" id="{AE9BE9D2-3C34-1667-8046-F37BDE56C166}"/>
+                </a:ext>
+              </a:extLst>
+            </p:cNvPr>
+            <p:cNvSpPr/>
+            <p:nvPr/>
+          </p:nvSpPr>
+          <p:spPr>
+            <a:xfrm>
+              <a:off x="3462391" y="3321342"/>
+              <a:ext cx="441789" cy="243791"/>
+            </a:xfrm>
+            <a:prstGeom prst="ellipse">
+              <a:avLst/>
+            </a:prstGeom>
+          </p:spPr>
+          <p:style>
+            <a:lnRef idx="2">
+              <a:schemeClr val="accent1">
+                <a:shade val="15000"/>
+              </a:schemeClr>
+            </a:lnRef>
+            <a:fillRef idx="1">
+              <a:schemeClr val="accent1"/>
+            </a:fillRef>
+            <a:effectRef idx="0">
+              <a:schemeClr val="accent1"/>
+            </a:effectRef>
+            <a:fontRef idx="minor">
+              <a:schemeClr val="lt1"/>
+            </a:fontRef>
+          </p:style>
+          <p:txBody>
+            <a:bodyPr rtlCol="0" anchor="ctr"/>
+            <a:lstStyle/>
+            <a:p>
+              <a:pPr algn="ctr"/>
+              <a:endParaRPr lang="ko-KR" altLang="en-US"/>
+            </a:p>
+          </p:txBody>
+        </p:sp>
+      </p:grpSp>
+      <p:grpSp>
+        <p:nvGrpSpPr>
+          <p:cNvPr id="19" name="그룹 18">
+            <a:extLst>
+              <a:ext uri="{FF2B5EF4-FFF2-40B4-BE49-F238E27FC236}">
+                <a16:creationId xmlns:a16="http://schemas.microsoft.com/office/drawing/2014/main" id="{7B03C109-482A-68AB-05FD-35DAB0025EF5}"/>
+              </a:ext>
+            </a:extLst>
+          </p:cNvPr>
+          <p:cNvGrpSpPr/>
+          <p:nvPr/>
+        </p:nvGrpSpPr>
+        <p:grpSpPr>
+          <a:xfrm>
+            <a:off x="11612958" y="3608895"/>
+            <a:ext cx="441789" cy="793458"/>
+            <a:chOff x="3462391" y="3321342"/>
+            <a:chExt cx="441789" cy="793458"/>
+          </a:xfrm>
+        </p:grpSpPr>
+        <p:sp>
+          <p:nvSpPr>
+            <p:cNvPr id="20" name="직사각형 19">
+              <a:extLst>
+                <a:ext uri="{FF2B5EF4-FFF2-40B4-BE49-F238E27FC236}">
+                  <a16:creationId xmlns:a16="http://schemas.microsoft.com/office/drawing/2014/main" id="{87EF00A5-1BA7-C7BB-8504-115FC52CF2C5}"/>
+                </a:ext>
+              </a:extLst>
+            </p:cNvPr>
+            <p:cNvSpPr/>
+            <p:nvPr/>
+          </p:nvSpPr>
+          <p:spPr>
+            <a:xfrm>
+              <a:off x="3462391" y="3565133"/>
+              <a:ext cx="441789" cy="549667"/>
+            </a:xfrm>
+            <a:prstGeom prst="rect">
+              <a:avLst/>
+            </a:prstGeom>
+          </p:spPr>
+          <p:style>
+            <a:lnRef idx="2">
+              <a:schemeClr val="accent1">
+                <a:shade val="15000"/>
+              </a:schemeClr>
+            </a:lnRef>
+            <a:fillRef idx="1">
+              <a:schemeClr val="accent1"/>
+            </a:fillRef>
+            <a:effectRef idx="0">
+              <a:schemeClr val="accent1"/>
+            </a:effectRef>
+            <a:fontRef idx="minor">
+              <a:schemeClr val="lt1"/>
+            </a:fontRef>
+          </p:style>
+          <p:txBody>
+            <a:bodyPr rtlCol="0" anchor="ctr"/>
+            <a:lstStyle/>
+            <a:p>
+              <a:pPr algn="ctr"/>
+              <a:endParaRPr lang="ko-KR" altLang="en-US"/>
+            </a:p>
+          </p:txBody>
+        </p:sp>
+        <p:sp>
+          <p:nvSpPr>
+            <p:cNvPr id="21" name="타원 20">
+              <a:extLst>
+                <a:ext uri="{FF2B5EF4-FFF2-40B4-BE49-F238E27FC236}">
+                  <a16:creationId xmlns:a16="http://schemas.microsoft.com/office/drawing/2014/main" id="{D00A0CED-41B6-8CB4-5890-AE4D9DE50E9D}"/>
+                </a:ext>
+              </a:extLst>
+            </p:cNvPr>
+            <p:cNvSpPr/>
+            <p:nvPr/>
+          </p:nvSpPr>
+          <p:spPr>
+            <a:xfrm>
+              <a:off x="3462391" y="3321342"/>
+              <a:ext cx="441789" cy="243791"/>
+            </a:xfrm>
+            <a:prstGeom prst="ellipse">
+              <a:avLst/>
+            </a:prstGeom>
+          </p:spPr>
+          <p:style>
+            <a:lnRef idx="2">
+              <a:schemeClr val="accent1">
+                <a:shade val="15000"/>
+              </a:schemeClr>
+            </a:lnRef>
+            <a:fillRef idx="1">
+              <a:schemeClr val="accent1"/>
+            </a:fillRef>
+            <a:effectRef idx="0">
+              <a:schemeClr val="accent1"/>
+            </a:effectRef>
+            <a:fontRef idx="minor">
+              <a:schemeClr val="lt1"/>
+            </a:fontRef>
+          </p:style>
+          <p:txBody>
+            <a:bodyPr rtlCol="0" anchor="ctr"/>
+            <a:lstStyle/>
+            <a:p>
+              <a:pPr algn="ctr"/>
+              <a:endParaRPr lang="ko-KR" altLang="en-US"/>
+            </a:p>
+          </p:txBody>
+        </p:sp>
+      </p:grpSp>
+      <p:sp>
+        <p:nvSpPr>
+          <p:cNvPr id="23" name="타원 22">
+            <a:extLst>
+              <a:ext uri="{FF2B5EF4-FFF2-40B4-BE49-F238E27FC236}">
+                <a16:creationId xmlns:a16="http://schemas.microsoft.com/office/drawing/2014/main" id="{6B433822-0360-F0E3-23DF-92B1A90E5D75}"/>
+              </a:ext>
+            </a:extLst>
+          </p:cNvPr>
+          <p:cNvSpPr/>
+          <p:nvPr/>
+        </p:nvSpPr>
+        <p:spPr>
+          <a:xfrm>
+            <a:off x="12327340" y="3430319"/>
+            <a:ext cx="546650" cy="600941"/>
+          </a:xfrm>
+          <a:prstGeom prst="ellipse">
+            <a:avLst/>
+          </a:prstGeom>
+        </p:spPr>
+        <p:style>
+          <a:lnRef idx="2">
+            <a:schemeClr val="accent1">
+              <a:shade val="15000"/>
+            </a:schemeClr>
+          </a:lnRef>
+          <a:fillRef idx="1">
+            <a:schemeClr val="accent1"/>
+          </a:fillRef>
+          <a:effectRef idx="0">
+            <a:schemeClr val="accent1"/>
+          </a:effectRef>
+          <a:fontRef idx="minor">
+            <a:schemeClr val="lt1"/>
+          </a:fontRef>
+        </p:style>
+        <p:txBody>
+          <a:bodyPr rtlCol="0" anchor="ctr"/>
+          <a:lstStyle/>
+          <a:p>
+            <a:pPr algn="ctr"/>
+            <a:endParaRPr lang="ko-KR" altLang="en-US"/>
+          </a:p>
+        </p:txBody>
+      </p:sp>
+      <p:cxnSp>
+        <p:nvCxnSpPr>
+          <p:cNvPr id="26" name="직선 화살표 연결선 25">
+            <a:extLst>
+              <a:ext uri="{FF2B5EF4-FFF2-40B4-BE49-F238E27FC236}">
+                <a16:creationId xmlns:a16="http://schemas.microsoft.com/office/drawing/2014/main" id="{287FC67F-7552-1643-FFE7-86C597E14BC0}"/>
+              </a:ext>
+            </a:extLst>
+          </p:cNvPr>
+          <p:cNvCxnSpPr>
+            <a:cxnSpLocks/>
+          </p:cNvCxnSpPr>
+          <p:nvPr/>
+        </p:nvCxnSpPr>
+        <p:spPr>
+          <a:xfrm>
+            <a:off x="13015238" y="3624753"/>
+            <a:ext cx="885697" cy="258975"/>
+          </a:xfrm>
+          <a:prstGeom prst="straightConnector1">
+            <a:avLst/>
+          </a:prstGeom>
+          <a:ln>
+            <a:tailEnd type="triangle"/>
+          </a:ln>
+        </p:spPr>
+        <p:style>
+          <a:lnRef idx="1">
+            <a:schemeClr val="accent1"/>
+          </a:lnRef>
+          <a:fillRef idx="0">
+            <a:schemeClr val="accent1"/>
+          </a:fillRef>
+          <a:effectRef idx="0">
+            <a:schemeClr val="accent1"/>
+          </a:effectRef>
+          <a:fontRef idx="minor">
+            <a:schemeClr val="tx1"/>
+          </a:fontRef>
+        </p:style>
+      </p:cxnSp>
     </p:spTree>
     <p:extLst>
       <p:ext uri="{BB962C8B-B14F-4D97-AF65-F5344CB8AC3E}">
@@ -14704,6 +16047,28 @@
               </a:rPr>
               <a:t>: </a:t>
             </a:r>
+            <a:r>
+              <a:rPr lang="ko-KR" altLang="en-US" sz="4374" dirty="0">
+                <a:solidFill>
+                  <a:srgbClr val="5955EB"/>
+                </a:solidFill>
+                <a:latin typeface="경기천년제목 Light" panose="02020403020101020101" pitchFamily="18" charset="-127"/>
+                <a:ea typeface="경기천년제목 Light" panose="02020403020101020101" pitchFamily="18" charset="-127"/>
+                <a:cs typeface="Libre Baskerville" pitchFamily="34" charset="-120"/>
+              </a:rPr>
+              <a:t>담배 아저씨</a:t>
+            </a:r>
+            <a:r>
+              <a:rPr lang="en-US" altLang="ko-KR" sz="4374" dirty="0">
+                <a:solidFill>
+                  <a:srgbClr val="5955EB"/>
+                </a:solidFill>
+                <a:latin typeface="경기천년제목 Light" panose="02020403020101020101" pitchFamily="18" charset="-127"/>
+                <a:ea typeface="경기천년제목 Light" panose="02020403020101020101" pitchFamily="18" charset="-127"/>
+                <a:cs typeface="Libre Baskerville" pitchFamily="34" charset="-120"/>
+              </a:rPr>
+              <a:t> </a:t>
+            </a:r>
             <a:endParaRPr lang="en-US" sz="4374" dirty="0"/>
           </a:p>
         </p:txBody>
@@ -14816,7 +16181,7 @@
                 </a:solidFill>
                 <a:latin typeface="경기천년제목 Light" panose="02020403020101020101" pitchFamily="18" charset="-127"/>
               </a:rPr>
-              <a:t>돌던지기</a:t>
+              <a:t>라이터 던지기</a:t>
             </a:r>
             <a:endParaRPr lang="en-US" sz="2187" dirty="0">
               <a:solidFill>
@@ -14861,8 +16226,7 @@
                 <a:solidFill>
                   <a:srgbClr val="49495A"/>
                 </a:solidFill>
-                <a:latin typeface="Open Sans" pitchFamily="34" charset="0"/>
-                <a:ea typeface="Open Sans" pitchFamily="34" charset="-122"/>
+                <a:latin typeface="+mn-ea"/>
                 <a:cs typeface="Open Sans" pitchFamily="34" charset="-120"/>
               </a:rPr>
               <a:t>플레이어를 향해 원거리 공격</a:t>
@@ -14872,8 +16236,7 @@
                 <a:solidFill>
                   <a:srgbClr val="49495A"/>
                 </a:solidFill>
-                <a:latin typeface="Open Sans" pitchFamily="34" charset="0"/>
-                <a:ea typeface="Open Sans" pitchFamily="34" charset="-122"/>
+                <a:latin typeface="+mn-ea"/>
                 <a:cs typeface="Open Sans" pitchFamily="34" charset="-120"/>
               </a:rPr>
               <a:t>, </a:t>
@@ -14891,8 +16254,7 @@
                 <a:solidFill>
                   <a:srgbClr val="49495A"/>
                 </a:solidFill>
-                <a:latin typeface="Open Sans" pitchFamily="34" charset="0"/>
-                <a:ea typeface="Open Sans" pitchFamily="34" charset="-122"/>
+                <a:latin typeface="+mn-ea"/>
                 <a:cs typeface="Open Sans" pitchFamily="34" charset="-120"/>
               </a:rPr>
               <a:t>플레이어를 향해 나아가는 </a:t>
@@ -14902,8 +16264,7 @@
                 <a:solidFill>
                   <a:srgbClr val="49495A"/>
                 </a:solidFill>
-                <a:latin typeface="Open Sans" pitchFamily="34" charset="0"/>
-                <a:ea typeface="Open Sans" pitchFamily="34" charset="-122"/>
+                <a:latin typeface="+mn-ea"/>
                 <a:cs typeface="Open Sans" pitchFamily="34" charset="-120"/>
               </a:rPr>
               <a:t>3</a:t>
@@ -14913,8 +16274,7 @@
                 <a:solidFill>
                   <a:srgbClr val="49495A"/>
                 </a:solidFill>
-                <a:latin typeface="Open Sans" pitchFamily="34" charset="0"/>
-                <a:ea typeface="Open Sans" pitchFamily="34" charset="-122"/>
+                <a:latin typeface="+mn-ea"/>
                 <a:cs typeface="Open Sans" pitchFamily="34" charset="-120"/>
               </a:rPr>
               <a:t>갈래의 탄환을 발사하며 연속으로 </a:t>
@@ -14924,8 +16284,7 @@
                 <a:solidFill>
                   <a:srgbClr val="49495A"/>
                 </a:solidFill>
-                <a:latin typeface="Open Sans" pitchFamily="34" charset="0"/>
-                <a:ea typeface="Open Sans" pitchFamily="34" charset="-122"/>
+                <a:latin typeface="+mn-ea"/>
                 <a:cs typeface="Open Sans" pitchFamily="34" charset="-120"/>
               </a:rPr>
               <a:t>3</a:t>
@@ -14935,8 +16294,7 @@
                 <a:solidFill>
                   <a:srgbClr val="49495A"/>
                 </a:solidFill>
-                <a:latin typeface="Open Sans" pitchFamily="34" charset="0"/>
-                <a:ea typeface="Open Sans" pitchFamily="34" charset="-122"/>
+                <a:latin typeface="+mn-ea"/>
                 <a:cs typeface="Open Sans" pitchFamily="34" charset="-120"/>
               </a:rPr>
               <a:t>번 쏜다</a:t>
@@ -14946,8 +16304,7 @@
                 <a:solidFill>
                   <a:srgbClr val="49495A"/>
                 </a:solidFill>
-                <a:latin typeface="Open Sans" pitchFamily="34" charset="0"/>
-                <a:ea typeface="Open Sans" pitchFamily="34" charset="-122"/>
+                <a:latin typeface="+mn-ea"/>
                 <a:cs typeface="Open Sans" pitchFamily="34" charset="-120"/>
               </a:rPr>
               <a:t>.</a:t>
@@ -15052,8 +16409,16 @@
               <a:buNone/>
             </a:pPr>
             <a:r>
+              <a:rPr lang="en-US" altLang="ko-KR" sz="2187" dirty="0"/>
+              <a:t>“</a:t>
+            </a:r>
+            <a:r>
               <a:rPr lang="ko-KR" altLang="en-US" sz="2187" dirty="0" err="1"/>
-              <a:t>침뱉기</a:t>
+              <a:t>파란거</a:t>
+            </a:r>
+            <a:r>
+              <a:rPr lang="en-US" altLang="ko-KR" sz="2187" dirty="0"/>
+              <a:t>”</a:t>
             </a:r>
             <a:endParaRPr lang="en-US" sz="2187" dirty="0"/>
           </a:p>
@@ -15067,8 +16432,8 @@
         </p:nvSpPr>
         <p:spPr>
           <a:xfrm>
-            <a:off x="7104718" y="2546432"/>
-            <a:ext cx="4444008" cy="710803"/>
+            <a:off x="7092672" y="2546432"/>
+            <a:ext cx="5441800" cy="710803"/>
           </a:xfrm>
           <a:prstGeom prst="rect">
             <a:avLst/>
@@ -15087,27 +16452,14 @@
               <a:buNone/>
             </a:pPr>
             <a:r>
-              <a:rPr lang="ko-KR" altLang="en-US" sz="1750" dirty="0">
-                <a:solidFill>
-                  <a:srgbClr val="49495A"/>
-                </a:solidFill>
-                <a:latin typeface="Open Sans" pitchFamily="34" charset="0"/>
-                <a:ea typeface="Open Sans" pitchFamily="34" charset="-122"/>
-                <a:cs typeface="Open Sans" pitchFamily="34" charset="-120"/>
+              <a:rPr lang="ko-KR" altLang="en-US" sz="1400" dirty="0">
+                <a:latin typeface="+mn-ea"/>
               </a:rPr>
               <a:t>플레이어를 향해 원거리 공격</a:t>
             </a:r>
-            <a:r>
-              <a:rPr lang="en-US" altLang="ko-KR" sz="1750" dirty="0">
-                <a:solidFill>
-                  <a:srgbClr val="49495A"/>
-                </a:solidFill>
-                <a:latin typeface="Open Sans" pitchFamily="34" charset="0"/>
-                <a:ea typeface="Open Sans" pitchFamily="34" charset="-122"/>
-                <a:cs typeface="Open Sans" pitchFamily="34" charset="-120"/>
-              </a:rPr>
-              <a:t>, </a:t>
-            </a:r>
+            <a:endParaRPr lang="en-US" altLang="ko-KR" sz="1400" dirty="0">
+              <a:latin typeface="+mn-ea"/>
+            </a:endParaRPr>
           </a:p>
           <a:p>
             <a:pPr marL="0" indent="0">
@@ -15117,37 +16469,46 @@
               <a:buNone/>
             </a:pPr>
             <a:r>
-              <a:rPr lang="ko-KR" altLang="en-US" sz="1750" dirty="0">
-                <a:solidFill>
-                  <a:srgbClr val="49495A"/>
-                </a:solidFill>
-                <a:latin typeface="Open Sans" pitchFamily="34" charset="0"/>
-                <a:ea typeface="Open Sans" pitchFamily="34" charset="-122"/>
-                <a:cs typeface="Open Sans" pitchFamily="34" charset="-120"/>
-              </a:rPr>
-              <a:t>공격 발동 시 확인한 플레이어의 좌표에 연속해서 </a:t>
-            </a:r>
-            <a:r>
-              <a:rPr lang="en-US" altLang="ko-KR" sz="1750" dirty="0">
-                <a:solidFill>
-                  <a:srgbClr val="49495A"/>
-                </a:solidFill>
-                <a:latin typeface="Open Sans" pitchFamily="34" charset="0"/>
-                <a:ea typeface="Open Sans" pitchFamily="34" charset="-122"/>
-                <a:cs typeface="Open Sans" pitchFamily="34" charset="-120"/>
+              <a:rPr lang="ko-KR" altLang="en-US" sz="1400" dirty="0">
+                <a:latin typeface="+mn-ea"/>
+              </a:rPr>
+              <a:t>플레이어에게  </a:t>
+            </a:r>
+            <a:r>
+              <a:rPr lang="en-US" altLang="ko-KR" sz="1400" dirty="0">
+                <a:latin typeface="+mn-ea"/>
+              </a:rPr>
+              <a:t>1</a:t>
+            </a:r>
+            <a:r>
+              <a:rPr lang="ko-KR" altLang="en-US" sz="1400" dirty="0" err="1">
+                <a:latin typeface="+mn-ea"/>
+              </a:rPr>
+              <a:t>초씩</a:t>
+            </a:r>
+            <a:r>
+              <a:rPr lang="ko-KR" altLang="en-US" sz="1400" dirty="0">
+                <a:latin typeface="+mn-ea"/>
+              </a:rPr>
+              <a:t> </a:t>
+            </a:r>
+            <a:r>
+              <a:rPr lang="en-US" altLang="ko-KR" sz="1400" dirty="0">
+                <a:latin typeface="+mn-ea"/>
               </a:rPr>
               <a:t>3</a:t>
             </a:r>
             <a:r>
-              <a:rPr lang="ko-KR" altLang="en-US" sz="1750" dirty="0">
-                <a:solidFill>
-                  <a:srgbClr val="49495A"/>
-                </a:solidFill>
-                <a:latin typeface="Open Sans" pitchFamily="34" charset="0"/>
-                <a:ea typeface="Open Sans" pitchFamily="34" charset="-122"/>
-                <a:cs typeface="Open Sans" pitchFamily="34" charset="-120"/>
-              </a:rPr>
-              <a:t>번의 침을 발사 </a:t>
+              <a:rPr lang="ko-KR" altLang="en-US" sz="1400" dirty="0">
+                <a:latin typeface="+mn-ea"/>
+              </a:rPr>
+              <a:t>번 끊어서 빠른 속도로 다가간다</a:t>
+            </a:r>
+            <a:r>
+              <a:rPr lang="en-US" altLang="ko-KR" sz="1400" dirty="0">
+                <a:latin typeface="+mn-ea"/>
+              </a:rPr>
+              <a:t>.</a:t>
             </a:r>
           </a:p>
           <a:p>
@@ -15157,45 +16518,30 @@
               </a:lnSpc>
               <a:buNone/>
             </a:pPr>
-            <a:endParaRPr lang="ko-KR" altLang="en-US" sz="1750" dirty="0">
-              <a:solidFill>
-                <a:srgbClr val="49495A"/>
-              </a:solidFill>
-              <a:latin typeface="Open Sans" pitchFamily="34" charset="0"/>
-              <a:ea typeface="Open Sans" pitchFamily="34" charset="-122"/>
-              <a:cs typeface="Open Sans" pitchFamily="34" charset="-120"/>
-            </a:endParaRPr>
-          </a:p>
-          <a:p>
-            <a:pPr marL="0" indent="0">
-              <a:lnSpc>
-                <a:spcPts val="2799"/>
-              </a:lnSpc>
-              <a:buNone/>
-            </a:pPr>
-            <a:r>
-              <a:rPr lang="ko-KR" altLang="en-US" sz="1750" dirty="0">
-                <a:solidFill>
-                  <a:srgbClr val="49495A"/>
-                </a:solidFill>
-                <a:latin typeface="Open Sans" pitchFamily="34" charset="0"/>
-                <a:ea typeface="Open Sans" pitchFamily="34" charset="-122"/>
-                <a:cs typeface="Open Sans" pitchFamily="34" charset="-120"/>
-              </a:rPr>
-              <a:t>각 침은 장판을 형성해 플레이어의 진로를 방해한다</a:t>
-            </a:r>
-            <a:r>
-              <a:rPr lang="en-US" altLang="ko-KR" sz="1750" dirty="0">
-                <a:solidFill>
-                  <a:srgbClr val="49495A"/>
-                </a:solidFill>
-                <a:latin typeface="Open Sans" pitchFamily="34" charset="0"/>
-                <a:ea typeface="Open Sans" pitchFamily="34" charset="-122"/>
-                <a:cs typeface="Open Sans" pitchFamily="34" charset="-120"/>
-              </a:rPr>
-              <a:t>.</a:t>
-            </a:r>
-            <a:endParaRPr lang="en-US" sz="1750" dirty="0"/>
+            <a:r>
+              <a:rPr lang="ko-KR" altLang="en-US" sz="1400" dirty="0">
+                <a:latin typeface="+mn-ea"/>
+              </a:rPr>
+              <a:t>이동 중에는 잔상이 남는다</a:t>
+            </a:r>
+            <a:r>
+              <a:rPr lang="en-US" altLang="ko-KR" sz="1400" dirty="0">
+                <a:latin typeface="+mn-ea"/>
+              </a:rPr>
+              <a:t>. (</a:t>
+            </a:r>
+            <a:r>
+              <a:rPr lang="ko-KR" altLang="en-US" sz="1400" dirty="0">
+                <a:latin typeface="+mn-ea"/>
+              </a:rPr>
+              <a:t>트레일</a:t>
+            </a:r>
+            <a:r>
+              <a:rPr lang="en-US" altLang="ko-KR" sz="1400" dirty="0">
+                <a:latin typeface="+mn-ea"/>
+              </a:rPr>
+              <a:t>?)</a:t>
+            </a:r>
           </a:p>
         </p:txBody>
       </p:sp>
@@ -15256,53 +16602,211 @@
           </a:p>
         </p:txBody>
       </p:sp>
-      <p:pic>
-        <p:nvPicPr>
-          <p:cNvPr id="1026" name="Picture 2">
+      <p:sp>
+        <p:nvSpPr>
+          <p:cNvPr id="2" name="Shape 3">
             <a:extLst>
               <a:ext uri="{FF2B5EF4-FFF2-40B4-BE49-F238E27FC236}">
-                <a16:creationId xmlns:a16="http://schemas.microsoft.com/office/drawing/2014/main" id="{C28BABEE-6308-2D7D-C942-955DDF5AAB38}"/>
+                <a16:creationId xmlns:a16="http://schemas.microsoft.com/office/drawing/2014/main" id="{E8DF623E-6EC1-6B95-AA6B-D96C48DF5955}"/>
               </a:ext>
             </a:extLst>
           </p:cNvPr>
-          <p:cNvPicPr>
-            <a:picLocks noChangeAspect="1" noChangeArrowheads="1"/>
-          </p:cNvPicPr>
-          <p:nvPr/>
-        </p:nvPicPr>
-        <p:blipFill>
-          <a:blip r:embed="rId3">
+          <p:cNvSpPr/>
+          <p:nvPr/>
+        </p:nvSpPr>
+        <p:spPr>
+          <a:xfrm>
+            <a:off x="1016338" y="4930694"/>
+            <a:ext cx="499943" cy="499943"/>
+          </a:xfrm>
+          <a:prstGeom prst="roundRect">
+            <a:avLst>
+              <a:gd name="adj" fmla="val 26667"/>
+            </a:avLst>
+          </a:prstGeom>
+          <a:solidFill>
+            <a:srgbClr val="DED6FF"/>
+          </a:solidFill>
+          <a:ln/>
+        </p:spPr>
+        <p:txBody>
+          <a:bodyPr/>
+          <a:lstStyle/>
+          <a:p>
+            <a:endParaRPr lang="ko-KR" altLang="en-US"/>
+          </a:p>
+        </p:txBody>
+      </p:sp>
+      <p:sp>
+        <p:nvSpPr>
+          <p:cNvPr id="3" name="Text 5">
             <a:extLst>
-              <a:ext uri="{28A0092B-C50C-407E-A947-70E740481C1C}">
-                <a14:useLocalDpi xmlns:a14="http://schemas.microsoft.com/office/drawing/2010/main" val="0"/>
+              <a:ext uri="{FF2B5EF4-FFF2-40B4-BE49-F238E27FC236}">
+                <a16:creationId xmlns:a16="http://schemas.microsoft.com/office/drawing/2014/main" id="{A1C2FEDC-5BEE-1D04-6674-90F1A74AEDCF}"/>
               </a:ext>
             </a:extLst>
-          </a:blip>
-          <a:srcRect/>
-          <a:stretch>
-            <a:fillRect/>
-          </a:stretch>
-        </p:blipFill>
-        <p:spPr bwMode="auto">
-          <a:xfrm>
-            <a:off x="1460322" y="5169932"/>
-            <a:ext cx="3172638" cy="2511109"/>
-          </a:xfrm>
-          <a:prstGeom prst="rect">
-            <a:avLst/>
-          </a:prstGeom>
-          <a:noFill/>
-          <a:extLst>
-            <a:ext uri="{909E8E84-426E-40DD-AFC4-6F175D3DCCD1}">
-              <a14:hiddenFill xmlns:a14="http://schemas.microsoft.com/office/drawing/2010/main">
-                <a:solidFill>
-                  <a:srgbClr val="FFFFFF"/>
-                </a:solidFill>
-              </a14:hiddenFill>
-            </a:ext>
-          </a:extLst>
-        </p:spPr>
-      </p:pic>
+          </p:cNvPr>
+          <p:cNvSpPr/>
+          <p:nvPr/>
+        </p:nvSpPr>
+        <p:spPr>
+          <a:xfrm>
+            <a:off x="1738452" y="5007013"/>
+            <a:ext cx="2777490" cy="347186"/>
+          </a:xfrm>
+          <a:prstGeom prst="rect">
+            <a:avLst/>
+          </a:prstGeom>
+          <a:noFill/>
+          <a:ln/>
+        </p:spPr>
+        <p:txBody>
+          <a:bodyPr wrap="none" rtlCol="0" anchor="t"/>
+          <a:lstStyle/>
+          <a:p>
+            <a:pPr marL="0" indent="0">
+              <a:lnSpc>
+                <a:spcPts val="2734"/>
+              </a:lnSpc>
+              <a:buNone/>
+            </a:pPr>
+            <a:r>
+              <a:rPr lang="ko-KR" altLang="en-US" sz="2187" dirty="0">
+                <a:solidFill>
+                  <a:schemeClr val="tx1">
+                    <a:lumMod val="95000"/>
+                    <a:lumOff val="5000"/>
+                  </a:schemeClr>
+                </a:solidFill>
+              </a:rPr>
+              <a:t>분노</a:t>
+            </a:r>
+            <a:endParaRPr lang="en-US" sz="2187" dirty="0">
+              <a:solidFill>
+                <a:schemeClr val="tx1">
+                  <a:lumMod val="95000"/>
+                  <a:lumOff val="5000"/>
+                </a:schemeClr>
+              </a:solidFill>
+            </a:endParaRPr>
+          </a:p>
+        </p:txBody>
+      </p:sp>
+      <p:sp>
+        <p:nvSpPr>
+          <p:cNvPr id="9" name="Text 6">
+            <a:extLst>
+              <a:ext uri="{FF2B5EF4-FFF2-40B4-BE49-F238E27FC236}">
+                <a16:creationId xmlns:a16="http://schemas.microsoft.com/office/drawing/2014/main" id="{6C980951-79D4-4268-E658-9E1668D38D74}"/>
+              </a:ext>
+            </a:extLst>
+          </p:cNvPr>
+          <p:cNvSpPr/>
+          <p:nvPr/>
+        </p:nvSpPr>
+        <p:spPr>
+          <a:xfrm>
+            <a:off x="1738452" y="5487430"/>
+            <a:ext cx="4444008" cy="710803"/>
+          </a:xfrm>
+          <a:prstGeom prst="rect">
+            <a:avLst/>
+          </a:prstGeom>
+          <a:noFill/>
+          <a:ln/>
+        </p:spPr>
+        <p:txBody>
+          <a:bodyPr wrap="square" rtlCol="0" anchor="t"/>
+          <a:lstStyle/>
+          <a:p>
+            <a:pPr marL="0" indent="0">
+              <a:lnSpc>
+                <a:spcPts val="2799"/>
+              </a:lnSpc>
+              <a:buNone/>
+            </a:pPr>
+            <a:r>
+              <a:rPr lang="ko-KR" altLang="en-US" sz="1400" dirty="0">
+                <a:solidFill>
+                  <a:srgbClr val="49495A"/>
+                </a:solidFill>
+                <a:latin typeface="+mn-ea"/>
+                <a:cs typeface="Open Sans" pitchFamily="34" charset="-120"/>
+              </a:rPr>
+              <a:t>전방위 충격파</a:t>
+            </a:r>
+            <a:endParaRPr lang="en-US" altLang="ko-KR" sz="1400" dirty="0">
+              <a:solidFill>
+                <a:srgbClr val="49495A"/>
+              </a:solidFill>
+              <a:latin typeface="+mn-ea"/>
+              <a:cs typeface="Open Sans" pitchFamily="34" charset="-120"/>
+            </a:endParaRPr>
+          </a:p>
+          <a:p>
+            <a:pPr marL="0" indent="0">
+              <a:lnSpc>
+                <a:spcPts val="2799"/>
+              </a:lnSpc>
+              <a:buNone/>
+            </a:pPr>
+            <a:endParaRPr lang="en-US" altLang="ko-KR" sz="1400" dirty="0">
+              <a:solidFill>
+                <a:srgbClr val="49495A"/>
+              </a:solidFill>
+              <a:latin typeface="맑은 고딕" panose="020B0503020000020004" pitchFamily="50" charset="-127"/>
+              <a:ea typeface="맑은 고딕" panose="020B0503020000020004" pitchFamily="50" charset="-127"/>
+              <a:cs typeface="Open Sans" pitchFamily="34" charset="-120"/>
+            </a:endParaRPr>
+          </a:p>
+        </p:txBody>
+      </p:sp>
+      <p:sp>
+        <p:nvSpPr>
+          <p:cNvPr id="17" name="Text 4">
+            <a:extLst>
+              <a:ext uri="{FF2B5EF4-FFF2-40B4-BE49-F238E27FC236}">
+                <a16:creationId xmlns:a16="http://schemas.microsoft.com/office/drawing/2014/main" id="{686F9B06-6AD5-19F2-E040-D7410AF17E83}"/>
+              </a:ext>
+            </a:extLst>
+          </p:cNvPr>
+          <p:cNvSpPr/>
+          <p:nvPr/>
+        </p:nvSpPr>
+        <p:spPr>
+          <a:xfrm>
+            <a:off x="1191954" y="4937718"/>
+            <a:ext cx="148709" cy="416481"/>
+          </a:xfrm>
+          <a:prstGeom prst="rect">
+            <a:avLst/>
+          </a:prstGeom>
+          <a:noFill/>
+          <a:ln/>
+        </p:spPr>
+        <p:txBody>
+          <a:bodyPr wrap="none" rtlCol="0" anchor="t"/>
+          <a:lstStyle/>
+          <a:p>
+            <a:pPr marL="0" indent="0" algn="ctr">
+              <a:lnSpc>
+                <a:spcPts val="3281"/>
+              </a:lnSpc>
+              <a:buNone/>
+            </a:pPr>
+            <a:r>
+              <a:rPr lang="en-US" sz="2624" dirty="0">
+                <a:solidFill>
+                  <a:srgbClr val="5955EB"/>
+                </a:solidFill>
+                <a:ea typeface="경기천년제목 Light" panose="02020403020101020101" pitchFamily="18" charset="-127"/>
+              </a:rPr>
+              <a:t>3</a:t>
+            </a:r>
+            <a:endParaRPr lang="en-US" sz="2624" dirty="0"/>
+          </a:p>
+        </p:txBody>
+      </p:sp>
     </p:spTree>
     <p:extLst>
       <p:ext uri="{BB962C8B-B14F-4D97-AF65-F5344CB8AC3E}">
@@ -15393,6 +16897,39 @@
               </a:rPr>
               <a:t>: </a:t>
             </a:r>
+            <a:r>
+              <a:rPr lang="ko-KR" altLang="en-US" sz="4374" dirty="0" err="1">
+                <a:solidFill>
+                  <a:srgbClr val="5955EB"/>
+                </a:solidFill>
+                <a:latin typeface="경기천년제목 Light" panose="02020403020101020101" pitchFamily="18" charset="-127"/>
+                <a:ea typeface="경기천년제목 Light" panose="02020403020101020101" pitchFamily="18" charset="-127"/>
+                <a:cs typeface="Libre Baskerville" pitchFamily="34" charset="-120"/>
+              </a:rPr>
+              <a:t>술취한</a:t>
+            </a:r>
+            <a:r>
+              <a:rPr lang="ko-KR" altLang="en-US" sz="4374" dirty="0">
+                <a:solidFill>
+                  <a:srgbClr val="5955EB"/>
+                </a:solidFill>
+                <a:latin typeface="경기천년제목 Light" panose="02020403020101020101" pitchFamily="18" charset="-127"/>
+                <a:ea typeface="경기천년제목 Light" panose="02020403020101020101" pitchFamily="18" charset="-127"/>
+                <a:cs typeface="Libre Baskerville" pitchFamily="34" charset="-120"/>
+              </a:rPr>
+              <a:t> 아저씨</a:t>
+            </a:r>
+            <a:r>
+              <a:rPr lang="en-US" altLang="ko-KR" sz="4374" dirty="0">
+                <a:solidFill>
+                  <a:srgbClr val="5955EB"/>
+                </a:solidFill>
+                <a:latin typeface="경기천년제목 Light" panose="02020403020101020101" pitchFamily="18" charset="-127"/>
+                <a:ea typeface="경기천년제목 Light" panose="02020403020101020101" pitchFamily="18" charset="-127"/>
+                <a:cs typeface="Libre Baskerville" pitchFamily="34" charset="-120"/>
+              </a:rPr>
+              <a:t> </a:t>
+            </a:r>
             <a:endParaRPr lang="en-US" sz="4374" dirty="0"/>
           </a:p>
         </p:txBody>
@@ -15503,9 +17040,8 @@
                     <a:lumOff val="5000"/>
                   </a:schemeClr>
                 </a:solidFill>
-                <a:latin typeface="경기천년제목 Light" panose="02020403020101020101" pitchFamily="18" charset="-127"/>
-              </a:rPr>
-              <a:t>돌던지기</a:t>
+              </a:rPr>
+              <a:t>돌진</a:t>
             </a:r>
             <a:endParaRPr lang="en-US" sz="2187" dirty="0">
               <a:solidFill>
@@ -15550,22 +17086,22 @@
                 <a:solidFill>
                   <a:srgbClr val="49495A"/>
                 </a:solidFill>
-                <a:latin typeface="Open Sans" pitchFamily="34" charset="0"/>
-                <a:ea typeface="Open Sans" pitchFamily="34" charset="-122"/>
-                <a:cs typeface="Open Sans" pitchFamily="34" charset="-120"/>
-              </a:rPr>
-              <a:t>플레이어를 향해 원거리 공격</a:t>
+                <a:latin typeface="맑은 고딕" panose="020B0503020000020004" pitchFamily="50" charset="-127"/>
+                <a:ea typeface="맑은 고딕" panose="020B0503020000020004" pitchFamily="50" charset="-127"/>
+                <a:cs typeface="Open Sans" pitchFamily="34" charset="-120"/>
+              </a:rPr>
+              <a:t>플레이어를 향해 돌진</a:t>
             </a:r>
             <a:r>
               <a:rPr lang="en-US" altLang="ko-KR" sz="1400" dirty="0">
                 <a:solidFill>
                   <a:srgbClr val="49495A"/>
                 </a:solidFill>
-                <a:latin typeface="Open Sans" pitchFamily="34" charset="0"/>
-                <a:ea typeface="Open Sans" pitchFamily="34" charset="-122"/>
-                <a:cs typeface="Open Sans" pitchFamily="34" charset="-120"/>
-              </a:rPr>
-              <a:t>, </a:t>
+                <a:latin typeface="맑은 고딕" panose="020B0503020000020004" pitchFamily="50" charset="-127"/>
+                <a:ea typeface="맑은 고딕" panose="020B0503020000020004" pitchFamily="50" charset="-127"/>
+                <a:cs typeface="Open Sans" pitchFamily="34" charset="-120"/>
+              </a:rPr>
+              <a:t>.</a:t>
             </a:r>
           </a:p>
           <a:p>
@@ -15580,67 +17116,36 @@
                 <a:solidFill>
                   <a:srgbClr val="49495A"/>
                 </a:solidFill>
-                <a:latin typeface="Open Sans" pitchFamily="34" charset="0"/>
-                <a:ea typeface="Open Sans" pitchFamily="34" charset="-122"/>
-                <a:cs typeface="Open Sans" pitchFamily="34" charset="-120"/>
-              </a:rPr>
-              <a:t>플레이어를 향해 나아가는 </a:t>
-            </a:r>
-            <a:r>
-              <a:rPr lang="en-US" altLang="ko-KR" sz="1400" dirty="0">
-                <a:solidFill>
-                  <a:srgbClr val="49495A"/>
-                </a:solidFill>
-                <a:latin typeface="Open Sans" pitchFamily="34" charset="0"/>
-                <a:ea typeface="Open Sans" pitchFamily="34" charset="-122"/>
-                <a:cs typeface="Open Sans" pitchFamily="34" charset="-120"/>
-              </a:rPr>
-              <a:t>3</a:t>
-            </a:r>
-            <a:r>
-              <a:rPr lang="ko-KR" altLang="en-US" sz="1400" dirty="0">
-                <a:solidFill>
-                  <a:srgbClr val="49495A"/>
-                </a:solidFill>
-                <a:latin typeface="Open Sans" pitchFamily="34" charset="0"/>
-                <a:ea typeface="Open Sans" pitchFamily="34" charset="-122"/>
-                <a:cs typeface="Open Sans" pitchFamily="34" charset="-120"/>
-              </a:rPr>
-              <a:t>갈래의 탄환을 발사하며 연속으로 </a:t>
-            </a:r>
-            <a:r>
-              <a:rPr lang="en-US" altLang="ko-KR" sz="1400" dirty="0">
-                <a:solidFill>
-                  <a:srgbClr val="49495A"/>
-                </a:solidFill>
-                <a:latin typeface="Open Sans" pitchFamily="34" charset="0"/>
-                <a:ea typeface="Open Sans" pitchFamily="34" charset="-122"/>
-                <a:cs typeface="Open Sans" pitchFamily="34" charset="-120"/>
-              </a:rPr>
-              <a:t>3</a:t>
-            </a:r>
-            <a:r>
-              <a:rPr lang="ko-KR" altLang="en-US" sz="1400" dirty="0">
-                <a:solidFill>
-                  <a:srgbClr val="49495A"/>
-                </a:solidFill>
-                <a:latin typeface="Open Sans" pitchFamily="34" charset="0"/>
-                <a:ea typeface="Open Sans" pitchFamily="34" charset="-122"/>
-                <a:cs typeface="Open Sans" pitchFamily="34" charset="-120"/>
-              </a:rPr>
-              <a:t>번 쏜다</a:t>
-            </a:r>
-            <a:r>
-              <a:rPr lang="en-US" altLang="ko-KR" sz="1400" dirty="0">
-                <a:solidFill>
-                  <a:srgbClr val="49495A"/>
-                </a:solidFill>
-                <a:latin typeface="Open Sans" pitchFamily="34" charset="0"/>
-                <a:ea typeface="Open Sans" pitchFamily="34" charset="-122"/>
-                <a:cs typeface="Open Sans" pitchFamily="34" charset="-120"/>
-              </a:rPr>
-              <a:t>.</a:t>
-            </a:r>
+                <a:latin typeface="맑은 고딕" panose="020B0503020000020004" pitchFamily="50" charset="-127"/>
+                <a:ea typeface="맑은 고딕" panose="020B0503020000020004" pitchFamily="50" charset="-127"/>
+                <a:cs typeface="Open Sans" pitchFamily="34" charset="-120"/>
+              </a:rPr>
+              <a:t>플레이어를 계속해서 추적하며 지나가는 길</a:t>
+            </a:r>
+            <a:endParaRPr lang="en-US" altLang="ko-KR" sz="1400" dirty="0">
+              <a:solidFill>
+                <a:srgbClr val="49495A"/>
+              </a:solidFill>
+              <a:latin typeface="맑은 고딕" panose="020B0503020000020004" pitchFamily="50" charset="-127"/>
+              <a:ea typeface="맑은 고딕" panose="020B0503020000020004" pitchFamily="50" charset="-127"/>
+              <a:cs typeface="Open Sans" pitchFamily="34" charset="-120"/>
+            </a:endParaRPr>
+          </a:p>
+          <a:p>
+            <a:pPr marL="0" indent="0">
+              <a:lnSpc>
+                <a:spcPts val="2799"/>
+              </a:lnSpc>
+              <a:buNone/>
+            </a:pPr>
+            <a:endParaRPr lang="en-US" altLang="ko-KR" sz="1400" dirty="0">
+              <a:solidFill>
+                <a:srgbClr val="49495A"/>
+              </a:solidFill>
+              <a:latin typeface="맑은 고딕" panose="020B0503020000020004" pitchFamily="50" charset="-127"/>
+              <a:ea typeface="맑은 고딕" panose="020B0503020000020004" pitchFamily="50" charset="-127"/>
+              <a:cs typeface="Open Sans" pitchFamily="34" charset="-120"/>
+            </a:endParaRPr>
           </a:p>
         </p:txBody>
       </p:sp>
@@ -15741,8 +17246,8 @@
               <a:buNone/>
             </a:pPr>
             <a:r>
-              <a:rPr lang="ko-KR" altLang="en-US" sz="2187" dirty="0" err="1"/>
-              <a:t>침뱉기</a:t>
+              <a:rPr lang="ko-KR" altLang="en-US" sz="2187" dirty="0"/>
+              <a:t>구토</a:t>
             </a:r>
             <a:endParaRPr lang="en-US" sz="2187" dirty="0"/>
           </a:p>
@@ -15780,22 +17285,22 @@
                 <a:solidFill>
                   <a:srgbClr val="49495A"/>
                 </a:solidFill>
-                <a:latin typeface="Open Sans" pitchFamily="34" charset="0"/>
-                <a:ea typeface="Open Sans" pitchFamily="34" charset="-122"/>
-                <a:cs typeface="Open Sans" pitchFamily="34" charset="-120"/>
-              </a:rPr>
-              <a:t>플레이어를 향해 원거리 공격</a:t>
+                <a:latin typeface="맑은 고딕" panose="020B0503020000020004" pitchFamily="50" charset="-127"/>
+                <a:ea typeface="맑은 고딕" panose="020B0503020000020004" pitchFamily="50" charset="-127"/>
+                <a:cs typeface="Open Sans" pitchFamily="34" charset="-120"/>
+              </a:rPr>
+              <a:t>보스의 자리에 거대한 장판 생성</a:t>
             </a:r>
             <a:r>
               <a:rPr lang="en-US" altLang="ko-KR" sz="1750" dirty="0">
                 <a:solidFill>
                   <a:srgbClr val="49495A"/>
                 </a:solidFill>
-                <a:latin typeface="Open Sans" pitchFamily="34" charset="0"/>
-                <a:ea typeface="Open Sans" pitchFamily="34" charset="-122"/>
-                <a:cs typeface="Open Sans" pitchFamily="34" charset="-120"/>
-              </a:rPr>
-              <a:t>, </a:t>
+                <a:latin typeface="맑은 고딕" panose="020B0503020000020004" pitchFamily="50" charset="-127"/>
+                <a:ea typeface="맑은 고딕" panose="020B0503020000020004" pitchFamily="50" charset="-127"/>
+                <a:cs typeface="Open Sans" pitchFamily="34" charset="-120"/>
+              </a:rPr>
+              <a:t>.</a:t>
             </a:r>
           </a:p>
           <a:p>
@@ -15810,33 +17315,33 @@
                 <a:solidFill>
                   <a:srgbClr val="49495A"/>
                 </a:solidFill>
-                <a:latin typeface="Open Sans" pitchFamily="34" charset="0"/>
-                <a:ea typeface="Open Sans" pitchFamily="34" charset="-122"/>
-                <a:cs typeface="Open Sans" pitchFamily="34" charset="-120"/>
-              </a:rPr>
-              <a:t>공격 발동 시 확인한 플레이어의 좌표에 연속해서 </a:t>
+                <a:latin typeface="맑은 고딕" panose="020B0503020000020004" pitchFamily="50" charset="-127"/>
+                <a:ea typeface="맑은 고딕" panose="020B0503020000020004" pitchFamily="50" charset="-127"/>
+                <a:cs typeface="Open Sans" pitchFamily="34" charset="-120"/>
+              </a:rPr>
+              <a:t>공격 발동 시 보스의 위치를 중심으로 데미지를 주는 거대한 장판을 생성한다</a:t>
             </a:r>
             <a:r>
               <a:rPr lang="en-US" altLang="ko-KR" sz="1750" dirty="0">
                 <a:solidFill>
                   <a:srgbClr val="49495A"/>
                 </a:solidFill>
-                <a:latin typeface="Open Sans" pitchFamily="34" charset="0"/>
-                <a:ea typeface="Open Sans" pitchFamily="34" charset="-122"/>
-                <a:cs typeface="Open Sans" pitchFamily="34" charset="-120"/>
-              </a:rPr>
-              <a:t>3</a:t>
+                <a:latin typeface="맑은 고딕" panose="020B0503020000020004" pitchFamily="50" charset="-127"/>
+                <a:ea typeface="맑은 고딕" panose="020B0503020000020004" pitchFamily="50" charset="-127"/>
+                <a:cs typeface="Open Sans" pitchFamily="34" charset="-120"/>
+              </a:rPr>
+              <a:t>.</a:t>
             </a:r>
             <a:r>
               <a:rPr lang="ko-KR" altLang="en-US" sz="1750" dirty="0">
                 <a:solidFill>
                   <a:srgbClr val="49495A"/>
                 </a:solidFill>
-                <a:latin typeface="Open Sans" pitchFamily="34" charset="0"/>
-                <a:ea typeface="Open Sans" pitchFamily="34" charset="-122"/>
-                <a:cs typeface="Open Sans" pitchFamily="34" charset="-120"/>
-              </a:rPr>
-              <a:t>번의 침을 발사 </a:t>
+                <a:latin typeface="맑은 고딕" panose="020B0503020000020004" pitchFamily="50" charset="-127"/>
+                <a:ea typeface="맑은 고딕" panose="020B0503020000020004" pitchFamily="50" charset="-127"/>
+                <a:cs typeface="Open Sans" pitchFamily="34" charset="-120"/>
+              </a:rPr>
+              <a:t> </a:t>
             </a:r>
           </a:p>
           <a:p>
@@ -15850,8 +17355,8 @@
               <a:solidFill>
                 <a:srgbClr val="49495A"/>
               </a:solidFill>
-              <a:latin typeface="Open Sans" pitchFamily="34" charset="0"/>
-              <a:ea typeface="Open Sans" pitchFamily="34" charset="-122"/>
+              <a:latin typeface="맑은 고딕" panose="020B0503020000020004" pitchFamily="50" charset="-127"/>
+              <a:ea typeface="맑은 고딕" panose="020B0503020000020004" pitchFamily="50" charset="-127"/>
               <a:cs typeface="Open Sans" pitchFamily="34" charset="-120"/>
             </a:endParaRPr>
           </a:p>
@@ -15867,22 +17372,10 @@
                 <a:solidFill>
                   <a:srgbClr val="49495A"/>
                 </a:solidFill>
-                <a:latin typeface="Open Sans" pitchFamily="34" charset="0"/>
-                <a:ea typeface="Open Sans" pitchFamily="34" charset="-122"/>
-                <a:cs typeface="Open Sans" pitchFamily="34" charset="-120"/>
-              </a:rPr>
-              <a:t>각 침은 장판을 형성해 플레이어의 진로를 방해한다</a:t>
-            </a:r>
-            <a:r>
-              <a:rPr lang="en-US" altLang="ko-KR" sz="1750" dirty="0">
-                <a:solidFill>
-                  <a:srgbClr val="49495A"/>
-                </a:solidFill>
-                <a:latin typeface="Open Sans" pitchFamily="34" charset="0"/>
-                <a:ea typeface="Open Sans" pitchFamily="34" charset="-122"/>
-                <a:cs typeface="Open Sans" pitchFamily="34" charset="-120"/>
-              </a:rPr>
-              <a:t>.</a:t>
+                <a:latin typeface="맑은 고딕" panose="020B0503020000020004" pitchFamily="50" charset="-127"/>
+                <a:cs typeface="Open Sans" pitchFamily="34" charset="-120"/>
+              </a:rPr>
+              <a:t>이 장판은 </a:t>
             </a:r>
             <a:endParaRPr lang="en-US" sz="1750" dirty="0"/>
           </a:p>
@@ -15945,53 +17438,230 @@
           </a:p>
         </p:txBody>
       </p:sp>
-      <p:pic>
-        <p:nvPicPr>
-          <p:cNvPr id="1026" name="Picture 2">
+      <p:sp>
+        <p:nvSpPr>
+          <p:cNvPr id="2" name="Shape 3">
             <a:extLst>
               <a:ext uri="{FF2B5EF4-FFF2-40B4-BE49-F238E27FC236}">
-                <a16:creationId xmlns:a16="http://schemas.microsoft.com/office/drawing/2014/main" id="{C28BABEE-6308-2D7D-C942-955DDF5AAB38}"/>
+                <a16:creationId xmlns:a16="http://schemas.microsoft.com/office/drawing/2014/main" id="{15B2C6BE-BD23-48A7-AE89-E483F1CB8902}"/>
               </a:ext>
             </a:extLst>
           </p:cNvPr>
-          <p:cNvPicPr>
-            <a:picLocks noChangeAspect="1" noChangeArrowheads="1"/>
-          </p:cNvPicPr>
-          <p:nvPr/>
-        </p:nvPicPr>
-        <p:blipFill>
-          <a:blip r:embed="rId3">
+          <p:cNvSpPr/>
+          <p:nvPr/>
+        </p:nvSpPr>
+        <p:spPr>
+          <a:xfrm>
+            <a:off x="1016338" y="4930694"/>
+            <a:ext cx="499943" cy="499943"/>
+          </a:xfrm>
+          <a:prstGeom prst="roundRect">
+            <a:avLst>
+              <a:gd name="adj" fmla="val 26667"/>
+            </a:avLst>
+          </a:prstGeom>
+          <a:solidFill>
+            <a:srgbClr val="DED6FF"/>
+          </a:solidFill>
+          <a:ln/>
+        </p:spPr>
+        <p:txBody>
+          <a:bodyPr/>
+          <a:lstStyle/>
+          <a:p>
+            <a:endParaRPr lang="ko-KR" altLang="en-US"/>
+          </a:p>
+        </p:txBody>
+      </p:sp>
+      <p:sp>
+        <p:nvSpPr>
+          <p:cNvPr id="3" name="Text 5">
             <a:extLst>
-              <a:ext uri="{28A0092B-C50C-407E-A947-70E740481C1C}">
-                <a14:useLocalDpi xmlns:a14="http://schemas.microsoft.com/office/drawing/2010/main" val="0"/>
+              <a:ext uri="{FF2B5EF4-FFF2-40B4-BE49-F238E27FC236}">
+                <a16:creationId xmlns:a16="http://schemas.microsoft.com/office/drawing/2014/main" id="{0A40B428-0B70-9B90-1D12-9E0574BD7FCD}"/>
               </a:ext>
             </a:extLst>
-          </a:blip>
-          <a:srcRect/>
-          <a:stretch>
-            <a:fillRect/>
-          </a:stretch>
-        </p:blipFill>
-        <p:spPr bwMode="auto">
-          <a:xfrm>
-            <a:off x="1460322" y="5169932"/>
-            <a:ext cx="3172638" cy="2511109"/>
-          </a:xfrm>
-          <a:prstGeom prst="rect">
-            <a:avLst/>
-          </a:prstGeom>
-          <a:noFill/>
-          <a:extLst>
-            <a:ext uri="{909E8E84-426E-40DD-AFC4-6F175D3DCCD1}">
-              <a14:hiddenFill xmlns:a14="http://schemas.microsoft.com/office/drawing/2010/main">
-                <a:solidFill>
-                  <a:srgbClr val="FFFFFF"/>
-                </a:solidFill>
-              </a14:hiddenFill>
-            </a:ext>
-          </a:extLst>
-        </p:spPr>
-      </p:pic>
+          </p:cNvPr>
+          <p:cNvSpPr/>
+          <p:nvPr/>
+        </p:nvSpPr>
+        <p:spPr>
+          <a:xfrm>
+            <a:off x="1738452" y="5007013"/>
+            <a:ext cx="2777490" cy="347186"/>
+          </a:xfrm>
+          <a:prstGeom prst="rect">
+            <a:avLst/>
+          </a:prstGeom>
+          <a:noFill/>
+          <a:ln/>
+        </p:spPr>
+        <p:txBody>
+          <a:bodyPr wrap="none" rtlCol="0" anchor="t"/>
+          <a:lstStyle/>
+          <a:p>
+            <a:pPr marL="0" indent="0">
+              <a:lnSpc>
+                <a:spcPts val="2734"/>
+              </a:lnSpc>
+              <a:buNone/>
+            </a:pPr>
+            <a:r>
+              <a:rPr lang="ko-KR" altLang="en-US" sz="2187" dirty="0">
+                <a:solidFill>
+                  <a:schemeClr val="tx1">
+                    <a:lumMod val="95000"/>
+                    <a:lumOff val="5000"/>
+                  </a:schemeClr>
+                </a:solidFill>
+              </a:rPr>
+              <a:t>술병 던지기</a:t>
+            </a:r>
+            <a:endParaRPr lang="en-US" sz="2187" dirty="0">
+              <a:solidFill>
+                <a:schemeClr val="tx1">
+                  <a:lumMod val="95000"/>
+                  <a:lumOff val="5000"/>
+                </a:schemeClr>
+              </a:solidFill>
+            </a:endParaRPr>
+          </a:p>
+        </p:txBody>
+      </p:sp>
+      <p:sp>
+        <p:nvSpPr>
+          <p:cNvPr id="9" name="Text 6">
+            <a:extLst>
+              <a:ext uri="{FF2B5EF4-FFF2-40B4-BE49-F238E27FC236}">
+                <a16:creationId xmlns:a16="http://schemas.microsoft.com/office/drawing/2014/main" id="{B7A7846F-73A5-52BA-4667-18786D4E79E0}"/>
+              </a:ext>
+            </a:extLst>
+          </p:cNvPr>
+          <p:cNvSpPr/>
+          <p:nvPr/>
+        </p:nvSpPr>
+        <p:spPr>
+          <a:xfrm>
+            <a:off x="1738452" y="5487430"/>
+            <a:ext cx="4444008" cy="710803"/>
+          </a:xfrm>
+          <a:prstGeom prst="rect">
+            <a:avLst/>
+          </a:prstGeom>
+          <a:noFill/>
+          <a:ln/>
+        </p:spPr>
+        <p:txBody>
+          <a:bodyPr wrap="square" rtlCol="0" anchor="t"/>
+          <a:lstStyle/>
+          <a:p>
+            <a:pPr marL="0" indent="0">
+              <a:lnSpc>
+                <a:spcPts val="2799"/>
+              </a:lnSpc>
+              <a:buNone/>
+            </a:pPr>
+            <a:r>
+              <a:rPr lang="ko-KR" altLang="en-US" sz="1400" dirty="0">
+                <a:solidFill>
+                  <a:srgbClr val="49495A"/>
+                </a:solidFill>
+                <a:latin typeface="맑은 고딕" panose="020B0503020000020004" pitchFamily="50" charset="-127"/>
+                <a:ea typeface="맑은 고딕" panose="020B0503020000020004" pitchFamily="50" charset="-127"/>
+                <a:cs typeface="Open Sans" pitchFamily="34" charset="-120"/>
+              </a:rPr>
+              <a:t>플레이어를 향해 원거리 공격</a:t>
+            </a:r>
+            <a:r>
+              <a:rPr lang="en-US" altLang="ko-KR" sz="1400" dirty="0">
+                <a:solidFill>
+                  <a:srgbClr val="49495A"/>
+                </a:solidFill>
+                <a:latin typeface="맑은 고딕" panose="020B0503020000020004" pitchFamily="50" charset="-127"/>
+                <a:ea typeface="맑은 고딕" panose="020B0503020000020004" pitchFamily="50" charset="-127"/>
+                <a:cs typeface="Open Sans" pitchFamily="34" charset="-120"/>
+              </a:rPr>
+              <a:t>, </a:t>
+            </a:r>
+          </a:p>
+          <a:p>
+            <a:pPr marL="0" indent="0">
+              <a:lnSpc>
+                <a:spcPts val="2799"/>
+              </a:lnSpc>
+              <a:buNone/>
+            </a:pPr>
+            <a:r>
+              <a:rPr lang="ko-KR" altLang="en-US" sz="1400" dirty="0">
+                <a:solidFill>
+                  <a:srgbClr val="49495A"/>
+                </a:solidFill>
+                <a:latin typeface="맑은 고딕" panose="020B0503020000020004" pitchFamily="50" charset="-127"/>
+                <a:ea typeface="맑은 고딕" panose="020B0503020000020004" pitchFamily="50" charset="-127"/>
+                <a:cs typeface="Open Sans" pitchFamily="34" charset="-120"/>
+              </a:rPr>
+              <a:t>플레이어의 좌표 주위에 불 장판이 남는 투사체를 던진다</a:t>
+            </a:r>
+            <a:r>
+              <a:rPr lang="en-US" altLang="ko-KR" sz="1400" dirty="0">
+                <a:solidFill>
+                  <a:srgbClr val="49495A"/>
+                </a:solidFill>
+                <a:latin typeface="맑은 고딕" panose="020B0503020000020004" pitchFamily="50" charset="-127"/>
+                <a:ea typeface="맑은 고딕" panose="020B0503020000020004" pitchFamily="50" charset="-127"/>
+                <a:cs typeface="Open Sans" pitchFamily="34" charset="-120"/>
+              </a:rPr>
+              <a:t>.</a:t>
+            </a:r>
+          </a:p>
+        </p:txBody>
+      </p:sp>
+      <p:sp>
+        <p:nvSpPr>
+          <p:cNvPr id="10" name="Text 4">
+            <a:extLst>
+              <a:ext uri="{FF2B5EF4-FFF2-40B4-BE49-F238E27FC236}">
+                <a16:creationId xmlns:a16="http://schemas.microsoft.com/office/drawing/2014/main" id="{7B38061B-C2EE-2295-9145-16462E1EF7F4}"/>
+              </a:ext>
+            </a:extLst>
+          </p:cNvPr>
+          <p:cNvSpPr/>
+          <p:nvPr/>
+        </p:nvSpPr>
+        <p:spPr>
+          <a:xfrm>
+            <a:off x="1191954" y="4937718"/>
+            <a:ext cx="148709" cy="416481"/>
+          </a:xfrm>
+          <a:prstGeom prst="rect">
+            <a:avLst/>
+          </a:prstGeom>
+          <a:noFill/>
+          <a:ln/>
+        </p:spPr>
+        <p:txBody>
+          <a:bodyPr wrap="none" rtlCol="0" anchor="t"/>
+          <a:lstStyle/>
+          <a:p>
+            <a:pPr marL="0" indent="0" algn="ctr">
+              <a:lnSpc>
+                <a:spcPts val="3281"/>
+              </a:lnSpc>
+              <a:buNone/>
+            </a:pPr>
+            <a:r>
+              <a:rPr lang="en-US" sz="2624" dirty="0">
+                <a:solidFill>
+                  <a:srgbClr val="5955EB"/>
+                </a:solidFill>
+                <a:ea typeface="경기천년제목 Light" panose="02020403020101020101" pitchFamily="18" charset="-127"/>
+              </a:rPr>
+              <a:t>3</a:t>
+            </a:r>
+            <a:endParaRPr lang="en-US" sz="2624" dirty="0"/>
+          </a:p>
+        </p:txBody>
+      </p:sp>
     </p:spTree>
     <p:extLst>
       <p:ext uri="{BB962C8B-B14F-4D97-AF65-F5344CB8AC3E}">
@@ -16080,7 +17750,18 @@
                 <a:ea typeface="경기천년제목 Light" panose="02020403020101020101" pitchFamily="18" charset="-127"/>
                 <a:cs typeface="Libre Baskerville" pitchFamily="34" charset="-120"/>
               </a:rPr>
-              <a:t>: \</a:t>
+              <a:t>: </a:t>
+            </a:r>
+            <a:r>
+              <a:rPr lang="ko-KR" altLang="en-US" sz="4374" dirty="0">
+                <a:solidFill>
+                  <a:srgbClr val="5955EB"/>
+                </a:solidFill>
+                <a:latin typeface="경기천년제목 Light" panose="02020403020101020101" pitchFamily="18" charset="-127"/>
+                <a:ea typeface="경기천년제목 Light" panose="02020403020101020101" pitchFamily="18" charset="-127"/>
+                <a:cs typeface="Libre Baskerville" pitchFamily="34" charset="-120"/>
+              </a:rPr>
+              <a:t>고성방가 손님</a:t>
             </a:r>
             <a:endParaRPr lang="en-US" sz="4374" dirty="0"/>
           </a:p>
@@ -16185,16 +17866,15 @@
               <a:buNone/>
             </a:pPr>
             <a:r>
-              <a:rPr lang="ko-KR" altLang="en-US" sz="2187" dirty="0">
+              <a:rPr lang="ko-KR" altLang="en-US" sz="2187" dirty="0" err="1">
                 <a:solidFill>
                   <a:schemeClr val="tx1">
                     <a:lumMod val="95000"/>
                     <a:lumOff val="5000"/>
                   </a:schemeClr>
                 </a:solidFill>
-                <a:latin typeface="경기천년제목 Light" panose="02020403020101020101" pitchFamily="18" charset="-127"/>
-              </a:rPr>
-              <a:t>돌던지기</a:t>
+              </a:rPr>
+              <a:t>노래부르기</a:t>
             </a:r>
             <a:endParaRPr lang="en-US" sz="2187" dirty="0">
               <a:solidFill>
@@ -16239,8 +17919,8 @@
                 <a:solidFill>
                   <a:srgbClr val="49495A"/>
                 </a:solidFill>
-                <a:latin typeface="Open Sans" pitchFamily="34" charset="0"/>
-                <a:ea typeface="Open Sans" pitchFamily="34" charset="-122"/>
+                <a:latin typeface="맑은 고딕" panose="020B0503020000020004" pitchFamily="50" charset="-127"/>
+                <a:ea typeface="맑은 고딕" panose="020B0503020000020004" pitchFamily="50" charset="-127"/>
                 <a:cs typeface="Open Sans" pitchFamily="34" charset="-120"/>
               </a:rPr>
               <a:t>플레이어를 향해 원거리 공격</a:t>
@@ -16250,8 +17930,8 @@
                 <a:solidFill>
                   <a:srgbClr val="49495A"/>
                 </a:solidFill>
-                <a:latin typeface="Open Sans" pitchFamily="34" charset="0"/>
-                <a:ea typeface="Open Sans" pitchFamily="34" charset="-122"/>
+                <a:latin typeface="맑은 고딕" panose="020B0503020000020004" pitchFamily="50" charset="-127"/>
+                <a:ea typeface="맑은 고딕" panose="020B0503020000020004" pitchFamily="50" charset="-127"/>
                 <a:cs typeface="Open Sans" pitchFamily="34" charset="-120"/>
               </a:rPr>
               <a:t>, </a:t>
@@ -16265,67 +17945,116 @@
               <a:buNone/>
             </a:pPr>
             <a:r>
+              <a:rPr lang="ko-KR" altLang="en-US" sz="1400" dirty="0" err="1">
+                <a:solidFill>
+                  <a:srgbClr val="49495A"/>
+                </a:solidFill>
+                <a:latin typeface="맑은 고딕" panose="020B0503020000020004" pitchFamily="50" charset="-127"/>
+                <a:ea typeface="맑은 고딕" panose="020B0503020000020004" pitchFamily="50" charset="-127"/>
+                <a:cs typeface="Open Sans" pitchFamily="34" charset="-120"/>
+              </a:rPr>
+              <a:t>랜덤한</a:t>
+            </a:r>
+            <a:r>
               <a:rPr lang="ko-KR" altLang="en-US" sz="1400" dirty="0">
                 <a:solidFill>
                   <a:srgbClr val="49495A"/>
                 </a:solidFill>
-                <a:latin typeface="Open Sans" pitchFamily="34" charset="0"/>
-                <a:ea typeface="Open Sans" pitchFamily="34" charset="-122"/>
-                <a:cs typeface="Open Sans" pitchFamily="34" charset="-120"/>
-              </a:rPr>
-              <a:t>플레이어를 향해 나아가는 </a:t>
+                <a:latin typeface="맑은 고딕" panose="020B0503020000020004" pitchFamily="50" charset="-127"/>
+                <a:ea typeface="맑은 고딕" panose="020B0503020000020004" pitchFamily="50" charset="-127"/>
+                <a:cs typeface="Open Sans" pitchFamily="34" charset="-120"/>
+              </a:rPr>
+              <a:t> 방향으로 날아가는 음표</a:t>
             </a:r>
             <a:r>
               <a:rPr lang="en-US" altLang="ko-KR" sz="1400" dirty="0">
                 <a:solidFill>
                   <a:srgbClr val="49495A"/>
                 </a:solidFill>
-                <a:latin typeface="Open Sans" pitchFamily="34" charset="0"/>
-                <a:ea typeface="Open Sans" pitchFamily="34" charset="-122"/>
-                <a:cs typeface="Open Sans" pitchFamily="34" charset="-120"/>
-              </a:rPr>
-              <a:t>3</a:t>
-            </a:r>
+                <a:latin typeface="맑은 고딕" panose="020B0503020000020004" pitchFamily="50" charset="-127"/>
+                <a:ea typeface="맑은 고딕" panose="020B0503020000020004" pitchFamily="50" charset="-127"/>
+                <a:cs typeface="Open Sans" pitchFamily="34" charset="-120"/>
+              </a:rPr>
+              <a:t>.</a:t>
+            </a:r>
+          </a:p>
+          <a:p>
+            <a:pPr marL="0" indent="0">
+              <a:lnSpc>
+                <a:spcPts val="2799"/>
+              </a:lnSpc>
+              <a:buNone/>
+            </a:pPr>
             <a:r>
               <a:rPr lang="ko-KR" altLang="en-US" sz="1400" dirty="0">
                 <a:solidFill>
                   <a:srgbClr val="49495A"/>
                 </a:solidFill>
-                <a:latin typeface="Open Sans" pitchFamily="34" charset="0"/>
-                <a:ea typeface="Open Sans" pitchFamily="34" charset="-122"/>
-                <a:cs typeface="Open Sans" pitchFamily="34" charset="-120"/>
-              </a:rPr>
-              <a:t>갈래의 탄환을 발사하며 연속으로 </a:t>
+                <a:latin typeface="맑은 고딕" panose="020B0503020000020004" pitchFamily="50" charset="-127"/>
+                <a:ea typeface="맑은 고딕" panose="020B0503020000020004" pitchFamily="50" charset="-127"/>
+                <a:cs typeface="Open Sans" pitchFamily="34" charset="-120"/>
+              </a:rPr>
+              <a:t>이 음표는 벽에 </a:t>
+            </a:r>
+            <a:r>
+              <a:rPr lang="ko-KR" altLang="en-US" sz="1400" dirty="0" err="1">
+                <a:solidFill>
+                  <a:srgbClr val="49495A"/>
+                </a:solidFill>
+                <a:latin typeface="맑은 고딕" panose="020B0503020000020004" pitchFamily="50" charset="-127"/>
+                <a:ea typeface="맑은 고딕" panose="020B0503020000020004" pitchFamily="50" charset="-127"/>
+                <a:cs typeface="Open Sans" pitchFamily="34" charset="-120"/>
+              </a:rPr>
+              <a:t>닿을시</a:t>
+            </a:r>
+            <a:r>
+              <a:rPr lang="ko-KR" altLang="en-US" sz="1400" dirty="0">
+                <a:solidFill>
+                  <a:srgbClr val="49495A"/>
+                </a:solidFill>
+                <a:latin typeface="맑은 고딕" panose="020B0503020000020004" pitchFamily="50" charset="-127"/>
+                <a:ea typeface="맑은 고딕" panose="020B0503020000020004" pitchFamily="50" charset="-127"/>
+                <a:cs typeface="Open Sans" pitchFamily="34" charset="-120"/>
+              </a:rPr>
+              <a:t> 튕긴다</a:t>
             </a:r>
             <a:r>
               <a:rPr lang="en-US" altLang="ko-KR" sz="1400" dirty="0">
                 <a:solidFill>
                   <a:srgbClr val="49495A"/>
                 </a:solidFill>
-                <a:latin typeface="Open Sans" pitchFamily="34" charset="0"/>
-                <a:ea typeface="Open Sans" pitchFamily="34" charset="-122"/>
-                <a:cs typeface="Open Sans" pitchFamily="34" charset="-120"/>
-              </a:rPr>
-              <a:t>3</a:t>
-            </a:r>
+                <a:latin typeface="맑은 고딕" panose="020B0503020000020004" pitchFamily="50" charset="-127"/>
+                <a:ea typeface="맑은 고딕" panose="020B0503020000020004" pitchFamily="50" charset="-127"/>
+                <a:cs typeface="Open Sans" pitchFamily="34" charset="-120"/>
+              </a:rPr>
+              <a:t>.</a:t>
+            </a:r>
+          </a:p>
+          <a:p>
+            <a:pPr marL="0" indent="0">
+              <a:lnSpc>
+                <a:spcPts val="2799"/>
+              </a:lnSpc>
+              <a:buNone/>
+            </a:pPr>
             <a:r>
               <a:rPr lang="ko-KR" altLang="en-US" sz="1400" dirty="0">
                 <a:solidFill>
                   <a:srgbClr val="49495A"/>
                 </a:solidFill>
-                <a:latin typeface="Open Sans" pitchFamily="34" charset="0"/>
-                <a:ea typeface="Open Sans" pitchFamily="34" charset="-122"/>
-                <a:cs typeface="Open Sans" pitchFamily="34" charset="-120"/>
-              </a:rPr>
-              <a:t>번 쏜다</a:t>
+                <a:latin typeface="맑은 고딕" panose="020B0503020000020004" pitchFamily="50" charset="-127"/>
+                <a:ea typeface="맑은 고딕" panose="020B0503020000020004" pitchFamily="50" charset="-127"/>
+                <a:cs typeface="Open Sans" pitchFamily="34" charset="-120"/>
+              </a:rPr>
+              <a:t>벽에 또 닿는다면 음표는 사라진다</a:t>
             </a:r>
             <a:r>
               <a:rPr lang="en-US" altLang="ko-KR" sz="1400" dirty="0">
                 <a:solidFill>
                   <a:srgbClr val="49495A"/>
                 </a:solidFill>
-                <a:latin typeface="Open Sans" pitchFamily="34" charset="0"/>
-                <a:ea typeface="Open Sans" pitchFamily="34" charset="-122"/>
+                <a:latin typeface="맑은 고딕" panose="020B0503020000020004" pitchFamily="50" charset="-127"/>
+                <a:ea typeface="맑은 고딕" panose="020B0503020000020004" pitchFamily="50" charset="-127"/>
                 <a:cs typeface="Open Sans" pitchFamily="34" charset="-120"/>
               </a:rPr>
               <a:t>.</a:t>
@@ -16431,7 +18160,7 @@
             </a:pPr>
             <a:r>
               <a:rPr lang="ko-KR" altLang="en-US" sz="2187" dirty="0" err="1"/>
-              <a:t>침뱉기</a:t>
+              <a:t>ㄹㅇㅇ</a:t>
             </a:r>
             <a:endParaRPr lang="en-US" sz="2187" dirty="0"/>
           </a:p>
@@ -16469,8 +18198,8 @@
                 <a:solidFill>
                   <a:srgbClr val="49495A"/>
                 </a:solidFill>
-                <a:latin typeface="Open Sans" pitchFamily="34" charset="0"/>
-                <a:ea typeface="Open Sans" pitchFamily="34" charset="-122"/>
+                <a:latin typeface="맑은 고딕" panose="020B0503020000020004" pitchFamily="50" charset="-127"/>
+                <a:ea typeface="맑은 고딕" panose="020B0503020000020004" pitchFamily="50" charset="-127"/>
                 <a:cs typeface="Open Sans" pitchFamily="34" charset="-120"/>
               </a:rPr>
               <a:t>플레이어를 향해 원거리 공격</a:t>
@@ -16480,8 +18209,8 @@
                 <a:solidFill>
                   <a:srgbClr val="49495A"/>
                 </a:solidFill>
-                <a:latin typeface="Open Sans" pitchFamily="34" charset="0"/>
-                <a:ea typeface="Open Sans" pitchFamily="34" charset="-122"/>
+                <a:latin typeface="맑은 고딕" panose="020B0503020000020004" pitchFamily="50" charset="-127"/>
+                <a:ea typeface="맑은 고딕" panose="020B0503020000020004" pitchFamily="50" charset="-127"/>
                 <a:cs typeface="Open Sans" pitchFamily="34" charset="-120"/>
               </a:rPr>
               <a:t>, </a:t>
@@ -16499,8 +18228,8 @@
                 <a:solidFill>
                   <a:srgbClr val="49495A"/>
                 </a:solidFill>
-                <a:latin typeface="Open Sans" pitchFamily="34" charset="0"/>
-                <a:ea typeface="Open Sans" pitchFamily="34" charset="-122"/>
+                <a:latin typeface="맑은 고딕" panose="020B0503020000020004" pitchFamily="50" charset="-127"/>
+                <a:ea typeface="맑은 고딕" panose="020B0503020000020004" pitchFamily="50" charset="-127"/>
                 <a:cs typeface="Open Sans" pitchFamily="34" charset="-120"/>
               </a:rPr>
               <a:t>공격 발동 시 확인한 플레이어의 좌표에 연속해서 </a:t>
@@ -16510,8 +18239,8 @@
                 <a:solidFill>
                   <a:srgbClr val="49495A"/>
                 </a:solidFill>
-                <a:latin typeface="Open Sans" pitchFamily="34" charset="0"/>
-                <a:ea typeface="Open Sans" pitchFamily="34" charset="-122"/>
+                <a:latin typeface="맑은 고딕" panose="020B0503020000020004" pitchFamily="50" charset="-127"/>
+                <a:ea typeface="맑은 고딕" panose="020B0503020000020004" pitchFamily="50" charset="-127"/>
                 <a:cs typeface="Open Sans" pitchFamily="34" charset="-120"/>
               </a:rPr>
               <a:t>3</a:t>
@@ -16521,8 +18250,8 @@
                 <a:solidFill>
                   <a:srgbClr val="49495A"/>
                 </a:solidFill>
-                <a:latin typeface="Open Sans" pitchFamily="34" charset="0"/>
-                <a:ea typeface="Open Sans" pitchFamily="34" charset="-122"/>
+                <a:latin typeface="맑은 고딕" panose="020B0503020000020004" pitchFamily="50" charset="-127"/>
+                <a:ea typeface="맑은 고딕" panose="020B0503020000020004" pitchFamily="50" charset="-127"/>
                 <a:cs typeface="Open Sans" pitchFamily="34" charset="-120"/>
               </a:rPr>
               <a:t>번의 침을 발사 </a:t>
@@ -16539,8 +18268,8 @@
               <a:solidFill>
                 <a:srgbClr val="49495A"/>
               </a:solidFill>
-              <a:latin typeface="Open Sans" pitchFamily="34" charset="0"/>
-              <a:ea typeface="Open Sans" pitchFamily="34" charset="-122"/>
+              <a:latin typeface="맑은 고딕" panose="020B0503020000020004" pitchFamily="50" charset="-127"/>
+              <a:ea typeface="맑은 고딕" panose="020B0503020000020004" pitchFamily="50" charset="-127"/>
               <a:cs typeface="Open Sans" pitchFamily="34" charset="-120"/>
             </a:endParaRPr>
           </a:p>
@@ -16556,8 +18285,8 @@
                 <a:solidFill>
                   <a:srgbClr val="49495A"/>
                 </a:solidFill>
-                <a:latin typeface="Open Sans" pitchFamily="34" charset="0"/>
-                <a:ea typeface="Open Sans" pitchFamily="34" charset="-122"/>
+                <a:latin typeface="맑은 고딕" panose="020B0503020000020004" pitchFamily="50" charset="-127"/>
+                <a:ea typeface="맑은 고딕" panose="020B0503020000020004" pitchFamily="50" charset="-127"/>
                 <a:cs typeface="Open Sans" pitchFamily="34" charset="-120"/>
               </a:rPr>
               <a:t>각 침은 장판을 형성해 플레이어의 진로를 방해한다</a:t>
@@ -16567,8 +18296,8 @@
                 <a:solidFill>
                   <a:srgbClr val="49495A"/>
                 </a:solidFill>
-                <a:latin typeface="Open Sans" pitchFamily="34" charset="0"/>
-                <a:ea typeface="Open Sans" pitchFamily="34" charset="-122"/>
+                <a:latin typeface="맑은 고딕" panose="020B0503020000020004" pitchFamily="50" charset="-127"/>
+                <a:ea typeface="맑은 고딕" panose="020B0503020000020004" pitchFamily="50" charset="-127"/>
                 <a:cs typeface="Open Sans" pitchFamily="34" charset="-120"/>
               </a:rPr>
               <a:t>.</a:t>
@@ -16769,7 +18498,7 @@
                 <a:ea typeface="경기천년제목 Light" panose="02020403020101020101" pitchFamily="18" charset="-127"/>
                 <a:cs typeface="Libre Baskerville" pitchFamily="34" charset="-120"/>
               </a:rPr>
-              <a:t>:</a:t>
+              <a:t>: </a:t>
             </a:r>
             <a:endParaRPr lang="en-US" sz="4374" dirty="0"/>
           </a:p>
@@ -16928,8 +18657,8 @@
                 <a:solidFill>
                   <a:srgbClr val="49495A"/>
                 </a:solidFill>
-                <a:latin typeface="Open Sans" pitchFamily="34" charset="0"/>
-                <a:ea typeface="Open Sans" pitchFamily="34" charset="-122"/>
+                <a:latin typeface="맑은 고딕" panose="020B0503020000020004" pitchFamily="50" charset="-127"/>
+                <a:ea typeface="맑은 고딕" panose="020B0503020000020004" pitchFamily="50" charset="-127"/>
                 <a:cs typeface="Open Sans" pitchFamily="34" charset="-120"/>
               </a:rPr>
               <a:t>플레이어를 향해 원거리 공격</a:t>
@@ -16939,8 +18668,8 @@
                 <a:solidFill>
                   <a:srgbClr val="49495A"/>
                 </a:solidFill>
-                <a:latin typeface="Open Sans" pitchFamily="34" charset="0"/>
-                <a:ea typeface="Open Sans" pitchFamily="34" charset="-122"/>
+                <a:latin typeface="맑은 고딕" panose="020B0503020000020004" pitchFamily="50" charset="-127"/>
+                <a:ea typeface="맑은 고딕" panose="020B0503020000020004" pitchFamily="50" charset="-127"/>
                 <a:cs typeface="Open Sans" pitchFamily="34" charset="-120"/>
               </a:rPr>
               <a:t>, </a:t>
@@ -16958,8 +18687,8 @@
                 <a:solidFill>
                   <a:srgbClr val="49495A"/>
                 </a:solidFill>
-                <a:latin typeface="Open Sans" pitchFamily="34" charset="0"/>
-                <a:ea typeface="Open Sans" pitchFamily="34" charset="-122"/>
+                <a:latin typeface="맑은 고딕" panose="020B0503020000020004" pitchFamily="50" charset="-127"/>
+                <a:ea typeface="맑은 고딕" panose="020B0503020000020004" pitchFamily="50" charset="-127"/>
                 <a:cs typeface="Open Sans" pitchFamily="34" charset="-120"/>
               </a:rPr>
               <a:t>플레이어를 향해 나아가는 </a:t>
@@ -16969,8 +18698,8 @@
                 <a:solidFill>
                   <a:srgbClr val="49495A"/>
                 </a:solidFill>
-                <a:latin typeface="Open Sans" pitchFamily="34" charset="0"/>
-                <a:ea typeface="Open Sans" pitchFamily="34" charset="-122"/>
+                <a:latin typeface="맑은 고딕" panose="020B0503020000020004" pitchFamily="50" charset="-127"/>
+                <a:ea typeface="맑은 고딕" panose="020B0503020000020004" pitchFamily="50" charset="-127"/>
                 <a:cs typeface="Open Sans" pitchFamily="34" charset="-120"/>
               </a:rPr>
               <a:t>3</a:t>
@@ -16980,8 +18709,8 @@
                 <a:solidFill>
                   <a:srgbClr val="49495A"/>
                 </a:solidFill>
-                <a:latin typeface="Open Sans" pitchFamily="34" charset="0"/>
-                <a:ea typeface="Open Sans" pitchFamily="34" charset="-122"/>
+                <a:latin typeface="맑은 고딕" panose="020B0503020000020004" pitchFamily="50" charset="-127"/>
+                <a:ea typeface="맑은 고딕" panose="020B0503020000020004" pitchFamily="50" charset="-127"/>
                 <a:cs typeface="Open Sans" pitchFamily="34" charset="-120"/>
               </a:rPr>
               <a:t>갈래의 탄환을 발사하며 연속으로 </a:t>
@@ -16991,8 +18720,8 @@
                 <a:solidFill>
                   <a:srgbClr val="49495A"/>
                 </a:solidFill>
-                <a:latin typeface="Open Sans" pitchFamily="34" charset="0"/>
-                <a:ea typeface="Open Sans" pitchFamily="34" charset="-122"/>
+                <a:latin typeface="맑은 고딕" panose="020B0503020000020004" pitchFamily="50" charset="-127"/>
+                <a:ea typeface="맑은 고딕" panose="020B0503020000020004" pitchFamily="50" charset="-127"/>
                 <a:cs typeface="Open Sans" pitchFamily="34" charset="-120"/>
               </a:rPr>
               <a:t>3</a:t>
@@ -17002,8 +18731,8 @@
                 <a:solidFill>
                   <a:srgbClr val="49495A"/>
                 </a:solidFill>
-                <a:latin typeface="Open Sans" pitchFamily="34" charset="0"/>
-                <a:ea typeface="Open Sans" pitchFamily="34" charset="-122"/>
+                <a:latin typeface="맑은 고딕" panose="020B0503020000020004" pitchFamily="50" charset="-127"/>
+                <a:ea typeface="맑은 고딕" panose="020B0503020000020004" pitchFamily="50" charset="-127"/>
                 <a:cs typeface="Open Sans" pitchFamily="34" charset="-120"/>
               </a:rPr>
               <a:t>번 쏜다</a:t>
@@ -17013,8 +18742,8 @@
                 <a:solidFill>
                   <a:srgbClr val="49495A"/>
                 </a:solidFill>
-                <a:latin typeface="Open Sans" pitchFamily="34" charset="0"/>
-                <a:ea typeface="Open Sans" pitchFamily="34" charset="-122"/>
+                <a:latin typeface="맑은 고딕" panose="020B0503020000020004" pitchFamily="50" charset="-127"/>
+                <a:ea typeface="맑은 고딕" panose="020B0503020000020004" pitchFamily="50" charset="-127"/>
                 <a:cs typeface="Open Sans" pitchFamily="34" charset="-120"/>
               </a:rPr>
               <a:t>.</a:t>
@@ -17158,8 +18887,8 @@
                 <a:solidFill>
                   <a:srgbClr val="49495A"/>
                 </a:solidFill>
-                <a:latin typeface="Open Sans" pitchFamily="34" charset="0"/>
-                <a:ea typeface="Open Sans" pitchFamily="34" charset="-122"/>
+                <a:latin typeface="맑은 고딕" panose="020B0503020000020004" pitchFamily="50" charset="-127"/>
+                <a:ea typeface="맑은 고딕" panose="020B0503020000020004" pitchFamily="50" charset="-127"/>
                 <a:cs typeface="Open Sans" pitchFamily="34" charset="-120"/>
               </a:rPr>
               <a:t>플레이어를 향해 원거리 공격</a:t>
@@ -17169,8 +18898,8 @@
                 <a:solidFill>
                   <a:srgbClr val="49495A"/>
                 </a:solidFill>
-                <a:latin typeface="Open Sans" pitchFamily="34" charset="0"/>
-                <a:ea typeface="Open Sans" pitchFamily="34" charset="-122"/>
+                <a:latin typeface="맑은 고딕" panose="020B0503020000020004" pitchFamily="50" charset="-127"/>
+                <a:ea typeface="맑은 고딕" panose="020B0503020000020004" pitchFamily="50" charset="-127"/>
                 <a:cs typeface="Open Sans" pitchFamily="34" charset="-120"/>
               </a:rPr>
               <a:t>, </a:t>
@@ -17188,8 +18917,8 @@
                 <a:solidFill>
                   <a:srgbClr val="49495A"/>
                 </a:solidFill>
-                <a:latin typeface="Open Sans" pitchFamily="34" charset="0"/>
-                <a:ea typeface="Open Sans" pitchFamily="34" charset="-122"/>
+                <a:latin typeface="맑은 고딕" panose="020B0503020000020004" pitchFamily="50" charset="-127"/>
+                <a:ea typeface="맑은 고딕" panose="020B0503020000020004" pitchFamily="50" charset="-127"/>
                 <a:cs typeface="Open Sans" pitchFamily="34" charset="-120"/>
               </a:rPr>
               <a:t>공격 발동 시 확인한 플레이어의 좌표에 연속해서 </a:t>
@@ -17199,8 +18928,8 @@
                 <a:solidFill>
                   <a:srgbClr val="49495A"/>
                 </a:solidFill>
-                <a:latin typeface="Open Sans" pitchFamily="34" charset="0"/>
-                <a:ea typeface="Open Sans" pitchFamily="34" charset="-122"/>
+                <a:latin typeface="맑은 고딕" panose="020B0503020000020004" pitchFamily="50" charset="-127"/>
+                <a:ea typeface="맑은 고딕" panose="020B0503020000020004" pitchFamily="50" charset="-127"/>
                 <a:cs typeface="Open Sans" pitchFamily="34" charset="-120"/>
               </a:rPr>
               <a:t>3</a:t>
@@ -17210,8 +18939,8 @@
                 <a:solidFill>
                   <a:srgbClr val="49495A"/>
                 </a:solidFill>
-                <a:latin typeface="Open Sans" pitchFamily="34" charset="0"/>
-                <a:ea typeface="Open Sans" pitchFamily="34" charset="-122"/>
+                <a:latin typeface="맑은 고딕" panose="020B0503020000020004" pitchFamily="50" charset="-127"/>
+                <a:ea typeface="맑은 고딕" panose="020B0503020000020004" pitchFamily="50" charset="-127"/>
                 <a:cs typeface="Open Sans" pitchFamily="34" charset="-120"/>
               </a:rPr>
               <a:t>번의 침을 발사 </a:t>
@@ -17228,8 +18957,8 @@
               <a:solidFill>
                 <a:srgbClr val="49495A"/>
               </a:solidFill>
-              <a:latin typeface="Open Sans" pitchFamily="34" charset="0"/>
-              <a:ea typeface="Open Sans" pitchFamily="34" charset="-122"/>
+              <a:latin typeface="맑은 고딕" panose="020B0503020000020004" pitchFamily="50" charset="-127"/>
+              <a:ea typeface="맑은 고딕" panose="020B0503020000020004" pitchFamily="50" charset="-127"/>
               <a:cs typeface="Open Sans" pitchFamily="34" charset="-120"/>
             </a:endParaRPr>
           </a:p>
@@ -17245,8 +18974,8 @@
                 <a:solidFill>
                   <a:srgbClr val="49495A"/>
                 </a:solidFill>
-                <a:latin typeface="Open Sans" pitchFamily="34" charset="0"/>
-                <a:ea typeface="Open Sans" pitchFamily="34" charset="-122"/>
+                <a:latin typeface="맑은 고딕" panose="020B0503020000020004" pitchFamily="50" charset="-127"/>
+                <a:ea typeface="맑은 고딕" panose="020B0503020000020004" pitchFamily="50" charset="-127"/>
                 <a:cs typeface="Open Sans" pitchFamily="34" charset="-120"/>
               </a:rPr>
               <a:t>각 침은 장판을 형성해 플레이어의 진로를 방해한다</a:t>
@@ -17256,8 +18985,8 @@
                 <a:solidFill>
                   <a:srgbClr val="49495A"/>
                 </a:solidFill>
-                <a:latin typeface="Open Sans" pitchFamily="34" charset="0"/>
-                <a:ea typeface="Open Sans" pitchFamily="34" charset="-122"/>
+                <a:latin typeface="맑은 고딕" panose="020B0503020000020004" pitchFamily="50" charset="-127"/>
+                <a:ea typeface="맑은 고딕" panose="020B0503020000020004" pitchFamily="50" charset="-127"/>
                 <a:cs typeface="Open Sans" pitchFamily="34" charset="-120"/>
               </a:rPr>
               <a:t>.</a:t>
@@ -17617,8 +19346,8 @@
                 <a:solidFill>
                   <a:srgbClr val="49495A"/>
                 </a:solidFill>
-                <a:latin typeface="Open Sans" pitchFamily="34" charset="0"/>
-                <a:ea typeface="Open Sans" pitchFamily="34" charset="-122"/>
+                <a:latin typeface="맑은 고딕" panose="020B0503020000020004" pitchFamily="50" charset="-127"/>
+                <a:ea typeface="맑은 고딕" panose="020B0503020000020004" pitchFamily="50" charset="-127"/>
                 <a:cs typeface="Open Sans" pitchFamily="34" charset="-120"/>
               </a:rPr>
               <a:t>플레이어를 향해 원거리 공격</a:t>
@@ -17628,8 +19357,8 @@
                 <a:solidFill>
                   <a:srgbClr val="49495A"/>
                 </a:solidFill>
-                <a:latin typeface="Open Sans" pitchFamily="34" charset="0"/>
-                <a:ea typeface="Open Sans" pitchFamily="34" charset="-122"/>
+                <a:latin typeface="맑은 고딕" panose="020B0503020000020004" pitchFamily="50" charset="-127"/>
+                <a:ea typeface="맑은 고딕" panose="020B0503020000020004" pitchFamily="50" charset="-127"/>
                 <a:cs typeface="Open Sans" pitchFamily="34" charset="-120"/>
               </a:rPr>
               <a:t>, </a:t>
@@ -17647,8 +19376,8 @@
                 <a:solidFill>
                   <a:srgbClr val="49495A"/>
                 </a:solidFill>
-                <a:latin typeface="Open Sans" pitchFamily="34" charset="0"/>
-                <a:ea typeface="Open Sans" pitchFamily="34" charset="-122"/>
+                <a:latin typeface="맑은 고딕" panose="020B0503020000020004" pitchFamily="50" charset="-127"/>
+                <a:ea typeface="맑은 고딕" panose="020B0503020000020004" pitchFamily="50" charset="-127"/>
                 <a:cs typeface="Open Sans" pitchFamily="34" charset="-120"/>
               </a:rPr>
               <a:t>플레이어를 향해 나아가는 </a:t>
@@ -17658,8 +19387,8 @@
                 <a:solidFill>
                   <a:srgbClr val="49495A"/>
                 </a:solidFill>
-                <a:latin typeface="Open Sans" pitchFamily="34" charset="0"/>
-                <a:ea typeface="Open Sans" pitchFamily="34" charset="-122"/>
+                <a:latin typeface="맑은 고딕" panose="020B0503020000020004" pitchFamily="50" charset="-127"/>
+                <a:ea typeface="맑은 고딕" panose="020B0503020000020004" pitchFamily="50" charset="-127"/>
                 <a:cs typeface="Open Sans" pitchFamily="34" charset="-120"/>
               </a:rPr>
               <a:t>3</a:t>
@@ -17669,8 +19398,8 @@
                 <a:solidFill>
                   <a:srgbClr val="49495A"/>
                 </a:solidFill>
-                <a:latin typeface="Open Sans" pitchFamily="34" charset="0"/>
-                <a:ea typeface="Open Sans" pitchFamily="34" charset="-122"/>
+                <a:latin typeface="맑은 고딕" panose="020B0503020000020004" pitchFamily="50" charset="-127"/>
+                <a:ea typeface="맑은 고딕" panose="020B0503020000020004" pitchFamily="50" charset="-127"/>
                 <a:cs typeface="Open Sans" pitchFamily="34" charset="-120"/>
               </a:rPr>
               <a:t>갈래의 탄환을 발사하며 연속으로 </a:t>
@@ -17680,8 +19409,8 @@
                 <a:solidFill>
                   <a:srgbClr val="49495A"/>
                 </a:solidFill>
-                <a:latin typeface="Open Sans" pitchFamily="34" charset="0"/>
-                <a:ea typeface="Open Sans" pitchFamily="34" charset="-122"/>
+                <a:latin typeface="맑은 고딕" panose="020B0503020000020004" pitchFamily="50" charset="-127"/>
+                <a:ea typeface="맑은 고딕" panose="020B0503020000020004" pitchFamily="50" charset="-127"/>
                 <a:cs typeface="Open Sans" pitchFamily="34" charset="-120"/>
               </a:rPr>
               <a:t>3</a:t>
@@ -17691,8 +19420,8 @@
                 <a:solidFill>
                   <a:srgbClr val="49495A"/>
                 </a:solidFill>
-                <a:latin typeface="Open Sans" pitchFamily="34" charset="0"/>
-                <a:ea typeface="Open Sans" pitchFamily="34" charset="-122"/>
+                <a:latin typeface="맑은 고딕" panose="020B0503020000020004" pitchFamily="50" charset="-127"/>
+                <a:ea typeface="맑은 고딕" panose="020B0503020000020004" pitchFamily="50" charset="-127"/>
                 <a:cs typeface="Open Sans" pitchFamily="34" charset="-120"/>
               </a:rPr>
               <a:t>번 쏜다</a:t>
@@ -17702,8 +19431,8 @@
                 <a:solidFill>
                   <a:srgbClr val="49495A"/>
                 </a:solidFill>
-                <a:latin typeface="Open Sans" pitchFamily="34" charset="0"/>
-                <a:ea typeface="Open Sans" pitchFamily="34" charset="-122"/>
+                <a:latin typeface="맑은 고딕" panose="020B0503020000020004" pitchFamily="50" charset="-127"/>
+                <a:ea typeface="맑은 고딕" panose="020B0503020000020004" pitchFamily="50" charset="-127"/>
                 <a:cs typeface="Open Sans" pitchFamily="34" charset="-120"/>
               </a:rPr>
               <a:t>.</a:t>
@@ -17847,8 +19576,8 @@
                 <a:solidFill>
                   <a:srgbClr val="49495A"/>
                 </a:solidFill>
-                <a:latin typeface="Open Sans" pitchFamily="34" charset="0"/>
-                <a:ea typeface="Open Sans" pitchFamily="34" charset="-122"/>
+                <a:latin typeface="맑은 고딕" panose="020B0503020000020004" pitchFamily="50" charset="-127"/>
+                <a:ea typeface="맑은 고딕" panose="020B0503020000020004" pitchFamily="50" charset="-127"/>
                 <a:cs typeface="Open Sans" pitchFamily="34" charset="-120"/>
               </a:rPr>
               <a:t>플레이어를 향해 원거리 공격</a:t>
@@ -17858,8 +19587,8 @@
                 <a:solidFill>
                   <a:srgbClr val="49495A"/>
                 </a:solidFill>
-                <a:latin typeface="Open Sans" pitchFamily="34" charset="0"/>
-                <a:ea typeface="Open Sans" pitchFamily="34" charset="-122"/>
+                <a:latin typeface="맑은 고딕" panose="020B0503020000020004" pitchFamily="50" charset="-127"/>
+                <a:ea typeface="맑은 고딕" panose="020B0503020000020004" pitchFamily="50" charset="-127"/>
                 <a:cs typeface="Open Sans" pitchFamily="34" charset="-120"/>
               </a:rPr>
               <a:t>, </a:t>
@@ -17877,8 +19606,8 @@
                 <a:solidFill>
                   <a:srgbClr val="49495A"/>
                 </a:solidFill>
-                <a:latin typeface="Open Sans" pitchFamily="34" charset="0"/>
-                <a:ea typeface="Open Sans" pitchFamily="34" charset="-122"/>
+                <a:latin typeface="맑은 고딕" panose="020B0503020000020004" pitchFamily="50" charset="-127"/>
+                <a:ea typeface="맑은 고딕" panose="020B0503020000020004" pitchFamily="50" charset="-127"/>
                 <a:cs typeface="Open Sans" pitchFamily="34" charset="-120"/>
               </a:rPr>
               <a:t>공격 발동 시 확인한 플레이어의 좌표에 연속해서 </a:t>
@@ -17888,8 +19617,8 @@
                 <a:solidFill>
                   <a:srgbClr val="49495A"/>
                 </a:solidFill>
-                <a:latin typeface="Open Sans" pitchFamily="34" charset="0"/>
-                <a:ea typeface="Open Sans" pitchFamily="34" charset="-122"/>
+                <a:latin typeface="맑은 고딕" panose="020B0503020000020004" pitchFamily="50" charset="-127"/>
+                <a:ea typeface="맑은 고딕" panose="020B0503020000020004" pitchFamily="50" charset="-127"/>
                 <a:cs typeface="Open Sans" pitchFamily="34" charset="-120"/>
               </a:rPr>
               <a:t>3</a:t>
@@ -17899,8 +19628,8 @@
                 <a:solidFill>
                   <a:srgbClr val="49495A"/>
                 </a:solidFill>
-                <a:latin typeface="Open Sans" pitchFamily="34" charset="0"/>
-                <a:ea typeface="Open Sans" pitchFamily="34" charset="-122"/>
+                <a:latin typeface="맑은 고딕" panose="020B0503020000020004" pitchFamily="50" charset="-127"/>
+                <a:ea typeface="맑은 고딕" panose="020B0503020000020004" pitchFamily="50" charset="-127"/>
                 <a:cs typeface="Open Sans" pitchFamily="34" charset="-120"/>
               </a:rPr>
               <a:t>번의 침을 발사 </a:t>
@@ -17917,8 +19646,8 @@
               <a:solidFill>
                 <a:srgbClr val="49495A"/>
               </a:solidFill>
-              <a:latin typeface="Open Sans" pitchFamily="34" charset="0"/>
-              <a:ea typeface="Open Sans" pitchFamily="34" charset="-122"/>
+              <a:latin typeface="맑은 고딕" panose="020B0503020000020004" pitchFamily="50" charset="-127"/>
+              <a:ea typeface="맑은 고딕" panose="020B0503020000020004" pitchFamily="50" charset="-127"/>
               <a:cs typeface="Open Sans" pitchFamily="34" charset="-120"/>
             </a:endParaRPr>
           </a:p>
@@ -17934,8 +19663,8 @@
                 <a:solidFill>
                   <a:srgbClr val="49495A"/>
                 </a:solidFill>
-                <a:latin typeface="Open Sans" pitchFamily="34" charset="0"/>
-                <a:ea typeface="Open Sans" pitchFamily="34" charset="-122"/>
+                <a:latin typeface="맑은 고딕" panose="020B0503020000020004" pitchFamily="50" charset="-127"/>
+                <a:ea typeface="맑은 고딕" panose="020B0503020000020004" pitchFamily="50" charset="-127"/>
                 <a:cs typeface="Open Sans" pitchFamily="34" charset="-120"/>
               </a:rPr>
               <a:t>각 침은 장판을 형성해 플레이어의 진로를 방해한다</a:t>
@@ -17945,8 +19674,8 @@
                 <a:solidFill>
                   <a:srgbClr val="49495A"/>
                 </a:solidFill>
-                <a:latin typeface="Open Sans" pitchFamily="34" charset="0"/>
-                <a:ea typeface="Open Sans" pitchFamily="34" charset="-122"/>
+                <a:latin typeface="맑은 고딕" panose="020B0503020000020004" pitchFamily="50" charset="-127"/>
+                <a:ea typeface="맑은 고딕" panose="020B0503020000020004" pitchFamily="50" charset="-127"/>
                 <a:cs typeface="Open Sans" pitchFamily="34" charset="-120"/>
               </a:rPr>
               <a:t>.</a:t>
